--- a/Deep6mA/Presentation/deep6mA.pptx
+++ b/Deep6mA/Presentation/deep6mA.pptx
@@ -41,6 +41,12 @@
     <p:sldId id="289" r:id="rId35"/>
     <p:sldId id="290" r:id="rId36"/>
     <p:sldId id="291" r:id="rId37"/>
+    <p:sldId id="292" r:id="rId38"/>
+    <p:sldId id="293" r:id="rId39"/>
+    <p:sldId id="294" r:id="rId40"/>
+    <p:sldId id="295" r:id="rId41"/>
+    <p:sldId id="296" r:id="rId42"/>
+    <p:sldId id="297" r:id="rId43"/>
   </p:sldIdLst>
   <p:sldSz cx="12192000" cy="6858000"/>
   <p:notesSz cx="6858000" cy="9144000"/>
@@ -7279,7 +7285,20 @@
             </a:r>
             <a:r>
               <a:rPr lang="en-US" altLang="zh-TW" sz="2000" dirty="0"/>
-              <a:t>Convolutional Neural Network (CNN) is widely used in image processing and speech recognition due to its high learning efficiency. The architecture of CNN is similar to that of the connectivity pattern of neurons in the human brain and was inspired by the organization of the visual cortex. A CNN generally consists of three parts: convolution layers, pooling layers and fully connected layers, which enables it to successfully capture the spatial and temporal dependence in an image. The convolution layer extracts the high-level features such as edges, color and gradient orientation through multiple feature mapping. The resolution of feature mapping is compressed further by a pooling layer to extract dominant features which are rotational and positional invariant, and to decrease the computational power required to process the data. After multiple convolution and pooling processes, the learned features are mapped to the sample label space by adding the full connection layer to achieve the purpose of classification and prediction.</a:t>
+              <a:t>Convolutional Neural Network (CNN) is widely used in image processing and speech recognition due to its high learning efficiency. The architecture of CNN is similar to that of the connectivity pattern of neurons in the human brain and was inspired by the organization of the visual cortex. A CNN generally consists of three parts: convolution layers, pooling layers and fully connected layers, which enables it to successfully capture the spatial and temporal dependence in an image. </a:t>
+            </a:r>
+          </a:p>
+          <a:p>
+            <a:pPr marL="0" indent="0">
+              <a:buNone/>
+            </a:pPr>
+            <a:r>
+              <a:rPr lang="zh-TW" altLang="en-US" sz="2000" dirty="0"/>
+              <a:t>    </a:t>
+            </a:r>
+            <a:r>
+              <a:rPr lang="en-US" altLang="zh-TW" sz="2000" dirty="0"/>
+              <a:t>The convolution layer extracts the high-level features such as edges, color and gradient orientation through multiple feature mapping. The resolution of feature mapping is compressed further by a pooling layer to extract dominant features which are rotational and positional invariant, and to decrease the computational power required to process the data. After multiple convolution and pooling processes, the learned features are mapped to the sample label space by adding the full connection layer to achieve the purpose of classification and prediction.</a:t>
             </a:r>
           </a:p>
         </p:txBody>
@@ -7288,6 +7307,320 @@
     <p:extLst>
       <p:ext uri="{BB962C8B-B14F-4D97-AF65-F5344CB8AC3E}">
         <p14:creationId xmlns:p14="http://schemas.microsoft.com/office/powerpoint/2010/main" val="2042058055"/>
+      </p:ext>
+    </p:extLst>
+  </p:cSld>
+  <p:clrMapOvr>
+    <a:masterClrMapping/>
+  </p:clrMapOvr>
+</p:sld>
+</file>
+
+<file path=ppt/slides/slide37.xml><?xml version="1.0" encoding="utf-8"?>
+<p:sld xmlns:a="http://schemas.openxmlformats.org/drawingml/2006/main" xmlns:r="http://schemas.openxmlformats.org/officeDocument/2006/relationships" xmlns:p="http://schemas.openxmlformats.org/presentationml/2006/main">
+  <p:cSld>
+    <p:spTree>
+      <p:nvGrpSpPr>
+        <p:cNvPr id="1" name=""/>
+        <p:cNvGrpSpPr/>
+        <p:nvPr/>
+      </p:nvGrpSpPr>
+      <p:grpSpPr>
+        <a:xfrm>
+          <a:off x="0" y="0"/>
+          <a:ext cx="0" cy="0"/>
+          <a:chOff x="0" y="0"/>
+          <a:chExt cx="0" cy="0"/>
+        </a:xfrm>
+      </p:grpSpPr>
+      <p:sp>
+        <p:nvSpPr>
+          <p:cNvPr id="2" name="標題 1">
+            <a:extLst>
+              <a:ext uri="{FF2B5EF4-FFF2-40B4-BE49-F238E27FC236}">
+                <a16:creationId xmlns:a16="http://schemas.microsoft.com/office/drawing/2014/main" id="{C7B55EDB-6608-3CDF-F165-7F6B7E345F41}"/>
+              </a:ext>
+            </a:extLst>
+          </p:cNvPr>
+          <p:cNvSpPr>
+            <a:spLocks noGrp="1"/>
+          </p:cNvSpPr>
+          <p:nvPr>
+            <p:ph type="title"/>
+          </p:nvPr>
+        </p:nvSpPr>
+        <p:spPr>
+          <a:xfrm>
+            <a:off x="838200" y="139960"/>
+            <a:ext cx="10515600" cy="793102"/>
+          </a:xfrm>
+        </p:spPr>
+        <p:txBody>
+          <a:bodyPr/>
+          <a:lstStyle/>
+          <a:p>
+            <a:r>
+              <a:rPr lang="en-US" altLang="zh-TW" dirty="0"/>
+              <a:t>Materials and methods</a:t>
+            </a:r>
+            <a:endParaRPr lang="zh-TW" altLang="en-US" dirty="0"/>
+          </a:p>
+        </p:txBody>
+      </p:sp>
+      <p:sp>
+        <p:nvSpPr>
+          <p:cNvPr id="3" name="內容版面配置區 2">
+            <a:extLst>
+              <a:ext uri="{FF2B5EF4-FFF2-40B4-BE49-F238E27FC236}">
+                <a16:creationId xmlns:a16="http://schemas.microsoft.com/office/drawing/2014/main" id="{997FEF67-95B7-8F99-30AA-238E1F83ECAB}"/>
+              </a:ext>
+            </a:extLst>
+          </p:cNvPr>
+          <p:cNvSpPr>
+            <a:spLocks noGrp="1"/>
+          </p:cNvSpPr>
+          <p:nvPr>
+            <p:ph idx="1"/>
+          </p:nvPr>
+        </p:nvSpPr>
+        <p:spPr>
+          <a:xfrm>
+            <a:off x="838200" y="933062"/>
+            <a:ext cx="10515600" cy="5355771"/>
+          </a:xfrm>
+        </p:spPr>
+        <p:txBody>
+          <a:bodyPr>
+            <a:normAutofit/>
+          </a:bodyPr>
+          <a:lstStyle/>
+          <a:p>
+            <a:r>
+              <a:rPr lang="en-US" altLang="zh-TW" sz="2400" dirty="0"/>
+              <a:t>Convolutional neural network and long short-term memory network</a:t>
+            </a:r>
+            <a:r>
+              <a:rPr lang="zh-TW" altLang="en-US" sz="2400" dirty="0"/>
+              <a:t> </a:t>
+            </a:r>
+            <a:endParaRPr lang="en-US" altLang="zh-TW" sz="2400" dirty="0"/>
+          </a:p>
+          <a:p>
+            <a:pPr marL="0" indent="0">
+              <a:buNone/>
+            </a:pPr>
+            <a:r>
+              <a:rPr lang="zh-TW" altLang="en-US" sz="2400" dirty="0"/>
+              <a:t>    </a:t>
+            </a:r>
+            <a:r>
+              <a:rPr lang="en-US" altLang="zh-TW" sz="2000" dirty="0"/>
+              <a:t>Although CNN is powerful in image processing, it does not consider the dependence between inputs, and has a low power in sequence analysis such as natural language processing. Recurrent Neural Network (RNN) is proposed to overcome this shortcoming. As a special type of RNN, Long Short Term Memory Network (LSTM) is not only designed to capture the long dependent information in sequence but also overcome the training difficult of RNN due to gradient explosion and disappearance [36], thus it is the most widely used RNN in real applications. In LSTM, a storage mechanism is used to replace the hidden function in traditional RNN, with a purpose to enhance the learning ability of LSTM for long-distance dependency. Bi-directional LSTM (BLSTM), compared with unidirectional LSTM, captures better the information of sequence context.</a:t>
+            </a:r>
+          </a:p>
+        </p:txBody>
+      </p:sp>
+    </p:spTree>
+    <p:extLst>
+      <p:ext uri="{BB962C8B-B14F-4D97-AF65-F5344CB8AC3E}">
+        <p14:creationId xmlns:p14="http://schemas.microsoft.com/office/powerpoint/2010/main" val="880407312"/>
+      </p:ext>
+    </p:extLst>
+  </p:cSld>
+  <p:clrMapOvr>
+    <a:masterClrMapping/>
+  </p:clrMapOvr>
+</p:sld>
+</file>
+
+<file path=ppt/slides/slide38.xml><?xml version="1.0" encoding="utf-8"?>
+<p:sld xmlns:a="http://schemas.openxmlformats.org/drawingml/2006/main" xmlns:r="http://schemas.openxmlformats.org/officeDocument/2006/relationships" xmlns:p="http://schemas.openxmlformats.org/presentationml/2006/main">
+  <p:cSld>
+    <p:spTree>
+      <p:nvGrpSpPr>
+        <p:cNvPr id="1" name=""/>
+        <p:cNvGrpSpPr/>
+        <p:nvPr/>
+      </p:nvGrpSpPr>
+      <p:grpSpPr>
+        <a:xfrm>
+          <a:off x="0" y="0"/>
+          <a:ext cx="0" cy="0"/>
+          <a:chOff x="0" y="0"/>
+          <a:chExt cx="0" cy="0"/>
+        </a:xfrm>
+      </p:grpSpPr>
+      <p:sp>
+        <p:nvSpPr>
+          <p:cNvPr id="2" name="標題 1">
+            <a:extLst>
+              <a:ext uri="{FF2B5EF4-FFF2-40B4-BE49-F238E27FC236}">
+                <a16:creationId xmlns:a16="http://schemas.microsoft.com/office/drawing/2014/main" id="{C7B55EDB-6608-3CDF-F165-7F6B7E345F41}"/>
+              </a:ext>
+            </a:extLst>
+          </p:cNvPr>
+          <p:cNvSpPr>
+            <a:spLocks noGrp="1"/>
+          </p:cNvSpPr>
+          <p:nvPr>
+            <p:ph type="title"/>
+          </p:nvPr>
+        </p:nvSpPr>
+        <p:spPr>
+          <a:xfrm>
+            <a:off x="838200" y="139960"/>
+            <a:ext cx="10515600" cy="793102"/>
+          </a:xfrm>
+        </p:spPr>
+        <p:txBody>
+          <a:bodyPr/>
+          <a:lstStyle/>
+          <a:p>
+            <a:r>
+              <a:rPr lang="en-US" altLang="zh-TW" dirty="0"/>
+              <a:t>Materials and methods</a:t>
+            </a:r>
+            <a:endParaRPr lang="zh-TW" altLang="en-US" dirty="0"/>
+          </a:p>
+        </p:txBody>
+      </p:sp>
+      <p:sp>
+        <p:nvSpPr>
+          <p:cNvPr id="3" name="內容版面配置區 2">
+            <a:extLst>
+              <a:ext uri="{FF2B5EF4-FFF2-40B4-BE49-F238E27FC236}">
+                <a16:creationId xmlns:a16="http://schemas.microsoft.com/office/drawing/2014/main" id="{997FEF67-95B7-8F99-30AA-238E1F83ECAB}"/>
+              </a:ext>
+            </a:extLst>
+          </p:cNvPr>
+          <p:cNvSpPr>
+            <a:spLocks noGrp="1"/>
+          </p:cNvSpPr>
+          <p:nvPr>
+            <p:ph idx="1"/>
+          </p:nvPr>
+        </p:nvSpPr>
+        <p:spPr>
+          <a:xfrm>
+            <a:off x="838200" y="933062"/>
+            <a:ext cx="10515600" cy="5355771"/>
+          </a:xfrm>
+        </p:spPr>
+        <p:txBody>
+          <a:bodyPr>
+            <a:normAutofit/>
+          </a:bodyPr>
+          <a:lstStyle/>
+          <a:p>
+            <a:r>
+              <a:rPr lang="en-US" altLang="zh-TW" sz="2400" dirty="0"/>
+              <a:t>The Deep6mA model</a:t>
+            </a:r>
+          </a:p>
+          <a:p>
+            <a:pPr marL="0" indent="0">
+              <a:buNone/>
+            </a:pPr>
+            <a:r>
+              <a:rPr lang="zh-TW" altLang="en-US" sz="2400" dirty="0"/>
+              <a:t>    </a:t>
+            </a:r>
+            <a:r>
+              <a:rPr lang="en-US" altLang="zh-TW" sz="2000" dirty="0"/>
+              <a:t>The loci in DNA sequence are known to have a strong linkage disequilibrium, however, it is difficult to take into consider the dependence structure in traditional modeling for predicting 6mA sites. In this section, to fully capture the information in the sequence, we introduce a deep learning network, Deep6mA, which has a CNN to extract high-level features in the sequence and a BLSTM to learn dependence structure along the sequence. Specifically, Deep6mA is consist of five layers of CNN, one BLSTM layer and one fully connected layer. The convolution layer in CNN collocates 256 filters, and each filter size is 10. The exponential linear unit (</a:t>
+            </a:r>
+            <a:r>
+              <a:rPr lang="en-US" altLang="zh-TW" sz="2000" dirty="0" err="1"/>
+              <a:t>ReLU</a:t>
+            </a:r>
+            <a:r>
+              <a:rPr lang="en-US" altLang="zh-TW" sz="2000" dirty="0"/>
+              <a:t>) was used in CNN layers as activation function.</a:t>
+            </a:r>
+            <a:r>
+              <a:rPr lang="en-US" altLang="zh-TW" sz="1400" dirty="0"/>
+              <a:t> </a:t>
+            </a:r>
+          </a:p>
+          <a:p>
+            <a:pPr marL="0" indent="0">
+              <a:buNone/>
+            </a:pPr>
+            <a:r>
+              <a:rPr lang="en-US" altLang="zh-TW" sz="1400" dirty="0"/>
+              <a:t>    </a:t>
+            </a:r>
+            <a:r>
+              <a:rPr lang="en-US" altLang="zh-TW" sz="2000" dirty="0"/>
+              <a:t>After each convolution layer, a pooling layer with Max Pooling is added to optimize the redundancy of the features and prevent overfitting. Then, one BLSTM layer with size 32 is added after CNN to learn the dependence structure in the sequence. The activation function used in this layer is the tanh activation function. In addition, a Fully Connected (FC) layer with 32 hidden units was used in this model. Finally, a sigmoid activation function is used to combine the outputs from the FC layer to make the final decision. Fig 7 shows the flowchart of Deep6mA.</a:t>
+            </a:r>
+          </a:p>
+        </p:txBody>
+      </p:sp>
+    </p:spTree>
+    <p:extLst>
+      <p:ext uri="{BB962C8B-B14F-4D97-AF65-F5344CB8AC3E}">
+        <p14:creationId xmlns:p14="http://schemas.microsoft.com/office/powerpoint/2010/main" val="646780208"/>
+      </p:ext>
+    </p:extLst>
+  </p:cSld>
+  <p:clrMapOvr>
+    <a:masterClrMapping/>
+  </p:clrMapOvr>
+</p:sld>
+</file>
+
+<file path=ppt/slides/slide39.xml><?xml version="1.0" encoding="utf-8"?>
+<p:sld xmlns:a="http://schemas.openxmlformats.org/drawingml/2006/main" xmlns:r="http://schemas.openxmlformats.org/officeDocument/2006/relationships" xmlns:p="http://schemas.openxmlformats.org/presentationml/2006/main">
+  <p:cSld>
+    <p:spTree>
+      <p:nvGrpSpPr>
+        <p:cNvPr id="1" name=""/>
+        <p:cNvGrpSpPr/>
+        <p:nvPr/>
+      </p:nvGrpSpPr>
+      <p:grpSpPr>
+        <a:xfrm>
+          <a:off x="0" y="0"/>
+          <a:ext cx="0" cy="0"/>
+          <a:chOff x="0" y="0"/>
+          <a:chExt cx="0" cy="0"/>
+        </a:xfrm>
+      </p:grpSpPr>
+      <p:pic>
+        <p:nvPicPr>
+          <p:cNvPr id="5" name="圖片 4">
+            <a:extLst>
+              <a:ext uri="{FF2B5EF4-FFF2-40B4-BE49-F238E27FC236}">
+                <a16:creationId xmlns:a16="http://schemas.microsoft.com/office/drawing/2014/main" id="{75C6499E-C485-2635-4E8A-BBA0B51540F9}"/>
+              </a:ext>
+            </a:extLst>
+          </p:cNvPr>
+          <p:cNvPicPr>
+            <a:picLocks noChangeAspect="1"/>
+          </p:cNvPicPr>
+          <p:nvPr/>
+        </p:nvPicPr>
+        <p:blipFill>
+          <a:blip r:embed="rId2"/>
+          <a:stretch>
+            <a:fillRect/>
+          </a:stretch>
+        </p:blipFill>
+        <p:spPr>
+          <a:xfrm>
+            <a:off x="3294748" y="0"/>
+            <a:ext cx="7617915" cy="6858000"/>
+          </a:xfrm>
+          <a:prstGeom prst="rect">
+            <a:avLst/>
+          </a:prstGeom>
+        </p:spPr>
+      </p:pic>
+    </p:spTree>
+    <p:extLst>
+      <p:ext uri="{BB962C8B-B14F-4D97-AF65-F5344CB8AC3E}">
+        <p14:creationId xmlns:p14="http://schemas.microsoft.com/office/powerpoint/2010/main" val="3027506776"/>
       </p:ext>
     </p:extLst>
   </p:cSld>
@@ -7444,6 +7777,377 @@
     <p:extLst>
       <p:ext uri="{BB962C8B-B14F-4D97-AF65-F5344CB8AC3E}">
         <p14:creationId xmlns:p14="http://schemas.microsoft.com/office/powerpoint/2010/main" val="4092016042"/>
+      </p:ext>
+    </p:extLst>
+  </p:cSld>
+  <p:clrMapOvr>
+    <a:masterClrMapping/>
+  </p:clrMapOvr>
+</p:sld>
+</file>
+
+<file path=ppt/slides/slide40.xml><?xml version="1.0" encoding="utf-8"?>
+<p:sld xmlns:a="http://schemas.openxmlformats.org/drawingml/2006/main" xmlns:r="http://schemas.openxmlformats.org/officeDocument/2006/relationships" xmlns:p="http://schemas.openxmlformats.org/presentationml/2006/main">
+  <p:cSld>
+    <p:spTree>
+      <p:nvGrpSpPr>
+        <p:cNvPr id="1" name=""/>
+        <p:cNvGrpSpPr/>
+        <p:nvPr/>
+      </p:nvGrpSpPr>
+      <p:grpSpPr>
+        <a:xfrm>
+          <a:off x="0" y="0"/>
+          <a:ext cx="0" cy="0"/>
+          <a:chOff x="0" y="0"/>
+          <a:chExt cx="0" cy="0"/>
+        </a:xfrm>
+      </p:grpSpPr>
+      <p:sp>
+        <p:nvSpPr>
+          <p:cNvPr id="2" name="標題 1">
+            <a:extLst>
+              <a:ext uri="{FF2B5EF4-FFF2-40B4-BE49-F238E27FC236}">
+                <a16:creationId xmlns:a16="http://schemas.microsoft.com/office/drawing/2014/main" id="{C7B55EDB-6608-3CDF-F165-7F6B7E345F41}"/>
+              </a:ext>
+            </a:extLst>
+          </p:cNvPr>
+          <p:cNvSpPr>
+            <a:spLocks noGrp="1"/>
+          </p:cNvSpPr>
+          <p:nvPr>
+            <p:ph type="title"/>
+          </p:nvPr>
+        </p:nvSpPr>
+        <p:spPr>
+          <a:xfrm>
+            <a:off x="838200" y="139960"/>
+            <a:ext cx="10515600" cy="793102"/>
+          </a:xfrm>
+        </p:spPr>
+        <p:txBody>
+          <a:bodyPr/>
+          <a:lstStyle/>
+          <a:p>
+            <a:r>
+              <a:rPr lang="en-US" altLang="zh-TW" dirty="0"/>
+              <a:t>Materials and methods</a:t>
+            </a:r>
+            <a:endParaRPr lang="zh-TW" altLang="en-US" dirty="0"/>
+          </a:p>
+        </p:txBody>
+      </p:sp>
+      <p:sp>
+        <p:nvSpPr>
+          <p:cNvPr id="3" name="內容版面配置區 2">
+            <a:extLst>
+              <a:ext uri="{FF2B5EF4-FFF2-40B4-BE49-F238E27FC236}">
+                <a16:creationId xmlns:a16="http://schemas.microsoft.com/office/drawing/2014/main" id="{997FEF67-95B7-8F99-30AA-238E1F83ECAB}"/>
+              </a:ext>
+            </a:extLst>
+          </p:cNvPr>
+          <p:cNvSpPr>
+            <a:spLocks noGrp="1"/>
+          </p:cNvSpPr>
+          <p:nvPr>
+            <p:ph idx="1"/>
+          </p:nvPr>
+        </p:nvSpPr>
+        <p:spPr>
+          <a:xfrm>
+            <a:off x="838200" y="933062"/>
+            <a:ext cx="10515600" cy="5355771"/>
+          </a:xfrm>
+        </p:spPr>
+        <p:txBody>
+          <a:bodyPr>
+            <a:normAutofit/>
+          </a:bodyPr>
+          <a:lstStyle/>
+          <a:p>
+            <a:r>
+              <a:rPr lang="en-US" altLang="zh-TW" sz="2400" dirty="0"/>
+              <a:t>The Deep6mA model</a:t>
+            </a:r>
+          </a:p>
+          <a:p>
+            <a:pPr marL="0" indent="0">
+              <a:buNone/>
+            </a:pPr>
+            <a:r>
+              <a:rPr lang="zh-TW" altLang="en-US" sz="2400" dirty="0"/>
+              <a:t>    </a:t>
+            </a:r>
+            <a:r>
+              <a:rPr lang="en-US" altLang="zh-TW" sz="2000" dirty="0"/>
+              <a:t>Deep6mA is trained by using Adam [37]. Batch normalization and dropout [38] are applied after each convolutional procedure to accelerate training and avoid overfitting. The dropout rate is set as 0.5, the learning rate is set as 0.01, and the reduced factor is set as 0.5. In addition, the maximum training epoch and batch size is set as 50 and 256, respectively. We take 1/8 of training data, about 10% of the whole dataset, as validation data, and use an early stopping strategy with patience 5, which means the training process will stop when prediction performance did not improve on the validation set. The whole framework is implemented in </a:t>
+            </a:r>
+            <a:r>
+              <a:rPr lang="en-US" altLang="zh-TW" sz="2000" dirty="0" err="1"/>
+              <a:t>Pytorch</a:t>
+            </a:r>
+            <a:r>
+              <a:rPr lang="en-US" altLang="zh-TW" sz="2000" dirty="0"/>
+              <a:t> (https://pytorch.org)</a:t>
+            </a:r>
+          </a:p>
+        </p:txBody>
+      </p:sp>
+    </p:spTree>
+    <p:extLst>
+      <p:ext uri="{BB962C8B-B14F-4D97-AF65-F5344CB8AC3E}">
+        <p14:creationId xmlns:p14="http://schemas.microsoft.com/office/powerpoint/2010/main" val="2873019847"/>
+      </p:ext>
+    </p:extLst>
+  </p:cSld>
+  <p:clrMapOvr>
+    <a:masterClrMapping/>
+  </p:clrMapOvr>
+</p:sld>
+</file>
+
+<file path=ppt/slides/slide41.xml><?xml version="1.0" encoding="utf-8"?>
+<p:sld xmlns:a="http://schemas.openxmlformats.org/drawingml/2006/main" xmlns:r="http://schemas.openxmlformats.org/officeDocument/2006/relationships" xmlns:p="http://schemas.openxmlformats.org/presentationml/2006/main">
+  <p:cSld>
+    <p:spTree>
+      <p:nvGrpSpPr>
+        <p:cNvPr id="1" name=""/>
+        <p:cNvGrpSpPr/>
+        <p:nvPr/>
+      </p:nvGrpSpPr>
+      <p:grpSpPr>
+        <a:xfrm>
+          <a:off x="0" y="0"/>
+          <a:ext cx="0" cy="0"/>
+          <a:chOff x="0" y="0"/>
+          <a:chExt cx="0" cy="0"/>
+        </a:xfrm>
+      </p:grpSpPr>
+      <p:sp>
+        <p:nvSpPr>
+          <p:cNvPr id="2" name="標題 1">
+            <a:extLst>
+              <a:ext uri="{FF2B5EF4-FFF2-40B4-BE49-F238E27FC236}">
+                <a16:creationId xmlns:a16="http://schemas.microsoft.com/office/drawing/2014/main" id="{C7B55EDB-6608-3CDF-F165-7F6B7E345F41}"/>
+              </a:ext>
+            </a:extLst>
+          </p:cNvPr>
+          <p:cNvSpPr>
+            <a:spLocks noGrp="1"/>
+          </p:cNvSpPr>
+          <p:nvPr>
+            <p:ph type="title"/>
+          </p:nvPr>
+        </p:nvSpPr>
+        <p:spPr>
+          <a:xfrm>
+            <a:off x="838200" y="139960"/>
+            <a:ext cx="10515600" cy="793102"/>
+          </a:xfrm>
+        </p:spPr>
+        <p:txBody>
+          <a:bodyPr/>
+          <a:lstStyle/>
+          <a:p>
+            <a:r>
+              <a:rPr lang="en-US" altLang="zh-TW" dirty="0"/>
+              <a:t>Materials and methods</a:t>
+            </a:r>
+            <a:endParaRPr lang="zh-TW" altLang="en-US" dirty="0"/>
+          </a:p>
+        </p:txBody>
+      </p:sp>
+      <p:sp>
+        <p:nvSpPr>
+          <p:cNvPr id="3" name="內容版面配置區 2">
+            <a:extLst>
+              <a:ext uri="{FF2B5EF4-FFF2-40B4-BE49-F238E27FC236}">
+                <a16:creationId xmlns:a16="http://schemas.microsoft.com/office/drawing/2014/main" id="{997FEF67-95B7-8F99-30AA-238E1F83ECAB}"/>
+              </a:ext>
+            </a:extLst>
+          </p:cNvPr>
+          <p:cNvSpPr>
+            <a:spLocks noGrp="1"/>
+          </p:cNvSpPr>
+          <p:nvPr>
+            <p:ph idx="1"/>
+          </p:nvPr>
+        </p:nvSpPr>
+        <p:spPr>
+          <a:xfrm>
+            <a:off x="838200" y="933062"/>
+            <a:ext cx="10515600" cy="5355771"/>
+          </a:xfrm>
+        </p:spPr>
+        <p:txBody>
+          <a:bodyPr>
+            <a:normAutofit/>
+          </a:bodyPr>
+          <a:lstStyle/>
+          <a:p>
+            <a:r>
+              <a:rPr lang="en-US" altLang="zh-TW" sz="2400" dirty="0"/>
+              <a:t>Prediction accuracy assessment</a:t>
+            </a:r>
+          </a:p>
+          <a:p>
+            <a:pPr marL="0" indent="0">
+              <a:buNone/>
+            </a:pPr>
+            <a:r>
+              <a:rPr lang="zh-TW" altLang="en-US" sz="2400" dirty="0"/>
+              <a:t>    </a:t>
+            </a:r>
+            <a:r>
+              <a:rPr lang="en-US" altLang="zh-TW" sz="2000" dirty="0"/>
+              <a:t>In this work, the prediction accuracy (ACC), Matthews correlation coefficient (MCC), sensitivity (SN) and specificity (SP) are used to evaluate the performance of different methods. Their definitions are given below. The receiver operating characteristic curve (ROC), the area under the curve (AUC) and precision recall curves (PRC) are used to show the detailed performance of different methods. The X-axis of the ROC curve is false positive rate (FPR = 1-SP), and the Y-axis is true positive rate (TPR = SN). The X-axis of the PRC curve is recall (Recall = SN), and the Y-axis is precision. The evaluation and comparison of the models in this paper are based on 5-fold cross validation</a:t>
+            </a:r>
+          </a:p>
+        </p:txBody>
+      </p:sp>
+    </p:spTree>
+    <p:extLst>
+      <p:ext uri="{BB962C8B-B14F-4D97-AF65-F5344CB8AC3E}">
+        <p14:creationId xmlns:p14="http://schemas.microsoft.com/office/powerpoint/2010/main" val="3046703179"/>
+      </p:ext>
+    </p:extLst>
+  </p:cSld>
+  <p:clrMapOvr>
+    <a:masterClrMapping/>
+  </p:clrMapOvr>
+</p:sld>
+</file>
+
+<file path=ppt/slides/slide42.xml><?xml version="1.0" encoding="utf-8"?>
+<p:sld xmlns:a="http://schemas.openxmlformats.org/drawingml/2006/main" xmlns:r="http://schemas.openxmlformats.org/officeDocument/2006/relationships" xmlns:p="http://schemas.openxmlformats.org/presentationml/2006/main">
+  <p:cSld>
+    <p:spTree>
+      <p:nvGrpSpPr>
+        <p:cNvPr id="1" name=""/>
+        <p:cNvGrpSpPr/>
+        <p:nvPr/>
+      </p:nvGrpSpPr>
+      <p:grpSpPr>
+        <a:xfrm>
+          <a:off x="0" y="0"/>
+          <a:ext cx="0" cy="0"/>
+          <a:chOff x="0" y="0"/>
+          <a:chExt cx="0" cy="0"/>
+        </a:xfrm>
+      </p:grpSpPr>
+      <p:sp>
+        <p:nvSpPr>
+          <p:cNvPr id="2" name="標題 1">
+            <a:extLst>
+              <a:ext uri="{FF2B5EF4-FFF2-40B4-BE49-F238E27FC236}">
+                <a16:creationId xmlns:a16="http://schemas.microsoft.com/office/drawing/2014/main" id="{C7B55EDB-6608-3CDF-F165-7F6B7E345F41}"/>
+              </a:ext>
+            </a:extLst>
+          </p:cNvPr>
+          <p:cNvSpPr>
+            <a:spLocks noGrp="1"/>
+          </p:cNvSpPr>
+          <p:nvPr>
+            <p:ph type="title"/>
+          </p:nvPr>
+        </p:nvSpPr>
+        <p:spPr>
+          <a:xfrm>
+            <a:off x="838200" y="139960"/>
+            <a:ext cx="10515600" cy="793102"/>
+          </a:xfrm>
+        </p:spPr>
+        <p:txBody>
+          <a:bodyPr/>
+          <a:lstStyle/>
+          <a:p>
+            <a:r>
+              <a:rPr lang="en-US" altLang="zh-TW" dirty="0"/>
+              <a:t>Materials and methods</a:t>
+            </a:r>
+            <a:endParaRPr lang="zh-TW" altLang="en-US" dirty="0"/>
+          </a:p>
+        </p:txBody>
+      </p:sp>
+      <p:sp>
+        <p:nvSpPr>
+          <p:cNvPr id="3" name="內容版面配置區 2">
+            <a:extLst>
+              <a:ext uri="{FF2B5EF4-FFF2-40B4-BE49-F238E27FC236}">
+                <a16:creationId xmlns:a16="http://schemas.microsoft.com/office/drawing/2014/main" id="{997FEF67-95B7-8F99-30AA-238E1F83ECAB}"/>
+              </a:ext>
+            </a:extLst>
+          </p:cNvPr>
+          <p:cNvSpPr>
+            <a:spLocks noGrp="1"/>
+          </p:cNvSpPr>
+          <p:nvPr>
+            <p:ph idx="1"/>
+          </p:nvPr>
+        </p:nvSpPr>
+        <p:spPr>
+          <a:xfrm>
+            <a:off x="838200" y="933062"/>
+            <a:ext cx="10515600" cy="5355771"/>
+          </a:xfrm>
+        </p:spPr>
+        <p:txBody>
+          <a:bodyPr>
+            <a:normAutofit/>
+          </a:bodyPr>
+          <a:lstStyle/>
+          <a:p>
+            <a:r>
+              <a:rPr lang="en-US" altLang="zh-TW" sz="2400" dirty="0"/>
+              <a:t>Prediction accuracy assessment</a:t>
+            </a:r>
+          </a:p>
+          <a:p>
+            <a:pPr marL="0" indent="0">
+              <a:buNone/>
+            </a:pPr>
+            <a:r>
+              <a:rPr lang="zh-TW" altLang="en-US" sz="2400" dirty="0"/>
+              <a:t>    </a:t>
+            </a:r>
+            <a:endParaRPr lang="en-US" altLang="zh-TW" sz="2000" dirty="0"/>
+          </a:p>
+        </p:txBody>
+      </p:sp>
+      <p:pic>
+        <p:nvPicPr>
+          <p:cNvPr id="5" name="圖片 4">
+            <a:extLst>
+              <a:ext uri="{FF2B5EF4-FFF2-40B4-BE49-F238E27FC236}">
+                <a16:creationId xmlns:a16="http://schemas.microsoft.com/office/drawing/2014/main" id="{81C7FC83-CE3C-4E10-CA8C-D7CD415DD12E}"/>
+              </a:ext>
+            </a:extLst>
+          </p:cNvPr>
+          <p:cNvPicPr>
+            <a:picLocks noChangeAspect="1"/>
+          </p:cNvPicPr>
+          <p:nvPr/>
+        </p:nvPicPr>
+        <p:blipFill>
+          <a:blip r:embed="rId2"/>
+          <a:stretch>
+            <a:fillRect/>
+          </a:stretch>
+        </p:blipFill>
+        <p:spPr>
+          <a:xfrm>
+            <a:off x="3304785" y="1509444"/>
+            <a:ext cx="5582429" cy="3839111"/>
+          </a:xfrm>
+          <a:prstGeom prst="rect">
+            <a:avLst/>
+          </a:prstGeom>
+        </p:spPr>
+      </p:pic>
+    </p:spTree>
+    <p:extLst>
+      <p:ext uri="{BB962C8B-B14F-4D97-AF65-F5344CB8AC3E}">
+        <p14:creationId xmlns:p14="http://schemas.microsoft.com/office/powerpoint/2010/main" val="3198434626"/>
       </p:ext>
     </p:extLst>
   </p:cSld>

--- a/Deep6mA/Presentation/deep6mA.pptx
+++ b/Deep6mA/Presentation/deep6mA.pptx
@@ -35,18 +35,19 @@
     <p:sldId id="284" r:id="rId29"/>
     <p:sldId id="283" r:id="rId30"/>
     <p:sldId id="285" r:id="rId31"/>
-    <p:sldId id="286" r:id="rId32"/>
-    <p:sldId id="287" r:id="rId33"/>
-    <p:sldId id="288" r:id="rId34"/>
-    <p:sldId id="289" r:id="rId35"/>
-    <p:sldId id="290" r:id="rId36"/>
-    <p:sldId id="291" r:id="rId37"/>
-    <p:sldId id="292" r:id="rId38"/>
-    <p:sldId id="293" r:id="rId39"/>
-    <p:sldId id="294" r:id="rId40"/>
-    <p:sldId id="295" r:id="rId41"/>
-    <p:sldId id="296" r:id="rId42"/>
-    <p:sldId id="297" r:id="rId43"/>
+    <p:sldId id="298" r:id="rId32"/>
+    <p:sldId id="286" r:id="rId33"/>
+    <p:sldId id="287" r:id="rId34"/>
+    <p:sldId id="288" r:id="rId35"/>
+    <p:sldId id="289" r:id="rId36"/>
+    <p:sldId id="290" r:id="rId37"/>
+    <p:sldId id="291" r:id="rId38"/>
+    <p:sldId id="292" r:id="rId39"/>
+    <p:sldId id="293" r:id="rId40"/>
+    <p:sldId id="294" r:id="rId41"/>
+    <p:sldId id="295" r:id="rId42"/>
+    <p:sldId id="296" r:id="rId43"/>
+    <p:sldId id="297" r:id="rId44"/>
   </p:sldIdLst>
   <p:sldSz cx="12192000" cy="6858000"/>
   <p:notesSz cx="6858000" cy="9144000"/>
@@ -300,7 +301,7 @@
           <a:p>
             <a:fld id="{B0571FA7-C913-4A27-9C2E-3B482D687F2A}" type="datetimeFigureOut">
               <a:rPr lang="zh-TW" altLang="en-US" smtClean="0"/>
-              <a:t>2022/5/4</a:t>
+              <a:t>2022/5/5</a:t>
             </a:fld>
             <a:endParaRPr lang="zh-TW" altLang="en-US"/>
           </a:p>
@@ -498,7 +499,7 @@
           <a:p>
             <a:fld id="{B0571FA7-C913-4A27-9C2E-3B482D687F2A}" type="datetimeFigureOut">
               <a:rPr lang="zh-TW" altLang="en-US" smtClean="0"/>
-              <a:t>2022/5/4</a:t>
+              <a:t>2022/5/5</a:t>
             </a:fld>
             <a:endParaRPr lang="zh-TW" altLang="en-US"/>
           </a:p>
@@ -706,7 +707,7 @@
           <a:p>
             <a:fld id="{B0571FA7-C913-4A27-9C2E-3B482D687F2A}" type="datetimeFigureOut">
               <a:rPr lang="zh-TW" altLang="en-US" smtClean="0"/>
-              <a:t>2022/5/4</a:t>
+              <a:t>2022/5/5</a:t>
             </a:fld>
             <a:endParaRPr lang="zh-TW" altLang="en-US"/>
           </a:p>
@@ -904,7 +905,7 @@
           <a:p>
             <a:fld id="{B0571FA7-C913-4A27-9C2E-3B482D687F2A}" type="datetimeFigureOut">
               <a:rPr lang="zh-TW" altLang="en-US" smtClean="0"/>
-              <a:t>2022/5/4</a:t>
+              <a:t>2022/5/5</a:t>
             </a:fld>
             <a:endParaRPr lang="zh-TW" altLang="en-US"/>
           </a:p>
@@ -1179,7 +1180,7 @@
           <a:p>
             <a:fld id="{B0571FA7-C913-4A27-9C2E-3B482D687F2A}" type="datetimeFigureOut">
               <a:rPr lang="zh-TW" altLang="en-US" smtClean="0"/>
-              <a:t>2022/5/4</a:t>
+              <a:t>2022/5/5</a:t>
             </a:fld>
             <a:endParaRPr lang="zh-TW" altLang="en-US"/>
           </a:p>
@@ -1444,7 +1445,7 @@
           <a:p>
             <a:fld id="{B0571FA7-C913-4A27-9C2E-3B482D687F2A}" type="datetimeFigureOut">
               <a:rPr lang="zh-TW" altLang="en-US" smtClean="0"/>
-              <a:t>2022/5/4</a:t>
+              <a:t>2022/5/5</a:t>
             </a:fld>
             <a:endParaRPr lang="zh-TW" altLang="en-US"/>
           </a:p>
@@ -1856,7 +1857,7 @@
           <a:p>
             <a:fld id="{B0571FA7-C913-4A27-9C2E-3B482D687F2A}" type="datetimeFigureOut">
               <a:rPr lang="zh-TW" altLang="en-US" smtClean="0"/>
-              <a:t>2022/5/4</a:t>
+              <a:t>2022/5/5</a:t>
             </a:fld>
             <a:endParaRPr lang="zh-TW" altLang="en-US"/>
           </a:p>
@@ -1997,7 +1998,7 @@
           <a:p>
             <a:fld id="{B0571FA7-C913-4A27-9C2E-3B482D687F2A}" type="datetimeFigureOut">
               <a:rPr lang="zh-TW" altLang="en-US" smtClean="0"/>
-              <a:t>2022/5/4</a:t>
+              <a:t>2022/5/5</a:t>
             </a:fld>
             <a:endParaRPr lang="zh-TW" altLang="en-US"/>
           </a:p>
@@ -2110,7 +2111,7 @@
           <a:p>
             <a:fld id="{B0571FA7-C913-4A27-9C2E-3B482D687F2A}" type="datetimeFigureOut">
               <a:rPr lang="zh-TW" altLang="en-US" smtClean="0"/>
-              <a:t>2022/5/4</a:t>
+              <a:t>2022/5/5</a:t>
             </a:fld>
             <a:endParaRPr lang="zh-TW" altLang="en-US"/>
           </a:p>
@@ -2421,7 +2422,7 @@
           <a:p>
             <a:fld id="{B0571FA7-C913-4A27-9C2E-3B482D687F2A}" type="datetimeFigureOut">
               <a:rPr lang="zh-TW" altLang="en-US" smtClean="0"/>
-              <a:t>2022/5/4</a:t>
+              <a:t>2022/5/5</a:t>
             </a:fld>
             <a:endParaRPr lang="zh-TW" altLang="en-US"/>
           </a:p>
@@ -2709,7 +2710,7 @@
           <a:p>
             <a:fld id="{B0571FA7-C913-4A27-9C2E-3B482D687F2A}" type="datetimeFigureOut">
               <a:rPr lang="zh-TW" altLang="en-US" smtClean="0"/>
-              <a:t>2022/5/4</a:t>
+              <a:t>2022/5/5</a:t>
             </a:fld>
             <a:endParaRPr lang="zh-TW" altLang="en-US"/>
           </a:p>
@@ -2950,7 +2951,7 @@
           <a:p>
             <a:fld id="{B0571FA7-C913-4A27-9C2E-3B482D687F2A}" type="datetimeFigureOut">
               <a:rPr lang="zh-TW" altLang="en-US" smtClean="0"/>
-              <a:t>2022/5/4</a:t>
+              <a:t>2022/5/5</a:t>
             </a:fld>
             <a:endParaRPr lang="zh-TW" altLang="en-US"/>
           </a:p>
@@ -4241,7 +4242,7 @@
             </a:pPr>
             <a:r>
               <a:rPr lang="en-US" altLang="zh-TW" sz="2000" dirty="0"/>
-              <a:t>the distributions of the distance between adjacent 6mA sites are similar for different chromosomes;</a:t>
+              <a:t>the distributions of the distance between adjacent 6mA sites are similar for different chromosomes.</a:t>
             </a:r>
           </a:p>
           <a:p>
@@ -4696,7 +4697,7 @@
             </a:pPr>
             <a:r>
               <a:rPr lang="en-US" altLang="zh-TW" sz="2000" dirty="0"/>
-              <a:t>    Deep6mA is the best one among these methods in terms of SN, SP, ACC, MCC and AUC as shown in Table 2 with SN, SP, ACC, MCC and AUC as 95.06%, 92.96%, 94.01%, 0.88 and 0.98 respectively. The better performance of Deep6mA is mainly due to the ability of BLSTM to learn the dependence structure between distant nucleotides. To be specific, BLSTM is able to get useful information from a previous position for current position, and the distance between these two positions is adaptive to the sequence, maybe as short as 1 bp, or as long as 100 bp. This exactly matches the feature of 6mA sites that the distance between 6mA sites varies, since the position of the 6th nitrogen atom of adenine varies. In other words, BLSTM learns from training data how to predict the 6mA status of current site by using 6mA status of previous sites, and it also learns how many previous sites are used</a:t>
+              <a:t>    Deep6mA is the best one among these methods in terms of SN, SP, ACC, MCC and AUC as shown in Table 2 with SN, SP, ACC, MCC and AUC as 95.06%, 92.96%, 94.01%, 0.88 and 0.98 respectively. The better performance of Deep6mA is mainly due to the ability of BLSTM to learn the dependence structure between distant nucleotides. To be specific, BLSTM is able to get useful information from a previous position for current position, and the distance between these two positions is adaptive to the sequence, maybe as short as 1 bp, or as long as 100 bp. This exactly matches the feature of 6mA sites that the distance between 6mA sites varies, since the position of the 6th nitrogen atom of adenine varies. In other words, BLSTM learns from training data how to predict the 6mA status of current site by using 6mA status of previous sites, and it also learns how many previous sites are used.</a:t>
             </a:r>
           </a:p>
         </p:txBody>
@@ -5632,7 +5633,7 @@
         </p:nvSpPr>
         <p:spPr>
           <a:xfrm>
-            <a:off x="838199" y="1259634"/>
+            <a:off x="950167" y="1259634"/>
             <a:ext cx="10515600" cy="5355771"/>
           </a:xfrm>
         </p:spPr>
@@ -5865,115 +5866,40 @@
           <a:chExt cx="0" cy="0"/>
         </a:xfrm>
       </p:grpSpPr>
-      <p:sp>
-        <p:nvSpPr>
-          <p:cNvPr id="2" name="標題 1">
-            <a:extLst>
-              <a:ext uri="{FF2B5EF4-FFF2-40B4-BE49-F238E27FC236}">
-                <a16:creationId xmlns:a16="http://schemas.microsoft.com/office/drawing/2014/main" id="{C7B55EDB-6608-3CDF-F165-7F6B7E345F41}"/>
-              </a:ext>
-            </a:extLst>
-          </p:cNvPr>
-          <p:cNvSpPr>
-            <a:spLocks noGrp="1"/>
-          </p:cNvSpPr>
-          <p:nvPr>
-            <p:ph type="title"/>
-          </p:nvPr>
-        </p:nvSpPr>
-        <p:spPr>
-          <a:xfrm>
-            <a:off x="838200" y="365126"/>
-            <a:ext cx="10515600" cy="894508"/>
-          </a:xfrm>
-        </p:spPr>
-        <p:txBody>
-          <a:bodyPr/>
-          <a:lstStyle/>
-          <a:p>
-            <a:r>
-              <a:rPr lang="en-US" altLang="zh-TW" dirty="0"/>
-              <a:t>Discussion</a:t>
-            </a:r>
-            <a:endParaRPr lang="zh-TW" altLang="en-US" dirty="0"/>
-          </a:p>
-        </p:txBody>
-      </p:sp>
-      <p:sp>
-        <p:nvSpPr>
-          <p:cNvPr id="3" name="內容版面配置區 2">
-            <a:extLst>
-              <a:ext uri="{FF2B5EF4-FFF2-40B4-BE49-F238E27FC236}">
-                <a16:creationId xmlns:a16="http://schemas.microsoft.com/office/drawing/2014/main" id="{997FEF67-95B7-8F99-30AA-238E1F83ECAB}"/>
-              </a:ext>
-            </a:extLst>
-          </p:cNvPr>
-          <p:cNvSpPr>
-            <a:spLocks noGrp="1"/>
-          </p:cNvSpPr>
-          <p:nvPr>
-            <p:ph idx="1"/>
-          </p:nvPr>
-        </p:nvSpPr>
-        <p:spPr>
-          <a:xfrm>
-            <a:off x="838199" y="1259634"/>
-            <a:ext cx="10515600" cy="5355771"/>
-          </a:xfrm>
-        </p:spPr>
-        <p:txBody>
-          <a:bodyPr>
-            <a:normAutofit/>
-          </a:bodyPr>
-          <a:lstStyle/>
-          <a:p>
-            <a:pPr marL="0" indent="0">
-              <a:buNone/>
-            </a:pPr>
-            <a:r>
-              <a:rPr lang="zh-TW" altLang="en-US" sz="2000" dirty="0"/>
-              <a:t>    </a:t>
-            </a:r>
-            <a:r>
-              <a:rPr lang="en-US" altLang="zh-TW" sz="2000" dirty="0"/>
-              <a:t>In this study, we propose a deep learning framework named Deep6mA by integrating CNN and LSTM to efficiently predict DNA 6mA sites. Deep6mA uses a CNN layer to extract DNA sequence characterization, and then spreads it into a BLSTM layer to capture context dependency information of 6mA sites. Finally, these features are transferred to a fully connected</a:t>
-            </a:r>
-            <a:r>
-              <a:rPr lang="zh-TW" altLang="en-US" sz="2000" dirty="0"/>
-              <a:t> </a:t>
-            </a:r>
-            <a:r>
-              <a:rPr lang="en-US" altLang="zh-TW" sz="2000" dirty="0"/>
-              <a:t>layer to determine whether the site is a 6mA site. </a:t>
-            </a:r>
-          </a:p>
-          <a:p>
-            <a:pPr marL="0" indent="0">
-              <a:buNone/>
-            </a:pPr>
-            <a:r>
-              <a:rPr lang="zh-TW" altLang="en-US" sz="2000" dirty="0"/>
-              <a:t>    </a:t>
-            </a:r>
-            <a:r>
-              <a:rPr lang="en-US" altLang="zh-TW" sz="2000" dirty="0"/>
-              <a:t>The experimental results show that Deep6mA can predict the 6mA site of rice with high accuracy. Importantly, we found that most of the 6mA methylation modifications in different plant species are more likely to occur on GAGG motifs. This shows that DNA sub-sequences containing 6mA sites among species have certain conservation. Maybe this is the reason why Deep6mA model trained with rice data can accurately predict 6mA sites in other plant species. However, there are some inadequacies in this study, such as the selection of sequence length. In theory, the longer the sequence, the more information it provides. All previous studies on 6mA site recognition are based on the</a:t>
-            </a:r>
-            <a:r>
-              <a:rPr lang="zh-TW" altLang="en-US" sz="2000" dirty="0"/>
-              <a:t> </a:t>
-            </a:r>
-            <a:r>
-              <a:rPr lang="en-US" altLang="zh-TW" sz="2000" dirty="0"/>
-              <a:t>sequence with a length of 41nt.</a:t>
-            </a:r>
-          </a:p>
-        </p:txBody>
-      </p:sp>
+      <p:pic>
+        <p:nvPicPr>
+          <p:cNvPr id="3" name="圖片 2">
+            <a:extLst>
+              <a:ext uri="{FF2B5EF4-FFF2-40B4-BE49-F238E27FC236}">
+                <a16:creationId xmlns:a16="http://schemas.microsoft.com/office/drawing/2014/main" id="{DB94A8B7-2A40-6EA4-8739-E537514B1BA0}"/>
+              </a:ext>
+            </a:extLst>
+          </p:cNvPr>
+          <p:cNvPicPr>
+            <a:picLocks noChangeAspect="1"/>
+          </p:cNvPicPr>
+          <p:nvPr/>
+        </p:nvPicPr>
+        <p:blipFill>
+          <a:blip r:embed="rId2"/>
+          <a:stretch>
+            <a:fillRect/>
+          </a:stretch>
+        </p:blipFill>
+        <p:spPr>
+          <a:xfrm>
+            <a:off x="2228310" y="675891"/>
+            <a:ext cx="7735380" cy="5506218"/>
+          </a:xfrm>
+          <a:prstGeom prst="rect">
+            <a:avLst/>
+          </a:prstGeom>
+        </p:spPr>
+      </p:pic>
     </p:spTree>
     <p:extLst>
       <p:ext uri="{BB962C8B-B14F-4D97-AF65-F5344CB8AC3E}">
-        <p14:creationId xmlns:p14="http://schemas.microsoft.com/office/powerpoint/2010/main" val="723708427"/>
+        <p14:creationId xmlns:p14="http://schemas.microsoft.com/office/powerpoint/2010/main" val="118145854"/>
       </p:ext>
     </p:extLst>
   </p:cSld>
@@ -6071,6 +5997,141 @@
             </a:r>
             <a:r>
               <a:rPr lang="en-US" altLang="zh-TW" sz="2000" dirty="0"/>
+              <a:t>In this study, we propose a deep learning framework named Deep6mA by integrating CNN and LSTM to efficiently predict DNA 6mA sites. Deep6mA uses a CNN layer to extract DNA sequence characterization, and then spreads it into a BLSTM layer to capture context dependency information of 6mA sites. Finally, these features are transferred to a fully connected</a:t>
+            </a:r>
+            <a:r>
+              <a:rPr lang="zh-TW" altLang="en-US" sz="2000" dirty="0"/>
+              <a:t> </a:t>
+            </a:r>
+            <a:r>
+              <a:rPr lang="en-US" altLang="zh-TW" sz="2000" dirty="0"/>
+              <a:t>layer to determine whether the site is a 6mA site. </a:t>
+            </a:r>
+          </a:p>
+          <a:p>
+            <a:pPr marL="0" indent="0">
+              <a:buNone/>
+            </a:pPr>
+            <a:r>
+              <a:rPr lang="zh-TW" altLang="en-US" sz="2000" dirty="0"/>
+              <a:t>    </a:t>
+            </a:r>
+            <a:r>
+              <a:rPr lang="en-US" altLang="zh-TW" sz="2000" dirty="0"/>
+              <a:t>The experimental results show that Deep6mA can predict the 6mA site of rice with high accuracy. Importantly, we found that most of the 6mA methylation modifications in different plant species are more likely to occur on GAGG motifs. This shows that DNA sub-sequences containing 6mA sites among species have certain conservation. Maybe this is the reason why Deep6mA model trained with rice data can accurately predict 6mA sites in other plant species. However, there are some inadequacies in this study, such as the selection of sequence length. In theory, the longer the sequence, the more information it provides. All previous studies on 6mA site recognition are based on the</a:t>
+            </a:r>
+            <a:r>
+              <a:rPr lang="zh-TW" altLang="en-US" sz="2000" dirty="0"/>
+              <a:t> </a:t>
+            </a:r>
+            <a:r>
+              <a:rPr lang="en-US" altLang="zh-TW" sz="2000" dirty="0"/>
+              <a:t>sequence with a length of 41nt.</a:t>
+            </a:r>
+          </a:p>
+        </p:txBody>
+      </p:sp>
+    </p:spTree>
+    <p:extLst>
+      <p:ext uri="{BB962C8B-B14F-4D97-AF65-F5344CB8AC3E}">
+        <p14:creationId xmlns:p14="http://schemas.microsoft.com/office/powerpoint/2010/main" val="723708427"/>
+      </p:ext>
+    </p:extLst>
+  </p:cSld>
+  <p:clrMapOvr>
+    <a:masterClrMapping/>
+  </p:clrMapOvr>
+</p:sld>
+</file>
+
+<file path=ppt/slides/slide33.xml><?xml version="1.0" encoding="utf-8"?>
+<p:sld xmlns:a="http://schemas.openxmlformats.org/drawingml/2006/main" xmlns:r="http://schemas.openxmlformats.org/officeDocument/2006/relationships" xmlns:p="http://schemas.openxmlformats.org/presentationml/2006/main">
+  <p:cSld>
+    <p:spTree>
+      <p:nvGrpSpPr>
+        <p:cNvPr id="1" name=""/>
+        <p:cNvGrpSpPr/>
+        <p:nvPr/>
+      </p:nvGrpSpPr>
+      <p:grpSpPr>
+        <a:xfrm>
+          <a:off x="0" y="0"/>
+          <a:ext cx="0" cy="0"/>
+          <a:chOff x="0" y="0"/>
+          <a:chExt cx="0" cy="0"/>
+        </a:xfrm>
+      </p:grpSpPr>
+      <p:sp>
+        <p:nvSpPr>
+          <p:cNvPr id="2" name="標題 1">
+            <a:extLst>
+              <a:ext uri="{FF2B5EF4-FFF2-40B4-BE49-F238E27FC236}">
+                <a16:creationId xmlns:a16="http://schemas.microsoft.com/office/drawing/2014/main" id="{C7B55EDB-6608-3CDF-F165-7F6B7E345F41}"/>
+              </a:ext>
+            </a:extLst>
+          </p:cNvPr>
+          <p:cNvSpPr>
+            <a:spLocks noGrp="1"/>
+          </p:cNvSpPr>
+          <p:nvPr>
+            <p:ph type="title"/>
+          </p:nvPr>
+        </p:nvSpPr>
+        <p:spPr>
+          <a:xfrm>
+            <a:off x="838200" y="365126"/>
+            <a:ext cx="10515600" cy="894508"/>
+          </a:xfrm>
+        </p:spPr>
+        <p:txBody>
+          <a:bodyPr/>
+          <a:lstStyle/>
+          <a:p>
+            <a:r>
+              <a:rPr lang="en-US" altLang="zh-TW" dirty="0"/>
+              <a:t>Discussion</a:t>
+            </a:r>
+            <a:endParaRPr lang="zh-TW" altLang="en-US" dirty="0"/>
+          </a:p>
+        </p:txBody>
+      </p:sp>
+      <p:sp>
+        <p:nvSpPr>
+          <p:cNvPr id="3" name="內容版面配置區 2">
+            <a:extLst>
+              <a:ext uri="{FF2B5EF4-FFF2-40B4-BE49-F238E27FC236}">
+                <a16:creationId xmlns:a16="http://schemas.microsoft.com/office/drawing/2014/main" id="{997FEF67-95B7-8F99-30AA-238E1F83ECAB}"/>
+              </a:ext>
+            </a:extLst>
+          </p:cNvPr>
+          <p:cNvSpPr>
+            <a:spLocks noGrp="1"/>
+          </p:cNvSpPr>
+          <p:nvPr>
+            <p:ph idx="1"/>
+          </p:nvPr>
+        </p:nvSpPr>
+        <p:spPr>
+          <a:xfrm>
+            <a:off x="838199" y="1259634"/>
+            <a:ext cx="10515600" cy="5355771"/>
+          </a:xfrm>
+        </p:spPr>
+        <p:txBody>
+          <a:bodyPr>
+            <a:normAutofit/>
+          </a:bodyPr>
+          <a:lstStyle/>
+          <a:p>
+            <a:pPr marL="0" indent="0">
+              <a:buNone/>
+            </a:pPr>
+            <a:r>
+              <a:rPr lang="zh-TW" altLang="en-US" sz="2000" dirty="0"/>
+              <a:t>    </a:t>
+            </a:r>
+            <a:r>
+              <a:rPr lang="en-US" altLang="zh-TW" sz="2000" dirty="0"/>
               <a:t>It is not necessary to learn the complete sequence information by only training the model with those short sequences. Besides, due to the relative complexity of the calculation time, the framework and parameter design of Deep6mA may only achieve a local optimum. What’s more, why is the 6mA site enriched in the TATA box of the promoter, and whether this enrichment has a regulatory effect on the expression of downstream genes. For the ongoing work, we will carry out further research on these issues.</a:t>
             </a:r>
           </a:p>
@@ -6089,7 +6150,7 @@
 </p:sld>
 </file>
 
-<file path=ppt/slides/slide33.xml><?xml version="1.0" encoding="utf-8"?>
+<file path=ppt/slides/slide34.xml><?xml version="1.0" encoding="utf-8"?>
 <p:sld xmlns:a="http://schemas.openxmlformats.org/drawingml/2006/main" xmlns:r="http://schemas.openxmlformats.org/officeDocument/2006/relationships" xmlns:p="http://schemas.openxmlformats.org/presentationml/2006/main">
   <p:cSld>
     <p:spTree>
@@ -6448,7 +6509,7 @@
 </p:sld>
 </file>
 
-<file path=ppt/slides/slide34.xml><?xml version="1.0" encoding="utf-8"?>
+<file path=ppt/slides/slide35.xml><?xml version="1.0" encoding="utf-8"?>
 <p:sld xmlns:a="http://schemas.openxmlformats.org/drawingml/2006/main" xmlns:r="http://schemas.openxmlformats.org/officeDocument/2006/relationships" xmlns:p="http://schemas.openxmlformats.org/presentationml/2006/main">
   <p:cSld>
     <p:spTree>
@@ -7074,118 +7135,6 @@
 </p:sld>
 </file>
 
-<file path=ppt/slides/slide35.xml><?xml version="1.0" encoding="utf-8"?>
-<p:sld xmlns:a="http://schemas.openxmlformats.org/drawingml/2006/main" xmlns:r="http://schemas.openxmlformats.org/officeDocument/2006/relationships" xmlns:p="http://schemas.openxmlformats.org/presentationml/2006/main">
-  <p:cSld>
-    <p:spTree>
-      <p:nvGrpSpPr>
-        <p:cNvPr id="1" name=""/>
-        <p:cNvGrpSpPr/>
-        <p:nvPr/>
-      </p:nvGrpSpPr>
-      <p:grpSpPr>
-        <a:xfrm>
-          <a:off x="0" y="0"/>
-          <a:ext cx="0" cy="0"/>
-          <a:chOff x="0" y="0"/>
-          <a:chExt cx="0" cy="0"/>
-        </a:xfrm>
-      </p:grpSpPr>
-      <p:sp>
-        <p:nvSpPr>
-          <p:cNvPr id="2" name="標題 1">
-            <a:extLst>
-              <a:ext uri="{FF2B5EF4-FFF2-40B4-BE49-F238E27FC236}">
-                <a16:creationId xmlns:a16="http://schemas.microsoft.com/office/drawing/2014/main" id="{C7B55EDB-6608-3CDF-F165-7F6B7E345F41}"/>
-              </a:ext>
-            </a:extLst>
-          </p:cNvPr>
-          <p:cNvSpPr>
-            <a:spLocks noGrp="1"/>
-          </p:cNvSpPr>
-          <p:nvPr>
-            <p:ph type="title"/>
-          </p:nvPr>
-        </p:nvSpPr>
-        <p:spPr>
-          <a:xfrm>
-            <a:off x="838200" y="139960"/>
-            <a:ext cx="10515600" cy="793102"/>
-          </a:xfrm>
-        </p:spPr>
-        <p:txBody>
-          <a:bodyPr/>
-          <a:lstStyle/>
-          <a:p>
-            <a:r>
-              <a:rPr lang="en-US" altLang="zh-TW" dirty="0"/>
-              <a:t>Materials and methods</a:t>
-            </a:r>
-            <a:endParaRPr lang="zh-TW" altLang="en-US" dirty="0"/>
-          </a:p>
-        </p:txBody>
-      </p:sp>
-      <p:sp>
-        <p:nvSpPr>
-          <p:cNvPr id="3" name="內容版面配置區 2">
-            <a:extLst>
-              <a:ext uri="{FF2B5EF4-FFF2-40B4-BE49-F238E27FC236}">
-                <a16:creationId xmlns:a16="http://schemas.microsoft.com/office/drawing/2014/main" id="{997FEF67-95B7-8F99-30AA-238E1F83ECAB}"/>
-              </a:ext>
-            </a:extLst>
-          </p:cNvPr>
-          <p:cNvSpPr>
-            <a:spLocks noGrp="1"/>
-          </p:cNvSpPr>
-          <p:nvPr>
-            <p:ph idx="1"/>
-          </p:nvPr>
-        </p:nvSpPr>
-        <p:spPr>
-          <a:xfrm>
-            <a:off x="838200" y="933062"/>
-            <a:ext cx="10515600" cy="5355771"/>
-          </a:xfrm>
-        </p:spPr>
-        <p:txBody>
-          <a:bodyPr>
-            <a:normAutofit/>
-          </a:bodyPr>
-          <a:lstStyle/>
-          <a:p>
-            <a:r>
-              <a:rPr lang="en-US" altLang="zh-TW" sz="2400" dirty="0"/>
-              <a:t>Sequence representation</a:t>
-            </a:r>
-          </a:p>
-          <a:p>
-            <a:pPr marL="0" indent="0">
-              <a:buNone/>
-            </a:pPr>
-            <a:r>
-              <a:rPr lang="zh-TW" altLang="en-US" sz="2400" dirty="0"/>
-              <a:t>    </a:t>
-            </a:r>
-            <a:r>
-              <a:rPr lang="en-US" altLang="zh-TW" sz="2000" dirty="0"/>
-              <a:t>Instead of using manually crafted DNA sequences features, we use the one-hot encoding method to convert the sequence into encoding tensor. Specifically, A, C, G, T, and N are encoded as (1,0,0,0), (0,1,0,0), (0,0,1,0), (0,0,0,1), and (0,0,0,0) respectively. Here the letter ‘N’ represents a non-sequenced nucleotide. Thus, the input DNA sequence is represented as a 4 by 41 encoding matrix, and is viewed as an image which motivates our design of deep learning framework</a:t>
-            </a:r>
-          </a:p>
-        </p:txBody>
-      </p:sp>
-    </p:spTree>
-    <p:extLst>
-      <p:ext uri="{BB962C8B-B14F-4D97-AF65-F5344CB8AC3E}">
-        <p14:creationId xmlns:p14="http://schemas.microsoft.com/office/powerpoint/2010/main" val="4257741721"/>
-      </p:ext>
-    </p:extLst>
-  </p:cSld>
-  <p:clrMapOvr>
-    <a:masterClrMapping/>
-  </p:clrMapOvr>
-</p:sld>
-</file>
-
 <file path=ppt/slides/slide36.xml><?xml version="1.0" encoding="utf-8"?>
 <p:sld xmlns:a="http://schemas.openxmlformats.org/drawingml/2006/main" xmlns:r="http://schemas.openxmlformats.org/officeDocument/2006/relationships" xmlns:p="http://schemas.openxmlformats.org/presentationml/2006/main">
   <p:cSld>
@@ -7267,13 +7216,8 @@
           <a:p>
             <a:r>
               <a:rPr lang="en-US" altLang="zh-TW" sz="2400" dirty="0"/>
-              <a:t>Convolutional neural network and long short-term memory network</a:t>
-            </a:r>
-            <a:r>
-              <a:rPr lang="zh-TW" altLang="en-US" sz="2400" dirty="0"/>
-              <a:t> </a:t>
-            </a:r>
-            <a:endParaRPr lang="en-US" altLang="zh-TW" sz="2400" dirty="0"/>
+              <a:t>Sequence representation</a:t>
+            </a:r>
           </a:p>
           <a:p>
             <a:pPr marL="0" indent="0">
@@ -7285,20 +7229,7 @@
             </a:r>
             <a:r>
               <a:rPr lang="en-US" altLang="zh-TW" sz="2000" dirty="0"/>
-              <a:t>Convolutional Neural Network (CNN) is widely used in image processing and speech recognition due to its high learning efficiency. The architecture of CNN is similar to that of the connectivity pattern of neurons in the human brain and was inspired by the organization of the visual cortex. A CNN generally consists of three parts: convolution layers, pooling layers and fully connected layers, which enables it to successfully capture the spatial and temporal dependence in an image. </a:t>
-            </a:r>
-          </a:p>
-          <a:p>
-            <a:pPr marL="0" indent="0">
-              <a:buNone/>
-            </a:pPr>
-            <a:r>
-              <a:rPr lang="zh-TW" altLang="en-US" sz="2000" dirty="0"/>
-              <a:t>    </a:t>
-            </a:r>
-            <a:r>
-              <a:rPr lang="en-US" altLang="zh-TW" sz="2000" dirty="0"/>
-              <a:t>The convolution layer extracts the high-level features such as edges, color and gradient orientation through multiple feature mapping. The resolution of feature mapping is compressed further by a pooling layer to extract dominant features which are rotational and positional invariant, and to decrease the computational power required to process the data. After multiple convolution and pooling processes, the learned features are mapped to the sample label space by adding the full connection layer to achieve the purpose of classification and prediction.</a:t>
+              <a:t>Instead of using manually crafted DNA sequences features, we use the one-hot encoding method to convert the sequence into encoding tensor. Specifically, A, C, G, T, and N are encoded as (1,0,0,0), (0,1,0,0), (0,0,1,0), (0,0,0,1), and (0,0,0,0) respectively. Here the letter ‘N’ represents a non-sequenced nucleotide. Thus, the input DNA sequence is represented as a 4 by 41 encoding matrix, and is viewed as an image which motivates our design of deep learning framework</a:t>
             </a:r>
           </a:p>
         </p:txBody>
@@ -7306,7 +7237,7 @@
     </p:spTree>
     <p:extLst>
       <p:ext uri="{BB962C8B-B14F-4D97-AF65-F5344CB8AC3E}">
-        <p14:creationId xmlns:p14="http://schemas.microsoft.com/office/powerpoint/2010/main" val="2042058055"/>
+        <p14:creationId xmlns:p14="http://schemas.microsoft.com/office/powerpoint/2010/main" val="4257741721"/>
       </p:ext>
     </p:extLst>
   </p:cSld>
@@ -7415,7 +7346,20 @@
             </a:r>
             <a:r>
               <a:rPr lang="en-US" altLang="zh-TW" sz="2000" dirty="0"/>
-              <a:t>Although CNN is powerful in image processing, it does not consider the dependence between inputs, and has a low power in sequence analysis such as natural language processing. Recurrent Neural Network (RNN) is proposed to overcome this shortcoming. As a special type of RNN, Long Short Term Memory Network (LSTM) is not only designed to capture the long dependent information in sequence but also overcome the training difficult of RNN due to gradient explosion and disappearance [36], thus it is the most widely used RNN in real applications. In LSTM, a storage mechanism is used to replace the hidden function in traditional RNN, with a purpose to enhance the learning ability of LSTM for long-distance dependency. Bi-directional LSTM (BLSTM), compared with unidirectional LSTM, captures better the information of sequence context.</a:t>
+              <a:t>Convolutional Neural Network (CNN) is widely used in image processing and speech recognition due to its high learning efficiency. The architecture of CNN is similar to that of the connectivity pattern of neurons in the human brain and was inspired by the organization of the visual cortex. A CNN generally consists of three parts: convolution layers, pooling layers and fully connected layers, which enables it to successfully capture the spatial and temporal dependence in an image. </a:t>
+            </a:r>
+          </a:p>
+          <a:p>
+            <a:pPr marL="0" indent="0">
+              <a:buNone/>
+            </a:pPr>
+            <a:r>
+              <a:rPr lang="zh-TW" altLang="en-US" sz="2000" dirty="0"/>
+              <a:t>    </a:t>
+            </a:r>
+            <a:r>
+              <a:rPr lang="en-US" altLang="zh-TW" sz="2000" dirty="0"/>
+              <a:t>The convolution layer extracts the high-level features such as edges, color and gradient orientation through multiple feature mapping. The resolution of feature mapping is compressed further by a pooling layer to extract dominant features which are rotational and positional invariant, and to decrease the computational power required to process the data. After multiple convolution and pooling processes, the learned features are mapped to the sample label space by adding the full connection layer to achieve the purpose of classification and prediction.</a:t>
             </a:r>
           </a:p>
         </p:txBody>
@@ -7423,7 +7367,7 @@
     </p:spTree>
     <p:extLst>
       <p:ext uri="{BB962C8B-B14F-4D97-AF65-F5344CB8AC3E}">
-        <p14:creationId xmlns:p14="http://schemas.microsoft.com/office/powerpoint/2010/main" val="880407312"/>
+        <p14:creationId xmlns:p14="http://schemas.microsoft.com/office/powerpoint/2010/main" val="2042058055"/>
       </p:ext>
     </p:extLst>
   </p:cSld>
@@ -7514,8 +7458,13 @@
           <a:p>
             <a:r>
               <a:rPr lang="en-US" altLang="zh-TW" sz="2400" dirty="0"/>
-              <a:t>The Deep6mA model</a:t>
-            </a:r>
+              <a:t>Convolutional neural network and long short-term memory network</a:t>
+            </a:r>
+            <a:r>
+              <a:rPr lang="zh-TW" altLang="en-US" sz="2400" dirty="0"/>
+              <a:t> </a:t>
+            </a:r>
+            <a:endParaRPr lang="en-US" altLang="zh-TW" sz="2400" dirty="0"/>
           </a:p>
           <a:p>
             <a:pPr marL="0" indent="0">
@@ -7527,32 +7476,7 @@
             </a:r>
             <a:r>
               <a:rPr lang="en-US" altLang="zh-TW" sz="2000" dirty="0"/>
-              <a:t>The loci in DNA sequence are known to have a strong linkage disequilibrium, however, it is difficult to take into consider the dependence structure in traditional modeling for predicting 6mA sites. In this section, to fully capture the information in the sequence, we introduce a deep learning network, Deep6mA, which has a CNN to extract high-level features in the sequence and a BLSTM to learn dependence structure along the sequence. Specifically, Deep6mA is consist of five layers of CNN, one BLSTM layer and one fully connected layer. The convolution layer in CNN collocates 256 filters, and each filter size is 10. The exponential linear unit (</a:t>
-            </a:r>
-            <a:r>
-              <a:rPr lang="en-US" altLang="zh-TW" sz="2000" dirty="0" err="1"/>
-              <a:t>ReLU</a:t>
-            </a:r>
-            <a:r>
-              <a:rPr lang="en-US" altLang="zh-TW" sz="2000" dirty="0"/>
-              <a:t>) was used in CNN layers as activation function.</a:t>
-            </a:r>
-            <a:r>
-              <a:rPr lang="en-US" altLang="zh-TW" sz="1400" dirty="0"/>
-              <a:t> </a:t>
-            </a:r>
-          </a:p>
-          <a:p>
-            <a:pPr marL="0" indent="0">
-              <a:buNone/>
-            </a:pPr>
-            <a:r>
-              <a:rPr lang="en-US" altLang="zh-TW" sz="1400" dirty="0"/>
-              <a:t>    </a:t>
-            </a:r>
-            <a:r>
-              <a:rPr lang="en-US" altLang="zh-TW" sz="2000" dirty="0"/>
-              <a:t>After each convolution layer, a pooling layer with Max Pooling is added to optimize the redundancy of the features and prevent overfitting. Then, one BLSTM layer with size 32 is added after CNN to learn the dependence structure in the sequence. The activation function used in this layer is the tanh activation function. In addition, a Fully Connected (FC) layer with 32 hidden units was used in this model. Finally, a sigmoid activation function is used to combine the outputs from the FC layer to make the final decision. Fig 7 shows the flowchart of Deep6mA.</a:t>
+              <a:t>Although CNN is powerful in image processing, it does not consider the dependence between inputs, and has a low power in sequence analysis such as natural language processing. Recurrent Neural Network (RNN) is proposed to overcome this shortcoming. As a special type of RNN, Long Short Term Memory Network (LSTM) is not only designed to capture the long dependent information in sequence but also overcome the training difficult of RNN due to gradient explosion and disappearance [36], thus it is the most widely used RNN in real applications. In LSTM, a storage mechanism is used to replace the hidden function in traditional RNN, with a purpose to enhance the learning ability of LSTM for long-distance dependency. Bi-directional LSTM (BLSTM), compared with unidirectional LSTM, captures better the information of sequence context.</a:t>
             </a:r>
           </a:p>
         </p:txBody>
@@ -7560,7 +7484,7 @@
     </p:spTree>
     <p:extLst>
       <p:ext uri="{BB962C8B-B14F-4D97-AF65-F5344CB8AC3E}">
-        <p14:creationId xmlns:p14="http://schemas.microsoft.com/office/powerpoint/2010/main" val="646780208"/>
+        <p14:creationId xmlns:p14="http://schemas.microsoft.com/office/powerpoint/2010/main" val="880407312"/>
       </p:ext>
     </p:extLst>
   </p:cSld>
@@ -7587,40 +7511,117 @@
           <a:chExt cx="0" cy="0"/>
         </a:xfrm>
       </p:grpSpPr>
-      <p:pic>
-        <p:nvPicPr>
-          <p:cNvPr id="5" name="圖片 4">
-            <a:extLst>
-              <a:ext uri="{FF2B5EF4-FFF2-40B4-BE49-F238E27FC236}">
-                <a16:creationId xmlns:a16="http://schemas.microsoft.com/office/drawing/2014/main" id="{75C6499E-C485-2635-4E8A-BBA0B51540F9}"/>
-              </a:ext>
-            </a:extLst>
-          </p:cNvPr>
-          <p:cNvPicPr>
-            <a:picLocks noChangeAspect="1"/>
-          </p:cNvPicPr>
-          <p:nvPr/>
-        </p:nvPicPr>
-        <p:blipFill>
-          <a:blip r:embed="rId2"/>
-          <a:stretch>
-            <a:fillRect/>
-          </a:stretch>
-        </p:blipFill>
-        <p:spPr>
-          <a:xfrm>
-            <a:off x="3294748" y="0"/>
-            <a:ext cx="7617915" cy="6858000"/>
-          </a:xfrm>
-          <a:prstGeom prst="rect">
-            <a:avLst/>
-          </a:prstGeom>
-        </p:spPr>
-      </p:pic>
+      <p:sp>
+        <p:nvSpPr>
+          <p:cNvPr id="2" name="標題 1">
+            <a:extLst>
+              <a:ext uri="{FF2B5EF4-FFF2-40B4-BE49-F238E27FC236}">
+                <a16:creationId xmlns:a16="http://schemas.microsoft.com/office/drawing/2014/main" id="{C7B55EDB-6608-3CDF-F165-7F6B7E345F41}"/>
+              </a:ext>
+            </a:extLst>
+          </p:cNvPr>
+          <p:cNvSpPr>
+            <a:spLocks noGrp="1"/>
+          </p:cNvSpPr>
+          <p:nvPr>
+            <p:ph type="title"/>
+          </p:nvPr>
+        </p:nvSpPr>
+        <p:spPr>
+          <a:xfrm>
+            <a:off x="838200" y="139960"/>
+            <a:ext cx="10515600" cy="793102"/>
+          </a:xfrm>
+        </p:spPr>
+        <p:txBody>
+          <a:bodyPr/>
+          <a:lstStyle/>
+          <a:p>
+            <a:r>
+              <a:rPr lang="en-US" altLang="zh-TW" dirty="0"/>
+              <a:t>Materials and methods</a:t>
+            </a:r>
+            <a:endParaRPr lang="zh-TW" altLang="en-US" dirty="0"/>
+          </a:p>
+        </p:txBody>
+      </p:sp>
+      <p:sp>
+        <p:nvSpPr>
+          <p:cNvPr id="3" name="內容版面配置區 2">
+            <a:extLst>
+              <a:ext uri="{FF2B5EF4-FFF2-40B4-BE49-F238E27FC236}">
+                <a16:creationId xmlns:a16="http://schemas.microsoft.com/office/drawing/2014/main" id="{997FEF67-95B7-8F99-30AA-238E1F83ECAB}"/>
+              </a:ext>
+            </a:extLst>
+          </p:cNvPr>
+          <p:cNvSpPr>
+            <a:spLocks noGrp="1"/>
+          </p:cNvSpPr>
+          <p:nvPr>
+            <p:ph idx="1"/>
+          </p:nvPr>
+        </p:nvSpPr>
+        <p:spPr>
+          <a:xfrm>
+            <a:off x="838200" y="933062"/>
+            <a:ext cx="10515600" cy="5355771"/>
+          </a:xfrm>
+        </p:spPr>
+        <p:txBody>
+          <a:bodyPr>
+            <a:normAutofit/>
+          </a:bodyPr>
+          <a:lstStyle/>
+          <a:p>
+            <a:r>
+              <a:rPr lang="en-US" altLang="zh-TW" sz="2400" dirty="0"/>
+              <a:t>The Deep6mA model</a:t>
+            </a:r>
+          </a:p>
+          <a:p>
+            <a:pPr marL="0" indent="0">
+              <a:buNone/>
+            </a:pPr>
+            <a:r>
+              <a:rPr lang="zh-TW" altLang="en-US" sz="2400" dirty="0"/>
+              <a:t>    </a:t>
+            </a:r>
+            <a:r>
+              <a:rPr lang="en-US" altLang="zh-TW" sz="2000" dirty="0"/>
+              <a:t>The loci in DNA sequence are known to have a strong linkage disequilibrium, however, it is difficult to take into consider the dependence structure in traditional modeling for predicting 6mA sites. In this section, to fully capture the information in the sequence, we introduce a deep learning network, Deep6mA, which has a CNN to extract high-level features in the sequence and a BLSTM to learn dependence structure along the sequence. Specifically, Deep6mA is consist of five layers of CNN, one BLSTM layer and one fully connected layer. The convolution layer in CNN collocates 256 filters, and each filter size is 10. The exponential linear unit (</a:t>
+            </a:r>
+            <a:r>
+              <a:rPr lang="en-US" altLang="zh-TW" sz="2000" dirty="0" err="1"/>
+              <a:t>ReLU</a:t>
+            </a:r>
+            <a:r>
+              <a:rPr lang="en-US" altLang="zh-TW" sz="2000" dirty="0"/>
+              <a:t>) was used in CNN layers as activation function.</a:t>
+            </a:r>
+            <a:r>
+              <a:rPr lang="en-US" altLang="zh-TW" sz="1400" dirty="0"/>
+              <a:t> </a:t>
+            </a:r>
+          </a:p>
+          <a:p>
+            <a:pPr marL="0" indent="0">
+              <a:buNone/>
+            </a:pPr>
+            <a:r>
+              <a:rPr lang="en-US" altLang="zh-TW" sz="1400" dirty="0"/>
+              <a:t>    </a:t>
+            </a:r>
+            <a:r>
+              <a:rPr lang="en-US" altLang="zh-TW" sz="2000" dirty="0"/>
+              <a:t>After each convolution layer, a pooling layer with Max Pooling is added to optimize the redundancy of the features and prevent overfitting. Then, one BLSTM layer with size 32 is added after CNN to learn the dependence structure in the sequence. The activation function used in this layer is the tanh activation function. In addition, a Fully Connected (FC) layer with 32 hidden units was used in this model. Finally, a sigmoid activation function is used to combine the outputs from the FC layer to make the final decision. Fig 7 shows the flowchart of Deep6mA.</a:t>
+            </a:r>
+          </a:p>
+        </p:txBody>
+      </p:sp>
     </p:spTree>
     <p:extLst>
       <p:ext uri="{BB962C8B-B14F-4D97-AF65-F5344CB8AC3E}">
-        <p14:creationId xmlns:p14="http://schemas.microsoft.com/office/powerpoint/2010/main" val="3027506776"/>
+        <p14:creationId xmlns:p14="http://schemas.microsoft.com/office/powerpoint/2010/main" val="646780208"/>
       </p:ext>
     </p:extLst>
   </p:cSld>
@@ -7803,100 +7804,40 @@
           <a:chExt cx="0" cy="0"/>
         </a:xfrm>
       </p:grpSpPr>
-      <p:sp>
-        <p:nvSpPr>
-          <p:cNvPr id="2" name="標題 1">
-            <a:extLst>
-              <a:ext uri="{FF2B5EF4-FFF2-40B4-BE49-F238E27FC236}">
-                <a16:creationId xmlns:a16="http://schemas.microsoft.com/office/drawing/2014/main" id="{C7B55EDB-6608-3CDF-F165-7F6B7E345F41}"/>
-              </a:ext>
-            </a:extLst>
-          </p:cNvPr>
-          <p:cNvSpPr>
-            <a:spLocks noGrp="1"/>
-          </p:cNvSpPr>
-          <p:nvPr>
-            <p:ph type="title"/>
-          </p:nvPr>
-        </p:nvSpPr>
-        <p:spPr>
-          <a:xfrm>
-            <a:off x="838200" y="139960"/>
-            <a:ext cx="10515600" cy="793102"/>
-          </a:xfrm>
-        </p:spPr>
-        <p:txBody>
-          <a:bodyPr/>
-          <a:lstStyle/>
-          <a:p>
-            <a:r>
-              <a:rPr lang="en-US" altLang="zh-TW" dirty="0"/>
-              <a:t>Materials and methods</a:t>
-            </a:r>
-            <a:endParaRPr lang="zh-TW" altLang="en-US" dirty="0"/>
-          </a:p>
-        </p:txBody>
-      </p:sp>
-      <p:sp>
-        <p:nvSpPr>
-          <p:cNvPr id="3" name="內容版面配置區 2">
-            <a:extLst>
-              <a:ext uri="{FF2B5EF4-FFF2-40B4-BE49-F238E27FC236}">
-                <a16:creationId xmlns:a16="http://schemas.microsoft.com/office/drawing/2014/main" id="{997FEF67-95B7-8F99-30AA-238E1F83ECAB}"/>
-              </a:ext>
-            </a:extLst>
-          </p:cNvPr>
-          <p:cNvSpPr>
-            <a:spLocks noGrp="1"/>
-          </p:cNvSpPr>
-          <p:nvPr>
-            <p:ph idx="1"/>
-          </p:nvPr>
-        </p:nvSpPr>
-        <p:spPr>
-          <a:xfrm>
-            <a:off x="838200" y="933062"/>
-            <a:ext cx="10515600" cy="5355771"/>
-          </a:xfrm>
-        </p:spPr>
-        <p:txBody>
-          <a:bodyPr>
-            <a:normAutofit/>
-          </a:bodyPr>
-          <a:lstStyle/>
-          <a:p>
-            <a:r>
-              <a:rPr lang="en-US" altLang="zh-TW" sz="2400" dirty="0"/>
-              <a:t>The Deep6mA model</a:t>
-            </a:r>
-          </a:p>
-          <a:p>
-            <a:pPr marL="0" indent="0">
-              <a:buNone/>
-            </a:pPr>
-            <a:r>
-              <a:rPr lang="zh-TW" altLang="en-US" sz="2400" dirty="0"/>
-              <a:t>    </a:t>
-            </a:r>
-            <a:r>
-              <a:rPr lang="en-US" altLang="zh-TW" sz="2000" dirty="0"/>
-              <a:t>Deep6mA is trained by using Adam [37]. Batch normalization and dropout [38] are applied after each convolutional procedure to accelerate training and avoid overfitting. The dropout rate is set as 0.5, the learning rate is set as 0.01, and the reduced factor is set as 0.5. In addition, the maximum training epoch and batch size is set as 50 and 256, respectively. We take 1/8 of training data, about 10% of the whole dataset, as validation data, and use an early stopping strategy with patience 5, which means the training process will stop when prediction performance did not improve on the validation set. The whole framework is implemented in </a:t>
-            </a:r>
-            <a:r>
-              <a:rPr lang="en-US" altLang="zh-TW" sz="2000" dirty="0" err="1"/>
-              <a:t>Pytorch</a:t>
-            </a:r>
-            <a:r>
-              <a:rPr lang="en-US" altLang="zh-TW" sz="2000" dirty="0"/>
-              <a:t> (https://pytorch.org)</a:t>
-            </a:r>
-          </a:p>
-        </p:txBody>
-      </p:sp>
+      <p:pic>
+        <p:nvPicPr>
+          <p:cNvPr id="5" name="圖片 4">
+            <a:extLst>
+              <a:ext uri="{FF2B5EF4-FFF2-40B4-BE49-F238E27FC236}">
+                <a16:creationId xmlns:a16="http://schemas.microsoft.com/office/drawing/2014/main" id="{75C6499E-C485-2635-4E8A-BBA0B51540F9}"/>
+              </a:ext>
+            </a:extLst>
+          </p:cNvPr>
+          <p:cNvPicPr>
+            <a:picLocks noChangeAspect="1"/>
+          </p:cNvPicPr>
+          <p:nvPr/>
+        </p:nvPicPr>
+        <p:blipFill>
+          <a:blip r:embed="rId2"/>
+          <a:stretch>
+            <a:fillRect/>
+          </a:stretch>
+        </p:blipFill>
+        <p:spPr>
+          <a:xfrm>
+            <a:off x="3294748" y="0"/>
+            <a:ext cx="7617915" cy="6858000"/>
+          </a:xfrm>
+          <a:prstGeom prst="rect">
+            <a:avLst/>
+          </a:prstGeom>
+        </p:spPr>
+      </p:pic>
     </p:spTree>
     <p:extLst>
       <p:ext uri="{BB962C8B-B14F-4D97-AF65-F5344CB8AC3E}">
-        <p14:creationId xmlns:p14="http://schemas.microsoft.com/office/powerpoint/2010/main" val="2873019847"/>
+        <p14:creationId xmlns:p14="http://schemas.microsoft.com/office/powerpoint/2010/main" val="3027506776"/>
       </p:ext>
     </p:extLst>
   </p:cSld>
@@ -7987,6 +7928,126 @@
           <a:p>
             <a:r>
               <a:rPr lang="en-US" altLang="zh-TW" sz="2400" dirty="0"/>
+              <a:t>The Deep6mA model</a:t>
+            </a:r>
+          </a:p>
+          <a:p>
+            <a:pPr marL="0" indent="0">
+              <a:buNone/>
+            </a:pPr>
+            <a:r>
+              <a:rPr lang="zh-TW" altLang="en-US" sz="2400" dirty="0"/>
+              <a:t>    </a:t>
+            </a:r>
+            <a:r>
+              <a:rPr lang="en-US" altLang="zh-TW" sz="2000" dirty="0"/>
+              <a:t>Deep6mA is trained by using Adam [37]. Batch normalization and dropout [38] are applied after each convolutional procedure to accelerate training and avoid overfitting. The dropout rate is set as 0.5, the learning rate is set as 0.01, and the reduced factor is set as 0.5. In addition, the maximum training epoch and batch size is set as 50 and 256, respectively. We take 1/8 of training data, about 10% of the whole dataset, as validation data, and use an early stopping strategy with patience 5, which means the training process will stop when prediction performance did not improve on the validation set. The whole framework is implemented in </a:t>
+            </a:r>
+            <a:r>
+              <a:rPr lang="en-US" altLang="zh-TW" sz="2000" dirty="0" err="1"/>
+              <a:t>Pytorch</a:t>
+            </a:r>
+            <a:r>
+              <a:rPr lang="en-US" altLang="zh-TW" sz="2000" dirty="0"/>
+              <a:t> (https://pytorch.org)</a:t>
+            </a:r>
+          </a:p>
+        </p:txBody>
+      </p:sp>
+    </p:spTree>
+    <p:extLst>
+      <p:ext uri="{BB962C8B-B14F-4D97-AF65-F5344CB8AC3E}">
+        <p14:creationId xmlns:p14="http://schemas.microsoft.com/office/powerpoint/2010/main" val="2873019847"/>
+      </p:ext>
+    </p:extLst>
+  </p:cSld>
+  <p:clrMapOvr>
+    <a:masterClrMapping/>
+  </p:clrMapOvr>
+</p:sld>
+</file>
+
+<file path=ppt/slides/slide42.xml><?xml version="1.0" encoding="utf-8"?>
+<p:sld xmlns:a="http://schemas.openxmlformats.org/drawingml/2006/main" xmlns:r="http://schemas.openxmlformats.org/officeDocument/2006/relationships" xmlns:p="http://schemas.openxmlformats.org/presentationml/2006/main">
+  <p:cSld>
+    <p:spTree>
+      <p:nvGrpSpPr>
+        <p:cNvPr id="1" name=""/>
+        <p:cNvGrpSpPr/>
+        <p:nvPr/>
+      </p:nvGrpSpPr>
+      <p:grpSpPr>
+        <a:xfrm>
+          <a:off x="0" y="0"/>
+          <a:ext cx="0" cy="0"/>
+          <a:chOff x="0" y="0"/>
+          <a:chExt cx="0" cy="0"/>
+        </a:xfrm>
+      </p:grpSpPr>
+      <p:sp>
+        <p:nvSpPr>
+          <p:cNvPr id="2" name="標題 1">
+            <a:extLst>
+              <a:ext uri="{FF2B5EF4-FFF2-40B4-BE49-F238E27FC236}">
+                <a16:creationId xmlns:a16="http://schemas.microsoft.com/office/drawing/2014/main" id="{C7B55EDB-6608-3CDF-F165-7F6B7E345F41}"/>
+              </a:ext>
+            </a:extLst>
+          </p:cNvPr>
+          <p:cNvSpPr>
+            <a:spLocks noGrp="1"/>
+          </p:cNvSpPr>
+          <p:nvPr>
+            <p:ph type="title"/>
+          </p:nvPr>
+        </p:nvSpPr>
+        <p:spPr>
+          <a:xfrm>
+            <a:off x="838200" y="139960"/>
+            <a:ext cx="10515600" cy="793102"/>
+          </a:xfrm>
+        </p:spPr>
+        <p:txBody>
+          <a:bodyPr/>
+          <a:lstStyle/>
+          <a:p>
+            <a:r>
+              <a:rPr lang="en-US" altLang="zh-TW" dirty="0"/>
+              <a:t>Materials and methods</a:t>
+            </a:r>
+            <a:endParaRPr lang="zh-TW" altLang="en-US" dirty="0"/>
+          </a:p>
+        </p:txBody>
+      </p:sp>
+      <p:sp>
+        <p:nvSpPr>
+          <p:cNvPr id="3" name="內容版面配置區 2">
+            <a:extLst>
+              <a:ext uri="{FF2B5EF4-FFF2-40B4-BE49-F238E27FC236}">
+                <a16:creationId xmlns:a16="http://schemas.microsoft.com/office/drawing/2014/main" id="{997FEF67-95B7-8F99-30AA-238E1F83ECAB}"/>
+              </a:ext>
+            </a:extLst>
+          </p:cNvPr>
+          <p:cNvSpPr>
+            <a:spLocks noGrp="1"/>
+          </p:cNvSpPr>
+          <p:nvPr>
+            <p:ph idx="1"/>
+          </p:nvPr>
+        </p:nvSpPr>
+        <p:spPr>
+          <a:xfrm>
+            <a:off x="838200" y="933062"/>
+            <a:ext cx="10515600" cy="5355771"/>
+          </a:xfrm>
+        </p:spPr>
+        <p:txBody>
+          <a:bodyPr>
+            <a:normAutofit/>
+          </a:bodyPr>
+          <a:lstStyle/>
+          <a:p>
+            <a:r>
+              <a:rPr lang="en-US" altLang="zh-TW" sz="2400" dirty="0"/>
               <a:t>Prediction accuracy assessment</a:t>
             </a:r>
           </a:p>
@@ -8018,7 +8079,7 @@
 </p:sld>
 </file>
 
-<file path=ppt/slides/slide42.xml><?xml version="1.0" encoding="utf-8"?>
+<file path=ppt/slides/slide43.xml><?xml version="1.0" encoding="utf-8"?>
 <p:sld xmlns:a="http://schemas.openxmlformats.org/drawingml/2006/main" xmlns:r="http://schemas.openxmlformats.org/officeDocument/2006/relationships" xmlns:p="http://schemas.openxmlformats.org/presentationml/2006/main">
   <p:cSld>
     <p:spTree>

--- a/Deep6mA/Presentation/deep6mA.pptx
+++ b/Deep6mA/Presentation/deep6mA.pptx
@@ -48,6 +48,7 @@
     <p:sldId id="295" r:id="rId42"/>
     <p:sldId id="296" r:id="rId43"/>
     <p:sldId id="297" r:id="rId44"/>
+    <p:sldId id="299" r:id="rId45"/>
   </p:sldIdLst>
   <p:sldSz cx="12192000" cy="6858000"/>
   <p:notesSz cx="6858000" cy="9144000"/>
@@ -8218,6 +8219,90 @@
 </p:sld>
 </file>
 
+<file path=ppt/slides/slide44.xml><?xml version="1.0" encoding="utf-8"?>
+<p:sld xmlns:a="http://schemas.openxmlformats.org/drawingml/2006/main" xmlns:r="http://schemas.openxmlformats.org/officeDocument/2006/relationships" xmlns:p="http://schemas.openxmlformats.org/presentationml/2006/main">
+  <p:cSld>
+    <p:spTree>
+      <p:nvGrpSpPr>
+        <p:cNvPr id="1" name=""/>
+        <p:cNvGrpSpPr/>
+        <p:nvPr/>
+      </p:nvGrpSpPr>
+      <p:grpSpPr>
+        <a:xfrm>
+          <a:off x="0" y="0"/>
+          <a:ext cx="0" cy="0"/>
+          <a:chOff x="0" y="0"/>
+          <a:chExt cx="0" cy="0"/>
+        </a:xfrm>
+      </p:grpSpPr>
+      <p:sp>
+        <p:nvSpPr>
+          <p:cNvPr id="2" name="標題 1">
+            <a:extLst>
+              <a:ext uri="{FF2B5EF4-FFF2-40B4-BE49-F238E27FC236}">
+                <a16:creationId xmlns:a16="http://schemas.microsoft.com/office/drawing/2014/main" id="{405C2A90-2563-64D7-7E5A-5A03C50A8638}"/>
+              </a:ext>
+            </a:extLst>
+          </p:cNvPr>
+          <p:cNvSpPr>
+            <a:spLocks noGrp="1"/>
+          </p:cNvSpPr>
+          <p:nvPr>
+            <p:ph type="title"/>
+          </p:nvPr>
+        </p:nvSpPr>
+        <p:spPr/>
+        <p:txBody>
+          <a:bodyPr/>
+          <a:lstStyle/>
+          <a:p>
+            <a:r>
+              <a:rPr lang="en-US" altLang="zh-TW"/>
+              <a:t>END</a:t>
+            </a:r>
+            <a:endParaRPr lang="zh-TW" altLang="en-US"/>
+          </a:p>
+        </p:txBody>
+      </p:sp>
+      <p:sp>
+        <p:nvSpPr>
+          <p:cNvPr id="3" name="內容版面配置區 2">
+            <a:extLst>
+              <a:ext uri="{FF2B5EF4-FFF2-40B4-BE49-F238E27FC236}">
+                <a16:creationId xmlns:a16="http://schemas.microsoft.com/office/drawing/2014/main" id="{C2284816-C0B0-473A-5723-DAA9E7182707}"/>
+              </a:ext>
+            </a:extLst>
+          </p:cNvPr>
+          <p:cNvSpPr>
+            <a:spLocks noGrp="1"/>
+          </p:cNvSpPr>
+          <p:nvPr>
+            <p:ph idx="1"/>
+          </p:nvPr>
+        </p:nvSpPr>
+        <p:spPr/>
+        <p:txBody>
+          <a:bodyPr/>
+          <a:lstStyle/>
+          <a:p>
+            <a:endParaRPr lang="zh-TW" altLang="en-US"/>
+          </a:p>
+        </p:txBody>
+      </p:sp>
+    </p:spTree>
+    <p:extLst>
+      <p:ext uri="{BB962C8B-B14F-4D97-AF65-F5344CB8AC3E}">
+        <p14:creationId xmlns:p14="http://schemas.microsoft.com/office/powerpoint/2010/main" val="1817549586"/>
+      </p:ext>
+    </p:extLst>
+  </p:cSld>
+  <p:clrMapOvr>
+    <a:masterClrMapping/>
+  </p:clrMapOvr>
+</p:sld>
+</file>
+
 <file path=ppt/slides/slide5.xml><?xml version="1.0" encoding="utf-8"?>
 <p:sld xmlns:a="http://schemas.openxmlformats.org/drawingml/2006/main" xmlns:r="http://schemas.openxmlformats.org/officeDocument/2006/relationships" xmlns:p="http://schemas.openxmlformats.org/presentationml/2006/main">
   <p:cSld>

--- a/Deep6mA/Presentation/deep6mA.pptx
+++ b/Deep6mA/Presentation/deep6mA.pptx
@@ -48,7 +48,6 @@
     <p:sldId id="295" r:id="rId42"/>
     <p:sldId id="296" r:id="rId43"/>
     <p:sldId id="297" r:id="rId44"/>
-    <p:sldId id="299" r:id="rId45"/>
   </p:sldIdLst>
   <p:sldSz cx="12192000" cy="6858000"/>
   <p:notesSz cx="6858000" cy="9144000"/>
@@ -177,7 +176,7 @@
           <p:cNvPr id="2" name="標題 1">
             <a:extLst>
               <a:ext uri="{FF2B5EF4-FFF2-40B4-BE49-F238E27FC236}">
-                <a16:creationId xmlns:a16="http://schemas.microsoft.com/office/drawing/2014/main" id="{86B15F38-23E1-E03F-7D2B-BB40EB209950}"/>
+                <a16:creationId xmlns:a16="http://schemas.microsoft.com/office/drawing/2014/main" xmlns="" id="{86B15F38-23E1-E03F-7D2B-BB40EB209950}"/>
               </a:ext>
             </a:extLst>
           </p:cNvPr>
@@ -214,7 +213,7 @@
           <p:cNvPr id="3" name="副標題 2">
             <a:extLst>
               <a:ext uri="{FF2B5EF4-FFF2-40B4-BE49-F238E27FC236}">
-                <a16:creationId xmlns:a16="http://schemas.microsoft.com/office/drawing/2014/main" id="{202417E0-8087-AB81-9278-DB40E5DA5BA4}"/>
+                <a16:creationId xmlns:a16="http://schemas.microsoft.com/office/drawing/2014/main" xmlns="" id="{202417E0-8087-AB81-9278-DB40E5DA5BA4}"/>
               </a:ext>
             </a:extLst>
           </p:cNvPr>
@@ -284,7 +283,7 @@
           <p:cNvPr id="4" name="日期版面配置區 3">
             <a:extLst>
               <a:ext uri="{FF2B5EF4-FFF2-40B4-BE49-F238E27FC236}">
-                <a16:creationId xmlns:a16="http://schemas.microsoft.com/office/drawing/2014/main" id="{68E22E96-F70C-DA0D-F27A-F83720F86139}"/>
+                <a16:creationId xmlns:a16="http://schemas.microsoft.com/office/drawing/2014/main" xmlns="" id="{68E22E96-F70C-DA0D-F27A-F83720F86139}"/>
               </a:ext>
             </a:extLst>
           </p:cNvPr>
@@ -302,7 +301,7 @@
           <a:p>
             <a:fld id="{B0571FA7-C913-4A27-9C2E-3B482D687F2A}" type="datetimeFigureOut">
               <a:rPr lang="zh-TW" altLang="en-US" smtClean="0"/>
-              <a:t>2022/5/5</a:t>
+              <a:t>2022/5/6</a:t>
             </a:fld>
             <a:endParaRPr lang="zh-TW" altLang="en-US"/>
           </a:p>
@@ -313,7 +312,7 @@
           <p:cNvPr id="5" name="頁尾版面配置區 4">
             <a:extLst>
               <a:ext uri="{FF2B5EF4-FFF2-40B4-BE49-F238E27FC236}">
-                <a16:creationId xmlns:a16="http://schemas.microsoft.com/office/drawing/2014/main" id="{07917629-1848-6B81-62AD-9F2655F54C30}"/>
+                <a16:creationId xmlns:a16="http://schemas.microsoft.com/office/drawing/2014/main" xmlns="" id="{07917629-1848-6B81-62AD-9F2655F54C30}"/>
               </a:ext>
             </a:extLst>
           </p:cNvPr>
@@ -338,7 +337,7 @@
           <p:cNvPr id="6" name="投影片編號版面配置區 5">
             <a:extLst>
               <a:ext uri="{FF2B5EF4-FFF2-40B4-BE49-F238E27FC236}">
-                <a16:creationId xmlns:a16="http://schemas.microsoft.com/office/drawing/2014/main" id="{760D25AB-1F77-D55B-CE66-015A4CA983B8}"/>
+                <a16:creationId xmlns:a16="http://schemas.microsoft.com/office/drawing/2014/main" xmlns="" id="{760D25AB-1F77-D55B-CE66-015A4CA983B8}"/>
               </a:ext>
             </a:extLst>
           </p:cNvPr>
@@ -397,7 +396,7 @@
           <p:cNvPr id="2" name="標題 1">
             <a:extLst>
               <a:ext uri="{FF2B5EF4-FFF2-40B4-BE49-F238E27FC236}">
-                <a16:creationId xmlns:a16="http://schemas.microsoft.com/office/drawing/2014/main" id="{3D3C0E28-E1FF-B10E-D6F9-CC099612EB17}"/>
+                <a16:creationId xmlns:a16="http://schemas.microsoft.com/office/drawing/2014/main" xmlns="" id="{3D3C0E28-E1FF-B10E-D6F9-CC099612EB17}"/>
               </a:ext>
             </a:extLst>
           </p:cNvPr>
@@ -425,7 +424,7 @@
           <p:cNvPr id="3" name="直排文字版面配置區 2">
             <a:extLst>
               <a:ext uri="{FF2B5EF4-FFF2-40B4-BE49-F238E27FC236}">
-                <a16:creationId xmlns:a16="http://schemas.microsoft.com/office/drawing/2014/main" id="{3C1918DF-DCBD-3B18-C3CC-102CE04A4C8D}"/>
+                <a16:creationId xmlns:a16="http://schemas.microsoft.com/office/drawing/2014/main" xmlns="" id="{3C1918DF-DCBD-3B18-C3CC-102CE04A4C8D}"/>
               </a:ext>
             </a:extLst>
           </p:cNvPr>
@@ -482,7 +481,7 @@
           <p:cNvPr id="4" name="日期版面配置區 3">
             <a:extLst>
               <a:ext uri="{FF2B5EF4-FFF2-40B4-BE49-F238E27FC236}">
-                <a16:creationId xmlns:a16="http://schemas.microsoft.com/office/drawing/2014/main" id="{C96F34A9-905D-E102-5434-EB430AD00D54}"/>
+                <a16:creationId xmlns:a16="http://schemas.microsoft.com/office/drawing/2014/main" xmlns="" id="{C96F34A9-905D-E102-5434-EB430AD00D54}"/>
               </a:ext>
             </a:extLst>
           </p:cNvPr>
@@ -500,7 +499,7 @@
           <a:p>
             <a:fld id="{B0571FA7-C913-4A27-9C2E-3B482D687F2A}" type="datetimeFigureOut">
               <a:rPr lang="zh-TW" altLang="en-US" smtClean="0"/>
-              <a:t>2022/5/5</a:t>
+              <a:t>2022/5/6</a:t>
             </a:fld>
             <a:endParaRPr lang="zh-TW" altLang="en-US"/>
           </a:p>
@@ -511,7 +510,7 @@
           <p:cNvPr id="5" name="頁尾版面配置區 4">
             <a:extLst>
               <a:ext uri="{FF2B5EF4-FFF2-40B4-BE49-F238E27FC236}">
-                <a16:creationId xmlns:a16="http://schemas.microsoft.com/office/drawing/2014/main" id="{60473F65-112C-D45E-C942-011A563859DA}"/>
+                <a16:creationId xmlns:a16="http://schemas.microsoft.com/office/drawing/2014/main" xmlns="" id="{60473F65-112C-D45E-C942-011A563859DA}"/>
               </a:ext>
             </a:extLst>
           </p:cNvPr>
@@ -536,7 +535,7 @@
           <p:cNvPr id="6" name="投影片編號版面配置區 5">
             <a:extLst>
               <a:ext uri="{FF2B5EF4-FFF2-40B4-BE49-F238E27FC236}">
-                <a16:creationId xmlns:a16="http://schemas.microsoft.com/office/drawing/2014/main" id="{36AE4B86-1229-0A97-2CC5-70134CC2FC28}"/>
+                <a16:creationId xmlns:a16="http://schemas.microsoft.com/office/drawing/2014/main" xmlns="" id="{36AE4B86-1229-0A97-2CC5-70134CC2FC28}"/>
               </a:ext>
             </a:extLst>
           </p:cNvPr>
@@ -595,7 +594,7 @@
           <p:cNvPr id="2" name="直排標題 1">
             <a:extLst>
               <a:ext uri="{FF2B5EF4-FFF2-40B4-BE49-F238E27FC236}">
-                <a16:creationId xmlns:a16="http://schemas.microsoft.com/office/drawing/2014/main" id="{27E8239C-6906-6C3E-481E-FFF96C109348}"/>
+                <a16:creationId xmlns:a16="http://schemas.microsoft.com/office/drawing/2014/main" xmlns="" id="{27E8239C-6906-6C3E-481E-FFF96C109348}"/>
               </a:ext>
             </a:extLst>
           </p:cNvPr>
@@ -628,7 +627,7 @@
           <p:cNvPr id="3" name="直排文字版面配置區 2">
             <a:extLst>
               <a:ext uri="{FF2B5EF4-FFF2-40B4-BE49-F238E27FC236}">
-                <a16:creationId xmlns:a16="http://schemas.microsoft.com/office/drawing/2014/main" id="{A1F6C910-975C-9C0C-B4D3-B628AC097593}"/>
+                <a16:creationId xmlns:a16="http://schemas.microsoft.com/office/drawing/2014/main" xmlns="" id="{A1F6C910-975C-9C0C-B4D3-B628AC097593}"/>
               </a:ext>
             </a:extLst>
           </p:cNvPr>
@@ -690,7 +689,7 @@
           <p:cNvPr id="4" name="日期版面配置區 3">
             <a:extLst>
               <a:ext uri="{FF2B5EF4-FFF2-40B4-BE49-F238E27FC236}">
-                <a16:creationId xmlns:a16="http://schemas.microsoft.com/office/drawing/2014/main" id="{7242ED0B-3BF0-77D8-1528-883F77E1A1D4}"/>
+                <a16:creationId xmlns:a16="http://schemas.microsoft.com/office/drawing/2014/main" xmlns="" id="{7242ED0B-3BF0-77D8-1528-883F77E1A1D4}"/>
               </a:ext>
             </a:extLst>
           </p:cNvPr>
@@ -708,7 +707,7 @@
           <a:p>
             <a:fld id="{B0571FA7-C913-4A27-9C2E-3B482D687F2A}" type="datetimeFigureOut">
               <a:rPr lang="zh-TW" altLang="en-US" smtClean="0"/>
-              <a:t>2022/5/5</a:t>
+              <a:t>2022/5/6</a:t>
             </a:fld>
             <a:endParaRPr lang="zh-TW" altLang="en-US"/>
           </a:p>
@@ -719,7 +718,7 @@
           <p:cNvPr id="5" name="頁尾版面配置區 4">
             <a:extLst>
               <a:ext uri="{FF2B5EF4-FFF2-40B4-BE49-F238E27FC236}">
-                <a16:creationId xmlns:a16="http://schemas.microsoft.com/office/drawing/2014/main" id="{76D7A044-A857-7852-360F-7382DEADD48F}"/>
+                <a16:creationId xmlns:a16="http://schemas.microsoft.com/office/drawing/2014/main" xmlns="" id="{76D7A044-A857-7852-360F-7382DEADD48F}"/>
               </a:ext>
             </a:extLst>
           </p:cNvPr>
@@ -744,7 +743,7 @@
           <p:cNvPr id="6" name="投影片編號版面配置區 5">
             <a:extLst>
               <a:ext uri="{FF2B5EF4-FFF2-40B4-BE49-F238E27FC236}">
-                <a16:creationId xmlns:a16="http://schemas.microsoft.com/office/drawing/2014/main" id="{6586E427-5EB5-FB55-D91E-DA8BC228A537}"/>
+                <a16:creationId xmlns:a16="http://schemas.microsoft.com/office/drawing/2014/main" xmlns="" id="{6586E427-5EB5-FB55-D91E-DA8BC228A537}"/>
               </a:ext>
             </a:extLst>
           </p:cNvPr>
@@ -803,7 +802,7 @@
           <p:cNvPr id="2" name="標題 1">
             <a:extLst>
               <a:ext uri="{FF2B5EF4-FFF2-40B4-BE49-F238E27FC236}">
-                <a16:creationId xmlns:a16="http://schemas.microsoft.com/office/drawing/2014/main" id="{ED1EDAFA-DD69-31C4-3705-6244F5DB529B}"/>
+                <a16:creationId xmlns:a16="http://schemas.microsoft.com/office/drawing/2014/main" xmlns="" id="{ED1EDAFA-DD69-31C4-3705-6244F5DB529B}"/>
               </a:ext>
             </a:extLst>
           </p:cNvPr>
@@ -831,7 +830,7 @@
           <p:cNvPr id="3" name="內容版面配置區 2">
             <a:extLst>
               <a:ext uri="{FF2B5EF4-FFF2-40B4-BE49-F238E27FC236}">
-                <a16:creationId xmlns:a16="http://schemas.microsoft.com/office/drawing/2014/main" id="{CECA515E-AD10-AB9B-F5DD-5345CAA5FD10}"/>
+                <a16:creationId xmlns:a16="http://schemas.microsoft.com/office/drawing/2014/main" xmlns="" id="{CECA515E-AD10-AB9B-F5DD-5345CAA5FD10}"/>
               </a:ext>
             </a:extLst>
           </p:cNvPr>
@@ -888,7 +887,7 @@
           <p:cNvPr id="4" name="日期版面配置區 3">
             <a:extLst>
               <a:ext uri="{FF2B5EF4-FFF2-40B4-BE49-F238E27FC236}">
-                <a16:creationId xmlns:a16="http://schemas.microsoft.com/office/drawing/2014/main" id="{878A1A5F-EA0C-8109-C052-B99265FD6F38}"/>
+                <a16:creationId xmlns:a16="http://schemas.microsoft.com/office/drawing/2014/main" xmlns="" id="{878A1A5F-EA0C-8109-C052-B99265FD6F38}"/>
               </a:ext>
             </a:extLst>
           </p:cNvPr>
@@ -906,7 +905,7 @@
           <a:p>
             <a:fld id="{B0571FA7-C913-4A27-9C2E-3B482D687F2A}" type="datetimeFigureOut">
               <a:rPr lang="zh-TW" altLang="en-US" smtClean="0"/>
-              <a:t>2022/5/5</a:t>
+              <a:t>2022/5/6</a:t>
             </a:fld>
             <a:endParaRPr lang="zh-TW" altLang="en-US"/>
           </a:p>
@@ -917,7 +916,7 @@
           <p:cNvPr id="5" name="頁尾版面配置區 4">
             <a:extLst>
               <a:ext uri="{FF2B5EF4-FFF2-40B4-BE49-F238E27FC236}">
-                <a16:creationId xmlns:a16="http://schemas.microsoft.com/office/drawing/2014/main" id="{7E38BD82-0A44-621E-1383-92D13F8F44F9}"/>
+                <a16:creationId xmlns:a16="http://schemas.microsoft.com/office/drawing/2014/main" xmlns="" id="{7E38BD82-0A44-621E-1383-92D13F8F44F9}"/>
               </a:ext>
             </a:extLst>
           </p:cNvPr>
@@ -942,7 +941,7 @@
           <p:cNvPr id="6" name="投影片編號版面配置區 5">
             <a:extLst>
               <a:ext uri="{FF2B5EF4-FFF2-40B4-BE49-F238E27FC236}">
-                <a16:creationId xmlns:a16="http://schemas.microsoft.com/office/drawing/2014/main" id="{6C7B029E-82CB-AB41-1D7C-E221F23ABB38}"/>
+                <a16:creationId xmlns:a16="http://schemas.microsoft.com/office/drawing/2014/main" xmlns="" id="{6C7B029E-82CB-AB41-1D7C-E221F23ABB38}"/>
               </a:ext>
             </a:extLst>
           </p:cNvPr>
@@ -1001,7 +1000,7 @@
           <p:cNvPr id="2" name="標題 1">
             <a:extLst>
               <a:ext uri="{FF2B5EF4-FFF2-40B4-BE49-F238E27FC236}">
-                <a16:creationId xmlns:a16="http://schemas.microsoft.com/office/drawing/2014/main" id="{F6885628-464C-3C88-2989-DC4B76663C76}"/>
+                <a16:creationId xmlns:a16="http://schemas.microsoft.com/office/drawing/2014/main" xmlns="" id="{F6885628-464C-3C88-2989-DC4B76663C76}"/>
               </a:ext>
             </a:extLst>
           </p:cNvPr>
@@ -1038,7 +1037,7 @@
           <p:cNvPr id="3" name="文字版面配置區 2">
             <a:extLst>
               <a:ext uri="{FF2B5EF4-FFF2-40B4-BE49-F238E27FC236}">
-                <a16:creationId xmlns:a16="http://schemas.microsoft.com/office/drawing/2014/main" id="{1BC029DF-431E-BD6C-4DAB-1F8D8841581A}"/>
+                <a16:creationId xmlns:a16="http://schemas.microsoft.com/office/drawing/2014/main" xmlns="" id="{1BC029DF-431E-BD6C-4DAB-1F8D8841581A}"/>
               </a:ext>
             </a:extLst>
           </p:cNvPr>
@@ -1163,7 +1162,7 @@
           <p:cNvPr id="4" name="日期版面配置區 3">
             <a:extLst>
               <a:ext uri="{FF2B5EF4-FFF2-40B4-BE49-F238E27FC236}">
-                <a16:creationId xmlns:a16="http://schemas.microsoft.com/office/drawing/2014/main" id="{EE599DC7-E8A2-87C2-8E9F-308D59F69BB0}"/>
+                <a16:creationId xmlns:a16="http://schemas.microsoft.com/office/drawing/2014/main" xmlns="" id="{EE599DC7-E8A2-87C2-8E9F-308D59F69BB0}"/>
               </a:ext>
             </a:extLst>
           </p:cNvPr>
@@ -1181,7 +1180,7 @@
           <a:p>
             <a:fld id="{B0571FA7-C913-4A27-9C2E-3B482D687F2A}" type="datetimeFigureOut">
               <a:rPr lang="zh-TW" altLang="en-US" smtClean="0"/>
-              <a:t>2022/5/5</a:t>
+              <a:t>2022/5/6</a:t>
             </a:fld>
             <a:endParaRPr lang="zh-TW" altLang="en-US"/>
           </a:p>
@@ -1192,7 +1191,7 @@
           <p:cNvPr id="5" name="頁尾版面配置區 4">
             <a:extLst>
               <a:ext uri="{FF2B5EF4-FFF2-40B4-BE49-F238E27FC236}">
-                <a16:creationId xmlns:a16="http://schemas.microsoft.com/office/drawing/2014/main" id="{2AF46647-BD87-3298-14E2-B925F84B518A}"/>
+                <a16:creationId xmlns:a16="http://schemas.microsoft.com/office/drawing/2014/main" xmlns="" id="{2AF46647-BD87-3298-14E2-B925F84B518A}"/>
               </a:ext>
             </a:extLst>
           </p:cNvPr>
@@ -1217,7 +1216,7 @@
           <p:cNvPr id="6" name="投影片編號版面配置區 5">
             <a:extLst>
               <a:ext uri="{FF2B5EF4-FFF2-40B4-BE49-F238E27FC236}">
-                <a16:creationId xmlns:a16="http://schemas.microsoft.com/office/drawing/2014/main" id="{4B6096A2-AA20-4C38-463F-F2042AE2B066}"/>
+                <a16:creationId xmlns:a16="http://schemas.microsoft.com/office/drawing/2014/main" xmlns="" id="{4B6096A2-AA20-4C38-463F-F2042AE2B066}"/>
               </a:ext>
             </a:extLst>
           </p:cNvPr>
@@ -1276,7 +1275,7 @@
           <p:cNvPr id="2" name="標題 1">
             <a:extLst>
               <a:ext uri="{FF2B5EF4-FFF2-40B4-BE49-F238E27FC236}">
-                <a16:creationId xmlns:a16="http://schemas.microsoft.com/office/drawing/2014/main" id="{1E8CF7ED-7526-99E5-8D48-C201760A850D}"/>
+                <a16:creationId xmlns:a16="http://schemas.microsoft.com/office/drawing/2014/main" xmlns="" id="{1E8CF7ED-7526-99E5-8D48-C201760A850D}"/>
               </a:ext>
             </a:extLst>
           </p:cNvPr>
@@ -1304,7 +1303,7 @@
           <p:cNvPr id="3" name="內容版面配置區 2">
             <a:extLst>
               <a:ext uri="{FF2B5EF4-FFF2-40B4-BE49-F238E27FC236}">
-                <a16:creationId xmlns:a16="http://schemas.microsoft.com/office/drawing/2014/main" id="{86E637C8-7BBC-2AED-E9D9-31FD12D6C03F}"/>
+                <a16:creationId xmlns:a16="http://schemas.microsoft.com/office/drawing/2014/main" xmlns="" id="{86E637C8-7BBC-2AED-E9D9-31FD12D6C03F}"/>
               </a:ext>
             </a:extLst>
           </p:cNvPr>
@@ -1366,7 +1365,7 @@
           <p:cNvPr id="4" name="內容版面配置區 3">
             <a:extLst>
               <a:ext uri="{FF2B5EF4-FFF2-40B4-BE49-F238E27FC236}">
-                <a16:creationId xmlns:a16="http://schemas.microsoft.com/office/drawing/2014/main" id="{A3E494BC-2569-A181-6001-C98CAEE4082A}"/>
+                <a16:creationId xmlns:a16="http://schemas.microsoft.com/office/drawing/2014/main" xmlns="" id="{A3E494BC-2569-A181-6001-C98CAEE4082A}"/>
               </a:ext>
             </a:extLst>
           </p:cNvPr>
@@ -1428,7 +1427,7 @@
           <p:cNvPr id="5" name="日期版面配置區 4">
             <a:extLst>
               <a:ext uri="{FF2B5EF4-FFF2-40B4-BE49-F238E27FC236}">
-                <a16:creationId xmlns:a16="http://schemas.microsoft.com/office/drawing/2014/main" id="{D5B9B5FD-ACCB-E4EB-C00F-F299D63596C8}"/>
+                <a16:creationId xmlns:a16="http://schemas.microsoft.com/office/drawing/2014/main" xmlns="" id="{D5B9B5FD-ACCB-E4EB-C00F-F299D63596C8}"/>
               </a:ext>
             </a:extLst>
           </p:cNvPr>
@@ -1446,7 +1445,7 @@
           <a:p>
             <a:fld id="{B0571FA7-C913-4A27-9C2E-3B482D687F2A}" type="datetimeFigureOut">
               <a:rPr lang="zh-TW" altLang="en-US" smtClean="0"/>
-              <a:t>2022/5/5</a:t>
+              <a:t>2022/5/6</a:t>
             </a:fld>
             <a:endParaRPr lang="zh-TW" altLang="en-US"/>
           </a:p>
@@ -1457,7 +1456,7 @@
           <p:cNvPr id="6" name="頁尾版面配置區 5">
             <a:extLst>
               <a:ext uri="{FF2B5EF4-FFF2-40B4-BE49-F238E27FC236}">
-                <a16:creationId xmlns:a16="http://schemas.microsoft.com/office/drawing/2014/main" id="{96982B0C-85D0-88B8-2D92-1C79E2EC2C32}"/>
+                <a16:creationId xmlns:a16="http://schemas.microsoft.com/office/drawing/2014/main" xmlns="" id="{96982B0C-85D0-88B8-2D92-1C79E2EC2C32}"/>
               </a:ext>
             </a:extLst>
           </p:cNvPr>
@@ -1482,7 +1481,7 @@
           <p:cNvPr id="7" name="投影片編號版面配置區 6">
             <a:extLst>
               <a:ext uri="{FF2B5EF4-FFF2-40B4-BE49-F238E27FC236}">
-                <a16:creationId xmlns:a16="http://schemas.microsoft.com/office/drawing/2014/main" id="{512DAB22-5F65-BB13-B865-F46FBAFA7227}"/>
+                <a16:creationId xmlns:a16="http://schemas.microsoft.com/office/drawing/2014/main" xmlns="" id="{512DAB22-5F65-BB13-B865-F46FBAFA7227}"/>
               </a:ext>
             </a:extLst>
           </p:cNvPr>
@@ -1541,7 +1540,7 @@
           <p:cNvPr id="2" name="標題 1">
             <a:extLst>
               <a:ext uri="{FF2B5EF4-FFF2-40B4-BE49-F238E27FC236}">
-                <a16:creationId xmlns:a16="http://schemas.microsoft.com/office/drawing/2014/main" id="{B234F037-4793-43A4-2BD3-51CFE572497B}"/>
+                <a16:creationId xmlns:a16="http://schemas.microsoft.com/office/drawing/2014/main" xmlns="" id="{B234F037-4793-43A4-2BD3-51CFE572497B}"/>
               </a:ext>
             </a:extLst>
           </p:cNvPr>
@@ -1574,7 +1573,7 @@
           <p:cNvPr id="3" name="文字版面配置區 2">
             <a:extLst>
               <a:ext uri="{FF2B5EF4-FFF2-40B4-BE49-F238E27FC236}">
-                <a16:creationId xmlns:a16="http://schemas.microsoft.com/office/drawing/2014/main" id="{BBB2AC6D-8604-22A0-9258-E2544A5E6342}"/>
+                <a16:creationId xmlns:a16="http://schemas.microsoft.com/office/drawing/2014/main" xmlns="" id="{BBB2AC6D-8604-22A0-9258-E2544A5E6342}"/>
               </a:ext>
             </a:extLst>
           </p:cNvPr>
@@ -1645,7 +1644,7 @@
           <p:cNvPr id="4" name="內容版面配置區 3">
             <a:extLst>
               <a:ext uri="{FF2B5EF4-FFF2-40B4-BE49-F238E27FC236}">
-                <a16:creationId xmlns:a16="http://schemas.microsoft.com/office/drawing/2014/main" id="{C9F0AA72-D167-979C-6168-BABB201CA55F}"/>
+                <a16:creationId xmlns:a16="http://schemas.microsoft.com/office/drawing/2014/main" xmlns="" id="{C9F0AA72-D167-979C-6168-BABB201CA55F}"/>
               </a:ext>
             </a:extLst>
           </p:cNvPr>
@@ -1707,7 +1706,7 @@
           <p:cNvPr id="5" name="文字版面配置區 4">
             <a:extLst>
               <a:ext uri="{FF2B5EF4-FFF2-40B4-BE49-F238E27FC236}">
-                <a16:creationId xmlns:a16="http://schemas.microsoft.com/office/drawing/2014/main" id="{3E1E2448-190F-E3ED-28A2-C407857939C7}"/>
+                <a16:creationId xmlns:a16="http://schemas.microsoft.com/office/drawing/2014/main" xmlns="" id="{3E1E2448-190F-E3ED-28A2-C407857939C7}"/>
               </a:ext>
             </a:extLst>
           </p:cNvPr>
@@ -1778,7 +1777,7 @@
           <p:cNvPr id="6" name="內容版面配置區 5">
             <a:extLst>
               <a:ext uri="{FF2B5EF4-FFF2-40B4-BE49-F238E27FC236}">
-                <a16:creationId xmlns:a16="http://schemas.microsoft.com/office/drawing/2014/main" id="{37E232E8-5D39-2DC2-78FC-00C5C53174E2}"/>
+                <a16:creationId xmlns:a16="http://schemas.microsoft.com/office/drawing/2014/main" xmlns="" id="{37E232E8-5D39-2DC2-78FC-00C5C53174E2}"/>
               </a:ext>
             </a:extLst>
           </p:cNvPr>
@@ -1840,7 +1839,7 @@
           <p:cNvPr id="7" name="日期版面配置區 6">
             <a:extLst>
               <a:ext uri="{FF2B5EF4-FFF2-40B4-BE49-F238E27FC236}">
-                <a16:creationId xmlns:a16="http://schemas.microsoft.com/office/drawing/2014/main" id="{35D3971A-988A-1E45-AB5A-B0A214534730}"/>
+                <a16:creationId xmlns:a16="http://schemas.microsoft.com/office/drawing/2014/main" xmlns="" id="{35D3971A-988A-1E45-AB5A-B0A214534730}"/>
               </a:ext>
             </a:extLst>
           </p:cNvPr>
@@ -1858,7 +1857,7 @@
           <a:p>
             <a:fld id="{B0571FA7-C913-4A27-9C2E-3B482D687F2A}" type="datetimeFigureOut">
               <a:rPr lang="zh-TW" altLang="en-US" smtClean="0"/>
-              <a:t>2022/5/5</a:t>
+              <a:t>2022/5/6</a:t>
             </a:fld>
             <a:endParaRPr lang="zh-TW" altLang="en-US"/>
           </a:p>
@@ -1869,7 +1868,7 @@
           <p:cNvPr id="8" name="頁尾版面配置區 7">
             <a:extLst>
               <a:ext uri="{FF2B5EF4-FFF2-40B4-BE49-F238E27FC236}">
-                <a16:creationId xmlns:a16="http://schemas.microsoft.com/office/drawing/2014/main" id="{0A47037A-EAC0-0E50-36F5-75C20A1EE3A4}"/>
+                <a16:creationId xmlns:a16="http://schemas.microsoft.com/office/drawing/2014/main" xmlns="" id="{0A47037A-EAC0-0E50-36F5-75C20A1EE3A4}"/>
               </a:ext>
             </a:extLst>
           </p:cNvPr>
@@ -1894,7 +1893,7 @@
           <p:cNvPr id="9" name="投影片編號版面配置區 8">
             <a:extLst>
               <a:ext uri="{FF2B5EF4-FFF2-40B4-BE49-F238E27FC236}">
-                <a16:creationId xmlns:a16="http://schemas.microsoft.com/office/drawing/2014/main" id="{A023D6EB-6BAC-1819-B59D-D3FC736B8EF2}"/>
+                <a16:creationId xmlns:a16="http://schemas.microsoft.com/office/drawing/2014/main" xmlns="" id="{A023D6EB-6BAC-1819-B59D-D3FC736B8EF2}"/>
               </a:ext>
             </a:extLst>
           </p:cNvPr>
@@ -1953,7 +1952,7 @@
           <p:cNvPr id="2" name="標題 1">
             <a:extLst>
               <a:ext uri="{FF2B5EF4-FFF2-40B4-BE49-F238E27FC236}">
-                <a16:creationId xmlns:a16="http://schemas.microsoft.com/office/drawing/2014/main" id="{BC684036-C610-5CD3-09F4-42371E5F6E4C}"/>
+                <a16:creationId xmlns:a16="http://schemas.microsoft.com/office/drawing/2014/main" xmlns="" id="{BC684036-C610-5CD3-09F4-42371E5F6E4C}"/>
               </a:ext>
             </a:extLst>
           </p:cNvPr>
@@ -1981,7 +1980,7 @@
           <p:cNvPr id="3" name="日期版面配置區 2">
             <a:extLst>
               <a:ext uri="{FF2B5EF4-FFF2-40B4-BE49-F238E27FC236}">
-                <a16:creationId xmlns:a16="http://schemas.microsoft.com/office/drawing/2014/main" id="{DE1389D7-6214-4DCB-8010-12CAB9D4A961}"/>
+                <a16:creationId xmlns:a16="http://schemas.microsoft.com/office/drawing/2014/main" xmlns="" id="{DE1389D7-6214-4DCB-8010-12CAB9D4A961}"/>
               </a:ext>
             </a:extLst>
           </p:cNvPr>
@@ -1999,7 +1998,7 @@
           <a:p>
             <a:fld id="{B0571FA7-C913-4A27-9C2E-3B482D687F2A}" type="datetimeFigureOut">
               <a:rPr lang="zh-TW" altLang="en-US" smtClean="0"/>
-              <a:t>2022/5/5</a:t>
+              <a:t>2022/5/6</a:t>
             </a:fld>
             <a:endParaRPr lang="zh-TW" altLang="en-US"/>
           </a:p>
@@ -2010,7 +2009,7 @@
           <p:cNvPr id="4" name="頁尾版面配置區 3">
             <a:extLst>
               <a:ext uri="{FF2B5EF4-FFF2-40B4-BE49-F238E27FC236}">
-                <a16:creationId xmlns:a16="http://schemas.microsoft.com/office/drawing/2014/main" id="{C12536E6-85D4-E5BA-0DB7-BF56DCCB2421}"/>
+                <a16:creationId xmlns:a16="http://schemas.microsoft.com/office/drawing/2014/main" xmlns="" id="{C12536E6-85D4-E5BA-0DB7-BF56DCCB2421}"/>
               </a:ext>
             </a:extLst>
           </p:cNvPr>
@@ -2035,7 +2034,7 @@
           <p:cNvPr id="5" name="投影片編號版面配置區 4">
             <a:extLst>
               <a:ext uri="{FF2B5EF4-FFF2-40B4-BE49-F238E27FC236}">
-                <a16:creationId xmlns:a16="http://schemas.microsoft.com/office/drawing/2014/main" id="{4BA42EFC-801B-001C-65E8-32BBEF9FBC7E}"/>
+                <a16:creationId xmlns:a16="http://schemas.microsoft.com/office/drawing/2014/main" xmlns="" id="{4BA42EFC-801B-001C-65E8-32BBEF9FBC7E}"/>
               </a:ext>
             </a:extLst>
           </p:cNvPr>
@@ -2094,7 +2093,7 @@
           <p:cNvPr id="2" name="日期版面配置區 1">
             <a:extLst>
               <a:ext uri="{FF2B5EF4-FFF2-40B4-BE49-F238E27FC236}">
-                <a16:creationId xmlns:a16="http://schemas.microsoft.com/office/drawing/2014/main" id="{75D37063-9FAD-E7D4-B809-7C371D26F55D}"/>
+                <a16:creationId xmlns:a16="http://schemas.microsoft.com/office/drawing/2014/main" xmlns="" id="{75D37063-9FAD-E7D4-B809-7C371D26F55D}"/>
               </a:ext>
             </a:extLst>
           </p:cNvPr>
@@ -2112,7 +2111,7 @@
           <a:p>
             <a:fld id="{B0571FA7-C913-4A27-9C2E-3B482D687F2A}" type="datetimeFigureOut">
               <a:rPr lang="zh-TW" altLang="en-US" smtClean="0"/>
-              <a:t>2022/5/5</a:t>
+              <a:t>2022/5/6</a:t>
             </a:fld>
             <a:endParaRPr lang="zh-TW" altLang="en-US"/>
           </a:p>
@@ -2123,7 +2122,7 @@
           <p:cNvPr id="3" name="頁尾版面配置區 2">
             <a:extLst>
               <a:ext uri="{FF2B5EF4-FFF2-40B4-BE49-F238E27FC236}">
-                <a16:creationId xmlns:a16="http://schemas.microsoft.com/office/drawing/2014/main" id="{5F8A1D9B-541B-F865-5AE7-1A48B307673D}"/>
+                <a16:creationId xmlns:a16="http://schemas.microsoft.com/office/drawing/2014/main" xmlns="" id="{5F8A1D9B-541B-F865-5AE7-1A48B307673D}"/>
               </a:ext>
             </a:extLst>
           </p:cNvPr>
@@ -2148,7 +2147,7 @@
           <p:cNvPr id="4" name="投影片編號版面配置區 3">
             <a:extLst>
               <a:ext uri="{FF2B5EF4-FFF2-40B4-BE49-F238E27FC236}">
-                <a16:creationId xmlns:a16="http://schemas.microsoft.com/office/drawing/2014/main" id="{9B26399A-F6BD-1EA5-460F-DD4F26F64501}"/>
+                <a16:creationId xmlns:a16="http://schemas.microsoft.com/office/drawing/2014/main" xmlns="" id="{9B26399A-F6BD-1EA5-460F-DD4F26F64501}"/>
               </a:ext>
             </a:extLst>
           </p:cNvPr>
@@ -2207,7 +2206,7 @@
           <p:cNvPr id="2" name="標題 1">
             <a:extLst>
               <a:ext uri="{FF2B5EF4-FFF2-40B4-BE49-F238E27FC236}">
-                <a16:creationId xmlns:a16="http://schemas.microsoft.com/office/drawing/2014/main" id="{E921DCDB-6AB3-3BEB-3B73-0FEDD7FCCA5E}"/>
+                <a16:creationId xmlns:a16="http://schemas.microsoft.com/office/drawing/2014/main" xmlns="" id="{E921DCDB-6AB3-3BEB-3B73-0FEDD7FCCA5E}"/>
               </a:ext>
             </a:extLst>
           </p:cNvPr>
@@ -2244,7 +2243,7 @@
           <p:cNvPr id="3" name="內容版面配置區 2">
             <a:extLst>
               <a:ext uri="{FF2B5EF4-FFF2-40B4-BE49-F238E27FC236}">
-                <a16:creationId xmlns:a16="http://schemas.microsoft.com/office/drawing/2014/main" id="{9C87BA1A-4C20-218A-FF2C-E8D3DB547F05}"/>
+                <a16:creationId xmlns:a16="http://schemas.microsoft.com/office/drawing/2014/main" xmlns="" id="{9C87BA1A-4C20-218A-FF2C-E8D3DB547F05}"/>
               </a:ext>
             </a:extLst>
           </p:cNvPr>
@@ -2334,7 +2333,7 @@
           <p:cNvPr id="4" name="文字版面配置區 3">
             <a:extLst>
               <a:ext uri="{FF2B5EF4-FFF2-40B4-BE49-F238E27FC236}">
-                <a16:creationId xmlns:a16="http://schemas.microsoft.com/office/drawing/2014/main" id="{FE3C19FB-1F2F-BB69-4745-B30476BFEC46}"/>
+                <a16:creationId xmlns:a16="http://schemas.microsoft.com/office/drawing/2014/main" xmlns="" id="{FE3C19FB-1F2F-BB69-4745-B30476BFEC46}"/>
               </a:ext>
             </a:extLst>
           </p:cNvPr>
@@ -2405,7 +2404,7 @@
           <p:cNvPr id="5" name="日期版面配置區 4">
             <a:extLst>
               <a:ext uri="{FF2B5EF4-FFF2-40B4-BE49-F238E27FC236}">
-                <a16:creationId xmlns:a16="http://schemas.microsoft.com/office/drawing/2014/main" id="{36C93762-579C-686E-B778-F2E3967DFF2E}"/>
+                <a16:creationId xmlns:a16="http://schemas.microsoft.com/office/drawing/2014/main" xmlns="" id="{36C93762-579C-686E-B778-F2E3967DFF2E}"/>
               </a:ext>
             </a:extLst>
           </p:cNvPr>
@@ -2423,7 +2422,7 @@
           <a:p>
             <a:fld id="{B0571FA7-C913-4A27-9C2E-3B482D687F2A}" type="datetimeFigureOut">
               <a:rPr lang="zh-TW" altLang="en-US" smtClean="0"/>
-              <a:t>2022/5/5</a:t>
+              <a:t>2022/5/6</a:t>
             </a:fld>
             <a:endParaRPr lang="zh-TW" altLang="en-US"/>
           </a:p>
@@ -2434,7 +2433,7 @@
           <p:cNvPr id="6" name="頁尾版面配置區 5">
             <a:extLst>
               <a:ext uri="{FF2B5EF4-FFF2-40B4-BE49-F238E27FC236}">
-                <a16:creationId xmlns:a16="http://schemas.microsoft.com/office/drawing/2014/main" id="{115B4736-D2F4-07F8-3D46-CA8D574A56AC}"/>
+                <a16:creationId xmlns:a16="http://schemas.microsoft.com/office/drawing/2014/main" xmlns="" id="{115B4736-D2F4-07F8-3D46-CA8D574A56AC}"/>
               </a:ext>
             </a:extLst>
           </p:cNvPr>
@@ -2459,7 +2458,7 @@
           <p:cNvPr id="7" name="投影片編號版面配置區 6">
             <a:extLst>
               <a:ext uri="{FF2B5EF4-FFF2-40B4-BE49-F238E27FC236}">
-                <a16:creationId xmlns:a16="http://schemas.microsoft.com/office/drawing/2014/main" id="{EA5F231D-A79C-C471-8712-0CA55A23D9CD}"/>
+                <a16:creationId xmlns:a16="http://schemas.microsoft.com/office/drawing/2014/main" xmlns="" id="{EA5F231D-A79C-C471-8712-0CA55A23D9CD}"/>
               </a:ext>
             </a:extLst>
           </p:cNvPr>
@@ -2518,7 +2517,7 @@
           <p:cNvPr id="2" name="標題 1">
             <a:extLst>
               <a:ext uri="{FF2B5EF4-FFF2-40B4-BE49-F238E27FC236}">
-                <a16:creationId xmlns:a16="http://schemas.microsoft.com/office/drawing/2014/main" id="{8ECE226D-271A-E71B-A8FE-879417287CE5}"/>
+                <a16:creationId xmlns:a16="http://schemas.microsoft.com/office/drawing/2014/main" xmlns="" id="{8ECE226D-271A-E71B-A8FE-879417287CE5}"/>
               </a:ext>
             </a:extLst>
           </p:cNvPr>
@@ -2555,7 +2554,7 @@
           <p:cNvPr id="3" name="圖片版面配置區 2">
             <a:extLst>
               <a:ext uri="{FF2B5EF4-FFF2-40B4-BE49-F238E27FC236}">
-                <a16:creationId xmlns:a16="http://schemas.microsoft.com/office/drawing/2014/main" id="{9581A0DF-2724-29DF-D52C-2646543F3F4F}"/>
+                <a16:creationId xmlns:a16="http://schemas.microsoft.com/office/drawing/2014/main" xmlns="" id="{9581A0DF-2724-29DF-D52C-2646543F3F4F}"/>
               </a:ext>
             </a:extLst>
           </p:cNvPr>
@@ -2622,7 +2621,7 @@
           <p:cNvPr id="4" name="文字版面配置區 3">
             <a:extLst>
               <a:ext uri="{FF2B5EF4-FFF2-40B4-BE49-F238E27FC236}">
-                <a16:creationId xmlns:a16="http://schemas.microsoft.com/office/drawing/2014/main" id="{22CBBBAD-F143-E8C0-92A8-703F62B1CCC6}"/>
+                <a16:creationId xmlns:a16="http://schemas.microsoft.com/office/drawing/2014/main" xmlns="" id="{22CBBBAD-F143-E8C0-92A8-703F62B1CCC6}"/>
               </a:ext>
             </a:extLst>
           </p:cNvPr>
@@ -2693,7 +2692,7 @@
           <p:cNvPr id="5" name="日期版面配置區 4">
             <a:extLst>
               <a:ext uri="{FF2B5EF4-FFF2-40B4-BE49-F238E27FC236}">
-                <a16:creationId xmlns:a16="http://schemas.microsoft.com/office/drawing/2014/main" id="{B4A80B05-D11C-FA42-000D-7F5BED3DB13C}"/>
+                <a16:creationId xmlns:a16="http://schemas.microsoft.com/office/drawing/2014/main" xmlns="" id="{B4A80B05-D11C-FA42-000D-7F5BED3DB13C}"/>
               </a:ext>
             </a:extLst>
           </p:cNvPr>
@@ -2711,7 +2710,7 @@
           <a:p>
             <a:fld id="{B0571FA7-C913-4A27-9C2E-3B482D687F2A}" type="datetimeFigureOut">
               <a:rPr lang="zh-TW" altLang="en-US" smtClean="0"/>
-              <a:t>2022/5/5</a:t>
+              <a:t>2022/5/6</a:t>
             </a:fld>
             <a:endParaRPr lang="zh-TW" altLang="en-US"/>
           </a:p>
@@ -2722,7 +2721,7 @@
           <p:cNvPr id="6" name="頁尾版面配置區 5">
             <a:extLst>
               <a:ext uri="{FF2B5EF4-FFF2-40B4-BE49-F238E27FC236}">
-                <a16:creationId xmlns:a16="http://schemas.microsoft.com/office/drawing/2014/main" id="{1D6B9A49-521D-2640-2BC2-0FCE7AF12AF3}"/>
+                <a16:creationId xmlns:a16="http://schemas.microsoft.com/office/drawing/2014/main" xmlns="" id="{1D6B9A49-521D-2640-2BC2-0FCE7AF12AF3}"/>
               </a:ext>
             </a:extLst>
           </p:cNvPr>
@@ -2747,7 +2746,7 @@
           <p:cNvPr id="7" name="投影片編號版面配置區 6">
             <a:extLst>
               <a:ext uri="{FF2B5EF4-FFF2-40B4-BE49-F238E27FC236}">
-                <a16:creationId xmlns:a16="http://schemas.microsoft.com/office/drawing/2014/main" id="{2498865B-4A24-FBE6-E739-842964D02660}"/>
+                <a16:creationId xmlns:a16="http://schemas.microsoft.com/office/drawing/2014/main" xmlns="" id="{2498865B-4A24-FBE6-E739-842964D02660}"/>
               </a:ext>
             </a:extLst>
           </p:cNvPr>
@@ -2811,7 +2810,7 @@
           <p:cNvPr id="2" name="標題版面配置區 1">
             <a:extLst>
               <a:ext uri="{FF2B5EF4-FFF2-40B4-BE49-F238E27FC236}">
-                <a16:creationId xmlns:a16="http://schemas.microsoft.com/office/drawing/2014/main" id="{A6D939D4-A922-F140-AE48-223151B7B0E0}"/>
+                <a16:creationId xmlns:a16="http://schemas.microsoft.com/office/drawing/2014/main" xmlns="" id="{A6D939D4-A922-F140-AE48-223151B7B0E0}"/>
               </a:ext>
             </a:extLst>
           </p:cNvPr>
@@ -2849,7 +2848,7 @@
           <p:cNvPr id="3" name="文字版面配置區 2">
             <a:extLst>
               <a:ext uri="{FF2B5EF4-FFF2-40B4-BE49-F238E27FC236}">
-                <a16:creationId xmlns:a16="http://schemas.microsoft.com/office/drawing/2014/main" id="{F1E763FE-DBD2-52C4-5A43-9AE59AA8F55D}"/>
+                <a16:creationId xmlns:a16="http://schemas.microsoft.com/office/drawing/2014/main" xmlns="" id="{F1E763FE-DBD2-52C4-5A43-9AE59AA8F55D}"/>
               </a:ext>
             </a:extLst>
           </p:cNvPr>
@@ -2916,7 +2915,7 @@
           <p:cNvPr id="4" name="日期版面配置區 3">
             <a:extLst>
               <a:ext uri="{FF2B5EF4-FFF2-40B4-BE49-F238E27FC236}">
-                <a16:creationId xmlns:a16="http://schemas.microsoft.com/office/drawing/2014/main" id="{D7F9E68E-0E1A-D667-8CE9-35B0E90C220E}"/>
+                <a16:creationId xmlns:a16="http://schemas.microsoft.com/office/drawing/2014/main" xmlns="" id="{D7F9E68E-0E1A-D667-8CE9-35B0E90C220E}"/>
               </a:ext>
             </a:extLst>
           </p:cNvPr>
@@ -2952,7 +2951,7 @@
           <a:p>
             <a:fld id="{B0571FA7-C913-4A27-9C2E-3B482D687F2A}" type="datetimeFigureOut">
               <a:rPr lang="zh-TW" altLang="en-US" smtClean="0"/>
-              <a:t>2022/5/5</a:t>
+              <a:t>2022/5/6</a:t>
             </a:fld>
             <a:endParaRPr lang="zh-TW" altLang="en-US"/>
           </a:p>
@@ -2963,7 +2962,7 @@
           <p:cNvPr id="5" name="頁尾版面配置區 4">
             <a:extLst>
               <a:ext uri="{FF2B5EF4-FFF2-40B4-BE49-F238E27FC236}">
-                <a16:creationId xmlns:a16="http://schemas.microsoft.com/office/drawing/2014/main" id="{569AEDAA-C9B3-026B-ADBB-3A86B2076CFE}"/>
+                <a16:creationId xmlns:a16="http://schemas.microsoft.com/office/drawing/2014/main" xmlns="" id="{569AEDAA-C9B3-026B-ADBB-3A86B2076CFE}"/>
               </a:ext>
             </a:extLst>
           </p:cNvPr>
@@ -3006,7 +3005,7 @@
           <p:cNvPr id="6" name="投影片編號版面配置區 5">
             <a:extLst>
               <a:ext uri="{FF2B5EF4-FFF2-40B4-BE49-F238E27FC236}">
-                <a16:creationId xmlns:a16="http://schemas.microsoft.com/office/drawing/2014/main" id="{D25C0CE7-F492-4EFC-2FD2-D07066642947}"/>
+                <a16:creationId xmlns:a16="http://schemas.microsoft.com/office/drawing/2014/main" xmlns="" id="{D25C0CE7-F492-4EFC-2FD2-D07066642947}"/>
               </a:ext>
             </a:extLst>
           </p:cNvPr>
@@ -3374,7 +3373,7 @@
           <p:cNvPr id="2" name="標題 1">
             <a:extLst>
               <a:ext uri="{FF2B5EF4-FFF2-40B4-BE49-F238E27FC236}">
-                <a16:creationId xmlns:a16="http://schemas.microsoft.com/office/drawing/2014/main" id="{AD43F4D4-5BB2-212B-D2BB-71EBADCA5A55}"/>
+                <a16:creationId xmlns:a16="http://schemas.microsoft.com/office/drawing/2014/main" xmlns="" id="{AD43F4D4-5BB2-212B-D2BB-71EBADCA5A55}"/>
               </a:ext>
             </a:extLst>
           </p:cNvPr>
@@ -3403,7 +3402,7 @@
           <p:cNvPr id="3" name="副標題 2">
             <a:extLst>
               <a:ext uri="{FF2B5EF4-FFF2-40B4-BE49-F238E27FC236}">
-                <a16:creationId xmlns:a16="http://schemas.microsoft.com/office/drawing/2014/main" id="{21A8CDE8-0E1B-A7F8-7692-AD381465922E}"/>
+                <a16:creationId xmlns:a16="http://schemas.microsoft.com/office/drawing/2014/main" xmlns="" id="{21A8CDE8-0E1B-A7F8-7692-AD381465922E}"/>
               </a:ext>
             </a:extLst>
           </p:cNvPr>
@@ -3467,7 +3466,7 @@
           <p:cNvPr id="2" name="標題 1">
             <a:extLst>
               <a:ext uri="{FF2B5EF4-FFF2-40B4-BE49-F238E27FC236}">
-                <a16:creationId xmlns:a16="http://schemas.microsoft.com/office/drawing/2014/main" id="{C7B55EDB-6608-3CDF-F165-7F6B7E345F41}"/>
+                <a16:creationId xmlns:a16="http://schemas.microsoft.com/office/drawing/2014/main" xmlns="" id="{C7B55EDB-6608-3CDF-F165-7F6B7E345F41}"/>
               </a:ext>
             </a:extLst>
           </p:cNvPr>
@@ -3501,7 +3500,7 @@
           <p:cNvPr id="3" name="內容版面配置區 2">
             <a:extLst>
               <a:ext uri="{FF2B5EF4-FFF2-40B4-BE49-F238E27FC236}">
-                <a16:creationId xmlns:a16="http://schemas.microsoft.com/office/drawing/2014/main" id="{997FEF67-95B7-8F99-30AA-238E1F83ECAB}"/>
+                <a16:creationId xmlns:a16="http://schemas.microsoft.com/office/drawing/2014/main" xmlns="" id="{997FEF67-95B7-8F99-30AA-238E1F83ECAB}"/>
               </a:ext>
             </a:extLst>
           </p:cNvPr>
@@ -3587,7 +3586,7 @@
           <p:cNvPr id="2" name="標題 1">
             <a:extLst>
               <a:ext uri="{FF2B5EF4-FFF2-40B4-BE49-F238E27FC236}">
-                <a16:creationId xmlns:a16="http://schemas.microsoft.com/office/drawing/2014/main" id="{C7B55EDB-6608-3CDF-F165-7F6B7E345F41}"/>
+                <a16:creationId xmlns:a16="http://schemas.microsoft.com/office/drawing/2014/main" xmlns="" id="{C7B55EDB-6608-3CDF-F165-7F6B7E345F41}"/>
               </a:ext>
             </a:extLst>
           </p:cNvPr>
@@ -3621,7 +3620,7 @@
           <p:cNvPr id="3" name="內容版面配置區 2">
             <a:extLst>
               <a:ext uri="{FF2B5EF4-FFF2-40B4-BE49-F238E27FC236}">
-                <a16:creationId xmlns:a16="http://schemas.microsoft.com/office/drawing/2014/main" id="{997FEF67-95B7-8F99-30AA-238E1F83ECAB}"/>
+                <a16:creationId xmlns:a16="http://schemas.microsoft.com/office/drawing/2014/main" xmlns="" id="{997FEF67-95B7-8F99-30AA-238E1F83ECAB}"/>
               </a:ext>
             </a:extLst>
           </p:cNvPr>
@@ -3696,7 +3695,7 @@
           <p:cNvPr id="5" name="圖片 4">
             <a:extLst>
               <a:ext uri="{FF2B5EF4-FFF2-40B4-BE49-F238E27FC236}">
-                <a16:creationId xmlns:a16="http://schemas.microsoft.com/office/drawing/2014/main" id="{82E55D65-9A0A-32F3-9EFB-83536F8F6485}"/>
+                <a16:creationId xmlns:a16="http://schemas.microsoft.com/office/drawing/2014/main" xmlns="" id="{82E55D65-9A0A-32F3-9EFB-83536F8F6485}"/>
               </a:ext>
             </a:extLst>
           </p:cNvPr>
@@ -3756,7 +3755,7 @@
           <p:cNvPr id="2" name="標題 1">
             <a:extLst>
               <a:ext uri="{FF2B5EF4-FFF2-40B4-BE49-F238E27FC236}">
-                <a16:creationId xmlns:a16="http://schemas.microsoft.com/office/drawing/2014/main" id="{C7B55EDB-6608-3CDF-F165-7F6B7E345F41}"/>
+                <a16:creationId xmlns:a16="http://schemas.microsoft.com/office/drawing/2014/main" xmlns="" id="{C7B55EDB-6608-3CDF-F165-7F6B7E345F41}"/>
               </a:ext>
             </a:extLst>
           </p:cNvPr>
@@ -3790,7 +3789,7 @@
           <p:cNvPr id="3" name="內容版面配置區 2">
             <a:extLst>
               <a:ext uri="{FF2B5EF4-FFF2-40B4-BE49-F238E27FC236}">
-                <a16:creationId xmlns:a16="http://schemas.microsoft.com/office/drawing/2014/main" id="{997FEF67-95B7-8F99-30AA-238E1F83ECAB}"/>
+                <a16:creationId xmlns:a16="http://schemas.microsoft.com/office/drawing/2014/main" xmlns="" id="{997FEF67-95B7-8F99-30AA-238E1F83ECAB}"/>
               </a:ext>
             </a:extLst>
           </p:cNvPr>
@@ -3873,7 +3872,7 @@
           <p:cNvPr id="7" name="圖片 6">
             <a:extLst>
               <a:ext uri="{FF2B5EF4-FFF2-40B4-BE49-F238E27FC236}">
-                <a16:creationId xmlns:a16="http://schemas.microsoft.com/office/drawing/2014/main" id="{32F3C686-041A-DAC1-A1DD-E7C7A9F31150}"/>
+                <a16:creationId xmlns:a16="http://schemas.microsoft.com/office/drawing/2014/main" xmlns="" id="{32F3C686-041A-DAC1-A1DD-E7C7A9F31150}"/>
               </a:ext>
             </a:extLst>
           </p:cNvPr>
@@ -3933,7 +3932,7 @@
           <p:cNvPr id="5" name="圖片 4">
             <a:extLst>
               <a:ext uri="{FF2B5EF4-FFF2-40B4-BE49-F238E27FC236}">
-                <a16:creationId xmlns:a16="http://schemas.microsoft.com/office/drawing/2014/main" id="{1C601679-4623-48E2-AB67-3F6072464115}"/>
+                <a16:creationId xmlns:a16="http://schemas.microsoft.com/office/drawing/2014/main" xmlns="" id="{1C601679-4623-48E2-AB67-3F6072464115}"/>
               </a:ext>
             </a:extLst>
           </p:cNvPr>
@@ -3993,7 +3992,7 @@
           <p:cNvPr id="2" name="標題 1">
             <a:extLst>
               <a:ext uri="{FF2B5EF4-FFF2-40B4-BE49-F238E27FC236}">
-                <a16:creationId xmlns:a16="http://schemas.microsoft.com/office/drawing/2014/main" id="{C7B55EDB-6608-3CDF-F165-7F6B7E345F41}"/>
+                <a16:creationId xmlns:a16="http://schemas.microsoft.com/office/drawing/2014/main" xmlns="" id="{C7B55EDB-6608-3CDF-F165-7F6B7E345F41}"/>
               </a:ext>
             </a:extLst>
           </p:cNvPr>
@@ -4027,7 +4026,7 @@
           <p:cNvPr id="3" name="內容版面配置區 2">
             <a:extLst>
               <a:ext uri="{FF2B5EF4-FFF2-40B4-BE49-F238E27FC236}">
-                <a16:creationId xmlns:a16="http://schemas.microsoft.com/office/drawing/2014/main" id="{997FEF67-95B7-8F99-30AA-238E1F83ECAB}"/>
+                <a16:creationId xmlns:a16="http://schemas.microsoft.com/office/drawing/2014/main" xmlns="" id="{997FEF67-95B7-8F99-30AA-238E1F83ECAB}"/>
               </a:ext>
             </a:extLst>
           </p:cNvPr>
@@ -4102,7 +4101,7 @@
           <p:cNvPr id="9" name="圖片 8">
             <a:extLst>
               <a:ext uri="{FF2B5EF4-FFF2-40B4-BE49-F238E27FC236}">
-                <a16:creationId xmlns:a16="http://schemas.microsoft.com/office/drawing/2014/main" id="{CDF9758E-3DCA-9AC0-19D4-C5EEA7FEBA51}"/>
+                <a16:creationId xmlns:a16="http://schemas.microsoft.com/office/drawing/2014/main" xmlns="" id="{CDF9758E-3DCA-9AC0-19D4-C5EEA7FEBA51}"/>
               </a:ext>
             </a:extLst>
           </p:cNvPr>
@@ -4162,7 +4161,7 @@
           <p:cNvPr id="2" name="標題 1">
             <a:extLst>
               <a:ext uri="{FF2B5EF4-FFF2-40B4-BE49-F238E27FC236}">
-                <a16:creationId xmlns:a16="http://schemas.microsoft.com/office/drawing/2014/main" id="{C7B55EDB-6608-3CDF-F165-7F6B7E345F41}"/>
+                <a16:creationId xmlns:a16="http://schemas.microsoft.com/office/drawing/2014/main" xmlns="" id="{C7B55EDB-6608-3CDF-F165-7F6B7E345F41}"/>
               </a:ext>
             </a:extLst>
           </p:cNvPr>
@@ -4196,7 +4195,7 @@
           <p:cNvPr id="3" name="內容版面配置區 2">
             <a:extLst>
               <a:ext uri="{FF2B5EF4-FFF2-40B4-BE49-F238E27FC236}">
-                <a16:creationId xmlns:a16="http://schemas.microsoft.com/office/drawing/2014/main" id="{997FEF67-95B7-8F99-30AA-238E1F83ECAB}"/>
+                <a16:creationId xmlns:a16="http://schemas.microsoft.com/office/drawing/2014/main" xmlns="" id="{997FEF67-95B7-8F99-30AA-238E1F83ECAB}"/>
               </a:ext>
             </a:extLst>
           </p:cNvPr>
@@ -4302,7 +4301,7 @@
           <p:cNvPr id="3" name="圖片 2">
             <a:extLst>
               <a:ext uri="{FF2B5EF4-FFF2-40B4-BE49-F238E27FC236}">
-                <a16:creationId xmlns:a16="http://schemas.microsoft.com/office/drawing/2014/main" id="{0B0863F7-04A7-16E2-6884-3C05EC0468C1}"/>
+                <a16:creationId xmlns:a16="http://schemas.microsoft.com/office/drawing/2014/main" xmlns="" id="{0B0863F7-04A7-16E2-6884-3C05EC0468C1}"/>
               </a:ext>
             </a:extLst>
           </p:cNvPr>
@@ -4362,7 +4361,7 @@
           <p:cNvPr id="2" name="標題 1">
             <a:extLst>
               <a:ext uri="{FF2B5EF4-FFF2-40B4-BE49-F238E27FC236}">
-                <a16:creationId xmlns:a16="http://schemas.microsoft.com/office/drawing/2014/main" id="{FDBF3A64-B9FD-70B8-C52F-660DE3382798}"/>
+                <a16:creationId xmlns:a16="http://schemas.microsoft.com/office/drawing/2014/main" xmlns="" id="{FDBF3A64-B9FD-70B8-C52F-660DE3382798}"/>
               </a:ext>
             </a:extLst>
           </p:cNvPr>
@@ -4391,7 +4390,7 @@
           <p:cNvPr id="3" name="內容版面配置區 2">
             <a:extLst>
               <a:ext uri="{FF2B5EF4-FFF2-40B4-BE49-F238E27FC236}">
-                <a16:creationId xmlns:a16="http://schemas.microsoft.com/office/drawing/2014/main" id="{F0C0C5DF-8DDB-CB40-0D38-ECE943081B71}"/>
+                <a16:creationId xmlns:a16="http://schemas.microsoft.com/office/drawing/2014/main" xmlns="" id="{F0C0C5DF-8DDB-CB40-0D38-ECE943081B71}"/>
               </a:ext>
             </a:extLst>
           </p:cNvPr>
@@ -4474,7 +4473,7 @@
           <p:cNvPr id="2" name="標題 1">
             <a:extLst>
               <a:ext uri="{FF2B5EF4-FFF2-40B4-BE49-F238E27FC236}">
-                <a16:creationId xmlns:a16="http://schemas.microsoft.com/office/drawing/2014/main" id="{C7B55EDB-6608-3CDF-F165-7F6B7E345F41}"/>
+                <a16:creationId xmlns:a16="http://schemas.microsoft.com/office/drawing/2014/main" xmlns="" id="{C7B55EDB-6608-3CDF-F165-7F6B7E345F41}"/>
               </a:ext>
             </a:extLst>
           </p:cNvPr>
@@ -4508,7 +4507,7 @@
           <p:cNvPr id="3" name="內容版面配置區 2">
             <a:extLst>
               <a:ext uri="{FF2B5EF4-FFF2-40B4-BE49-F238E27FC236}">
-                <a16:creationId xmlns:a16="http://schemas.microsoft.com/office/drawing/2014/main" id="{997FEF67-95B7-8F99-30AA-238E1F83ECAB}"/>
+                <a16:creationId xmlns:a16="http://schemas.microsoft.com/office/drawing/2014/main" xmlns="" id="{997FEF67-95B7-8F99-30AA-238E1F83ECAB}"/>
               </a:ext>
             </a:extLst>
           </p:cNvPr>
@@ -4565,7 +4564,7 @@
           <p:cNvPr id="5" name="圖片 4">
             <a:extLst>
               <a:ext uri="{FF2B5EF4-FFF2-40B4-BE49-F238E27FC236}">
-                <a16:creationId xmlns:a16="http://schemas.microsoft.com/office/drawing/2014/main" id="{CAE7CD3C-7B0C-C03F-4F6D-0A74B97A7975}"/>
+                <a16:creationId xmlns:a16="http://schemas.microsoft.com/office/drawing/2014/main" xmlns="" id="{CAE7CD3C-7B0C-C03F-4F6D-0A74B97A7975}"/>
               </a:ext>
             </a:extLst>
           </p:cNvPr>
@@ -4625,7 +4624,7 @@
           <p:cNvPr id="2" name="標題 1">
             <a:extLst>
               <a:ext uri="{FF2B5EF4-FFF2-40B4-BE49-F238E27FC236}">
-                <a16:creationId xmlns:a16="http://schemas.microsoft.com/office/drawing/2014/main" id="{C7B55EDB-6608-3CDF-F165-7F6B7E345F41}"/>
+                <a16:creationId xmlns:a16="http://schemas.microsoft.com/office/drawing/2014/main" xmlns="" id="{C7B55EDB-6608-3CDF-F165-7F6B7E345F41}"/>
               </a:ext>
             </a:extLst>
           </p:cNvPr>
@@ -4659,7 +4658,7 @@
           <p:cNvPr id="3" name="內容版面配置區 2">
             <a:extLst>
               <a:ext uri="{FF2B5EF4-FFF2-40B4-BE49-F238E27FC236}">
-                <a16:creationId xmlns:a16="http://schemas.microsoft.com/office/drawing/2014/main" id="{997FEF67-95B7-8F99-30AA-238E1F83ECAB}"/>
+                <a16:creationId xmlns:a16="http://schemas.microsoft.com/office/drawing/2014/main" xmlns="" id="{997FEF67-95B7-8F99-30AA-238E1F83ECAB}"/>
               </a:ext>
             </a:extLst>
           </p:cNvPr>
@@ -4708,7 +4707,7 @@
           <p:cNvPr id="5" name="圖片 4">
             <a:extLst>
               <a:ext uri="{FF2B5EF4-FFF2-40B4-BE49-F238E27FC236}">
-                <a16:creationId xmlns:a16="http://schemas.microsoft.com/office/drawing/2014/main" id="{CAE7CD3C-7B0C-C03F-4F6D-0A74B97A7975}"/>
+                <a16:creationId xmlns:a16="http://schemas.microsoft.com/office/drawing/2014/main" xmlns="" id="{CAE7CD3C-7B0C-C03F-4F6D-0A74B97A7975}"/>
               </a:ext>
             </a:extLst>
           </p:cNvPr>
@@ -4768,7 +4767,7 @@
           <p:cNvPr id="2" name="標題 1">
             <a:extLst>
               <a:ext uri="{FF2B5EF4-FFF2-40B4-BE49-F238E27FC236}">
-                <a16:creationId xmlns:a16="http://schemas.microsoft.com/office/drawing/2014/main" id="{C7B55EDB-6608-3CDF-F165-7F6B7E345F41}"/>
+                <a16:creationId xmlns:a16="http://schemas.microsoft.com/office/drawing/2014/main" xmlns="" id="{C7B55EDB-6608-3CDF-F165-7F6B7E345F41}"/>
               </a:ext>
             </a:extLst>
           </p:cNvPr>
@@ -4802,7 +4801,7 @@
           <p:cNvPr id="3" name="內容版面配置區 2">
             <a:extLst>
               <a:ext uri="{FF2B5EF4-FFF2-40B4-BE49-F238E27FC236}">
-                <a16:creationId xmlns:a16="http://schemas.microsoft.com/office/drawing/2014/main" id="{997FEF67-95B7-8F99-30AA-238E1F83ECAB}"/>
+                <a16:creationId xmlns:a16="http://schemas.microsoft.com/office/drawing/2014/main" xmlns="" id="{997FEF67-95B7-8F99-30AA-238E1F83ECAB}"/>
               </a:ext>
             </a:extLst>
           </p:cNvPr>
@@ -4851,7 +4850,7 @@
           <p:cNvPr id="5" name="圖片 4">
             <a:extLst>
               <a:ext uri="{FF2B5EF4-FFF2-40B4-BE49-F238E27FC236}">
-                <a16:creationId xmlns:a16="http://schemas.microsoft.com/office/drawing/2014/main" id="{CAE7CD3C-7B0C-C03F-4F6D-0A74B97A7975}"/>
+                <a16:creationId xmlns:a16="http://schemas.microsoft.com/office/drawing/2014/main" xmlns="" id="{CAE7CD3C-7B0C-C03F-4F6D-0A74B97A7975}"/>
               </a:ext>
             </a:extLst>
           </p:cNvPr>
@@ -4911,7 +4910,7 @@
           <p:cNvPr id="2" name="標題 1">
             <a:extLst>
               <a:ext uri="{FF2B5EF4-FFF2-40B4-BE49-F238E27FC236}">
-                <a16:creationId xmlns:a16="http://schemas.microsoft.com/office/drawing/2014/main" id="{C7B55EDB-6608-3CDF-F165-7F6B7E345F41}"/>
+                <a16:creationId xmlns:a16="http://schemas.microsoft.com/office/drawing/2014/main" xmlns="" id="{C7B55EDB-6608-3CDF-F165-7F6B7E345F41}"/>
               </a:ext>
             </a:extLst>
           </p:cNvPr>
@@ -4945,7 +4944,7 @@
           <p:cNvPr id="3" name="內容版面配置區 2">
             <a:extLst>
               <a:ext uri="{FF2B5EF4-FFF2-40B4-BE49-F238E27FC236}">
-                <a16:creationId xmlns:a16="http://schemas.microsoft.com/office/drawing/2014/main" id="{997FEF67-95B7-8F99-30AA-238E1F83ECAB}"/>
+                <a16:creationId xmlns:a16="http://schemas.microsoft.com/office/drawing/2014/main" xmlns="" id="{997FEF67-95B7-8F99-30AA-238E1F83ECAB}"/>
               </a:ext>
             </a:extLst>
           </p:cNvPr>
@@ -4994,7 +4993,7 @@
           <p:cNvPr id="6" name="圖片 5">
             <a:extLst>
               <a:ext uri="{FF2B5EF4-FFF2-40B4-BE49-F238E27FC236}">
-                <a16:creationId xmlns:a16="http://schemas.microsoft.com/office/drawing/2014/main" id="{F8D24EAD-76D1-014D-FB63-27C5C0A8B4E1}"/>
+                <a16:creationId xmlns:a16="http://schemas.microsoft.com/office/drawing/2014/main" xmlns="" id="{F8D24EAD-76D1-014D-FB63-27C5C0A8B4E1}"/>
               </a:ext>
             </a:extLst>
           </p:cNvPr>
@@ -5054,7 +5053,7 @@
           <p:cNvPr id="2" name="標題 1">
             <a:extLst>
               <a:ext uri="{FF2B5EF4-FFF2-40B4-BE49-F238E27FC236}">
-                <a16:creationId xmlns:a16="http://schemas.microsoft.com/office/drawing/2014/main" id="{C7B55EDB-6608-3CDF-F165-7F6B7E345F41}"/>
+                <a16:creationId xmlns:a16="http://schemas.microsoft.com/office/drawing/2014/main" xmlns="" id="{C7B55EDB-6608-3CDF-F165-7F6B7E345F41}"/>
               </a:ext>
             </a:extLst>
           </p:cNvPr>
@@ -5088,7 +5087,7 @@
           <p:cNvPr id="3" name="內容版面配置區 2">
             <a:extLst>
               <a:ext uri="{FF2B5EF4-FFF2-40B4-BE49-F238E27FC236}">
-                <a16:creationId xmlns:a16="http://schemas.microsoft.com/office/drawing/2014/main" id="{997FEF67-95B7-8F99-30AA-238E1F83ECAB}"/>
+                <a16:creationId xmlns:a16="http://schemas.microsoft.com/office/drawing/2014/main" xmlns="" id="{997FEF67-95B7-8F99-30AA-238E1F83ECAB}"/>
               </a:ext>
             </a:extLst>
           </p:cNvPr>
@@ -5144,7 +5143,7 @@
           <p:cNvPr id="5" name="圖片 4">
             <a:extLst>
               <a:ext uri="{FF2B5EF4-FFF2-40B4-BE49-F238E27FC236}">
-                <a16:creationId xmlns:a16="http://schemas.microsoft.com/office/drawing/2014/main" id="{06F0EC0A-1716-674B-368E-E9CA7A73655E}"/>
+                <a16:creationId xmlns:a16="http://schemas.microsoft.com/office/drawing/2014/main" xmlns="" id="{06F0EC0A-1716-674B-368E-E9CA7A73655E}"/>
               </a:ext>
             </a:extLst>
           </p:cNvPr>
@@ -5204,7 +5203,7 @@
           <p:cNvPr id="2" name="標題 1">
             <a:extLst>
               <a:ext uri="{FF2B5EF4-FFF2-40B4-BE49-F238E27FC236}">
-                <a16:creationId xmlns:a16="http://schemas.microsoft.com/office/drawing/2014/main" id="{C7B55EDB-6608-3CDF-F165-7F6B7E345F41}"/>
+                <a16:creationId xmlns:a16="http://schemas.microsoft.com/office/drawing/2014/main" xmlns="" id="{C7B55EDB-6608-3CDF-F165-7F6B7E345F41}"/>
               </a:ext>
             </a:extLst>
           </p:cNvPr>
@@ -5238,7 +5237,7 @@
           <p:cNvPr id="3" name="內容版面配置區 2">
             <a:extLst>
               <a:ext uri="{FF2B5EF4-FFF2-40B4-BE49-F238E27FC236}">
-                <a16:creationId xmlns:a16="http://schemas.microsoft.com/office/drawing/2014/main" id="{997FEF67-95B7-8F99-30AA-238E1F83ECAB}"/>
+                <a16:creationId xmlns:a16="http://schemas.microsoft.com/office/drawing/2014/main" xmlns="" id="{997FEF67-95B7-8F99-30AA-238E1F83ECAB}"/>
               </a:ext>
             </a:extLst>
           </p:cNvPr>
@@ -5286,7 +5285,7 @@
           <p:cNvPr id="5" name="圖片 4">
             <a:extLst>
               <a:ext uri="{FF2B5EF4-FFF2-40B4-BE49-F238E27FC236}">
-                <a16:creationId xmlns:a16="http://schemas.microsoft.com/office/drawing/2014/main" id="{63EEBD5A-2729-BD08-4EA2-AAFA875431FC}"/>
+                <a16:creationId xmlns:a16="http://schemas.microsoft.com/office/drawing/2014/main" xmlns="" id="{63EEBD5A-2729-BD08-4EA2-AAFA875431FC}"/>
               </a:ext>
             </a:extLst>
           </p:cNvPr>
@@ -5346,7 +5345,7 @@
           <p:cNvPr id="5" name="圖片 4">
             <a:extLst>
               <a:ext uri="{FF2B5EF4-FFF2-40B4-BE49-F238E27FC236}">
-                <a16:creationId xmlns:a16="http://schemas.microsoft.com/office/drawing/2014/main" id="{74030B0A-B63D-4D84-08CF-401A368F3503}"/>
+                <a16:creationId xmlns:a16="http://schemas.microsoft.com/office/drawing/2014/main" xmlns="" id="{74030B0A-B63D-4D84-08CF-401A368F3503}"/>
               </a:ext>
             </a:extLst>
           </p:cNvPr>
@@ -5406,7 +5405,7 @@
           <p:cNvPr id="2" name="標題 1">
             <a:extLst>
               <a:ext uri="{FF2B5EF4-FFF2-40B4-BE49-F238E27FC236}">
-                <a16:creationId xmlns:a16="http://schemas.microsoft.com/office/drawing/2014/main" id="{C7B55EDB-6608-3CDF-F165-7F6B7E345F41}"/>
+                <a16:creationId xmlns:a16="http://schemas.microsoft.com/office/drawing/2014/main" xmlns="" id="{C7B55EDB-6608-3CDF-F165-7F6B7E345F41}"/>
               </a:ext>
             </a:extLst>
           </p:cNvPr>
@@ -5440,7 +5439,7 @@
           <p:cNvPr id="3" name="內容版面配置區 2">
             <a:extLst>
               <a:ext uri="{FF2B5EF4-FFF2-40B4-BE49-F238E27FC236}">
-                <a16:creationId xmlns:a16="http://schemas.microsoft.com/office/drawing/2014/main" id="{997FEF67-95B7-8F99-30AA-238E1F83ECAB}"/>
+                <a16:creationId xmlns:a16="http://schemas.microsoft.com/office/drawing/2014/main" xmlns="" id="{997FEF67-95B7-8F99-30AA-238E1F83ECAB}"/>
               </a:ext>
             </a:extLst>
           </p:cNvPr>
@@ -5527,7 +5526,7 @@
           <p:cNvPr id="9" name="圖片 8">
             <a:extLst>
               <a:ext uri="{FF2B5EF4-FFF2-40B4-BE49-F238E27FC236}">
-                <a16:creationId xmlns:a16="http://schemas.microsoft.com/office/drawing/2014/main" id="{6D1E21C7-2A0C-A53F-DA67-FDB54C54A81E}"/>
+                <a16:creationId xmlns:a16="http://schemas.microsoft.com/office/drawing/2014/main" xmlns="" id="{6D1E21C7-2A0C-A53F-DA67-FDB54C54A81E}"/>
               </a:ext>
             </a:extLst>
           </p:cNvPr>
@@ -5587,7 +5586,7 @@
           <p:cNvPr id="2" name="標題 1">
             <a:extLst>
               <a:ext uri="{FF2B5EF4-FFF2-40B4-BE49-F238E27FC236}">
-                <a16:creationId xmlns:a16="http://schemas.microsoft.com/office/drawing/2014/main" id="{C7B55EDB-6608-3CDF-F165-7F6B7E345F41}"/>
+                <a16:creationId xmlns:a16="http://schemas.microsoft.com/office/drawing/2014/main" xmlns="" id="{C7B55EDB-6608-3CDF-F165-7F6B7E345F41}"/>
               </a:ext>
             </a:extLst>
           </p:cNvPr>
@@ -5621,7 +5620,7 @@
           <p:cNvPr id="3" name="內容版面配置區 2">
             <a:extLst>
               <a:ext uri="{FF2B5EF4-FFF2-40B4-BE49-F238E27FC236}">
-                <a16:creationId xmlns:a16="http://schemas.microsoft.com/office/drawing/2014/main" id="{997FEF67-95B7-8F99-30AA-238E1F83ECAB}"/>
+                <a16:creationId xmlns:a16="http://schemas.microsoft.com/office/drawing/2014/main" xmlns="" id="{997FEF67-95B7-8F99-30AA-238E1F83ECAB}"/>
               </a:ext>
             </a:extLst>
           </p:cNvPr>
@@ -5700,7 +5699,7 @@
           <p:cNvPr id="2" name="標題 1">
             <a:extLst>
               <a:ext uri="{FF2B5EF4-FFF2-40B4-BE49-F238E27FC236}">
-                <a16:creationId xmlns:a16="http://schemas.microsoft.com/office/drawing/2014/main" id="{C7B55EDB-6608-3CDF-F165-7F6B7E345F41}"/>
+                <a16:creationId xmlns:a16="http://schemas.microsoft.com/office/drawing/2014/main" xmlns="" id="{C7B55EDB-6608-3CDF-F165-7F6B7E345F41}"/>
               </a:ext>
             </a:extLst>
           </p:cNvPr>
@@ -5734,7 +5733,7 @@
           <p:cNvPr id="3" name="內容版面配置區 2">
             <a:extLst>
               <a:ext uri="{FF2B5EF4-FFF2-40B4-BE49-F238E27FC236}">
-                <a16:creationId xmlns:a16="http://schemas.microsoft.com/office/drawing/2014/main" id="{997FEF67-95B7-8F99-30AA-238E1F83ECAB}"/>
+                <a16:creationId xmlns:a16="http://schemas.microsoft.com/office/drawing/2014/main" xmlns="" id="{997FEF67-95B7-8F99-30AA-238E1F83ECAB}"/>
               </a:ext>
             </a:extLst>
           </p:cNvPr>
@@ -5812,7 +5811,7 @@
           <p:cNvPr id="5" name="圖片 4">
             <a:extLst>
               <a:ext uri="{FF2B5EF4-FFF2-40B4-BE49-F238E27FC236}">
-                <a16:creationId xmlns:a16="http://schemas.microsoft.com/office/drawing/2014/main" id="{DD0EEA86-A4FF-1CC8-FAE0-76A73839CF21}"/>
+                <a16:creationId xmlns:a16="http://schemas.microsoft.com/office/drawing/2014/main" xmlns="" id="{DD0EEA86-A4FF-1CC8-FAE0-76A73839CF21}"/>
               </a:ext>
             </a:extLst>
           </p:cNvPr>
@@ -5872,7 +5871,7 @@
           <p:cNvPr id="3" name="圖片 2">
             <a:extLst>
               <a:ext uri="{FF2B5EF4-FFF2-40B4-BE49-F238E27FC236}">
-                <a16:creationId xmlns:a16="http://schemas.microsoft.com/office/drawing/2014/main" id="{DB94A8B7-2A40-6EA4-8739-E537514B1BA0}"/>
+                <a16:creationId xmlns:a16="http://schemas.microsoft.com/office/drawing/2014/main" xmlns="" id="{DB94A8B7-2A40-6EA4-8739-E537514B1BA0}"/>
               </a:ext>
             </a:extLst>
           </p:cNvPr>
@@ -5932,7 +5931,7 @@
           <p:cNvPr id="2" name="標題 1">
             <a:extLst>
               <a:ext uri="{FF2B5EF4-FFF2-40B4-BE49-F238E27FC236}">
-                <a16:creationId xmlns:a16="http://schemas.microsoft.com/office/drawing/2014/main" id="{C7B55EDB-6608-3CDF-F165-7F6B7E345F41}"/>
+                <a16:creationId xmlns:a16="http://schemas.microsoft.com/office/drawing/2014/main" xmlns="" id="{C7B55EDB-6608-3CDF-F165-7F6B7E345F41}"/>
               </a:ext>
             </a:extLst>
           </p:cNvPr>
@@ -5966,7 +5965,7 @@
           <p:cNvPr id="3" name="內容版面配置區 2">
             <a:extLst>
               <a:ext uri="{FF2B5EF4-FFF2-40B4-BE49-F238E27FC236}">
-                <a16:creationId xmlns:a16="http://schemas.microsoft.com/office/drawing/2014/main" id="{997FEF67-95B7-8F99-30AA-238E1F83ECAB}"/>
+                <a16:creationId xmlns:a16="http://schemas.microsoft.com/office/drawing/2014/main" xmlns="" id="{997FEF67-95B7-8F99-30AA-238E1F83ECAB}"/>
               </a:ext>
             </a:extLst>
           </p:cNvPr>
@@ -6067,7 +6066,7 @@
           <p:cNvPr id="2" name="標題 1">
             <a:extLst>
               <a:ext uri="{FF2B5EF4-FFF2-40B4-BE49-F238E27FC236}">
-                <a16:creationId xmlns:a16="http://schemas.microsoft.com/office/drawing/2014/main" id="{C7B55EDB-6608-3CDF-F165-7F6B7E345F41}"/>
+                <a16:creationId xmlns:a16="http://schemas.microsoft.com/office/drawing/2014/main" xmlns="" id="{C7B55EDB-6608-3CDF-F165-7F6B7E345F41}"/>
               </a:ext>
             </a:extLst>
           </p:cNvPr>
@@ -6101,7 +6100,7 @@
           <p:cNvPr id="3" name="內容版面配置區 2">
             <a:extLst>
               <a:ext uri="{FF2B5EF4-FFF2-40B4-BE49-F238E27FC236}">
-                <a16:creationId xmlns:a16="http://schemas.microsoft.com/office/drawing/2014/main" id="{997FEF67-95B7-8F99-30AA-238E1F83ECAB}"/>
+                <a16:creationId xmlns:a16="http://schemas.microsoft.com/office/drawing/2014/main" xmlns="" id="{997FEF67-95B7-8F99-30AA-238E1F83ECAB}"/>
               </a:ext>
             </a:extLst>
           </p:cNvPr>
@@ -6173,7 +6172,7 @@
           <p:cNvPr id="2" name="標題 1">
             <a:extLst>
               <a:ext uri="{FF2B5EF4-FFF2-40B4-BE49-F238E27FC236}">
-                <a16:creationId xmlns:a16="http://schemas.microsoft.com/office/drawing/2014/main" id="{C7B55EDB-6608-3CDF-F165-7F6B7E345F41}"/>
+                <a16:creationId xmlns:a16="http://schemas.microsoft.com/office/drawing/2014/main" xmlns="" id="{C7B55EDB-6608-3CDF-F165-7F6B7E345F41}"/>
               </a:ext>
             </a:extLst>
           </p:cNvPr>
@@ -6207,7 +6206,7 @@
           <p:cNvPr id="3" name="內容版面配置區 2">
             <a:extLst>
               <a:ext uri="{FF2B5EF4-FFF2-40B4-BE49-F238E27FC236}">
-                <a16:creationId xmlns:a16="http://schemas.microsoft.com/office/drawing/2014/main" id="{997FEF67-95B7-8F99-30AA-238E1F83ECAB}"/>
+                <a16:creationId xmlns:a16="http://schemas.microsoft.com/office/drawing/2014/main" xmlns="" id="{997FEF67-95B7-8F99-30AA-238E1F83ECAB}"/>
               </a:ext>
             </a:extLst>
           </p:cNvPr>
@@ -6255,7 +6254,7 @@
           <p:cNvPr id="5" name="表格 7">
             <a:extLst>
               <a:ext uri="{FF2B5EF4-FFF2-40B4-BE49-F238E27FC236}">
-                <a16:creationId xmlns:a16="http://schemas.microsoft.com/office/drawing/2014/main" id="{0482D6B4-87FD-39B6-BB72-BB82A25D43D4}"/>
+                <a16:creationId xmlns:a16="http://schemas.microsoft.com/office/drawing/2014/main" xmlns="" id="{0482D6B4-87FD-39B6-BB72-BB82A25D43D4}"/>
               </a:ext>
             </a:extLst>
           </p:cNvPr>
@@ -6284,28 +6283,28 @@
                 <a:gridCol w="2032000">
                   <a:extLst>
                     <a:ext uri="{9D8B030D-6E8A-4147-A177-3AD203B41FA5}">
-                      <a16:colId xmlns:a16="http://schemas.microsoft.com/office/drawing/2014/main" val="2184589757"/>
+                      <a16:colId xmlns:a16="http://schemas.microsoft.com/office/drawing/2014/main" xmlns="" val="2184589757"/>
                     </a:ext>
                   </a:extLst>
                 </a:gridCol>
                 <a:gridCol w="2032000">
                   <a:extLst>
                     <a:ext uri="{9D8B030D-6E8A-4147-A177-3AD203B41FA5}">
-                      <a16:colId xmlns:a16="http://schemas.microsoft.com/office/drawing/2014/main" val="1743072117"/>
+                      <a16:colId xmlns:a16="http://schemas.microsoft.com/office/drawing/2014/main" xmlns="" val="1743072117"/>
                     </a:ext>
                   </a:extLst>
                 </a:gridCol>
                 <a:gridCol w="2032000">
                   <a:extLst>
                     <a:ext uri="{9D8B030D-6E8A-4147-A177-3AD203B41FA5}">
-                      <a16:colId xmlns:a16="http://schemas.microsoft.com/office/drawing/2014/main" val="544431890"/>
+                      <a16:colId xmlns:a16="http://schemas.microsoft.com/office/drawing/2014/main" xmlns="" val="544431890"/>
                     </a:ext>
                   </a:extLst>
                 </a:gridCol>
                 <a:gridCol w="2032000">
                   <a:extLst>
                     <a:ext uri="{9D8B030D-6E8A-4147-A177-3AD203B41FA5}">
-                      <a16:colId xmlns:a16="http://schemas.microsoft.com/office/drawing/2014/main" val="2010372138"/>
+                      <a16:colId xmlns:a16="http://schemas.microsoft.com/office/drawing/2014/main" xmlns="" val="2010372138"/>
                     </a:ext>
                   </a:extLst>
                 </a:gridCol>
@@ -6369,7 +6368,7 @@
                 </a:tc>
                 <a:extLst>
                   <a:ext uri="{0D108BD9-81ED-4DB2-BD59-A6C34878D82A}">
-                    <a16:rowId xmlns:a16="http://schemas.microsoft.com/office/drawing/2014/main" val="2062556669"/>
+                    <a16:rowId xmlns:a16="http://schemas.microsoft.com/office/drawing/2014/main" xmlns="" val="2062556669"/>
                   </a:ext>
                 </a:extLst>
               </a:tr>
@@ -6434,7 +6433,7 @@
                 </a:tc>
                 <a:extLst>
                   <a:ext uri="{0D108BD9-81ED-4DB2-BD59-A6C34878D82A}">
-                    <a16:rowId xmlns:a16="http://schemas.microsoft.com/office/drawing/2014/main" val="1382988676"/>
+                    <a16:rowId xmlns:a16="http://schemas.microsoft.com/office/drawing/2014/main" xmlns="" val="1382988676"/>
                   </a:ext>
                 </a:extLst>
               </a:tr>
@@ -6489,7 +6488,7 @@
                 </a:tc>
                 <a:extLst>
                   <a:ext uri="{0D108BD9-81ED-4DB2-BD59-A6C34878D82A}">
-                    <a16:rowId xmlns:a16="http://schemas.microsoft.com/office/drawing/2014/main" val="272239700"/>
+                    <a16:rowId xmlns:a16="http://schemas.microsoft.com/office/drawing/2014/main" xmlns="" val="272239700"/>
                   </a:ext>
                 </a:extLst>
               </a:tr>
@@ -6532,7 +6531,7 @@
           <p:cNvPr id="2" name="標題 1">
             <a:extLst>
               <a:ext uri="{FF2B5EF4-FFF2-40B4-BE49-F238E27FC236}">
-                <a16:creationId xmlns:a16="http://schemas.microsoft.com/office/drawing/2014/main" id="{C7B55EDB-6608-3CDF-F165-7F6B7E345F41}"/>
+                <a16:creationId xmlns:a16="http://schemas.microsoft.com/office/drawing/2014/main" xmlns="" id="{C7B55EDB-6608-3CDF-F165-7F6B7E345F41}"/>
               </a:ext>
             </a:extLst>
           </p:cNvPr>
@@ -6566,7 +6565,7 @@
           <p:cNvPr id="3" name="內容版面配置區 2">
             <a:extLst>
               <a:ext uri="{FF2B5EF4-FFF2-40B4-BE49-F238E27FC236}">
-                <a16:creationId xmlns:a16="http://schemas.microsoft.com/office/drawing/2014/main" id="{997FEF67-95B7-8F99-30AA-238E1F83ECAB}"/>
+                <a16:creationId xmlns:a16="http://schemas.microsoft.com/office/drawing/2014/main" xmlns="" id="{997FEF67-95B7-8F99-30AA-238E1F83ECAB}"/>
               </a:ext>
             </a:extLst>
           </p:cNvPr>
@@ -6630,7 +6629,7 @@
           <p:cNvPr id="4" name="表格 7">
             <a:extLst>
               <a:ext uri="{FF2B5EF4-FFF2-40B4-BE49-F238E27FC236}">
-                <a16:creationId xmlns:a16="http://schemas.microsoft.com/office/drawing/2014/main" id="{8C4804DC-F89F-B47B-E96A-46A05CB7E871}"/>
+                <a16:creationId xmlns:a16="http://schemas.microsoft.com/office/drawing/2014/main" xmlns="" id="{8C4804DC-F89F-B47B-E96A-46A05CB7E871}"/>
               </a:ext>
             </a:extLst>
           </p:cNvPr>
@@ -6659,28 +6658,28 @@
                 <a:gridCol w="2032000">
                   <a:extLst>
                     <a:ext uri="{9D8B030D-6E8A-4147-A177-3AD203B41FA5}">
-                      <a16:colId xmlns:a16="http://schemas.microsoft.com/office/drawing/2014/main" val="2184589757"/>
+                      <a16:colId xmlns:a16="http://schemas.microsoft.com/office/drawing/2014/main" xmlns="" val="2184589757"/>
                     </a:ext>
                   </a:extLst>
                 </a:gridCol>
                 <a:gridCol w="2032000">
                   <a:extLst>
                     <a:ext uri="{9D8B030D-6E8A-4147-A177-3AD203B41FA5}">
-                      <a16:colId xmlns:a16="http://schemas.microsoft.com/office/drawing/2014/main" val="1743072117"/>
+                      <a16:colId xmlns:a16="http://schemas.microsoft.com/office/drawing/2014/main" xmlns="" val="1743072117"/>
                     </a:ext>
                   </a:extLst>
                 </a:gridCol>
                 <a:gridCol w="2032000">
                   <a:extLst>
                     <a:ext uri="{9D8B030D-6E8A-4147-A177-3AD203B41FA5}">
-                      <a16:colId xmlns:a16="http://schemas.microsoft.com/office/drawing/2014/main" val="544431890"/>
+                      <a16:colId xmlns:a16="http://schemas.microsoft.com/office/drawing/2014/main" xmlns="" val="544431890"/>
                     </a:ext>
                   </a:extLst>
                 </a:gridCol>
                 <a:gridCol w="2032000">
                   <a:extLst>
                     <a:ext uri="{9D8B030D-6E8A-4147-A177-3AD203B41FA5}">
-                      <a16:colId xmlns:a16="http://schemas.microsoft.com/office/drawing/2014/main" val="2010372138"/>
+                      <a16:colId xmlns:a16="http://schemas.microsoft.com/office/drawing/2014/main" xmlns="" val="2010372138"/>
                     </a:ext>
                   </a:extLst>
                 </a:gridCol>
@@ -6744,7 +6743,7 @@
                 </a:tc>
                 <a:extLst>
                   <a:ext uri="{0D108BD9-81ED-4DB2-BD59-A6C34878D82A}">
-                    <a16:rowId xmlns:a16="http://schemas.microsoft.com/office/drawing/2014/main" val="2062556669"/>
+                    <a16:rowId xmlns:a16="http://schemas.microsoft.com/office/drawing/2014/main" xmlns="" val="2062556669"/>
                   </a:ext>
                 </a:extLst>
               </a:tr>
@@ -6816,7 +6815,7 @@
                 </a:tc>
                 <a:extLst>
                   <a:ext uri="{0D108BD9-81ED-4DB2-BD59-A6C34878D82A}">
-                    <a16:rowId xmlns:a16="http://schemas.microsoft.com/office/drawing/2014/main" val="1382988676"/>
+                    <a16:rowId xmlns:a16="http://schemas.microsoft.com/office/drawing/2014/main" xmlns="" val="1382988676"/>
                   </a:ext>
                 </a:extLst>
               </a:tr>
@@ -6871,7 +6870,7 @@
                 </a:tc>
                 <a:extLst>
                   <a:ext uri="{0D108BD9-81ED-4DB2-BD59-A6C34878D82A}">
-                    <a16:rowId xmlns:a16="http://schemas.microsoft.com/office/drawing/2014/main" val="272239700"/>
+                    <a16:rowId xmlns:a16="http://schemas.microsoft.com/office/drawing/2014/main" xmlns="" val="272239700"/>
                   </a:ext>
                 </a:extLst>
               </a:tr>
@@ -6936,7 +6935,7 @@
                 </a:tc>
                 <a:extLst>
                   <a:ext uri="{0D108BD9-81ED-4DB2-BD59-A6C34878D82A}">
-                    <a16:rowId xmlns:a16="http://schemas.microsoft.com/office/drawing/2014/main" val="2665194563"/>
+                    <a16:rowId xmlns:a16="http://schemas.microsoft.com/office/drawing/2014/main" xmlns="" val="2665194563"/>
                   </a:ext>
                 </a:extLst>
               </a:tr>
@@ -6991,7 +6990,7 @@
                 </a:tc>
                 <a:extLst>
                   <a:ext uri="{0D108BD9-81ED-4DB2-BD59-A6C34878D82A}">
-                    <a16:rowId xmlns:a16="http://schemas.microsoft.com/office/drawing/2014/main" val="1445836510"/>
+                    <a16:rowId xmlns:a16="http://schemas.microsoft.com/office/drawing/2014/main" xmlns="" val="1445836510"/>
                   </a:ext>
                 </a:extLst>
               </a:tr>
@@ -7060,7 +7059,7 @@
                 </a:tc>
                 <a:extLst>
                   <a:ext uri="{0D108BD9-81ED-4DB2-BD59-A6C34878D82A}">
-                    <a16:rowId xmlns:a16="http://schemas.microsoft.com/office/drawing/2014/main" val="3553108362"/>
+                    <a16:rowId xmlns:a16="http://schemas.microsoft.com/office/drawing/2014/main" xmlns="" val="3553108362"/>
                   </a:ext>
                 </a:extLst>
               </a:tr>
@@ -7115,7 +7114,7 @@
                 </a:tc>
                 <a:extLst>
                   <a:ext uri="{0D108BD9-81ED-4DB2-BD59-A6C34878D82A}">
-                    <a16:rowId xmlns:a16="http://schemas.microsoft.com/office/drawing/2014/main" val="3376184939"/>
+                    <a16:rowId xmlns:a16="http://schemas.microsoft.com/office/drawing/2014/main" xmlns="" val="3376184939"/>
                   </a:ext>
                 </a:extLst>
               </a:tr>
@@ -7158,7 +7157,7 @@
           <p:cNvPr id="2" name="標題 1">
             <a:extLst>
               <a:ext uri="{FF2B5EF4-FFF2-40B4-BE49-F238E27FC236}">
-                <a16:creationId xmlns:a16="http://schemas.microsoft.com/office/drawing/2014/main" id="{C7B55EDB-6608-3CDF-F165-7F6B7E345F41}"/>
+                <a16:creationId xmlns:a16="http://schemas.microsoft.com/office/drawing/2014/main" xmlns="" id="{C7B55EDB-6608-3CDF-F165-7F6B7E345F41}"/>
               </a:ext>
             </a:extLst>
           </p:cNvPr>
@@ -7192,7 +7191,7 @@
           <p:cNvPr id="3" name="內容版面配置區 2">
             <a:extLst>
               <a:ext uri="{FF2B5EF4-FFF2-40B4-BE49-F238E27FC236}">
-                <a16:creationId xmlns:a16="http://schemas.microsoft.com/office/drawing/2014/main" id="{997FEF67-95B7-8F99-30AA-238E1F83ECAB}"/>
+                <a16:creationId xmlns:a16="http://schemas.microsoft.com/office/drawing/2014/main" xmlns="" id="{997FEF67-95B7-8F99-30AA-238E1F83ECAB}"/>
               </a:ext>
             </a:extLst>
           </p:cNvPr>
@@ -7270,7 +7269,7 @@
           <p:cNvPr id="2" name="標題 1">
             <a:extLst>
               <a:ext uri="{FF2B5EF4-FFF2-40B4-BE49-F238E27FC236}">
-                <a16:creationId xmlns:a16="http://schemas.microsoft.com/office/drawing/2014/main" id="{C7B55EDB-6608-3CDF-F165-7F6B7E345F41}"/>
+                <a16:creationId xmlns:a16="http://schemas.microsoft.com/office/drawing/2014/main" xmlns="" id="{C7B55EDB-6608-3CDF-F165-7F6B7E345F41}"/>
               </a:ext>
             </a:extLst>
           </p:cNvPr>
@@ -7304,7 +7303,7 @@
           <p:cNvPr id="3" name="內容版面配置區 2">
             <a:extLst>
               <a:ext uri="{FF2B5EF4-FFF2-40B4-BE49-F238E27FC236}">
-                <a16:creationId xmlns:a16="http://schemas.microsoft.com/office/drawing/2014/main" id="{997FEF67-95B7-8F99-30AA-238E1F83ECAB}"/>
+                <a16:creationId xmlns:a16="http://schemas.microsoft.com/office/drawing/2014/main" xmlns="" id="{997FEF67-95B7-8F99-30AA-238E1F83ECAB}"/>
               </a:ext>
             </a:extLst>
           </p:cNvPr>
@@ -7400,7 +7399,7 @@
           <p:cNvPr id="2" name="標題 1">
             <a:extLst>
               <a:ext uri="{FF2B5EF4-FFF2-40B4-BE49-F238E27FC236}">
-                <a16:creationId xmlns:a16="http://schemas.microsoft.com/office/drawing/2014/main" id="{C7B55EDB-6608-3CDF-F165-7F6B7E345F41}"/>
+                <a16:creationId xmlns:a16="http://schemas.microsoft.com/office/drawing/2014/main" xmlns="" id="{C7B55EDB-6608-3CDF-F165-7F6B7E345F41}"/>
               </a:ext>
             </a:extLst>
           </p:cNvPr>
@@ -7434,7 +7433,7 @@
           <p:cNvPr id="3" name="內容版面配置區 2">
             <a:extLst>
               <a:ext uri="{FF2B5EF4-FFF2-40B4-BE49-F238E27FC236}">
-                <a16:creationId xmlns:a16="http://schemas.microsoft.com/office/drawing/2014/main" id="{997FEF67-95B7-8F99-30AA-238E1F83ECAB}"/>
+                <a16:creationId xmlns:a16="http://schemas.microsoft.com/office/drawing/2014/main" xmlns="" id="{997FEF67-95B7-8F99-30AA-238E1F83ECAB}"/>
               </a:ext>
             </a:extLst>
           </p:cNvPr>
@@ -7517,7 +7516,7 @@
           <p:cNvPr id="2" name="標題 1">
             <a:extLst>
               <a:ext uri="{FF2B5EF4-FFF2-40B4-BE49-F238E27FC236}">
-                <a16:creationId xmlns:a16="http://schemas.microsoft.com/office/drawing/2014/main" id="{C7B55EDB-6608-3CDF-F165-7F6B7E345F41}"/>
+                <a16:creationId xmlns:a16="http://schemas.microsoft.com/office/drawing/2014/main" xmlns="" id="{C7B55EDB-6608-3CDF-F165-7F6B7E345F41}"/>
               </a:ext>
             </a:extLst>
           </p:cNvPr>
@@ -7551,7 +7550,7 @@
           <p:cNvPr id="3" name="內容版面配置區 2">
             <a:extLst>
               <a:ext uri="{FF2B5EF4-FFF2-40B4-BE49-F238E27FC236}">
-                <a16:creationId xmlns:a16="http://schemas.microsoft.com/office/drawing/2014/main" id="{997FEF67-95B7-8F99-30AA-238E1F83ECAB}"/>
+                <a16:creationId xmlns:a16="http://schemas.microsoft.com/office/drawing/2014/main" xmlns="" id="{997FEF67-95B7-8F99-30AA-238E1F83ECAB}"/>
               </a:ext>
             </a:extLst>
           </p:cNvPr>
@@ -7654,7 +7653,7 @@
           <p:cNvPr id="2" name="標題 1">
             <a:extLst>
               <a:ext uri="{FF2B5EF4-FFF2-40B4-BE49-F238E27FC236}">
-                <a16:creationId xmlns:a16="http://schemas.microsoft.com/office/drawing/2014/main" id="{C7B55EDB-6608-3CDF-F165-7F6B7E345F41}"/>
+                <a16:creationId xmlns:a16="http://schemas.microsoft.com/office/drawing/2014/main" xmlns="" id="{C7B55EDB-6608-3CDF-F165-7F6B7E345F41}"/>
               </a:ext>
             </a:extLst>
           </p:cNvPr>
@@ -7688,7 +7687,7 @@
           <p:cNvPr id="3" name="內容版面配置區 2">
             <a:extLst>
               <a:ext uri="{FF2B5EF4-FFF2-40B4-BE49-F238E27FC236}">
-                <a16:creationId xmlns:a16="http://schemas.microsoft.com/office/drawing/2014/main" id="{997FEF67-95B7-8F99-30AA-238E1F83ECAB}"/>
+                <a16:creationId xmlns:a16="http://schemas.microsoft.com/office/drawing/2014/main" xmlns="" id="{997FEF67-95B7-8F99-30AA-238E1F83ECAB}"/>
               </a:ext>
             </a:extLst>
           </p:cNvPr>
@@ -7810,7 +7809,7 @@
           <p:cNvPr id="5" name="圖片 4">
             <a:extLst>
               <a:ext uri="{FF2B5EF4-FFF2-40B4-BE49-F238E27FC236}">
-                <a16:creationId xmlns:a16="http://schemas.microsoft.com/office/drawing/2014/main" id="{75C6499E-C485-2635-4E8A-BBA0B51540F9}"/>
+                <a16:creationId xmlns:a16="http://schemas.microsoft.com/office/drawing/2014/main" xmlns="" id="{75C6499E-C485-2635-4E8A-BBA0B51540F9}"/>
               </a:ext>
             </a:extLst>
           </p:cNvPr>
@@ -7870,7 +7869,7 @@
           <p:cNvPr id="2" name="標題 1">
             <a:extLst>
               <a:ext uri="{FF2B5EF4-FFF2-40B4-BE49-F238E27FC236}">
-                <a16:creationId xmlns:a16="http://schemas.microsoft.com/office/drawing/2014/main" id="{C7B55EDB-6608-3CDF-F165-7F6B7E345F41}"/>
+                <a16:creationId xmlns:a16="http://schemas.microsoft.com/office/drawing/2014/main" xmlns="" id="{C7B55EDB-6608-3CDF-F165-7F6B7E345F41}"/>
               </a:ext>
             </a:extLst>
           </p:cNvPr>
@@ -7904,7 +7903,7 @@
           <p:cNvPr id="3" name="內容版面配置區 2">
             <a:extLst>
               <a:ext uri="{FF2B5EF4-FFF2-40B4-BE49-F238E27FC236}">
-                <a16:creationId xmlns:a16="http://schemas.microsoft.com/office/drawing/2014/main" id="{997FEF67-95B7-8F99-30AA-238E1F83ECAB}"/>
+                <a16:creationId xmlns:a16="http://schemas.microsoft.com/office/drawing/2014/main" xmlns="" id="{997FEF67-95B7-8F99-30AA-238E1F83ECAB}"/>
               </a:ext>
             </a:extLst>
           </p:cNvPr>
@@ -7990,7 +7989,7 @@
           <p:cNvPr id="2" name="標題 1">
             <a:extLst>
               <a:ext uri="{FF2B5EF4-FFF2-40B4-BE49-F238E27FC236}">
-                <a16:creationId xmlns:a16="http://schemas.microsoft.com/office/drawing/2014/main" id="{C7B55EDB-6608-3CDF-F165-7F6B7E345F41}"/>
+                <a16:creationId xmlns:a16="http://schemas.microsoft.com/office/drawing/2014/main" xmlns="" id="{C7B55EDB-6608-3CDF-F165-7F6B7E345F41}"/>
               </a:ext>
             </a:extLst>
           </p:cNvPr>
@@ -8024,7 +8023,7 @@
           <p:cNvPr id="3" name="內容版面配置區 2">
             <a:extLst>
               <a:ext uri="{FF2B5EF4-FFF2-40B4-BE49-F238E27FC236}">
-                <a16:creationId xmlns:a16="http://schemas.microsoft.com/office/drawing/2014/main" id="{997FEF67-95B7-8F99-30AA-238E1F83ECAB}"/>
+                <a16:creationId xmlns:a16="http://schemas.microsoft.com/office/drawing/2014/main" xmlns="" id="{997FEF67-95B7-8F99-30AA-238E1F83ECAB}"/>
               </a:ext>
             </a:extLst>
           </p:cNvPr>
@@ -8102,7 +8101,7 @@
           <p:cNvPr id="2" name="標題 1">
             <a:extLst>
               <a:ext uri="{FF2B5EF4-FFF2-40B4-BE49-F238E27FC236}">
-                <a16:creationId xmlns:a16="http://schemas.microsoft.com/office/drawing/2014/main" id="{C7B55EDB-6608-3CDF-F165-7F6B7E345F41}"/>
+                <a16:creationId xmlns:a16="http://schemas.microsoft.com/office/drawing/2014/main" xmlns="" id="{C7B55EDB-6608-3CDF-F165-7F6B7E345F41}"/>
               </a:ext>
             </a:extLst>
           </p:cNvPr>
@@ -8136,7 +8135,7 @@
           <p:cNvPr id="3" name="內容版面配置區 2">
             <a:extLst>
               <a:ext uri="{FF2B5EF4-FFF2-40B4-BE49-F238E27FC236}">
-                <a16:creationId xmlns:a16="http://schemas.microsoft.com/office/drawing/2014/main" id="{997FEF67-95B7-8F99-30AA-238E1F83ECAB}"/>
+                <a16:creationId xmlns:a16="http://schemas.microsoft.com/office/drawing/2014/main" xmlns="" id="{997FEF67-95B7-8F99-30AA-238E1F83ECAB}"/>
               </a:ext>
             </a:extLst>
           </p:cNvPr>
@@ -8181,7 +8180,7 @@
           <p:cNvPr id="5" name="圖片 4">
             <a:extLst>
               <a:ext uri="{FF2B5EF4-FFF2-40B4-BE49-F238E27FC236}">
-                <a16:creationId xmlns:a16="http://schemas.microsoft.com/office/drawing/2014/main" id="{81C7FC83-CE3C-4E10-CA8C-D7CD415DD12E}"/>
+                <a16:creationId xmlns:a16="http://schemas.microsoft.com/office/drawing/2014/main" xmlns="" id="{81C7FC83-CE3C-4E10-CA8C-D7CD415DD12E}"/>
               </a:ext>
             </a:extLst>
           </p:cNvPr>
@@ -8210,90 +8209,6 @@
     <p:extLst>
       <p:ext uri="{BB962C8B-B14F-4D97-AF65-F5344CB8AC3E}">
         <p14:creationId xmlns:p14="http://schemas.microsoft.com/office/powerpoint/2010/main" val="3198434626"/>
-      </p:ext>
-    </p:extLst>
-  </p:cSld>
-  <p:clrMapOvr>
-    <a:masterClrMapping/>
-  </p:clrMapOvr>
-</p:sld>
-</file>
-
-<file path=ppt/slides/slide44.xml><?xml version="1.0" encoding="utf-8"?>
-<p:sld xmlns:a="http://schemas.openxmlformats.org/drawingml/2006/main" xmlns:r="http://schemas.openxmlformats.org/officeDocument/2006/relationships" xmlns:p="http://schemas.openxmlformats.org/presentationml/2006/main">
-  <p:cSld>
-    <p:spTree>
-      <p:nvGrpSpPr>
-        <p:cNvPr id="1" name=""/>
-        <p:cNvGrpSpPr/>
-        <p:nvPr/>
-      </p:nvGrpSpPr>
-      <p:grpSpPr>
-        <a:xfrm>
-          <a:off x="0" y="0"/>
-          <a:ext cx="0" cy="0"/>
-          <a:chOff x="0" y="0"/>
-          <a:chExt cx="0" cy="0"/>
-        </a:xfrm>
-      </p:grpSpPr>
-      <p:sp>
-        <p:nvSpPr>
-          <p:cNvPr id="2" name="標題 1">
-            <a:extLst>
-              <a:ext uri="{FF2B5EF4-FFF2-40B4-BE49-F238E27FC236}">
-                <a16:creationId xmlns:a16="http://schemas.microsoft.com/office/drawing/2014/main" id="{405C2A90-2563-64D7-7E5A-5A03C50A8638}"/>
-              </a:ext>
-            </a:extLst>
-          </p:cNvPr>
-          <p:cNvSpPr>
-            <a:spLocks noGrp="1"/>
-          </p:cNvSpPr>
-          <p:nvPr>
-            <p:ph type="title"/>
-          </p:nvPr>
-        </p:nvSpPr>
-        <p:spPr/>
-        <p:txBody>
-          <a:bodyPr/>
-          <a:lstStyle/>
-          <a:p>
-            <a:r>
-              <a:rPr lang="en-US" altLang="zh-TW"/>
-              <a:t>END</a:t>
-            </a:r>
-            <a:endParaRPr lang="zh-TW" altLang="en-US"/>
-          </a:p>
-        </p:txBody>
-      </p:sp>
-      <p:sp>
-        <p:nvSpPr>
-          <p:cNvPr id="3" name="內容版面配置區 2">
-            <a:extLst>
-              <a:ext uri="{FF2B5EF4-FFF2-40B4-BE49-F238E27FC236}">
-                <a16:creationId xmlns:a16="http://schemas.microsoft.com/office/drawing/2014/main" id="{C2284816-C0B0-473A-5723-DAA9E7182707}"/>
-              </a:ext>
-            </a:extLst>
-          </p:cNvPr>
-          <p:cNvSpPr>
-            <a:spLocks noGrp="1"/>
-          </p:cNvSpPr>
-          <p:nvPr>
-            <p:ph idx="1"/>
-          </p:nvPr>
-        </p:nvSpPr>
-        <p:spPr/>
-        <p:txBody>
-          <a:bodyPr/>
-          <a:lstStyle/>
-          <a:p>
-            <a:endParaRPr lang="zh-TW" altLang="en-US"/>
-          </a:p>
-        </p:txBody>
-      </p:sp>
-    </p:spTree>
-    <p:extLst>
-      <p:ext uri="{BB962C8B-B14F-4D97-AF65-F5344CB8AC3E}">
-        <p14:creationId xmlns:p14="http://schemas.microsoft.com/office/powerpoint/2010/main" val="1817549586"/>
       </p:ext>
     </p:extLst>
   </p:cSld>
@@ -8325,7 +8240,7 @@
           <p:cNvPr id="2" name="標題 1">
             <a:extLst>
               <a:ext uri="{FF2B5EF4-FFF2-40B4-BE49-F238E27FC236}">
-                <a16:creationId xmlns:a16="http://schemas.microsoft.com/office/drawing/2014/main" id="{C7B55EDB-6608-3CDF-F165-7F6B7E345F41}"/>
+                <a16:creationId xmlns:a16="http://schemas.microsoft.com/office/drawing/2014/main" xmlns="" id="{C7B55EDB-6608-3CDF-F165-7F6B7E345F41}"/>
               </a:ext>
             </a:extLst>
           </p:cNvPr>
@@ -8359,7 +8274,7 @@
           <p:cNvPr id="3" name="內容版面配置區 2">
             <a:extLst>
               <a:ext uri="{FF2B5EF4-FFF2-40B4-BE49-F238E27FC236}">
-                <a16:creationId xmlns:a16="http://schemas.microsoft.com/office/drawing/2014/main" id="{997FEF67-95B7-8F99-30AA-238E1F83ECAB}"/>
+                <a16:creationId xmlns:a16="http://schemas.microsoft.com/office/drawing/2014/main" xmlns="" id="{997FEF67-95B7-8F99-30AA-238E1F83ECAB}"/>
               </a:ext>
             </a:extLst>
           </p:cNvPr>
@@ -8437,7 +8352,7 @@
           <p:cNvPr id="2" name="標題 1">
             <a:extLst>
               <a:ext uri="{FF2B5EF4-FFF2-40B4-BE49-F238E27FC236}">
-                <a16:creationId xmlns:a16="http://schemas.microsoft.com/office/drawing/2014/main" id="{C7B55EDB-6608-3CDF-F165-7F6B7E345F41}"/>
+                <a16:creationId xmlns:a16="http://schemas.microsoft.com/office/drawing/2014/main" xmlns="" id="{C7B55EDB-6608-3CDF-F165-7F6B7E345F41}"/>
               </a:ext>
             </a:extLst>
           </p:cNvPr>
@@ -8471,7 +8386,7 @@
           <p:cNvPr id="3" name="內容版面配置區 2">
             <a:extLst>
               <a:ext uri="{FF2B5EF4-FFF2-40B4-BE49-F238E27FC236}">
-                <a16:creationId xmlns:a16="http://schemas.microsoft.com/office/drawing/2014/main" id="{997FEF67-95B7-8F99-30AA-238E1F83ECAB}"/>
+                <a16:creationId xmlns:a16="http://schemas.microsoft.com/office/drawing/2014/main" xmlns="" id="{997FEF67-95B7-8F99-30AA-238E1F83ECAB}"/>
               </a:ext>
             </a:extLst>
           </p:cNvPr>
@@ -8598,7 +8513,7 @@
           <p:cNvPr id="2" name="標題 1">
             <a:extLst>
               <a:ext uri="{FF2B5EF4-FFF2-40B4-BE49-F238E27FC236}">
-                <a16:creationId xmlns:a16="http://schemas.microsoft.com/office/drawing/2014/main" id="{C7B55EDB-6608-3CDF-F165-7F6B7E345F41}"/>
+                <a16:creationId xmlns:a16="http://schemas.microsoft.com/office/drawing/2014/main" xmlns="" id="{C7B55EDB-6608-3CDF-F165-7F6B7E345F41}"/>
               </a:ext>
             </a:extLst>
           </p:cNvPr>
@@ -8632,7 +8547,7 @@
           <p:cNvPr id="3" name="內容版面配置區 2">
             <a:extLst>
               <a:ext uri="{FF2B5EF4-FFF2-40B4-BE49-F238E27FC236}">
-                <a16:creationId xmlns:a16="http://schemas.microsoft.com/office/drawing/2014/main" id="{997FEF67-95B7-8F99-30AA-238E1F83ECAB}"/>
+                <a16:creationId xmlns:a16="http://schemas.microsoft.com/office/drawing/2014/main" xmlns="" id="{997FEF67-95B7-8F99-30AA-238E1F83ECAB}"/>
               </a:ext>
             </a:extLst>
           </p:cNvPr>
@@ -8734,7 +8649,7 @@
           <p:cNvPr id="2" name="標題 1">
             <a:extLst>
               <a:ext uri="{FF2B5EF4-FFF2-40B4-BE49-F238E27FC236}">
-                <a16:creationId xmlns:a16="http://schemas.microsoft.com/office/drawing/2014/main" id="{C7B55EDB-6608-3CDF-F165-7F6B7E345F41}"/>
+                <a16:creationId xmlns:a16="http://schemas.microsoft.com/office/drawing/2014/main" xmlns="" id="{C7B55EDB-6608-3CDF-F165-7F6B7E345F41}"/>
               </a:ext>
             </a:extLst>
           </p:cNvPr>
@@ -8768,7 +8683,7 @@
           <p:cNvPr id="3" name="內容版面配置區 2">
             <a:extLst>
               <a:ext uri="{FF2B5EF4-FFF2-40B4-BE49-F238E27FC236}">
-                <a16:creationId xmlns:a16="http://schemas.microsoft.com/office/drawing/2014/main" id="{997FEF67-95B7-8F99-30AA-238E1F83ECAB}"/>
+                <a16:creationId xmlns:a16="http://schemas.microsoft.com/office/drawing/2014/main" xmlns="" id="{997FEF67-95B7-8F99-30AA-238E1F83ECAB}"/>
               </a:ext>
             </a:extLst>
           </p:cNvPr>
@@ -8862,7 +8777,7 @@
           <p:cNvPr id="2" name="標題 1">
             <a:extLst>
               <a:ext uri="{FF2B5EF4-FFF2-40B4-BE49-F238E27FC236}">
-                <a16:creationId xmlns:a16="http://schemas.microsoft.com/office/drawing/2014/main" id="{C7B55EDB-6608-3CDF-F165-7F6B7E345F41}"/>
+                <a16:creationId xmlns:a16="http://schemas.microsoft.com/office/drawing/2014/main" xmlns="" id="{C7B55EDB-6608-3CDF-F165-7F6B7E345F41}"/>
               </a:ext>
             </a:extLst>
           </p:cNvPr>
@@ -8896,7 +8811,7 @@
           <p:cNvPr id="3" name="內容版面配置區 2">
             <a:extLst>
               <a:ext uri="{FF2B5EF4-FFF2-40B4-BE49-F238E27FC236}">
-                <a16:creationId xmlns:a16="http://schemas.microsoft.com/office/drawing/2014/main" id="{997FEF67-95B7-8F99-30AA-238E1F83ECAB}"/>
+                <a16:creationId xmlns:a16="http://schemas.microsoft.com/office/drawing/2014/main" xmlns="" id="{997FEF67-95B7-8F99-30AA-238E1F83ECAB}"/>
               </a:ext>
             </a:extLst>
           </p:cNvPr>

--- a/Deep6mA/Presentation/deep6mA.pptx
+++ b/Deep6mA/Presentation/deep6mA.pptx
@@ -15,39 +15,42 @@
     <p:sldId id="263" r:id="rId9"/>
     <p:sldId id="264" r:id="rId10"/>
     <p:sldId id="265" r:id="rId11"/>
-    <p:sldId id="266" r:id="rId12"/>
-    <p:sldId id="267" r:id="rId13"/>
-    <p:sldId id="268" r:id="rId14"/>
-    <p:sldId id="269" r:id="rId15"/>
-    <p:sldId id="270" r:id="rId16"/>
-    <p:sldId id="271" r:id="rId17"/>
-    <p:sldId id="272" r:id="rId18"/>
-    <p:sldId id="273" r:id="rId19"/>
-    <p:sldId id="274" r:id="rId20"/>
-    <p:sldId id="275" r:id="rId21"/>
-    <p:sldId id="276" r:id="rId22"/>
-    <p:sldId id="277" r:id="rId23"/>
-    <p:sldId id="278" r:id="rId24"/>
-    <p:sldId id="279" r:id="rId25"/>
-    <p:sldId id="280" r:id="rId26"/>
-    <p:sldId id="281" r:id="rId27"/>
-    <p:sldId id="282" r:id="rId28"/>
-    <p:sldId id="284" r:id="rId29"/>
-    <p:sldId id="283" r:id="rId30"/>
-    <p:sldId id="285" r:id="rId31"/>
-    <p:sldId id="298" r:id="rId32"/>
-    <p:sldId id="286" r:id="rId33"/>
-    <p:sldId id="287" r:id="rId34"/>
-    <p:sldId id="288" r:id="rId35"/>
-    <p:sldId id="289" r:id="rId36"/>
-    <p:sldId id="290" r:id="rId37"/>
-    <p:sldId id="291" r:id="rId38"/>
-    <p:sldId id="292" r:id="rId39"/>
-    <p:sldId id="293" r:id="rId40"/>
-    <p:sldId id="294" r:id="rId41"/>
-    <p:sldId id="295" r:id="rId42"/>
-    <p:sldId id="296" r:id="rId43"/>
-    <p:sldId id="297" r:id="rId44"/>
+    <p:sldId id="288" r:id="rId12"/>
+    <p:sldId id="289" r:id="rId13"/>
+    <p:sldId id="290" r:id="rId14"/>
+    <p:sldId id="291" r:id="rId15"/>
+    <p:sldId id="292" r:id="rId16"/>
+    <p:sldId id="293" r:id="rId17"/>
+    <p:sldId id="294" r:id="rId18"/>
+    <p:sldId id="302" r:id="rId19"/>
+    <p:sldId id="300" r:id="rId20"/>
+    <p:sldId id="295" r:id="rId21"/>
+    <p:sldId id="296" r:id="rId22"/>
+    <p:sldId id="297" r:id="rId23"/>
+    <p:sldId id="266" r:id="rId24"/>
+    <p:sldId id="267" r:id="rId25"/>
+    <p:sldId id="268" r:id="rId26"/>
+    <p:sldId id="269" r:id="rId27"/>
+    <p:sldId id="270" r:id="rId28"/>
+    <p:sldId id="271" r:id="rId29"/>
+    <p:sldId id="272" r:id="rId30"/>
+    <p:sldId id="273" r:id="rId31"/>
+    <p:sldId id="274" r:id="rId32"/>
+    <p:sldId id="275" r:id="rId33"/>
+    <p:sldId id="276" r:id="rId34"/>
+    <p:sldId id="277" r:id="rId35"/>
+    <p:sldId id="278" r:id="rId36"/>
+    <p:sldId id="279" r:id="rId37"/>
+    <p:sldId id="280" r:id="rId38"/>
+    <p:sldId id="281" r:id="rId39"/>
+    <p:sldId id="301" r:id="rId40"/>
+    <p:sldId id="282" r:id="rId41"/>
+    <p:sldId id="284" r:id="rId42"/>
+    <p:sldId id="283" r:id="rId43"/>
+    <p:sldId id="285" r:id="rId44"/>
+    <p:sldId id="298" r:id="rId45"/>
+    <p:sldId id="286" r:id="rId46"/>
+    <p:sldId id="287" r:id="rId47"/>
   </p:sldIdLst>
   <p:sldSz cx="12192000" cy="6858000"/>
   <p:notesSz cx="6858000" cy="9144000"/>
@@ -176,7 +179,7 @@
           <p:cNvPr id="2" name="標題 1">
             <a:extLst>
               <a:ext uri="{FF2B5EF4-FFF2-40B4-BE49-F238E27FC236}">
-                <a16:creationId xmlns:a16="http://schemas.microsoft.com/office/drawing/2014/main" xmlns="" id="{86B15F38-23E1-E03F-7D2B-BB40EB209950}"/>
+                <a16:creationId xmlns:a16="http://schemas.microsoft.com/office/drawing/2014/main" id="{86B15F38-23E1-E03F-7D2B-BB40EB209950}"/>
               </a:ext>
             </a:extLst>
           </p:cNvPr>
@@ -213,7 +216,7 @@
           <p:cNvPr id="3" name="副標題 2">
             <a:extLst>
               <a:ext uri="{FF2B5EF4-FFF2-40B4-BE49-F238E27FC236}">
-                <a16:creationId xmlns:a16="http://schemas.microsoft.com/office/drawing/2014/main" xmlns="" id="{202417E0-8087-AB81-9278-DB40E5DA5BA4}"/>
+                <a16:creationId xmlns:a16="http://schemas.microsoft.com/office/drawing/2014/main" id="{202417E0-8087-AB81-9278-DB40E5DA5BA4}"/>
               </a:ext>
             </a:extLst>
           </p:cNvPr>
@@ -283,7 +286,7 @@
           <p:cNvPr id="4" name="日期版面配置區 3">
             <a:extLst>
               <a:ext uri="{FF2B5EF4-FFF2-40B4-BE49-F238E27FC236}">
-                <a16:creationId xmlns:a16="http://schemas.microsoft.com/office/drawing/2014/main" xmlns="" id="{68E22E96-F70C-DA0D-F27A-F83720F86139}"/>
+                <a16:creationId xmlns:a16="http://schemas.microsoft.com/office/drawing/2014/main" id="{68E22E96-F70C-DA0D-F27A-F83720F86139}"/>
               </a:ext>
             </a:extLst>
           </p:cNvPr>
@@ -301,7 +304,7 @@
           <a:p>
             <a:fld id="{B0571FA7-C913-4A27-9C2E-3B482D687F2A}" type="datetimeFigureOut">
               <a:rPr lang="zh-TW" altLang="en-US" smtClean="0"/>
-              <a:t>2022/5/6</a:t>
+              <a:t>2022/5/10</a:t>
             </a:fld>
             <a:endParaRPr lang="zh-TW" altLang="en-US"/>
           </a:p>
@@ -312,7 +315,7 @@
           <p:cNvPr id="5" name="頁尾版面配置區 4">
             <a:extLst>
               <a:ext uri="{FF2B5EF4-FFF2-40B4-BE49-F238E27FC236}">
-                <a16:creationId xmlns:a16="http://schemas.microsoft.com/office/drawing/2014/main" xmlns="" id="{07917629-1848-6B81-62AD-9F2655F54C30}"/>
+                <a16:creationId xmlns:a16="http://schemas.microsoft.com/office/drawing/2014/main" id="{07917629-1848-6B81-62AD-9F2655F54C30}"/>
               </a:ext>
             </a:extLst>
           </p:cNvPr>
@@ -337,7 +340,7 @@
           <p:cNvPr id="6" name="投影片編號版面配置區 5">
             <a:extLst>
               <a:ext uri="{FF2B5EF4-FFF2-40B4-BE49-F238E27FC236}">
-                <a16:creationId xmlns:a16="http://schemas.microsoft.com/office/drawing/2014/main" xmlns="" id="{760D25AB-1F77-D55B-CE66-015A4CA983B8}"/>
+                <a16:creationId xmlns:a16="http://schemas.microsoft.com/office/drawing/2014/main" id="{760D25AB-1F77-D55B-CE66-015A4CA983B8}"/>
               </a:ext>
             </a:extLst>
           </p:cNvPr>
@@ -396,7 +399,7 @@
           <p:cNvPr id="2" name="標題 1">
             <a:extLst>
               <a:ext uri="{FF2B5EF4-FFF2-40B4-BE49-F238E27FC236}">
-                <a16:creationId xmlns:a16="http://schemas.microsoft.com/office/drawing/2014/main" xmlns="" id="{3D3C0E28-E1FF-B10E-D6F9-CC099612EB17}"/>
+                <a16:creationId xmlns:a16="http://schemas.microsoft.com/office/drawing/2014/main" id="{3D3C0E28-E1FF-B10E-D6F9-CC099612EB17}"/>
               </a:ext>
             </a:extLst>
           </p:cNvPr>
@@ -424,7 +427,7 @@
           <p:cNvPr id="3" name="直排文字版面配置區 2">
             <a:extLst>
               <a:ext uri="{FF2B5EF4-FFF2-40B4-BE49-F238E27FC236}">
-                <a16:creationId xmlns:a16="http://schemas.microsoft.com/office/drawing/2014/main" xmlns="" id="{3C1918DF-DCBD-3B18-C3CC-102CE04A4C8D}"/>
+                <a16:creationId xmlns:a16="http://schemas.microsoft.com/office/drawing/2014/main" id="{3C1918DF-DCBD-3B18-C3CC-102CE04A4C8D}"/>
               </a:ext>
             </a:extLst>
           </p:cNvPr>
@@ -481,7 +484,7 @@
           <p:cNvPr id="4" name="日期版面配置區 3">
             <a:extLst>
               <a:ext uri="{FF2B5EF4-FFF2-40B4-BE49-F238E27FC236}">
-                <a16:creationId xmlns:a16="http://schemas.microsoft.com/office/drawing/2014/main" xmlns="" id="{C96F34A9-905D-E102-5434-EB430AD00D54}"/>
+                <a16:creationId xmlns:a16="http://schemas.microsoft.com/office/drawing/2014/main" id="{C96F34A9-905D-E102-5434-EB430AD00D54}"/>
               </a:ext>
             </a:extLst>
           </p:cNvPr>
@@ -499,7 +502,7 @@
           <a:p>
             <a:fld id="{B0571FA7-C913-4A27-9C2E-3B482D687F2A}" type="datetimeFigureOut">
               <a:rPr lang="zh-TW" altLang="en-US" smtClean="0"/>
-              <a:t>2022/5/6</a:t>
+              <a:t>2022/5/10</a:t>
             </a:fld>
             <a:endParaRPr lang="zh-TW" altLang="en-US"/>
           </a:p>
@@ -510,7 +513,7 @@
           <p:cNvPr id="5" name="頁尾版面配置區 4">
             <a:extLst>
               <a:ext uri="{FF2B5EF4-FFF2-40B4-BE49-F238E27FC236}">
-                <a16:creationId xmlns:a16="http://schemas.microsoft.com/office/drawing/2014/main" xmlns="" id="{60473F65-112C-D45E-C942-011A563859DA}"/>
+                <a16:creationId xmlns:a16="http://schemas.microsoft.com/office/drawing/2014/main" id="{60473F65-112C-D45E-C942-011A563859DA}"/>
               </a:ext>
             </a:extLst>
           </p:cNvPr>
@@ -535,7 +538,7 @@
           <p:cNvPr id="6" name="投影片編號版面配置區 5">
             <a:extLst>
               <a:ext uri="{FF2B5EF4-FFF2-40B4-BE49-F238E27FC236}">
-                <a16:creationId xmlns:a16="http://schemas.microsoft.com/office/drawing/2014/main" xmlns="" id="{36AE4B86-1229-0A97-2CC5-70134CC2FC28}"/>
+                <a16:creationId xmlns:a16="http://schemas.microsoft.com/office/drawing/2014/main" id="{36AE4B86-1229-0A97-2CC5-70134CC2FC28}"/>
               </a:ext>
             </a:extLst>
           </p:cNvPr>
@@ -594,7 +597,7 @@
           <p:cNvPr id="2" name="直排標題 1">
             <a:extLst>
               <a:ext uri="{FF2B5EF4-FFF2-40B4-BE49-F238E27FC236}">
-                <a16:creationId xmlns:a16="http://schemas.microsoft.com/office/drawing/2014/main" xmlns="" id="{27E8239C-6906-6C3E-481E-FFF96C109348}"/>
+                <a16:creationId xmlns:a16="http://schemas.microsoft.com/office/drawing/2014/main" id="{27E8239C-6906-6C3E-481E-FFF96C109348}"/>
               </a:ext>
             </a:extLst>
           </p:cNvPr>
@@ -627,7 +630,7 @@
           <p:cNvPr id="3" name="直排文字版面配置區 2">
             <a:extLst>
               <a:ext uri="{FF2B5EF4-FFF2-40B4-BE49-F238E27FC236}">
-                <a16:creationId xmlns:a16="http://schemas.microsoft.com/office/drawing/2014/main" xmlns="" id="{A1F6C910-975C-9C0C-B4D3-B628AC097593}"/>
+                <a16:creationId xmlns:a16="http://schemas.microsoft.com/office/drawing/2014/main" id="{A1F6C910-975C-9C0C-B4D3-B628AC097593}"/>
               </a:ext>
             </a:extLst>
           </p:cNvPr>
@@ -689,7 +692,7 @@
           <p:cNvPr id="4" name="日期版面配置區 3">
             <a:extLst>
               <a:ext uri="{FF2B5EF4-FFF2-40B4-BE49-F238E27FC236}">
-                <a16:creationId xmlns:a16="http://schemas.microsoft.com/office/drawing/2014/main" xmlns="" id="{7242ED0B-3BF0-77D8-1528-883F77E1A1D4}"/>
+                <a16:creationId xmlns:a16="http://schemas.microsoft.com/office/drawing/2014/main" id="{7242ED0B-3BF0-77D8-1528-883F77E1A1D4}"/>
               </a:ext>
             </a:extLst>
           </p:cNvPr>
@@ -707,7 +710,7 @@
           <a:p>
             <a:fld id="{B0571FA7-C913-4A27-9C2E-3B482D687F2A}" type="datetimeFigureOut">
               <a:rPr lang="zh-TW" altLang="en-US" smtClean="0"/>
-              <a:t>2022/5/6</a:t>
+              <a:t>2022/5/10</a:t>
             </a:fld>
             <a:endParaRPr lang="zh-TW" altLang="en-US"/>
           </a:p>
@@ -718,7 +721,7 @@
           <p:cNvPr id="5" name="頁尾版面配置區 4">
             <a:extLst>
               <a:ext uri="{FF2B5EF4-FFF2-40B4-BE49-F238E27FC236}">
-                <a16:creationId xmlns:a16="http://schemas.microsoft.com/office/drawing/2014/main" xmlns="" id="{76D7A044-A857-7852-360F-7382DEADD48F}"/>
+                <a16:creationId xmlns:a16="http://schemas.microsoft.com/office/drawing/2014/main" id="{76D7A044-A857-7852-360F-7382DEADD48F}"/>
               </a:ext>
             </a:extLst>
           </p:cNvPr>
@@ -743,7 +746,7 @@
           <p:cNvPr id="6" name="投影片編號版面配置區 5">
             <a:extLst>
               <a:ext uri="{FF2B5EF4-FFF2-40B4-BE49-F238E27FC236}">
-                <a16:creationId xmlns:a16="http://schemas.microsoft.com/office/drawing/2014/main" xmlns="" id="{6586E427-5EB5-FB55-D91E-DA8BC228A537}"/>
+                <a16:creationId xmlns:a16="http://schemas.microsoft.com/office/drawing/2014/main" id="{6586E427-5EB5-FB55-D91E-DA8BC228A537}"/>
               </a:ext>
             </a:extLst>
           </p:cNvPr>
@@ -802,7 +805,7 @@
           <p:cNvPr id="2" name="標題 1">
             <a:extLst>
               <a:ext uri="{FF2B5EF4-FFF2-40B4-BE49-F238E27FC236}">
-                <a16:creationId xmlns:a16="http://schemas.microsoft.com/office/drawing/2014/main" xmlns="" id="{ED1EDAFA-DD69-31C4-3705-6244F5DB529B}"/>
+                <a16:creationId xmlns:a16="http://schemas.microsoft.com/office/drawing/2014/main" id="{ED1EDAFA-DD69-31C4-3705-6244F5DB529B}"/>
               </a:ext>
             </a:extLst>
           </p:cNvPr>
@@ -830,7 +833,7 @@
           <p:cNvPr id="3" name="內容版面配置區 2">
             <a:extLst>
               <a:ext uri="{FF2B5EF4-FFF2-40B4-BE49-F238E27FC236}">
-                <a16:creationId xmlns:a16="http://schemas.microsoft.com/office/drawing/2014/main" xmlns="" id="{CECA515E-AD10-AB9B-F5DD-5345CAA5FD10}"/>
+                <a16:creationId xmlns:a16="http://schemas.microsoft.com/office/drawing/2014/main" id="{CECA515E-AD10-AB9B-F5DD-5345CAA5FD10}"/>
               </a:ext>
             </a:extLst>
           </p:cNvPr>
@@ -887,7 +890,7 @@
           <p:cNvPr id="4" name="日期版面配置區 3">
             <a:extLst>
               <a:ext uri="{FF2B5EF4-FFF2-40B4-BE49-F238E27FC236}">
-                <a16:creationId xmlns:a16="http://schemas.microsoft.com/office/drawing/2014/main" xmlns="" id="{878A1A5F-EA0C-8109-C052-B99265FD6F38}"/>
+                <a16:creationId xmlns:a16="http://schemas.microsoft.com/office/drawing/2014/main" id="{878A1A5F-EA0C-8109-C052-B99265FD6F38}"/>
               </a:ext>
             </a:extLst>
           </p:cNvPr>
@@ -905,7 +908,7 @@
           <a:p>
             <a:fld id="{B0571FA7-C913-4A27-9C2E-3B482D687F2A}" type="datetimeFigureOut">
               <a:rPr lang="zh-TW" altLang="en-US" smtClean="0"/>
-              <a:t>2022/5/6</a:t>
+              <a:t>2022/5/10</a:t>
             </a:fld>
             <a:endParaRPr lang="zh-TW" altLang="en-US"/>
           </a:p>
@@ -916,7 +919,7 @@
           <p:cNvPr id="5" name="頁尾版面配置區 4">
             <a:extLst>
               <a:ext uri="{FF2B5EF4-FFF2-40B4-BE49-F238E27FC236}">
-                <a16:creationId xmlns:a16="http://schemas.microsoft.com/office/drawing/2014/main" xmlns="" id="{7E38BD82-0A44-621E-1383-92D13F8F44F9}"/>
+                <a16:creationId xmlns:a16="http://schemas.microsoft.com/office/drawing/2014/main" id="{7E38BD82-0A44-621E-1383-92D13F8F44F9}"/>
               </a:ext>
             </a:extLst>
           </p:cNvPr>
@@ -941,7 +944,7 @@
           <p:cNvPr id="6" name="投影片編號版面配置區 5">
             <a:extLst>
               <a:ext uri="{FF2B5EF4-FFF2-40B4-BE49-F238E27FC236}">
-                <a16:creationId xmlns:a16="http://schemas.microsoft.com/office/drawing/2014/main" xmlns="" id="{6C7B029E-82CB-AB41-1D7C-E221F23ABB38}"/>
+                <a16:creationId xmlns:a16="http://schemas.microsoft.com/office/drawing/2014/main" id="{6C7B029E-82CB-AB41-1D7C-E221F23ABB38}"/>
               </a:ext>
             </a:extLst>
           </p:cNvPr>
@@ -1000,7 +1003,7 @@
           <p:cNvPr id="2" name="標題 1">
             <a:extLst>
               <a:ext uri="{FF2B5EF4-FFF2-40B4-BE49-F238E27FC236}">
-                <a16:creationId xmlns:a16="http://schemas.microsoft.com/office/drawing/2014/main" xmlns="" id="{F6885628-464C-3C88-2989-DC4B76663C76}"/>
+                <a16:creationId xmlns:a16="http://schemas.microsoft.com/office/drawing/2014/main" id="{F6885628-464C-3C88-2989-DC4B76663C76}"/>
               </a:ext>
             </a:extLst>
           </p:cNvPr>
@@ -1037,7 +1040,7 @@
           <p:cNvPr id="3" name="文字版面配置區 2">
             <a:extLst>
               <a:ext uri="{FF2B5EF4-FFF2-40B4-BE49-F238E27FC236}">
-                <a16:creationId xmlns:a16="http://schemas.microsoft.com/office/drawing/2014/main" xmlns="" id="{1BC029DF-431E-BD6C-4DAB-1F8D8841581A}"/>
+                <a16:creationId xmlns:a16="http://schemas.microsoft.com/office/drawing/2014/main" id="{1BC029DF-431E-BD6C-4DAB-1F8D8841581A}"/>
               </a:ext>
             </a:extLst>
           </p:cNvPr>
@@ -1162,7 +1165,7 @@
           <p:cNvPr id="4" name="日期版面配置區 3">
             <a:extLst>
               <a:ext uri="{FF2B5EF4-FFF2-40B4-BE49-F238E27FC236}">
-                <a16:creationId xmlns:a16="http://schemas.microsoft.com/office/drawing/2014/main" xmlns="" id="{EE599DC7-E8A2-87C2-8E9F-308D59F69BB0}"/>
+                <a16:creationId xmlns:a16="http://schemas.microsoft.com/office/drawing/2014/main" id="{EE599DC7-E8A2-87C2-8E9F-308D59F69BB0}"/>
               </a:ext>
             </a:extLst>
           </p:cNvPr>
@@ -1180,7 +1183,7 @@
           <a:p>
             <a:fld id="{B0571FA7-C913-4A27-9C2E-3B482D687F2A}" type="datetimeFigureOut">
               <a:rPr lang="zh-TW" altLang="en-US" smtClean="0"/>
-              <a:t>2022/5/6</a:t>
+              <a:t>2022/5/10</a:t>
             </a:fld>
             <a:endParaRPr lang="zh-TW" altLang="en-US"/>
           </a:p>
@@ -1191,7 +1194,7 @@
           <p:cNvPr id="5" name="頁尾版面配置區 4">
             <a:extLst>
               <a:ext uri="{FF2B5EF4-FFF2-40B4-BE49-F238E27FC236}">
-                <a16:creationId xmlns:a16="http://schemas.microsoft.com/office/drawing/2014/main" xmlns="" id="{2AF46647-BD87-3298-14E2-B925F84B518A}"/>
+                <a16:creationId xmlns:a16="http://schemas.microsoft.com/office/drawing/2014/main" id="{2AF46647-BD87-3298-14E2-B925F84B518A}"/>
               </a:ext>
             </a:extLst>
           </p:cNvPr>
@@ -1216,7 +1219,7 @@
           <p:cNvPr id="6" name="投影片編號版面配置區 5">
             <a:extLst>
               <a:ext uri="{FF2B5EF4-FFF2-40B4-BE49-F238E27FC236}">
-                <a16:creationId xmlns:a16="http://schemas.microsoft.com/office/drawing/2014/main" xmlns="" id="{4B6096A2-AA20-4C38-463F-F2042AE2B066}"/>
+                <a16:creationId xmlns:a16="http://schemas.microsoft.com/office/drawing/2014/main" id="{4B6096A2-AA20-4C38-463F-F2042AE2B066}"/>
               </a:ext>
             </a:extLst>
           </p:cNvPr>
@@ -1275,7 +1278,7 @@
           <p:cNvPr id="2" name="標題 1">
             <a:extLst>
               <a:ext uri="{FF2B5EF4-FFF2-40B4-BE49-F238E27FC236}">
-                <a16:creationId xmlns:a16="http://schemas.microsoft.com/office/drawing/2014/main" xmlns="" id="{1E8CF7ED-7526-99E5-8D48-C201760A850D}"/>
+                <a16:creationId xmlns:a16="http://schemas.microsoft.com/office/drawing/2014/main" id="{1E8CF7ED-7526-99E5-8D48-C201760A850D}"/>
               </a:ext>
             </a:extLst>
           </p:cNvPr>
@@ -1303,7 +1306,7 @@
           <p:cNvPr id="3" name="內容版面配置區 2">
             <a:extLst>
               <a:ext uri="{FF2B5EF4-FFF2-40B4-BE49-F238E27FC236}">
-                <a16:creationId xmlns:a16="http://schemas.microsoft.com/office/drawing/2014/main" xmlns="" id="{86E637C8-7BBC-2AED-E9D9-31FD12D6C03F}"/>
+                <a16:creationId xmlns:a16="http://schemas.microsoft.com/office/drawing/2014/main" id="{86E637C8-7BBC-2AED-E9D9-31FD12D6C03F}"/>
               </a:ext>
             </a:extLst>
           </p:cNvPr>
@@ -1365,7 +1368,7 @@
           <p:cNvPr id="4" name="內容版面配置區 3">
             <a:extLst>
               <a:ext uri="{FF2B5EF4-FFF2-40B4-BE49-F238E27FC236}">
-                <a16:creationId xmlns:a16="http://schemas.microsoft.com/office/drawing/2014/main" xmlns="" id="{A3E494BC-2569-A181-6001-C98CAEE4082A}"/>
+                <a16:creationId xmlns:a16="http://schemas.microsoft.com/office/drawing/2014/main" id="{A3E494BC-2569-A181-6001-C98CAEE4082A}"/>
               </a:ext>
             </a:extLst>
           </p:cNvPr>
@@ -1427,7 +1430,7 @@
           <p:cNvPr id="5" name="日期版面配置區 4">
             <a:extLst>
               <a:ext uri="{FF2B5EF4-FFF2-40B4-BE49-F238E27FC236}">
-                <a16:creationId xmlns:a16="http://schemas.microsoft.com/office/drawing/2014/main" xmlns="" id="{D5B9B5FD-ACCB-E4EB-C00F-F299D63596C8}"/>
+                <a16:creationId xmlns:a16="http://schemas.microsoft.com/office/drawing/2014/main" id="{D5B9B5FD-ACCB-E4EB-C00F-F299D63596C8}"/>
               </a:ext>
             </a:extLst>
           </p:cNvPr>
@@ -1445,7 +1448,7 @@
           <a:p>
             <a:fld id="{B0571FA7-C913-4A27-9C2E-3B482D687F2A}" type="datetimeFigureOut">
               <a:rPr lang="zh-TW" altLang="en-US" smtClean="0"/>
-              <a:t>2022/5/6</a:t>
+              <a:t>2022/5/10</a:t>
             </a:fld>
             <a:endParaRPr lang="zh-TW" altLang="en-US"/>
           </a:p>
@@ -1456,7 +1459,7 @@
           <p:cNvPr id="6" name="頁尾版面配置區 5">
             <a:extLst>
               <a:ext uri="{FF2B5EF4-FFF2-40B4-BE49-F238E27FC236}">
-                <a16:creationId xmlns:a16="http://schemas.microsoft.com/office/drawing/2014/main" xmlns="" id="{96982B0C-85D0-88B8-2D92-1C79E2EC2C32}"/>
+                <a16:creationId xmlns:a16="http://schemas.microsoft.com/office/drawing/2014/main" id="{96982B0C-85D0-88B8-2D92-1C79E2EC2C32}"/>
               </a:ext>
             </a:extLst>
           </p:cNvPr>
@@ -1481,7 +1484,7 @@
           <p:cNvPr id="7" name="投影片編號版面配置區 6">
             <a:extLst>
               <a:ext uri="{FF2B5EF4-FFF2-40B4-BE49-F238E27FC236}">
-                <a16:creationId xmlns:a16="http://schemas.microsoft.com/office/drawing/2014/main" xmlns="" id="{512DAB22-5F65-BB13-B865-F46FBAFA7227}"/>
+                <a16:creationId xmlns:a16="http://schemas.microsoft.com/office/drawing/2014/main" id="{512DAB22-5F65-BB13-B865-F46FBAFA7227}"/>
               </a:ext>
             </a:extLst>
           </p:cNvPr>
@@ -1540,7 +1543,7 @@
           <p:cNvPr id="2" name="標題 1">
             <a:extLst>
               <a:ext uri="{FF2B5EF4-FFF2-40B4-BE49-F238E27FC236}">
-                <a16:creationId xmlns:a16="http://schemas.microsoft.com/office/drawing/2014/main" xmlns="" id="{B234F037-4793-43A4-2BD3-51CFE572497B}"/>
+                <a16:creationId xmlns:a16="http://schemas.microsoft.com/office/drawing/2014/main" id="{B234F037-4793-43A4-2BD3-51CFE572497B}"/>
               </a:ext>
             </a:extLst>
           </p:cNvPr>
@@ -1573,7 +1576,7 @@
           <p:cNvPr id="3" name="文字版面配置區 2">
             <a:extLst>
               <a:ext uri="{FF2B5EF4-FFF2-40B4-BE49-F238E27FC236}">
-                <a16:creationId xmlns:a16="http://schemas.microsoft.com/office/drawing/2014/main" xmlns="" id="{BBB2AC6D-8604-22A0-9258-E2544A5E6342}"/>
+                <a16:creationId xmlns:a16="http://schemas.microsoft.com/office/drawing/2014/main" id="{BBB2AC6D-8604-22A0-9258-E2544A5E6342}"/>
               </a:ext>
             </a:extLst>
           </p:cNvPr>
@@ -1644,7 +1647,7 @@
           <p:cNvPr id="4" name="內容版面配置區 3">
             <a:extLst>
               <a:ext uri="{FF2B5EF4-FFF2-40B4-BE49-F238E27FC236}">
-                <a16:creationId xmlns:a16="http://schemas.microsoft.com/office/drawing/2014/main" xmlns="" id="{C9F0AA72-D167-979C-6168-BABB201CA55F}"/>
+                <a16:creationId xmlns:a16="http://schemas.microsoft.com/office/drawing/2014/main" id="{C9F0AA72-D167-979C-6168-BABB201CA55F}"/>
               </a:ext>
             </a:extLst>
           </p:cNvPr>
@@ -1706,7 +1709,7 @@
           <p:cNvPr id="5" name="文字版面配置區 4">
             <a:extLst>
               <a:ext uri="{FF2B5EF4-FFF2-40B4-BE49-F238E27FC236}">
-                <a16:creationId xmlns:a16="http://schemas.microsoft.com/office/drawing/2014/main" xmlns="" id="{3E1E2448-190F-E3ED-28A2-C407857939C7}"/>
+                <a16:creationId xmlns:a16="http://schemas.microsoft.com/office/drawing/2014/main" id="{3E1E2448-190F-E3ED-28A2-C407857939C7}"/>
               </a:ext>
             </a:extLst>
           </p:cNvPr>
@@ -1777,7 +1780,7 @@
           <p:cNvPr id="6" name="內容版面配置區 5">
             <a:extLst>
               <a:ext uri="{FF2B5EF4-FFF2-40B4-BE49-F238E27FC236}">
-                <a16:creationId xmlns:a16="http://schemas.microsoft.com/office/drawing/2014/main" xmlns="" id="{37E232E8-5D39-2DC2-78FC-00C5C53174E2}"/>
+                <a16:creationId xmlns:a16="http://schemas.microsoft.com/office/drawing/2014/main" id="{37E232E8-5D39-2DC2-78FC-00C5C53174E2}"/>
               </a:ext>
             </a:extLst>
           </p:cNvPr>
@@ -1839,7 +1842,7 @@
           <p:cNvPr id="7" name="日期版面配置區 6">
             <a:extLst>
               <a:ext uri="{FF2B5EF4-FFF2-40B4-BE49-F238E27FC236}">
-                <a16:creationId xmlns:a16="http://schemas.microsoft.com/office/drawing/2014/main" xmlns="" id="{35D3971A-988A-1E45-AB5A-B0A214534730}"/>
+                <a16:creationId xmlns:a16="http://schemas.microsoft.com/office/drawing/2014/main" id="{35D3971A-988A-1E45-AB5A-B0A214534730}"/>
               </a:ext>
             </a:extLst>
           </p:cNvPr>
@@ -1857,7 +1860,7 @@
           <a:p>
             <a:fld id="{B0571FA7-C913-4A27-9C2E-3B482D687F2A}" type="datetimeFigureOut">
               <a:rPr lang="zh-TW" altLang="en-US" smtClean="0"/>
-              <a:t>2022/5/6</a:t>
+              <a:t>2022/5/10</a:t>
             </a:fld>
             <a:endParaRPr lang="zh-TW" altLang="en-US"/>
           </a:p>
@@ -1868,7 +1871,7 @@
           <p:cNvPr id="8" name="頁尾版面配置區 7">
             <a:extLst>
               <a:ext uri="{FF2B5EF4-FFF2-40B4-BE49-F238E27FC236}">
-                <a16:creationId xmlns:a16="http://schemas.microsoft.com/office/drawing/2014/main" xmlns="" id="{0A47037A-EAC0-0E50-36F5-75C20A1EE3A4}"/>
+                <a16:creationId xmlns:a16="http://schemas.microsoft.com/office/drawing/2014/main" id="{0A47037A-EAC0-0E50-36F5-75C20A1EE3A4}"/>
               </a:ext>
             </a:extLst>
           </p:cNvPr>
@@ -1893,7 +1896,7 @@
           <p:cNvPr id="9" name="投影片編號版面配置區 8">
             <a:extLst>
               <a:ext uri="{FF2B5EF4-FFF2-40B4-BE49-F238E27FC236}">
-                <a16:creationId xmlns:a16="http://schemas.microsoft.com/office/drawing/2014/main" xmlns="" id="{A023D6EB-6BAC-1819-B59D-D3FC736B8EF2}"/>
+                <a16:creationId xmlns:a16="http://schemas.microsoft.com/office/drawing/2014/main" id="{A023D6EB-6BAC-1819-B59D-D3FC736B8EF2}"/>
               </a:ext>
             </a:extLst>
           </p:cNvPr>
@@ -1952,7 +1955,7 @@
           <p:cNvPr id="2" name="標題 1">
             <a:extLst>
               <a:ext uri="{FF2B5EF4-FFF2-40B4-BE49-F238E27FC236}">
-                <a16:creationId xmlns:a16="http://schemas.microsoft.com/office/drawing/2014/main" xmlns="" id="{BC684036-C610-5CD3-09F4-42371E5F6E4C}"/>
+                <a16:creationId xmlns:a16="http://schemas.microsoft.com/office/drawing/2014/main" id="{BC684036-C610-5CD3-09F4-42371E5F6E4C}"/>
               </a:ext>
             </a:extLst>
           </p:cNvPr>
@@ -1980,7 +1983,7 @@
           <p:cNvPr id="3" name="日期版面配置區 2">
             <a:extLst>
               <a:ext uri="{FF2B5EF4-FFF2-40B4-BE49-F238E27FC236}">
-                <a16:creationId xmlns:a16="http://schemas.microsoft.com/office/drawing/2014/main" xmlns="" id="{DE1389D7-6214-4DCB-8010-12CAB9D4A961}"/>
+                <a16:creationId xmlns:a16="http://schemas.microsoft.com/office/drawing/2014/main" id="{DE1389D7-6214-4DCB-8010-12CAB9D4A961}"/>
               </a:ext>
             </a:extLst>
           </p:cNvPr>
@@ -1998,7 +2001,7 @@
           <a:p>
             <a:fld id="{B0571FA7-C913-4A27-9C2E-3B482D687F2A}" type="datetimeFigureOut">
               <a:rPr lang="zh-TW" altLang="en-US" smtClean="0"/>
-              <a:t>2022/5/6</a:t>
+              <a:t>2022/5/10</a:t>
             </a:fld>
             <a:endParaRPr lang="zh-TW" altLang="en-US"/>
           </a:p>
@@ -2009,7 +2012,7 @@
           <p:cNvPr id="4" name="頁尾版面配置區 3">
             <a:extLst>
               <a:ext uri="{FF2B5EF4-FFF2-40B4-BE49-F238E27FC236}">
-                <a16:creationId xmlns:a16="http://schemas.microsoft.com/office/drawing/2014/main" xmlns="" id="{C12536E6-85D4-E5BA-0DB7-BF56DCCB2421}"/>
+                <a16:creationId xmlns:a16="http://schemas.microsoft.com/office/drawing/2014/main" id="{C12536E6-85D4-E5BA-0DB7-BF56DCCB2421}"/>
               </a:ext>
             </a:extLst>
           </p:cNvPr>
@@ -2034,7 +2037,7 @@
           <p:cNvPr id="5" name="投影片編號版面配置區 4">
             <a:extLst>
               <a:ext uri="{FF2B5EF4-FFF2-40B4-BE49-F238E27FC236}">
-                <a16:creationId xmlns:a16="http://schemas.microsoft.com/office/drawing/2014/main" xmlns="" id="{4BA42EFC-801B-001C-65E8-32BBEF9FBC7E}"/>
+                <a16:creationId xmlns:a16="http://schemas.microsoft.com/office/drawing/2014/main" id="{4BA42EFC-801B-001C-65E8-32BBEF9FBC7E}"/>
               </a:ext>
             </a:extLst>
           </p:cNvPr>
@@ -2093,7 +2096,7 @@
           <p:cNvPr id="2" name="日期版面配置區 1">
             <a:extLst>
               <a:ext uri="{FF2B5EF4-FFF2-40B4-BE49-F238E27FC236}">
-                <a16:creationId xmlns:a16="http://schemas.microsoft.com/office/drawing/2014/main" xmlns="" id="{75D37063-9FAD-E7D4-B809-7C371D26F55D}"/>
+                <a16:creationId xmlns:a16="http://schemas.microsoft.com/office/drawing/2014/main" id="{75D37063-9FAD-E7D4-B809-7C371D26F55D}"/>
               </a:ext>
             </a:extLst>
           </p:cNvPr>
@@ -2111,7 +2114,7 @@
           <a:p>
             <a:fld id="{B0571FA7-C913-4A27-9C2E-3B482D687F2A}" type="datetimeFigureOut">
               <a:rPr lang="zh-TW" altLang="en-US" smtClean="0"/>
-              <a:t>2022/5/6</a:t>
+              <a:t>2022/5/10</a:t>
             </a:fld>
             <a:endParaRPr lang="zh-TW" altLang="en-US"/>
           </a:p>
@@ -2122,7 +2125,7 @@
           <p:cNvPr id="3" name="頁尾版面配置區 2">
             <a:extLst>
               <a:ext uri="{FF2B5EF4-FFF2-40B4-BE49-F238E27FC236}">
-                <a16:creationId xmlns:a16="http://schemas.microsoft.com/office/drawing/2014/main" xmlns="" id="{5F8A1D9B-541B-F865-5AE7-1A48B307673D}"/>
+                <a16:creationId xmlns:a16="http://schemas.microsoft.com/office/drawing/2014/main" id="{5F8A1D9B-541B-F865-5AE7-1A48B307673D}"/>
               </a:ext>
             </a:extLst>
           </p:cNvPr>
@@ -2147,7 +2150,7 @@
           <p:cNvPr id="4" name="投影片編號版面配置區 3">
             <a:extLst>
               <a:ext uri="{FF2B5EF4-FFF2-40B4-BE49-F238E27FC236}">
-                <a16:creationId xmlns:a16="http://schemas.microsoft.com/office/drawing/2014/main" xmlns="" id="{9B26399A-F6BD-1EA5-460F-DD4F26F64501}"/>
+                <a16:creationId xmlns:a16="http://schemas.microsoft.com/office/drawing/2014/main" id="{9B26399A-F6BD-1EA5-460F-DD4F26F64501}"/>
               </a:ext>
             </a:extLst>
           </p:cNvPr>
@@ -2206,7 +2209,7 @@
           <p:cNvPr id="2" name="標題 1">
             <a:extLst>
               <a:ext uri="{FF2B5EF4-FFF2-40B4-BE49-F238E27FC236}">
-                <a16:creationId xmlns:a16="http://schemas.microsoft.com/office/drawing/2014/main" xmlns="" id="{E921DCDB-6AB3-3BEB-3B73-0FEDD7FCCA5E}"/>
+                <a16:creationId xmlns:a16="http://schemas.microsoft.com/office/drawing/2014/main" id="{E921DCDB-6AB3-3BEB-3B73-0FEDD7FCCA5E}"/>
               </a:ext>
             </a:extLst>
           </p:cNvPr>
@@ -2243,7 +2246,7 @@
           <p:cNvPr id="3" name="內容版面配置區 2">
             <a:extLst>
               <a:ext uri="{FF2B5EF4-FFF2-40B4-BE49-F238E27FC236}">
-                <a16:creationId xmlns:a16="http://schemas.microsoft.com/office/drawing/2014/main" xmlns="" id="{9C87BA1A-4C20-218A-FF2C-E8D3DB547F05}"/>
+                <a16:creationId xmlns:a16="http://schemas.microsoft.com/office/drawing/2014/main" id="{9C87BA1A-4C20-218A-FF2C-E8D3DB547F05}"/>
               </a:ext>
             </a:extLst>
           </p:cNvPr>
@@ -2333,7 +2336,7 @@
           <p:cNvPr id="4" name="文字版面配置區 3">
             <a:extLst>
               <a:ext uri="{FF2B5EF4-FFF2-40B4-BE49-F238E27FC236}">
-                <a16:creationId xmlns:a16="http://schemas.microsoft.com/office/drawing/2014/main" xmlns="" id="{FE3C19FB-1F2F-BB69-4745-B30476BFEC46}"/>
+                <a16:creationId xmlns:a16="http://schemas.microsoft.com/office/drawing/2014/main" id="{FE3C19FB-1F2F-BB69-4745-B30476BFEC46}"/>
               </a:ext>
             </a:extLst>
           </p:cNvPr>
@@ -2404,7 +2407,7 @@
           <p:cNvPr id="5" name="日期版面配置區 4">
             <a:extLst>
               <a:ext uri="{FF2B5EF4-FFF2-40B4-BE49-F238E27FC236}">
-                <a16:creationId xmlns:a16="http://schemas.microsoft.com/office/drawing/2014/main" xmlns="" id="{36C93762-579C-686E-B778-F2E3967DFF2E}"/>
+                <a16:creationId xmlns:a16="http://schemas.microsoft.com/office/drawing/2014/main" id="{36C93762-579C-686E-B778-F2E3967DFF2E}"/>
               </a:ext>
             </a:extLst>
           </p:cNvPr>
@@ -2422,7 +2425,7 @@
           <a:p>
             <a:fld id="{B0571FA7-C913-4A27-9C2E-3B482D687F2A}" type="datetimeFigureOut">
               <a:rPr lang="zh-TW" altLang="en-US" smtClean="0"/>
-              <a:t>2022/5/6</a:t>
+              <a:t>2022/5/10</a:t>
             </a:fld>
             <a:endParaRPr lang="zh-TW" altLang="en-US"/>
           </a:p>
@@ -2433,7 +2436,7 @@
           <p:cNvPr id="6" name="頁尾版面配置區 5">
             <a:extLst>
               <a:ext uri="{FF2B5EF4-FFF2-40B4-BE49-F238E27FC236}">
-                <a16:creationId xmlns:a16="http://schemas.microsoft.com/office/drawing/2014/main" xmlns="" id="{115B4736-D2F4-07F8-3D46-CA8D574A56AC}"/>
+                <a16:creationId xmlns:a16="http://schemas.microsoft.com/office/drawing/2014/main" id="{115B4736-D2F4-07F8-3D46-CA8D574A56AC}"/>
               </a:ext>
             </a:extLst>
           </p:cNvPr>
@@ -2458,7 +2461,7 @@
           <p:cNvPr id="7" name="投影片編號版面配置區 6">
             <a:extLst>
               <a:ext uri="{FF2B5EF4-FFF2-40B4-BE49-F238E27FC236}">
-                <a16:creationId xmlns:a16="http://schemas.microsoft.com/office/drawing/2014/main" xmlns="" id="{EA5F231D-A79C-C471-8712-0CA55A23D9CD}"/>
+                <a16:creationId xmlns:a16="http://schemas.microsoft.com/office/drawing/2014/main" id="{EA5F231D-A79C-C471-8712-0CA55A23D9CD}"/>
               </a:ext>
             </a:extLst>
           </p:cNvPr>
@@ -2517,7 +2520,7 @@
           <p:cNvPr id="2" name="標題 1">
             <a:extLst>
               <a:ext uri="{FF2B5EF4-FFF2-40B4-BE49-F238E27FC236}">
-                <a16:creationId xmlns:a16="http://schemas.microsoft.com/office/drawing/2014/main" xmlns="" id="{8ECE226D-271A-E71B-A8FE-879417287CE5}"/>
+                <a16:creationId xmlns:a16="http://schemas.microsoft.com/office/drawing/2014/main" id="{8ECE226D-271A-E71B-A8FE-879417287CE5}"/>
               </a:ext>
             </a:extLst>
           </p:cNvPr>
@@ -2554,7 +2557,7 @@
           <p:cNvPr id="3" name="圖片版面配置區 2">
             <a:extLst>
               <a:ext uri="{FF2B5EF4-FFF2-40B4-BE49-F238E27FC236}">
-                <a16:creationId xmlns:a16="http://schemas.microsoft.com/office/drawing/2014/main" xmlns="" id="{9581A0DF-2724-29DF-D52C-2646543F3F4F}"/>
+                <a16:creationId xmlns:a16="http://schemas.microsoft.com/office/drawing/2014/main" id="{9581A0DF-2724-29DF-D52C-2646543F3F4F}"/>
               </a:ext>
             </a:extLst>
           </p:cNvPr>
@@ -2621,7 +2624,7 @@
           <p:cNvPr id="4" name="文字版面配置區 3">
             <a:extLst>
               <a:ext uri="{FF2B5EF4-FFF2-40B4-BE49-F238E27FC236}">
-                <a16:creationId xmlns:a16="http://schemas.microsoft.com/office/drawing/2014/main" xmlns="" id="{22CBBBAD-F143-E8C0-92A8-703F62B1CCC6}"/>
+                <a16:creationId xmlns:a16="http://schemas.microsoft.com/office/drawing/2014/main" id="{22CBBBAD-F143-E8C0-92A8-703F62B1CCC6}"/>
               </a:ext>
             </a:extLst>
           </p:cNvPr>
@@ -2692,7 +2695,7 @@
           <p:cNvPr id="5" name="日期版面配置區 4">
             <a:extLst>
               <a:ext uri="{FF2B5EF4-FFF2-40B4-BE49-F238E27FC236}">
-                <a16:creationId xmlns:a16="http://schemas.microsoft.com/office/drawing/2014/main" xmlns="" id="{B4A80B05-D11C-FA42-000D-7F5BED3DB13C}"/>
+                <a16:creationId xmlns:a16="http://schemas.microsoft.com/office/drawing/2014/main" id="{B4A80B05-D11C-FA42-000D-7F5BED3DB13C}"/>
               </a:ext>
             </a:extLst>
           </p:cNvPr>
@@ -2710,7 +2713,7 @@
           <a:p>
             <a:fld id="{B0571FA7-C913-4A27-9C2E-3B482D687F2A}" type="datetimeFigureOut">
               <a:rPr lang="zh-TW" altLang="en-US" smtClean="0"/>
-              <a:t>2022/5/6</a:t>
+              <a:t>2022/5/10</a:t>
             </a:fld>
             <a:endParaRPr lang="zh-TW" altLang="en-US"/>
           </a:p>
@@ -2721,7 +2724,7 @@
           <p:cNvPr id="6" name="頁尾版面配置區 5">
             <a:extLst>
               <a:ext uri="{FF2B5EF4-FFF2-40B4-BE49-F238E27FC236}">
-                <a16:creationId xmlns:a16="http://schemas.microsoft.com/office/drawing/2014/main" xmlns="" id="{1D6B9A49-521D-2640-2BC2-0FCE7AF12AF3}"/>
+                <a16:creationId xmlns:a16="http://schemas.microsoft.com/office/drawing/2014/main" id="{1D6B9A49-521D-2640-2BC2-0FCE7AF12AF3}"/>
               </a:ext>
             </a:extLst>
           </p:cNvPr>
@@ -2746,7 +2749,7 @@
           <p:cNvPr id="7" name="投影片編號版面配置區 6">
             <a:extLst>
               <a:ext uri="{FF2B5EF4-FFF2-40B4-BE49-F238E27FC236}">
-                <a16:creationId xmlns:a16="http://schemas.microsoft.com/office/drawing/2014/main" xmlns="" id="{2498865B-4A24-FBE6-E739-842964D02660}"/>
+                <a16:creationId xmlns:a16="http://schemas.microsoft.com/office/drawing/2014/main" id="{2498865B-4A24-FBE6-E739-842964D02660}"/>
               </a:ext>
             </a:extLst>
           </p:cNvPr>
@@ -2810,7 +2813,7 @@
           <p:cNvPr id="2" name="標題版面配置區 1">
             <a:extLst>
               <a:ext uri="{FF2B5EF4-FFF2-40B4-BE49-F238E27FC236}">
-                <a16:creationId xmlns:a16="http://schemas.microsoft.com/office/drawing/2014/main" xmlns="" id="{A6D939D4-A922-F140-AE48-223151B7B0E0}"/>
+                <a16:creationId xmlns:a16="http://schemas.microsoft.com/office/drawing/2014/main" id="{A6D939D4-A922-F140-AE48-223151B7B0E0}"/>
               </a:ext>
             </a:extLst>
           </p:cNvPr>
@@ -2848,7 +2851,7 @@
           <p:cNvPr id="3" name="文字版面配置區 2">
             <a:extLst>
               <a:ext uri="{FF2B5EF4-FFF2-40B4-BE49-F238E27FC236}">
-                <a16:creationId xmlns:a16="http://schemas.microsoft.com/office/drawing/2014/main" xmlns="" id="{F1E763FE-DBD2-52C4-5A43-9AE59AA8F55D}"/>
+                <a16:creationId xmlns:a16="http://schemas.microsoft.com/office/drawing/2014/main" id="{F1E763FE-DBD2-52C4-5A43-9AE59AA8F55D}"/>
               </a:ext>
             </a:extLst>
           </p:cNvPr>
@@ -2915,7 +2918,7 @@
           <p:cNvPr id="4" name="日期版面配置區 3">
             <a:extLst>
               <a:ext uri="{FF2B5EF4-FFF2-40B4-BE49-F238E27FC236}">
-                <a16:creationId xmlns:a16="http://schemas.microsoft.com/office/drawing/2014/main" xmlns="" id="{D7F9E68E-0E1A-D667-8CE9-35B0E90C220E}"/>
+                <a16:creationId xmlns:a16="http://schemas.microsoft.com/office/drawing/2014/main" id="{D7F9E68E-0E1A-D667-8CE9-35B0E90C220E}"/>
               </a:ext>
             </a:extLst>
           </p:cNvPr>
@@ -2951,7 +2954,7 @@
           <a:p>
             <a:fld id="{B0571FA7-C913-4A27-9C2E-3B482D687F2A}" type="datetimeFigureOut">
               <a:rPr lang="zh-TW" altLang="en-US" smtClean="0"/>
-              <a:t>2022/5/6</a:t>
+              <a:t>2022/5/10</a:t>
             </a:fld>
             <a:endParaRPr lang="zh-TW" altLang="en-US"/>
           </a:p>
@@ -2962,7 +2965,7 @@
           <p:cNvPr id="5" name="頁尾版面配置區 4">
             <a:extLst>
               <a:ext uri="{FF2B5EF4-FFF2-40B4-BE49-F238E27FC236}">
-                <a16:creationId xmlns:a16="http://schemas.microsoft.com/office/drawing/2014/main" xmlns="" id="{569AEDAA-C9B3-026B-ADBB-3A86B2076CFE}"/>
+                <a16:creationId xmlns:a16="http://schemas.microsoft.com/office/drawing/2014/main" id="{569AEDAA-C9B3-026B-ADBB-3A86B2076CFE}"/>
               </a:ext>
             </a:extLst>
           </p:cNvPr>
@@ -3005,7 +3008,7 @@
           <p:cNvPr id="6" name="投影片編號版面配置區 5">
             <a:extLst>
               <a:ext uri="{FF2B5EF4-FFF2-40B4-BE49-F238E27FC236}">
-                <a16:creationId xmlns:a16="http://schemas.microsoft.com/office/drawing/2014/main" xmlns="" id="{D25C0CE7-F492-4EFC-2FD2-D07066642947}"/>
+                <a16:creationId xmlns:a16="http://schemas.microsoft.com/office/drawing/2014/main" id="{D25C0CE7-F492-4EFC-2FD2-D07066642947}"/>
               </a:ext>
             </a:extLst>
           </p:cNvPr>
@@ -3373,7 +3376,7 @@
           <p:cNvPr id="2" name="標題 1">
             <a:extLst>
               <a:ext uri="{FF2B5EF4-FFF2-40B4-BE49-F238E27FC236}">
-                <a16:creationId xmlns:a16="http://schemas.microsoft.com/office/drawing/2014/main" xmlns="" id="{AD43F4D4-5BB2-212B-D2BB-71EBADCA5A55}"/>
+                <a16:creationId xmlns:a16="http://schemas.microsoft.com/office/drawing/2014/main" id="{AD43F4D4-5BB2-212B-D2BB-71EBADCA5A55}"/>
               </a:ext>
             </a:extLst>
           </p:cNvPr>
@@ -3402,7 +3405,7 @@
           <p:cNvPr id="3" name="副標題 2">
             <a:extLst>
               <a:ext uri="{FF2B5EF4-FFF2-40B4-BE49-F238E27FC236}">
-                <a16:creationId xmlns:a16="http://schemas.microsoft.com/office/drawing/2014/main" xmlns="" id="{21A8CDE8-0E1B-A7F8-7692-AD381465922E}"/>
+                <a16:creationId xmlns:a16="http://schemas.microsoft.com/office/drawing/2014/main" id="{21A8CDE8-0E1B-A7F8-7692-AD381465922E}"/>
               </a:ext>
             </a:extLst>
           </p:cNvPr>
@@ -3466,7 +3469,7 @@
           <p:cNvPr id="2" name="標題 1">
             <a:extLst>
               <a:ext uri="{FF2B5EF4-FFF2-40B4-BE49-F238E27FC236}">
-                <a16:creationId xmlns:a16="http://schemas.microsoft.com/office/drawing/2014/main" xmlns="" id="{C7B55EDB-6608-3CDF-F165-7F6B7E345F41}"/>
+                <a16:creationId xmlns:a16="http://schemas.microsoft.com/office/drawing/2014/main" id="{C7B55EDB-6608-3CDF-F165-7F6B7E345F41}"/>
               </a:ext>
             </a:extLst>
           </p:cNvPr>
@@ -3500,7 +3503,7 @@
           <p:cNvPr id="3" name="內容版面配置區 2">
             <a:extLst>
               <a:ext uri="{FF2B5EF4-FFF2-40B4-BE49-F238E27FC236}">
-                <a16:creationId xmlns:a16="http://schemas.microsoft.com/office/drawing/2014/main" xmlns="" id="{997FEF67-95B7-8F99-30AA-238E1F83ECAB}"/>
+                <a16:creationId xmlns:a16="http://schemas.microsoft.com/office/drawing/2014/main" id="{997FEF67-95B7-8F99-30AA-238E1F83ECAB}"/>
               </a:ext>
             </a:extLst>
           </p:cNvPr>
@@ -3586,7 +3589,7 @@
           <p:cNvPr id="2" name="標題 1">
             <a:extLst>
               <a:ext uri="{FF2B5EF4-FFF2-40B4-BE49-F238E27FC236}">
-                <a16:creationId xmlns:a16="http://schemas.microsoft.com/office/drawing/2014/main" xmlns="" id="{C7B55EDB-6608-3CDF-F165-7F6B7E345F41}"/>
+                <a16:creationId xmlns:a16="http://schemas.microsoft.com/office/drawing/2014/main" id="{C7B55EDB-6608-3CDF-F165-7F6B7E345F41}"/>
               </a:ext>
             </a:extLst>
           </p:cNvPr>
@@ -3609,7 +3612,7 @@
           <a:p>
             <a:r>
               <a:rPr lang="en-US" altLang="zh-TW" dirty="0"/>
-              <a:t>Results</a:t>
+              <a:t>Materials and methods</a:t>
             </a:r>
             <a:endParaRPr lang="zh-TW" altLang="en-US" dirty="0"/>
           </a:p>
@@ -3620,7 +3623,7 @@
           <p:cNvPr id="3" name="內容版面配置區 2">
             <a:extLst>
               <a:ext uri="{FF2B5EF4-FFF2-40B4-BE49-F238E27FC236}">
-                <a16:creationId xmlns:a16="http://schemas.microsoft.com/office/drawing/2014/main" xmlns="" id="{997FEF67-95B7-8F99-30AA-238E1F83ECAB}"/>
+                <a16:creationId xmlns:a16="http://schemas.microsoft.com/office/drawing/2014/main" id="{997FEF67-95B7-8F99-30AA-238E1F83ECAB}"/>
               </a:ext>
             </a:extLst>
           </p:cNvPr>
@@ -3633,7 +3636,7 @@
         </p:nvSpPr>
         <p:spPr>
           <a:xfrm>
-            <a:off x="838200" y="1259633"/>
+            <a:off x="838199" y="1259634"/>
             <a:ext cx="10515600" cy="5355771"/>
           </a:xfrm>
         </p:spPr>
@@ -3645,7 +3648,7 @@
           <a:p>
             <a:r>
               <a:rPr lang="en-US" altLang="zh-TW" sz="2400" dirty="0"/>
-              <a:t>Comparing CNN with CNN+LSTM</a:t>
+              <a:t>Benchmark dataset</a:t>
             </a:r>
           </a:p>
           <a:p>
@@ -3653,17 +3656,261 @@
               <a:buNone/>
             </a:pPr>
             <a:r>
+              <a:rPr lang="zh-TW" altLang="en-US" sz="1400" dirty="0"/>
+              <a:t>     </a:t>
+            </a:r>
+            <a:r>
               <a:rPr lang="en-US" altLang="zh-TW" sz="2000" dirty="0"/>
-              <a:t>    In this section, we compare the performance of CNN with CNN + LSTM based on the same training data under different settings of CNN. Note that we use the same structure of CNN to compare these two methods. The number of convolution layer in CNN and CNN+LSTM models is set as 1, 2, or 3, the corresponding convolution kernel size is set as 5, 8, 10, or 16 (discussion on selecting the number of CNN layers and kernel size is given in S2 Fig) and the number of convolution kernel is set as 256. Finally, the unit number of LSTM in CNN+LSTM models is set to 32. Table 1 shows the performance of these two methods under different convolution layers and kernel sizes. The result shows that the performance of CNN + LSTM is better than that of CNN, due to the ability of LSTM to learn the dependence structure underlying the sequence.</a:t>
-            </a:r>
-            <a:endParaRPr lang="zh-TW" altLang="en-US" sz="2000" dirty="0"/>
-          </a:p>
-        </p:txBody>
-      </p:sp>
+              <a:t>A benchmark dataset is important to build a reliable prediction model. In this study, for convenience, we use the 6mA-rice-Lv dataset [16,22], including 154,000 positive samples and 154,000 negative samples, to evaluate the proposed method and to compare it with other methods. For each positive sample obtained from GEO, the sequence is 41nt long with the 6mA site locating at the center. For each negative sample collected from NCBI, it’s also a sequence with length 41nt but contains no 6mA modification proved by experiments. </a:t>
+            </a:r>
+          </a:p>
+        </p:txBody>
+      </p:sp>
+      <p:graphicFrame>
+        <p:nvGraphicFramePr>
+          <p:cNvPr id="5" name="表格 7">
+            <a:extLst>
+              <a:ext uri="{FF2B5EF4-FFF2-40B4-BE49-F238E27FC236}">
+                <a16:creationId xmlns:a16="http://schemas.microsoft.com/office/drawing/2014/main" id="{0482D6B4-87FD-39B6-BB72-BB82A25D43D4}"/>
+              </a:ext>
+            </a:extLst>
+          </p:cNvPr>
+          <p:cNvGraphicFramePr>
+            <a:graphicFrameLocks noGrp="1"/>
+          </p:cNvGraphicFramePr>
+          <p:nvPr/>
+        </p:nvGraphicFramePr>
+        <p:xfrm>
+          <a:off x="2031999" y="4485846"/>
+          <a:ext cx="8128000" cy="1112520"/>
+        </p:xfrm>
+        <a:graphic>
+          <a:graphicData uri="http://schemas.openxmlformats.org/drawingml/2006/table">
+            <a:tbl>
+              <a:tblPr firstRow="1" bandRow="1">
+                <a:tableStyleId>{5C22544A-7EE6-4342-B048-85BDC9FD1C3A}</a:tableStyleId>
+              </a:tblPr>
+              <a:tblGrid>
+                <a:gridCol w="2032000">
+                  <a:extLst>
+                    <a:ext uri="{9D8B030D-6E8A-4147-A177-3AD203B41FA5}">
+                      <a16:colId xmlns:a16="http://schemas.microsoft.com/office/drawing/2014/main" val="2184589757"/>
+                    </a:ext>
+                  </a:extLst>
+                </a:gridCol>
+                <a:gridCol w="2032000">
+                  <a:extLst>
+                    <a:ext uri="{9D8B030D-6E8A-4147-A177-3AD203B41FA5}">
+                      <a16:colId xmlns:a16="http://schemas.microsoft.com/office/drawing/2014/main" val="1743072117"/>
+                    </a:ext>
+                  </a:extLst>
+                </a:gridCol>
+                <a:gridCol w="2032000">
+                  <a:extLst>
+                    <a:ext uri="{9D8B030D-6E8A-4147-A177-3AD203B41FA5}">
+                      <a16:colId xmlns:a16="http://schemas.microsoft.com/office/drawing/2014/main" val="544431890"/>
+                    </a:ext>
+                  </a:extLst>
+                </a:gridCol>
+                <a:gridCol w="2032000">
+                  <a:extLst>
+                    <a:ext uri="{9D8B030D-6E8A-4147-A177-3AD203B41FA5}">
+                      <a16:colId xmlns:a16="http://schemas.microsoft.com/office/drawing/2014/main" val="2010372138"/>
+                    </a:ext>
+                  </a:extLst>
+                </a:gridCol>
+              </a:tblGrid>
+              <a:tr h="370840">
+                <a:tc>
+                  <a:txBody>
+                    <a:bodyPr/>
+                    <a:lstStyle/>
+                    <a:p>
+                      <a:r>
+                        <a:rPr lang="en-US" altLang="zh-TW" dirty="0"/>
+                        <a:t>Species</a:t>
+                      </a:r>
+                      <a:endParaRPr lang="zh-TW" altLang="en-US" dirty="0"/>
+                    </a:p>
+                  </a:txBody>
+                  <a:tcPr/>
+                </a:tc>
+                <a:tc>
+                  <a:txBody>
+                    <a:bodyPr/>
+                    <a:lstStyle/>
+                    <a:p>
+                      <a:r>
+                        <a:rPr lang="en-US" altLang="zh-TW" dirty="0"/>
+                        <a:t>Sequence</a:t>
+                      </a:r>
+                      <a:endParaRPr lang="zh-TW" altLang="en-US" dirty="0"/>
+                    </a:p>
+                  </a:txBody>
+                  <a:tcPr/>
+                </a:tc>
+                <a:tc>
+                  <a:txBody>
+                    <a:bodyPr/>
+                    <a:lstStyle/>
+                    <a:p>
+                      <a:r>
+                        <a:rPr lang="en-US" altLang="zh-TW" dirty="0"/>
+                        <a:t>Samples</a:t>
+                      </a:r>
+                      <a:endParaRPr lang="zh-TW" altLang="en-US" dirty="0"/>
+                    </a:p>
+                  </a:txBody>
+                  <a:tcPr/>
+                </a:tc>
+                <a:tc>
+                  <a:txBody>
+                    <a:bodyPr/>
+                    <a:lstStyle/>
+                    <a:p>
+                      <a:r>
+                        <a:rPr lang="en-US" altLang="zh-TW" dirty="0"/>
+                        <a:t>Length</a:t>
+                      </a:r>
+                      <a:endParaRPr lang="zh-TW" altLang="en-US" dirty="0"/>
+                    </a:p>
+                  </a:txBody>
+                  <a:tcPr/>
+                </a:tc>
+                <a:extLst>
+                  <a:ext uri="{0D108BD9-81ED-4DB2-BD59-A6C34878D82A}">
+                    <a16:rowId xmlns:a16="http://schemas.microsoft.com/office/drawing/2014/main" val="2062556669"/>
+                  </a:ext>
+                </a:extLst>
+              </a:tr>
+              <a:tr h="370840">
+                <a:tc rowSpan="2">
+                  <a:txBody>
+                    <a:bodyPr/>
+                    <a:lstStyle/>
+                    <a:p>
+                      <a:pPr algn="ctr"/>
+                      <a:r>
+                        <a:rPr lang="en-US" altLang="zh-TW" dirty="0"/>
+                        <a:t>Rice</a:t>
+                      </a:r>
+                      <a:endParaRPr lang="zh-TW" altLang="en-US" dirty="0"/>
+                    </a:p>
+                  </a:txBody>
+                  <a:tcPr anchor="ctr"/>
+                </a:tc>
+                <a:tc>
+                  <a:txBody>
+                    <a:bodyPr/>
+                    <a:lstStyle/>
+                    <a:p>
+                      <a:r>
+                        <a:rPr lang="en-US" altLang="zh-TW" dirty="0"/>
+                        <a:t>Positive</a:t>
+                      </a:r>
+                      <a:endParaRPr lang="zh-TW" altLang="en-US" dirty="0"/>
+                    </a:p>
+                  </a:txBody>
+                  <a:tcPr/>
+                </a:tc>
+                <a:tc>
+                  <a:txBody>
+                    <a:bodyPr/>
+                    <a:lstStyle/>
+                    <a:p>
+                      <a:r>
+                        <a:rPr lang="en-US" altLang="zh-TW" dirty="0"/>
+                        <a:t>15400</a:t>
+                      </a:r>
+                      <a:endParaRPr lang="zh-TW" altLang="en-US" dirty="0"/>
+                    </a:p>
+                  </a:txBody>
+                  <a:tcPr/>
+                </a:tc>
+                <a:tc rowSpan="2">
+                  <a:txBody>
+                    <a:bodyPr/>
+                    <a:lstStyle/>
+                    <a:p>
+                      <a:pPr algn="ctr"/>
+                      <a:r>
+                        <a:rPr lang="en-US" altLang="zh-TW" dirty="0"/>
+                        <a:t>41nt</a:t>
+                      </a:r>
+                      <a:endParaRPr lang="zh-TW" altLang="en-US" dirty="0"/>
+                    </a:p>
+                  </a:txBody>
+                  <a:tcPr anchor="ctr"/>
+                </a:tc>
+                <a:extLst>
+                  <a:ext uri="{0D108BD9-81ED-4DB2-BD59-A6C34878D82A}">
+                    <a16:rowId xmlns:a16="http://schemas.microsoft.com/office/drawing/2014/main" val="1382988676"/>
+                  </a:ext>
+                </a:extLst>
+              </a:tr>
+              <a:tr h="370840">
+                <a:tc vMerge="1">
+                  <a:txBody>
+                    <a:bodyPr/>
+                    <a:lstStyle/>
+                    <a:p>
+                      <a:endParaRPr lang="zh-TW" altLang="en-US" dirty="0"/>
+                    </a:p>
+                  </a:txBody>
+                  <a:tcPr/>
+                </a:tc>
+                <a:tc>
+                  <a:txBody>
+                    <a:bodyPr/>
+                    <a:lstStyle/>
+                    <a:p>
+                      <a:r>
+                        <a:rPr lang="en-US" altLang="zh-TW" dirty="0"/>
+                        <a:t>Negative</a:t>
+                      </a:r>
+                      <a:endParaRPr lang="zh-TW" altLang="en-US" dirty="0"/>
+                    </a:p>
+                  </a:txBody>
+                  <a:tcPr/>
+                </a:tc>
+                <a:tc>
+                  <a:txBody>
+                    <a:bodyPr/>
+                    <a:lstStyle/>
+                    <a:p>
+                      <a:r>
+                        <a:rPr lang="en-US" altLang="zh-TW" dirty="0"/>
+                        <a:t>15400</a:t>
+                      </a:r>
+                      <a:endParaRPr lang="zh-TW" altLang="en-US" dirty="0"/>
+                    </a:p>
+                  </a:txBody>
+                  <a:tcPr/>
+                </a:tc>
+                <a:tc vMerge="1">
+                  <a:txBody>
+                    <a:bodyPr/>
+                    <a:lstStyle/>
+                    <a:p>
+                      <a:endParaRPr lang="zh-TW" altLang="en-US" dirty="0"/>
+                    </a:p>
+                  </a:txBody>
+                  <a:tcPr/>
+                </a:tc>
+                <a:extLst>
+                  <a:ext uri="{0D108BD9-81ED-4DB2-BD59-A6C34878D82A}">
+                    <a16:rowId xmlns:a16="http://schemas.microsoft.com/office/drawing/2014/main" val="272239700"/>
+                  </a:ext>
+                </a:extLst>
+              </a:tr>
+            </a:tbl>
+          </a:graphicData>
+        </a:graphic>
+      </p:graphicFrame>
     </p:spTree>
     <p:extLst>
       <p:ext uri="{BB962C8B-B14F-4D97-AF65-F5344CB8AC3E}">
-        <p14:creationId xmlns:p14="http://schemas.microsoft.com/office/powerpoint/2010/main" val="1892782438"/>
+        <p14:creationId xmlns:p14="http://schemas.microsoft.com/office/powerpoint/2010/main" val="1768977929"/>
       </p:ext>
     </p:extLst>
   </p:cSld>
@@ -3690,12 +3937,3122 @@
           <a:chExt cx="0" cy="0"/>
         </a:xfrm>
       </p:grpSpPr>
+      <p:sp>
+        <p:nvSpPr>
+          <p:cNvPr id="2" name="標題 1">
+            <a:extLst>
+              <a:ext uri="{FF2B5EF4-FFF2-40B4-BE49-F238E27FC236}">
+                <a16:creationId xmlns:a16="http://schemas.microsoft.com/office/drawing/2014/main" id="{C7B55EDB-6608-3CDF-F165-7F6B7E345F41}"/>
+              </a:ext>
+            </a:extLst>
+          </p:cNvPr>
+          <p:cNvSpPr>
+            <a:spLocks noGrp="1"/>
+          </p:cNvSpPr>
+          <p:nvPr>
+            <p:ph type="title"/>
+          </p:nvPr>
+        </p:nvSpPr>
+        <p:spPr>
+          <a:xfrm>
+            <a:off x="838200" y="139960"/>
+            <a:ext cx="10515600" cy="793102"/>
+          </a:xfrm>
+        </p:spPr>
+        <p:txBody>
+          <a:bodyPr/>
+          <a:lstStyle/>
+          <a:p>
+            <a:r>
+              <a:rPr lang="en-US" altLang="zh-TW" dirty="0"/>
+              <a:t>Materials and methods</a:t>
+            </a:r>
+            <a:endParaRPr lang="zh-TW" altLang="en-US" dirty="0"/>
+          </a:p>
+        </p:txBody>
+      </p:sp>
+      <p:sp>
+        <p:nvSpPr>
+          <p:cNvPr id="3" name="內容版面配置區 2">
+            <a:extLst>
+              <a:ext uri="{FF2B5EF4-FFF2-40B4-BE49-F238E27FC236}">
+                <a16:creationId xmlns:a16="http://schemas.microsoft.com/office/drawing/2014/main" id="{997FEF67-95B7-8F99-30AA-238E1F83ECAB}"/>
+              </a:ext>
+            </a:extLst>
+          </p:cNvPr>
+          <p:cNvSpPr>
+            <a:spLocks noGrp="1"/>
+          </p:cNvSpPr>
+          <p:nvPr>
+            <p:ph idx="1"/>
+          </p:nvPr>
+        </p:nvSpPr>
+        <p:spPr>
+          <a:xfrm>
+            <a:off x="838200" y="933062"/>
+            <a:ext cx="10515600" cy="5355771"/>
+          </a:xfrm>
+        </p:spPr>
+        <p:txBody>
+          <a:bodyPr>
+            <a:normAutofit/>
+          </a:bodyPr>
+          <a:lstStyle/>
+          <a:p>
+            <a:r>
+              <a:rPr lang="en-US" altLang="zh-TW" sz="2400" dirty="0"/>
+              <a:t>Benchmark dataset</a:t>
+            </a:r>
+          </a:p>
+          <a:p>
+            <a:pPr marL="0" indent="0">
+              <a:buNone/>
+            </a:pPr>
+            <a:r>
+              <a:rPr lang="zh-TW" altLang="en-US" sz="1400" dirty="0"/>
+              <a:t>    </a:t>
+            </a:r>
+            <a:r>
+              <a:rPr lang="en-US" altLang="zh-TW" sz="2000" dirty="0"/>
+              <a:t>In order to demonstrate that 6mA shares the similar patterns across different species and our method can also be used to detect DNA 6mA sites of other plant species, we also collected DNA 6mA sequences of Arabidopsis thaliana, Fragaria </a:t>
+            </a:r>
+            <a:r>
+              <a:rPr lang="en-US" altLang="zh-TW" sz="2000" dirty="0" err="1"/>
+              <a:t>vesca</a:t>
+            </a:r>
+            <a:r>
+              <a:rPr lang="en-US" altLang="zh-TW" sz="2000" dirty="0"/>
+              <a:t> and Rosa chinensis to show the ability of the trained Deep6mA from rice data on predicting 6mA methylation in these species. The 98483 6mA data of Arabidopsis thaliana is obtained from NCBI Gene Expression Omnibus (GEO) with accession number GSE81597. Negative samples for Arabidopsis thaliana were also collected. These samples are 41nt long sequences with Adenine in the center and were proved to be unmethylated by experiments. The i6mA-Fuse dataset [34], extracted from MDR [35] database, consisting of 5733 positive and negative samples for R. chinensis, and 1417 positive and negative samples for F. </a:t>
+            </a:r>
+            <a:r>
+              <a:rPr lang="en-US" altLang="zh-TW" sz="2000" dirty="0" err="1"/>
+              <a:t>vesca</a:t>
+            </a:r>
+            <a:r>
+              <a:rPr lang="en-US" altLang="zh-TW" sz="2000" dirty="0"/>
+              <a:t>.</a:t>
+            </a:r>
+          </a:p>
+        </p:txBody>
+      </p:sp>
+      <p:graphicFrame>
+        <p:nvGraphicFramePr>
+          <p:cNvPr id="4" name="表格 7">
+            <a:extLst>
+              <a:ext uri="{FF2B5EF4-FFF2-40B4-BE49-F238E27FC236}">
+                <a16:creationId xmlns:a16="http://schemas.microsoft.com/office/drawing/2014/main" id="{8C4804DC-F89F-B47B-E96A-46A05CB7E871}"/>
+              </a:ext>
+            </a:extLst>
+          </p:cNvPr>
+          <p:cNvGraphicFramePr>
+            <a:graphicFrameLocks noGrp="1"/>
+          </p:cNvGraphicFramePr>
+          <p:nvPr/>
+        </p:nvGraphicFramePr>
+        <p:xfrm>
+          <a:off x="2032000" y="4029838"/>
+          <a:ext cx="8128000" cy="2595880"/>
+        </p:xfrm>
+        <a:graphic>
+          <a:graphicData uri="http://schemas.openxmlformats.org/drawingml/2006/table">
+            <a:tbl>
+              <a:tblPr firstRow="1" bandRow="1">
+                <a:tableStyleId>{5C22544A-7EE6-4342-B048-85BDC9FD1C3A}</a:tableStyleId>
+              </a:tblPr>
+              <a:tblGrid>
+                <a:gridCol w="2032000">
+                  <a:extLst>
+                    <a:ext uri="{9D8B030D-6E8A-4147-A177-3AD203B41FA5}">
+                      <a16:colId xmlns:a16="http://schemas.microsoft.com/office/drawing/2014/main" val="2184589757"/>
+                    </a:ext>
+                  </a:extLst>
+                </a:gridCol>
+                <a:gridCol w="2032000">
+                  <a:extLst>
+                    <a:ext uri="{9D8B030D-6E8A-4147-A177-3AD203B41FA5}">
+                      <a16:colId xmlns:a16="http://schemas.microsoft.com/office/drawing/2014/main" val="1743072117"/>
+                    </a:ext>
+                  </a:extLst>
+                </a:gridCol>
+                <a:gridCol w="2032000">
+                  <a:extLst>
+                    <a:ext uri="{9D8B030D-6E8A-4147-A177-3AD203B41FA5}">
+                      <a16:colId xmlns:a16="http://schemas.microsoft.com/office/drawing/2014/main" val="544431890"/>
+                    </a:ext>
+                  </a:extLst>
+                </a:gridCol>
+                <a:gridCol w="2032000">
+                  <a:extLst>
+                    <a:ext uri="{9D8B030D-6E8A-4147-A177-3AD203B41FA5}">
+                      <a16:colId xmlns:a16="http://schemas.microsoft.com/office/drawing/2014/main" val="2010372138"/>
+                    </a:ext>
+                  </a:extLst>
+                </a:gridCol>
+              </a:tblGrid>
+              <a:tr h="370840">
+                <a:tc>
+                  <a:txBody>
+                    <a:bodyPr/>
+                    <a:lstStyle/>
+                    <a:p>
+                      <a:r>
+                        <a:rPr lang="en-US" altLang="zh-TW" dirty="0"/>
+                        <a:t>Species</a:t>
+                      </a:r>
+                      <a:endParaRPr lang="zh-TW" altLang="en-US" dirty="0"/>
+                    </a:p>
+                  </a:txBody>
+                  <a:tcPr/>
+                </a:tc>
+                <a:tc>
+                  <a:txBody>
+                    <a:bodyPr/>
+                    <a:lstStyle/>
+                    <a:p>
+                      <a:r>
+                        <a:rPr lang="en-US" altLang="zh-TW" dirty="0"/>
+                        <a:t>Sequence</a:t>
+                      </a:r>
+                      <a:endParaRPr lang="zh-TW" altLang="en-US" dirty="0"/>
+                    </a:p>
+                  </a:txBody>
+                  <a:tcPr/>
+                </a:tc>
+                <a:tc>
+                  <a:txBody>
+                    <a:bodyPr/>
+                    <a:lstStyle/>
+                    <a:p>
+                      <a:r>
+                        <a:rPr lang="en-US" altLang="zh-TW" dirty="0"/>
+                        <a:t>Samples</a:t>
+                      </a:r>
+                      <a:endParaRPr lang="zh-TW" altLang="en-US" dirty="0"/>
+                    </a:p>
+                  </a:txBody>
+                  <a:tcPr/>
+                </a:tc>
+                <a:tc>
+                  <a:txBody>
+                    <a:bodyPr/>
+                    <a:lstStyle/>
+                    <a:p>
+                      <a:r>
+                        <a:rPr lang="en-US" altLang="zh-TW" dirty="0"/>
+                        <a:t>Length</a:t>
+                      </a:r>
+                      <a:endParaRPr lang="zh-TW" altLang="en-US" dirty="0"/>
+                    </a:p>
+                  </a:txBody>
+                  <a:tcPr/>
+                </a:tc>
+                <a:extLst>
+                  <a:ext uri="{0D108BD9-81ED-4DB2-BD59-A6C34878D82A}">
+                    <a16:rowId xmlns:a16="http://schemas.microsoft.com/office/drawing/2014/main" val="2062556669"/>
+                  </a:ext>
+                </a:extLst>
+              </a:tr>
+              <a:tr h="370840">
+                <a:tc rowSpan="2">
+                  <a:txBody>
+                    <a:bodyPr/>
+                    <a:lstStyle/>
+                    <a:p>
+                      <a:pPr algn="ctr"/>
+                      <a:r>
+                        <a:rPr lang="en-US" altLang="zh-TW" dirty="0"/>
+                        <a:t>A. thaliana</a:t>
+                      </a:r>
+                      <a:endParaRPr lang="zh-TW" altLang="en-US" dirty="0"/>
+                    </a:p>
+                  </a:txBody>
+                  <a:tcPr anchor="ctr"/>
+                </a:tc>
+                <a:tc>
+                  <a:txBody>
+                    <a:bodyPr/>
+                    <a:lstStyle/>
+                    <a:p>
+                      <a:r>
+                        <a:rPr lang="en-US" altLang="zh-TW" dirty="0"/>
+                        <a:t>Positive</a:t>
+                      </a:r>
+                      <a:endParaRPr lang="zh-TW" altLang="en-US" dirty="0"/>
+                    </a:p>
+                  </a:txBody>
+                  <a:tcPr/>
+                </a:tc>
+                <a:tc>
+                  <a:txBody>
+                    <a:bodyPr/>
+                    <a:lstStyle/>
+                    <a:p>
+                      <a:r>
+                        <a:rPr lang="en-US" altLang="zh-TW" dirty="0"/>
+                        <a:t>98483</a:t>
+                      </a:r>
+                      <a:endParaRPr lang="zh-TW" altLang="en-US" dirty="0"/>
+                    </a:p>
+                  </a:txBody>
+                  <a:tcPr/>
+                </a:tc>
+                <a:tc rowSpan="6">
+                  <a:txBody>
+                    <a:bodyPr/>
+                    <a:lstStyle/>
+                    <a:p>
+                      <a:pPr algn="ctr"/>
+                      <a:endParaRPr lang="en-US" altLang="zh-TW" dirty="0"/>
+                    </a:p>
+                    <a:p>
+                      <a:pPr algn="ctr"/>
+                      <a:r>
+                        <a:rPr lang="en-US" altLang="zh-TW" dirty="0"/>
+                        <a:t>41nt</a:t>
+                      </a:r>
+                    </a:p>
+                    <a:p>
+                      <a:pPr algn="ctr"/>
+                      <a:endParaRPr lang="zh-TW" altLang="en-US" dirty="0"/>
+                    </a:p>
+                  </a:txBody>
+                  <a:tcPr anchor="ctr"/>
+                </a:tc>
+                <a:extLst>
+                  <a:ext uri="{0D108BD9-81ED-4DB2-BD59-A6C34878D82A}">
+                    <a16:rowId xmlns:a16="http://schemas.microsoft.com/office/drawing/2014/main" val="1382988676"/>
+                  </a:ext>
+                </a:extLst>
+              </a:tr>
+              <a:tr h="370840">
+                <a:tc vMerge="1">
+                  <a:txBody>
+                    <a:bodyPr/>
+                    <a:lstStyle/>
+                    <a:p>
+                      <a:endParaRPr lang="zh-TW" altLang="en-US" dirty="0"/>
+                    </a:p>
+                  </a:txBody>
+                  <a:tcPr/>
+                </a:tc>
+                <a:tc>
+                  <a:txBody>
+                    <a:bodyPr/>
+                    <a:lstStyle/>
+                    <a:p>
+                      <a:r>
+                        <a:rPr lang="en-US" altLang="zh-TW" dirty="0"/>
+                        <a:t>Negative</a:t>
+                      </a:r>
+                      <a:endParaRPr lang="zh-TW" altLang="en-US" dirty="0"/>
+                    </a:p>
+                  </a:txBody>
+                  <a:tcPr/>
+                </a:tc>
+                <a:tc>
+                  <a:txBody>
+                    <a:bodyPr/>
+                    <a:lstStyle/>
+                    <a:p>
+                      <a:r>
+                        <a:rPr lang="en-US" altLang="zh-TW" dirty="0"/>
+                        <a:t>98483</a:t>
+                      </a:r>
+                      <a:endParaRPr lang="zh-TW" altLang="en-US" dirty="0"/>
+                    </a:p>
+                  </a:txBody>
+                  <a:tcPr/>
+                </a:tc>
+                <a:tc vMerge="1">
+                  <a:txBody>
+                    <a:bodyPr/>
+                    <a:lstStyle/>
+                    <a:p>
+                      <a:endParaRPr lang="zh-TW" altLang="en-US" dirty="0"/>
+                    </a:p>
+                  </a:txBody>
+                  <a:tcPr/>
+                </a:tc>
+                <a:extLst>
+                  <a:ext uri="{0D108BD9-81ED-4DB2-BD59-A6C34878D82A}">
+                    <a16:rowId xmlns:a16="http://schemas.microsoft.com/office/drawing/2014/main" val="272239700"/>
+                  </a:ext>
+                </a:extLst>
+              </a:tr>
+              <a:tr h="370840">
+                <a:tc rowSpan="2">
+                  <a:txBody>
+                    <a:bodyPr/>
+                    <a:lstStyle/>
+                    <a:p>
+                      <a:pPr algn="ctr"/>
+                      <a:r>
+                        <a:rPr lang="en-US" altLang="zh-TW" dirty="0"/>
+                        <a:t>R. chinensis</a:t>
+                      </a:r>
+                      <a:endParaRPr lang="zh-TW" altLang="en-US" dirty="0"/>
+                    </a:p>
+                  </a:txBody>
+                  <a:tcPr anchor="ctr"/>
+                </a:tc>
+                <a:tc>
+                  <a:txBody>
+                    <a:bodyPr/>
+                    <a:lstStyle/>
+                    <a:p>
+                      <a:r>
+                        <a:rPr lang="en-US" altLang="zh-TW" dirty="0"/>
+                        <a:t>Positive</a:t>
+                      </a:r>
+                      <a:endParaRPr lang="zh-TW" altLang="en-US" dirty="0"/>
+                    </a:p>
+                  </a:txBody>
+                  <a:tcPr/>
+                </a:tc>
+                <a:tc>
+                  <a:txBody>
+                    <a:bodyPr/>
+                    <a:lstStyle/>
+                    <a:p>
+                      <a:r>
+                        <a:rPr lang="en-US" altLang="zh-TW" dirty="0"/>
+                        <a:t>5733</a:t>
+                      </a:r>
+                      <a:endParaRPr lang="zh-TW" altLang="en-US" dirty="0"/>
+                    </a:p>
+                  </a:txBody>
+                  <a:tcPr/>
+                </a:tc>
+                <a:tc vMerge="1">
+                  <a:txBody>
+                    <a:bodyPr/>
+                    <a:lstStyle/>
+                    <a:p>
+                      <a:pPr algn="ctr"/>
+                      <a:r>
+                        <a:rPr lang="en-US" altLang="zh-TW" dirty="0"/>
+                        <a:t>41</a:t>
+                      </a:r>
+                      <a:endParaRPr lang="zh-TW" altLang="en-US" dirty="0"/>
+                    </a:p>
+                  </a:txBody>
+                  <a:tcPr anchor="ctr"/>
+                </a:tc>
+                <a:extLst>
+                  <a:ext uri="{0D108BD9-81ED-4DB2-BD59-A6C34878D82A}">
+                    <a16:rowId xmlns:a16="http://schemas.microsoft.com/office/drawing/2014/main" val="2665194563"/>
+                  </a:ext>
+                </a:extLst>
+              </a:tr>
+              <a:tr h="370840">
+                <a:tc vMerge="1">
+                  <a:txBody>
+                    <a:bodyPr/>
+                    <a:lstStyle/>
+                    <a:p>
+                      <a:endParaRPr lang="zh-TW" altLang="en-US" dirty="0"/>
+                    </a:p>
+                  </a:txBody>
+                  <a:tcPr/>
+                </a:tc>
+                <a:tc>
+                  <a:txBody>
+                    <a:bodyPr/>
+                    <a:lstStyle/>
+                    <a:p>
+                      <a:r>
+                        <a:rPr lang="en-US" altLang="zh-TW" dirty="0"/>
+                        <a:t>Negative</a:t>
+                      </a:r>
+                      <a:endParaRPr lang="zh-TW" altLang="en-US" dirty="0"/>
+                    </a:p>
+                  </a:txBody>
+                  <a:tcPr/>
+                </a:tc>
+                <a:tc>
+                  <a:txBody>
+                    <a:bodyPr/>
+                    <a:lstStyle/>
+                    <a:p>
+                      <a:r>
+                        <a:rPr lang="en-US" altLang="zh-TW" dirty="0"/>
+                        <a:t>5733</a:t>
+                      </a:r>
+                      <a:endParaRPr lang="zh-TW" altLang="en-US" dirty="0"/>
+                    </a:p>
+                  </a:txBody>
+                  <a:tcPr/>
+                </a:tc>
+                <a:tc vMerge="1">
+                  <a:txBody>
+                    <a:bodyPr/>
+                    <a:lstStyle/>
+                    <a:p>
+                      <a:endParaRPr lang="zh-TW" altLang="en-US" dirty="0"/>
+                    </a:p>
+                  </a:txBody>
+                  <a:tcPr/>
+                </a:tc>
+                <a:extLst>
+                  <a:ext uri="{0D108BD9-81ED-4DB2-BD59-A6C34878D82A}">
+                    <a16:rowId xmlns:a16="http://schemas.microsoft.com/office/drawing/2014/main" val="1445836510"/>
+                  </a:ext>
+                </a:extLst>
+              </a:tr>
+              <a:tr h="370840">
+                <a:tc rowSpan="2">
+                  <a:txBody>
+                    <a:bodyPr/>
+                    <a:lstStyle/>
+                    <a:p>
+                      <a:pPr algn="ctr"/>
+                      <a:r>
+                        <a:rPr lang="en-US" altLang="zh-TW" sz="1800" dirty="0"/>
+                        <a:t>F. </a:t>
+                      </a:r>
+                      <a:r>
+                        <a:rPr lang="en-US" altLang="zh-TW" sz="1800" dirty="0" err="1"/>
+                        <a:t>vesca</a:t>
+                      </a:r>
+                      <a:endParaRPr lang="zh-TW" altLang="en-US" dirty="0"/>
+                    </a:p>
+                  </a:txBody>
+                  <a:tcPr anchor="ctr"/>
+                </a:tc>
+                <a:tc>
+                  <a:txBody>
+                    <a:bodyPr/>
+                    <a:lstStyle/>
+                    <a:p>
+                      <a:r>
+                        <a:rPr lang="en-US" altLang="zh-TW" dirty="0"/>
+                        <a:t>Positive</a:t>
+                      </a:r>
+                      <a:endParaRPr lang="zh-TW" altLang="en-US" dirty="0"/>
+                    </a:p>
+                  </a:txBody>
+                  <a:tcPr/>
+                </a:tc>
+                <a:tc>
+                  <a:txBody>
+                    <a:bodyPr/>
+                    <a:lstStyle/>
+                    <a:p>
+                      <a:r>
+                        <a:rPr lang="en-US" altLang="zh-TW" dirty="0"/>
+                        <a:t>1417</a:t>
+                      </a:r>
+                      <a:endParaRPr lang="zh-TW" altLang="en-US" dirty="0"/>
+                    </a:p>
+                  </a:txBody>
+                  <a:tcPr/>
+                </a:tc>
+                <a:tc vMerge="1">
+                  <a:txBody>
+                    <a:bodyPr/>
+                    <a:lstStyle/>
+                    <a:p>
+                      <a:pPr algn="ctr"/>
+                      <a:r>
+                        <a:rPr lang="en-US" altLang="zh-TW" dirty="0"/>
+                        <a:t>41</a:t>
+                      </a:r>
+                      <a:endParaRPr lang="zh-TW" altLang="en-US" dirty="0"/>
+                    </a:p>
+                  </a:txBody>
+                  <a:tcPr anchor="ctr"/>
+                </a:tc>
+                <a:extLst>
+                  <a:ext uri="{0D108BD9-81ED-4DB2-BD59-A6C34878D82A}">
+                    <a16:rowId xmlns:a16="http://schemas.microsoft.com/office/drawing/2014/main" val="3553108362"/>
+                  </a:ext>
+                </a:extLst>
+              </a:tr>
+              <a:tr h="370840">
+                <a:tc vMerge="1">
+                  <a:txBody>
+                    <a:bodyPr/>
+                    <a:lstStyle/>
+                    <a:p>
+                      <a:endParaRPr lang="zh-TW" altLang="en-US" dirty="0"/>
+                    </a:p>
+                  </a:txBody>
+                  <a:tcPr/>
+                </a:tc>
+                <a:tc>
+                  <a:txBody>
+                    <a:bodyPr/>
+                    <a:lstStyle/>
+                    <a:p>
+                      <a:r>
+                        <a:rPr lang="en-US" altLang="zh-TW" dirty="0"/>
+                        <a:t>Negative</a:t>
+                      </a:r>
+                      <a:endParaRPr lang="zh-TW" altLang="en-US" dirty="0"/>
+                    </a:p>
+                  </a:txBody>
+                  <a:tcPr/>
+                </a:tc>
+                <a:tc>
+                  <a:txBody>
+                    <a:bodyPr/>
+                    <a:lstStyle/>
+                    <a:p>
+                      <a:r>
+                        <a:rPr lang="en-US" altLang="zh-TW" dirty="0"/>
+                        <a:t>1417</a:t>
+                      </a:r>
+                      <a:endParaRPr lang="zh-TW" altLang="en-US" dirty="0"/>
+                    </a:p>
+                  </a:txBody>
+                  <a:tcPr/>
+                </a:tc>
+                <a:tc vMerge="1">
+                  <a:txBody>
+                    <a:bodyPr/>
+                    <a:lstStyle/>
+                    <a:p>
+                      <a:endParaRPr lang="zh-TW" altLang="en-US" dirty="0"/>
+                    </a:p>
+                  </a:txBody>
+                  <a:tcPr/>
+                </a:tc>
+                <a:extLst>
+                  <a:ext uri="{0D108BD9-81ED-4DB2-BD59-A6C34878D82A}">
+                    <a16:rowId xmlns:a16="http://schemas.microsoft.com/office/drawing/2014/main" val="3376184939"/>
+                  </a:ext>
+                </a:extLst>
+              </a:tr>
+            </a:tbl>
+          </a:graphicData>
+        </a:graphic>
+      </p:graphicFrame>
+    </p:spTree>
+    <p:extLst>
+      <p:ext uri="{BB962C8B-B14F-4D97-AF65-F5344CB8AC3E}">
+        <p14:creationId xmlns:p14="http://schemas.microsoft.com/office/powerpoint/2010/main" val="976622384"/>
+      </p:ext>
+    </p:extLst>
+  </p:cSld>
+  <p:clrMapOvr>
+    <a:masterClrMapping/>
+  </p:clrMapOvr>
+</p:sld>
+</file>
+
+<file path=ppt/slides/slide13.xml><?xml version="1.0" encoding="utf-8"?>
+<p:sld xmlns:a="http://schemas.openxmlformats.org/drawingml/2006/main" xmlns:r="http://schemas.openxmlformats.org/officeDocument/2006/relationships" xmlns:p="http://schemas.openxmlformats.org/presentationml/2006/main">
+  <p:cSld>
+    <p:spTree>
+      <p:nvGrpSpPr>
+        <p:cNvPr id="1" name=""/>
+        <p:cNvGrpSpPr/>
+        <p:nvPr/>
+      </p:nvGrpSpPr>
+      <p:grpSpPr>
+        <a:xfrm>
+          <a:off x="0" y="0"/>
+          <a:ext cx="0" cy="0"/>
+          <a:chOff x="0" y="0"/>
+          <a:chExt cx="0" cy="0"/>
+        </a:xfrm>
+      </p:grpSpPr>
+      <p:sp>
+        <p:nvSpPr>
+          <p:cNvPr id="2" name="標題 1">
+            <a:extLst>
+              <a:ext uri="{FF2B5EF4-FFF2-40B4-BE49-F238E27FC236}">
+                <a16:creationId xmlns:a16="http://schemas.microsoft.com/office/drawing/2014/main" id="{C7B55EDB-6608-3CDF-F165-7F6B7E345F41}"/>
+              </a:ext>
+            </a:extLst>
+          </p:cNvPr>
+          <p:cNvSpPr>
+            <a:spLocks noGrp="1"/>
+          </p:cNvSpPr>
+          <p:nvPr>
+            <p:ph type="title"/>
+          </p:nvPr>
+        </p:nvSpPr>
+        <p:spPr>
+          <a:xfrm>
+            <a:off x="838200" y="139960"/>
+            <a:ext cx="10515600" cy="793102"/>
+          </a:xfrm>
+        </p:spPr>
+        <p:txBody>
+          <a:bodyPr/>
+          <a:lstStyle/>
+          <a:p>
+            <a:r>
+              <a:rPr lang="en-US" altLang="zh-TW" dirty="0"/>
+              <a:t>Materials and methods</a:t>
+            </a:r>
+            <a:endParaRPr lang="zh-TW" altLang="en-US" dirty="0"/>
+          </a:p>
+        </p:txBody>
+      </p:sp>
+      <p:sp>
+        <p:nvSpPr>
+          <p:cNvPr id="3" name="內容版面配置區 2">
+            <a:extLst>
+              <a:ext uri="{FF2B5EF4-FFF2-40B4-BE49-F238E27FC236}">
+                <a16:creationId xmlns:a16="http://schemas.microsoft.com/office/drawing/2014/main" id="{997FEF67-95B7-8F99-30AA-238E1F83ECAB}"/>
+              </a:ext>
+            </a:extLst>
+          </p:cNvPr>
+          <p:cNvSpPr>
+            <a:spLocks noGrp="1"/>
+          </p:cNvSpPr>
+          <p:nvPr>
+            <p:ph idx="1"/>
+          </p:nvPr>
+        </p:nvSpPr>
+        <p:spPr>
+          <a:xfrm>
+            <a:off x="838200" y="933062"/>
+            <a:ext cx="10515600" cy="5355771"/>
+          </a:xfrm>
+        </p:spPr>
+        <p:txBody>
+          <a:bodyPr>
+            <a:normAutofit/>
+          </a:bodyPr>
+          <a:lstStyle/>
+          <a:p>
+            <a:r>
+              <a:rPr lang="en-US" altLang="zh-TW" sz="2400" dirty="0"/>
+              <a:t>Sequence representation</a:t>
+            </a:r>
+          </a:p>
+          <a:p>
+            <a:pPr marL="0" indent="0">
+              <a:buNone/>
+            </a:pPr>
+            <a:r>
+              <a:rPr lang="zh-TW" altLang="en-US" sz="2400" dirty="0"/>
+              <a:t>    </a:t>
+            </a:r>
+            <a:r>
+              <a:rPr lang="en-US" altLang="zh-TW" sz="2000" dirty="0"/>
+              <a:t>Instead of using manually crafted DNA sequences features, we use the one-hot encoding method to convert the sequence into encoding tensor. Specifically, A, C, G, T, and N are encoded as (1,0,0,0), (0,1,0,0), (0,0,1,0), (0,0,0,1), and (0,0,0,0) respectively. Here the letter ‘N’ represents a non-sequenced nucleotide. Thus, the input DNA sequence is represented as a 4 by 41 encoding matrix, and is viewed as an image which motivates our design of deep learning framework</a:t>
+            </a:r>
+          </a:p>
+        </p:txBody>
+      </p:sp>
+    </p:spTree>
+    <p:extLst>
+      <p:ext uri="{BB962C8B-B14F-4D97-AF65-F5344CB8AC3E}">
+        <p14:creationId xmlns:p14="http://schemas.microsoft.com/office/powerpoint/2010/main" val="565386056"/>
+      </p:ext>
+    </p:extLst>
+  </p:cSld>
+  <p:clrMapOvr>
+    <a:masterClrMapping/>
+  </p:clrMapOvr>
+</p:sld>
+</file>
+
+<file path=ppt/slides/slide14.xml><?xml version="1.0" encoding="utf-8"?>
+<p:sld xmlns:a="http://schemas.openxmlformats.org/drawingml/2006/main" xmlns:r="http://schemas.openxmlformats.org/officeDocument/2006/relationships" xmlns:p="http://schemas.openxmlformats.org/presentationml/2006/main">
+  <p:cSld>
+    <p:spTree>
+      <p:nvGrpSpPr>
+        <p:cNvPr id="1" name=""/>
+        <p:cNvGrpSpPr/>
+        <p:nvPr/>
+      </p:nvGrpSpPr>
+      <p:grpSpPr>
+        <a:xfrm>
+          <a:off x="0" y="0"/>
+          <a:ext cx="0" cy="0"/>
+          <a:chOff x="0" y="0"/>
+          <a:chExt cx="0" cy="0"/>
+        </a:xfrm>
+      </p:grpSpPr>
+      <p:sp>
+        <p:nvSpPr>
+          <p:cNvPr id="2" name="標題 1">
+            <a:extLst>
+              <a:ext uri="{FF2B5EF4-FFF2-40B4-BE49-F238E27FC236}">
+                <a16:creationId xmlns:a16="http://schemas.microsoft.com/office/drawing/2014/main" id="{C7B55EDB-6608-3CDF-F165-7F6B7E345F41}"/>
+              </a:ext>
+            </a:extLst>
+          </p:cNvPr>
+          <p:cNvSpPr>
+            <a:spLocks noGrp="1"/>
+          </p:cNvSpPr>
+          <p:nvPr>
+            <p:ph type="title"/>
+          </p:nvPr>
+        </p:nvSpPr>
+        <p:spPr>
+          <a:xfrm>
+            <a:off x="838200" y="139960"/>
+            <a:ext cx="10515600" cy="793102"/>
+          </a:xfrm>
+        </p:spPr>
+        <p:txBody>
+          <a:bodyPr/>
+          <a:lstStyle/>
+          <a:p>
+            <a:r>
+              <a:rPr lang="en-US" altLang="zh-TW" dirty="0"/>
+              <a:t>Materials and methods</a:t>
+            </a:r>
+            <a:endParaRPr lang="zh-TW" altLang="en-US" dirty="0"/>
+          </a:p>
+        </p:txBody>
+      </p:sp>
+      <p:sp>
+        <p:nvSpPr>
+          <p:cNvPr id="3" name="內容版面配置區 2">
+            <a:extLst>
+              <a:ext uri="{FF2B5EF4-FFF2-40B4-BE49-F238E27FC236}">
+                <a16:creationId xmlns:a16="http://schemas.microsoft.com/office/drawing/2014/main" id="{997FEF67-95B7-8F99-30AA-238E1F83ECAB}"/>
+              </a:ext>
+            </a:extLst>
+          </p:cNvPr>
+          <p:cNvSpPr>
+            <a:spLocks noGrp="1"/>
+          </p:cNvSpPr>
+          <p:nvPr>
+            <p:ph idx="1"/>
+          </p:nvPr>
+        </p:nvSpPr>
+        <p:spPr>
+          <a:xfrm>
+            <a:off x="838200" y="933062"/>
+            <a:ext cx="10515600" cy="5355771"/>
+          </a:xfrm>
+        </p:spPr>
+        <p:txBody>
+          <a:bodyPr>
+            <a:normAutofit/>
+          </a:bodyPr>
+          <a:lstStyle/>
+          <a:p>
+            <a:r>
+              <a:rPr lang="en-US" altLang="zh-TW" sz="2400" dirty="0"/>
+              <a:t>Convolutional neural network and long short-term memory network</a:t>
+            </a:r>
+            <a:r>
+              <a:rPr lang="zh-TW" altLang="en-US" sz="2400" dirty="0"/>
+              <a:t> </a:t>
+            </a:r>
+            <a:endParaRPr lang="en-US" altLang="zh-TW" sz="2400" dirty="0"/>
+          </a:p>
+          <a:p>
+            <a:pPr marL="0" indent="0">
+              <a:buNone/>
+            </a:pPr>
+            <a:r>
+              <a:rPr lang="zh-TW" altLang="en-US" sz="2400" dirty="0"/>
+              <a:t>    </a:t>
+            </a:r>
+            <a:r>
+              <a:rPr lang="en-US" altLang="zh-TW" sz="2000" dirty="0"/>
+              <a:t>Convolutional Neural Network (CNN) is widely used in image processing and speech recognition due to its high learning efficiency. The architecture of CNN is similar to that of the connectivity pattern of neurons in the human brain and was inspired by the organization of the visual cortex. A CNN generally consists of three parts: convolution layers, pooling layers and fully connected layers, which enables it to successfully capture the spatial and temporal dependence in an image. </a:t>
+            </a:r>
+          </a:p>
+          <a:p>
+            <a:pPr marL="0" indent="0">
+              <a:buNone/>
+            </a:pPr>
+            <a:r>
+              <a:rPr lang="zh-TW" altLang="en-US" sz="2000" dirty="0"/>
+              <a:t>    </a:t>
+            </a:r>
+            <a:r>
+              <a:rPr lang="en-US" altLang="zh-TW" sz="2000" dirty="0"/>
+              <a:t>The convolution layer extracts the high-level features such as edges, color and gradient orientation through multiple feature mapping. The resolution of feature mapping is compressed further by a pooling layer to extract dominant features which are rotational and positional invariant, and to decrease the computational power required to process the data. After multiple convolution and pooling processes, the learned features are mapped to the sample label space by adding the full connection layer to achieve the purpose of classification and prediction.</a:t>
+            </a:r>
+          </a:p>
+        </p:txBody>
+      </p:sp>
+    </p:spTree>
+    <p:extLst>
+      <p:ext uri="{BB962C8B-B14F-4D97-AF65-F5344CB8AC3E}">
+        <p14:creationId xmlns:p14="http://schemas.microsoft.com/office/powerpoint/2010/main" val="2222753800"/>
+      </p:ext>
+    </p:extLst>
+  </p:cSld>
+  <p:clrMapOvr>
+    <a:masterClrMapping/>
+  </p:clrMapOvr>
+</p:sld>
+</file>
+
+<file path=ppt/slides/slide15.xml><?xml version="1.0" encoding="utf-8"?>
+<p:sld xmlns:a="http://schemas.openxmlformats.org/drawingml/2006/main" xmlns:r="http://schemas.openxmlformats.org/officeDocument/2006/relationships" xmlns:p="http://schemas.openxmlformats.org/presentationml/2006/main">
+  <p:cSld>
+    <p:spTree>
+      <p:nvGrpSpPr>
+        <p:cNvPr id="1" name=""/>
+        <p:cNvGrpSpPr/>
+        <p:nvPr/>
+      </p:nvGrpSpPr>
+      <p:grpSpPr>
+        <a:xfrm>
+          <a:off x="0" y="0"/>
+          <a:ext cx="0" cy="0"/>
+          <a:chOff x="0" y="0"/>
+          <a:chExt cx="0" cy="0"/>
+        </a:xfrm>
+      </p:grpSpPr>
+      <p:sp>
+        <p:nvSpPr>
+          <p:cNvPr id="2" name="標題 1">
+            <a:extLst>
+              <a:ext uri="{FF2B5EF4-FFF2-40B4-BE49-F238E27FC236}">
+                <a16:creationId xmlns:a16="http://schemas.microsoft.com/office/drawing/2014/main" id="{C7B55EDB-6608-3CDF-F165-7F6B7E345F41}"/>
+              </a:ext>
+            </a:extLst>
+          </p:cNvPr>
+          <p:cNvSpPr>
+            <a:spLocks noGrp="1"/>
+          </p:cNvSpPr>
+          <p:nvPr>
+            <p:ph type="title"/>
+          </p:nvPr>
+        </p:nvSpPr>
+        <p:spPr>
+          <a:xfrm>
+            <a:off x="838200" y="139960"/>
+            <a:ext cx="10515600" cy="793102"/>
+          </a:xfrm>
+        </p:spPr>
+        <p:txBody>
+          <a:bodyPr/>
+          <a:lstStyle/>
+          <a:p>
+            <a:r>
+              <a:rPr lang="en-US" altLang="zh-TW" dirty="0"/>
+              <a:t>Materials and methods</a:t>
+            </a:r>
+            <a:endParaRPr lang="zh-TW" altLang="en-US" dirty="0"/>
+          </a:p>
+        </p:txBody>
+      </p:sp>
+      <p:sp>
+        <p:nvSpPr>
+          <p:cNvPr id="3" name="內容版面配置區 2">
+            <a:extLst>
+              <a:ext uri="{FF2B5EF4-FFF2-40B4-BE49-F238E27FC236}">
+                <a16:creationId xmlns:a16="http://schemas.microsoft.com/office/drawing/2014/main" id="{997FEF67-95B7-8F99-30AA-238E1F83ECAB}"/>
+              </a:ext>
+            </a:extLst>
+          </p:cNvPr>
+          <p:cNvSpPr>
+            <a:spLocks noGrp="1"/>
+          </p:cNvSpPr>
+          <p:nvPr>
+            <p:ph idx="1"/>
+          </p:nvPr>
+        </p:nvSpPr>
+        <p:spPr>
+          <a:xfrm>
+            <a:off x="838200" y="933062"/>
+            <a:ext cx="10515600" cy="5355771"/>
+          </a:xfrm>
+        </p:spPr>
+        <p:txBody>
+          <a:bodyPr>
+            <a:normAutofit/>
+          </a:bodyPr>
+          <a:lstStyle/>
+          <a:p>
+            <a:r>
+              <a:rPr lang="en-US" altLang="zh-TW" sz="2400" dirty="0"/>
+              <a:t>Convolutional neural network and long short-term memory network</a:t>
+            </a:r>
+            <a:r>
+              <a:rPr lang="zh-TW" altLang="en-US" sz="2400" dirty="0"/>
+              <a:t> </a:t>
+            </a:r>
+            <a:endParaRPr lang="en-US" altLang="zh-TW" sz="2400" dirty="0"/>
+          </a:p>
+          <a:p>
+            <a:pPr marL="0" indent="0">
+              <a:buNone/>
+            </a:pPr>
+            <a:r>
+              <a:rPr lang="zh-TW" altLang="en-US" sz="2400" dirty="0"/>
+              <a:t>    </a:t>
+            </a:r>
+            <a:r>
+              <a:rPr lang="en-US" altLang="zh-TW" sz="2000" dirty="0"/>
+              <a:t>Although CNN is powerful in image processing, it does not consider the dependence between inputs, and has a low power in sequence analysis such as natural language processing. Recurrent Neural Network (RNN) is proposed to overcome this shortcoming. As a special type of RNN, Long Short Term Memory Network (LSTM) is not only designed to capture the long dependent information in sequence but also overcome the training difficult of RNN due to gradient explosion and disappearance [36], thus it is the most widely used RNN in real applications. In LSTM, a storage mechanism is used to replace the hidden function in traditional RNN, with a purpose to enhance the learning ability of LSTM for long-distance dependency. Bi-directional LSTM (BLSTM), compared with unidirectional LSTM, captures better the information of sequence context.</a:t>
+            </a:r>
+          </a:p>
+        </p:txBody>
+      </p:sp>
+    </p:spTree>
+    <p:extLst>
+      <p:ext uri="{BB962C8B-B14F-4D97-AF65-F5344CB8AC3E}">
+        <p14:creationId xmlns:p14="http://schemas.microsoft.com/office/powerpoint/2010/main" val="4168401629"/>
+      </p:ext>
+    </p:extLst>
+  </p:cSld>
+  <p:clrMapOvr>
+    <a:masterClrMapping/>
+  </p:clrMapOvr>
+</p:sld>
+</file>
+
+<file path=ppt/slides/slide16.xml><?xml version="1.0" encoding="utf-8"?>
+<p:sld xmlns:a="http://schemas.openxmlformats.org/drawingml/2006/main" xmlns:r="http://schemas.openxmlformats.org/officeDocument/2006/relationships" xmlns:p="http://schemas.openxmlformats.org/presentationml/2006/main">
+  <p:cSld>
+    <p:spTree>
+      <p:nvGrpSpPr>
+        <p:cNvPr id="1" name=""/>
+        <p:cNvGrpSpPr/>
+        <p:nvPr/>
+      </p:nvGrpSpPr>
+      <p:grpSpPr>
+        <a:xfrm>
+          <a:off x="0" y="0"/>
+          <a:ext cx="0" cy="0"/>
+          <a:chOff x="0" y="0"/>
+          <a:chExt cx="0" cy="0"/>
+        </a:xfrm>
+      </p:grpSpPr>
+      <p:sp>
+        <p:nvSpPr>
+          <p:cNvPr id="2" name="標題 1">
+            <a:extLst>
+              <a:ext uri="{FF2B5EF4-FFF2-40B4-BE49-F238E27FC236}">
+                <a16:creationId xmlns:a16="http://schemas.microsoft.com/office/drawing/2014/main" id="{C7B55EDB-6608-3CDF-F165-7F6B7E345F41}"/>
+              </a:ext>
+            </a:extLst>
+          </p:cNvPr>
+          <p:cNvSpPr>
+            <a:spLocks noGrp="1"/>
+          </p:cNvSpPr>
+          <p:nvPr>
+            <p:ph type="title"/>
+          </p:nvPr>
+        </p:nvSpPr>
+        <p:spPr>
+          <a:xfrm>
+            <a:off x="838200" y="139960"/>
+            <a:ext cx="10515600" cy="793102"/>
+          </a:xfrm>
+        </p:spPr>
+        <p:txBody>
+          <a:bodyPr/>
+          <a:lstStyle/>
+          <a:p>
+            <a:r>
+              <a:rPr lang="en-US" altLang="zh-TW" dirty="0"/>
+              <a:t>Materials and methods</a:t>
+            </a:r>
+            <a:endParaRPr lang="zh-TW" altLang="en-US" dirty="0"/>
+          </a:p>
+        </p:txBody>
+      </p:sp>
+      <p:sp>
+        <p:nvSpPr>
+          <p:cNvPr id="3" name="內容版面配置區 2">
+            <a:extLst>
+              <a:ext uri="{FF2B5EF4-FFF2-40B4-BE49-F238E27FC236}">
+                <a16:creationId xmlns:a16="http://schemas.microsoft.com/office/drawing/2014/main" id="{997FEF67-95B7-8F99-30AA-238E1F83ECAB}"/>
+              </a:ext>
+            </a:extLst>
+          </p:cNvPr>
+          <p:cNvSpPr>
+            <a:spLocks noGrp="1"/>
+          </p:cNvSpPr>
+          <p:nvPr>
+            <p:ph idx="1"/>
+          </p:nvPr>
+        </p:nvSpPr>
+        <p:spPr>
+          <a:xfrm>
+            <a:off x="838200" y="933062"/>
+            <a:ext cx="10515600" cy="5355771"/>
+          </a:xfrm>
+        </p:spPr>
+        <p:txBody>
+          <a:bodyPr>
+            <a:normAutofit/>
+          </a:bodyPr>
+          <a:lstStyle/>
+          <a:p>
+            <a:r>
+              <a:rPr lang="en-US" altLang="zh-TW" sz="2400" dirty="0"/>
+              <a:t>The Deep6mA model</a:t>
+            </a:r>
+          </a:p>
+          <a:p>
+            <a:pPr marL="0" indent="0">
+              <a:buNone/>
+            </a:pPr>
+            <a:r>
+              <a:rPr lang="zh-TW" altLang="en-US" sz="2400" dirty="0"/>
+              <a:t>    </a:t>
+            </a:r>
+            <a:r>
+              <a:rPr lang="en-US" altLang="zh-TW" sz="2000" dirty="0"/>
+              <a:t>The loci in DNA sequence are known to have a strong linkage disequilibrium, however, it is difficult to take into consider the dependence structure in traditional modeling for predicting 6mA sites. In this section, to fully capture the information in the sequence, we introduce a deep learning network, Deep6mA, which has a CNN to extract high-level features in the sequence and a BLSTM to learn dependence structure along the sequence. Specifically, Deep6mA is consist of five layers of CNN, one BLSTM layer and one fully connected layer. The convolution layer in CNN collocates 256 filters, and each filter size is 10. The exponential linear unit (</a:t>
+            </a:r>
+            <a:r>
+              <a:rPr lang="en-US" altLang="zh-TW" sz="2000" dirty="0" err="1"/>
+              <a:t>ReLU</a:t>
+            </a:r>
+            <a:r>
+              <a:rPr lang="en-US" altLang="zh-TW" sz="2000" dirty="0"/>
+              <a:t>) was used in CNN layers as activation function.</a:t>
+            </a:r>
+            <a:r>
+              <a:rPr lang="en-US" altLang="zh-TW" sz="1400" dirty="0"/>
+              <a:t> </a:t>
+            </a:r>
+          </a:p>
+          <a:p>
+            <a:pPr marL="0" indent="0">
+              <a:buNone/>
+            </a:pPr>
+            <a:r>
+              <a:rPr lang="en-US" altLang="zh-TW" sz="1400" dirty="0"/>
+              <a:t>    </a:t>
+            </a:r>
+            <a:r>
+              <a:rPr lang="en-US" altLang="zh-TW" sz="2000" dirty="0"/>
+              <a:t>After each convolution layer, a pooling layer with Max Pooling is added to optimize the redundancy of the features and prevent overfitting. Then, one BLSTM layer with size 32 is added after CNN to learn the dependence structure in the sequence. The activation function used in this layer is the tanh activation function. In addition, a Fully Connected (FC) layer with 32 hidden units was used in this model. Finally, a sigmoid activation function is used to combine the outputs from the FC layer to make the final decision. Fig 7 shows the flowchart of Deep6mA.</a:t>
+            </a:r>
+          </a:p>
+        </p:txBody>
+      </p:sp>
+    </p:spTree>
+    <p:extLst>
+      <p:ext uri="{BB962C8B-B14F-4D97-AF65-F5344CB8AC3E}">
+        <p14:creationId xmlns:p14="http://schemas.microsoft.com/office/powerpoint/2010/main" val="1834788882"/>
+      </p:ext>
+    </p:extLst>
+  </p:cSld>
+  <p:clrMapOvr>
+    <a:masterClrMapping/>
+  </p:clrMapOvr>
+</p:sld>
+</file>
+
+<file path=ppt/slides/slide17.xml><?xml version="1.0" encoding="utf-8"?>
+<p:sld xmlns:a="http://schemas.openxmlformats.org/drawingml/2006/main" xmlns:r="http://schemas.openxmlformats.org/officeDocument/2006/relationships" xmlns:p="http://schemas.openxmlformats.org/presentationml/2006/main">
+  <p:cSld>
+    <p:spTree>
+      <p:nvGrpSpPr>
+        <p:cNvPr id="1" name=""/>
+        <p:cNvGrpSpPr/>
+        <p:nvPr/>
+      </p:nvGrpSpPr>
+      <p:grpSpPr>
+        <a:xfrm>
+          <a:off x="0" y="0"/>
+          <a:ext cx="0" cy="0"/>
+          <a:chOff x="0" y="0"/>
+          <a:chExt cx="0" cy="0"/>
+        </a:xfrm>
+      </p:grpSpPr>
       <p:pic>
         <p:nvPicPr>
           <p:cNvPr id="5" name="圖片 4">
             <a:extLst>
               <a:ext uri="{FF2B5EF4-FFF2-40B4-BE49-F238E27FC236}">
-                <a16:creationId xmlns:a16="http://schemas.microsoft.com/office/drawing/2014/main" xmlns="" id="{82E55D65-9A0A-32F3-9EFB-83536F8F6485}"/>
+                <a16:creationId xmlns:a16="http://schemas.microsoft.com/office/drawing/2014/main" id="{75C6499E-C485-2635-4E8A-BBA0B51540F9}"/>
+              </a:ext>
+            </a:extLst>
+          </p:cNvPr>
+          <p:cNvPicPr>
+            <a:picLocks noChangeAspect="1"/>
+          </p:cNvPicPr>
+          <p:nvPr/>
+        </p:nvPicPr>
+        <p:blipFill>
+          <a:blip r:embed="rId2"/>
+          <a:stretch>
+            <a:fillRect/>
+          </a:stretch>
+        </p:blipFill>
+        <p:spPr>
+          <a:xfrm>
+            <a:off x="3294748" y="0"/>
+            <a:ext cx="7617915" cy="6858000"/>
+          </a:xfrm>
+          <a:prstGeom prst="rect">
+            <a:avLst/>
+          </a:prstGeom>
+        </p:spPr>
+      </p:pic>
+    </p:spTree>
+    <p:extLst>
+      <p:ext uri="{BB962C8B-B14F-4D97-AF65-F5344CB8AC3E}">
+        <p14:creationId xmlns:p14="http://schemas.microsoft.com/office/powerpoint/2010/main" val="774883056"/>
+      </p:ext>
+    </p:extLst>
+  </p:cSld>
+  <p:clrMapOvr>
+    <a:masterClrMapping/>
+  </p:clrMapOvr>
+</p:sld>
+</file>
+
+<file path=ppt/slides/slide18.xml><?xml version="1.0" encoding="utf-8"?>
+<p:sld xmlns:a="http://schemas.openxmlformats.org/drawingml/2006/main" xmlns:r="http://schemas.openxmlformats.org/officeDocument/2006/relationships" xmlns:p="http://schemas.openxmlformats.org/presentationml/2006/main">
+  <p:cSld>
+    <p:spTree>
+      <p:nvGrpSpPr>
+        <p:cNvPr id="1" name=""/>
+        <p:cNvGrpSpPr/>
+        <p:nvPr/>
+      </p:nvGrpSpPr>
+      <p:grpSpPr>
+        <a:xfrm>
+          <a:off x="0" y="0"/>
+          <a:ext cx="0" cy="0"/>
+          <a:chOff x="0" y="0"/>
+          <a:chExt cx="0" cy="0"/>
+        </a:xfrm>
+      </p:grpSpPr>
+      <p:graphicFrame>
+        <p:nvGraphicFramePr>
+          <p:cNvPr id="4" name="表格 4">
+            <a:extLst>
+              <a:ext uri="{FF2B5EF4-FFF2-40B4-BE49-F238E27FC236}">
+                <a16:creationId xmlns:a16="http://schemas.microsoft.com/office/drawing/2014/main" id="{E76D4B81-C87D-B192-F4F8-CAE48754FDAE}"/>
+              </a:ext>
+            </a:extLst>
+          </p:cNvPr>
+          <p:cNvGraphicFramePr>
+            <a:graphicFrameLocks noGrp="1"/>
+          </p:cNvGraphicFramePr>
+          <p:nvPr>
+            <p:extLst>
+              <p:ext uri="{D42A27DB-BD31-4B8C-83A1-F6EECF244321}">
+                <p14:modId xmlns:p14="http://schemas.microsoft.com/office/powerpoint/2010/main" val="1663010632"/>
+              </p:ext>
+            </p:extLst>
+          </p:nvPr>
+        </p:nvGraphicFramePr>
+        <p:xfrm>
+          <a:off x="905068" y="462280"/>
+          <a:ext cx="10683551" cy="2966720"/>
+        </p:xfrm>
+        <a:graphic>
+          <a:graphicData uri="http://schemas.openxmlformats.org/drawingml/2006/table">
+            <a:tbl>
+              <a:tblPr firstRow="1" bandRow="1">
+                <a:tableStyleId>{5C22544A-7EE6-4342-B048-85BDC9FD1C3A}</a:tableStyleId>
+              </a:tblPr>
+              <a:tblGrid>
+                <a:gridCol w="2222560">
+                  <a:extLst>
+                    <a:ext uri="{9D8B030D-6E8A-4147-A177-3AD203B41FA5}">
+                      <a16:colId xmlns:a16="http://schemas.microsoft.com/office/drawing/2014/main" val="290575324"/>
+                    </a:ext>
+                  </a:extLst>
+                </a:gridCol>
+                <a:gridCol w="2050861">
+                  <a:extLst>
+                    <a:ext uri="{9D8B030D-6E8A-4147-A177-3AD203B41FA5}">
+                      <a16:colId xmlns:a16="http://schemas.microsoft.com/office/drawing/2014/main" val="541486619"/>
+                    </a:ext>
+                  </a:extLst>
+                </a:gridCol>
+                <a:gridCol w="2136710">
+                  <a:extLst>
+                    <a:ext uri="{9D8B030D-6E8A-4147-A177-3AD203B41FA5}">
+                      <a16:colId xmlns:a16="http://schemas.microsoft.com/office/drawing/2014/main" val="340506542"/>
+                    </a:ext>
+                  </a:extLst>
+                </a:gridCol>
+                <a:gridCol w="2136710">
+                  <a:extLst>
+                    <a:ext uri="{9D8B030D-6E8A-4147-A177-3AD203B41FA5}">
+                      <a16:colId xmlns:a16="http://schemas.microsoft.com/office/drawing/2014/main" val="3542439632"/>
+                    </a:ext>
+                  </a:extLst>
+                </a:gridCol>
+                <a:gridCol w="2136710">
+                  <a:extLst>
+                    <a:ext uri="{9D8B030D-6E8A-4147-A177-3AD203B41FA5}">
+                      <a16:colId xmlns:a16="http://schemas.microsoft.com/office/drawing/2014/main" val="3818296224"/>
+                    </a:ext>
+                  </a:extLst>
+                </a:gridCol>
+              </a:tblGrid>
+              <a:tr h="370840">
+                <a:tc>
+                  <a:txBody>
+                    <a:bodyPr/>
+                    <a:lstStyle/>
+                    <a:p>
+                      <a:r>
+                        <a:rPr lang="en-US" altLang="zh-TW" dirty="0"/>
+                        <a:t>layer</a:t>
+                      </a:r>
+                      <a:endParaRPr lang="zh-TW" altLang="en-US" dirty="0"/>
+                    </a:p>
+                  </a:txBody>
+                  <a:tcPr/>
+                </a:tc>
+                <a:tc gridSpan="4">
+                  <a:txBody>
+                    <a:bodyPr/>
+                    <a:lstStyle/>
+                    <a:p>
+                      <a:r>
+                        <a:rPr lang="en-US" altLang="zh-TW" dirty="0"/>
+                        <a:t>Param</a:t>
+                      </a:r>
+                      <a:endParaRPr lang="zh-TW" altLang="en-US" dirty="0"/>
+                    </a:p>
+                  </a:txBody>
+                  <a:tcPr/>
+                </a:tc>
+                <a:tc hMerge="1">
+                  <a:txBody>
+                    <a:bodyPr/>
+                    <a:lstStyle/>
+                    <a:p>
+                      <a:endParaRPr lang="zh-TW" altLang="en-US" dirty="0"/>
+                    </a:p>
+                  </a:txBody>
+                  <a:tcPr/>
+                </a:tc>
+                <a:tc hMerge="1">
+                  <a:txBody>
+                    <a:bodyPr/>
+                    <a:lstStyle/>
+                    <a:p>
+                      <a:endParaRPr lang="zh-TW" altLang="en-US" dirty="0"/>
+                    </a:p>
+                  </a:txBody>
+                  <a:tcPr/>
+                </a:tc>
+                <a:tc hMerge="1">
+                  <a:txBody>
+                    <a:bodyPr/>
+                    <a:lstStyle/>
+                    <a:p>
+                      <a:endParaRPr lang="zh-TW" altLang="en-US" dirty="0"/>
+                    </a:p>
+                  </a:txBody>
+                  <a:tcPr/>
+                </a:tc>
+                <a:extLst>
+                  <a:ext uri="{0D108BD9-81ED-4DB2-BD59-A6C34878D82A}">
+                    <a16:rowId xmlns:a16="http://schemas.microsoft.com/office/drawing/2014/main" val="4157477086"/>
+                  </a:ext>
+                </a:extLst>
+              </a:tr>
+              <a:tr h="370840">
+                <a:tc>
+                  <a:txBody>
+                    <a:bodyPr/>
+                    <a:lstStyle/>
+                    <a:p>
+                      <a:r>
+                        <a:rPr lang="en-US" altLang="zh-TW" dirty="0"/>
+                        <a:t>Conv1d</a:t>
+                      </a:r>
+                      <a:endParaRPr lang="zh-TW" altLang="en-US" dirty="0"/>
+                    </a:p>
+                  </a:txBody>
+                  <a:tcPr/>
+                </a:tc>
+                <a:tc>
+                  <a:txBody>
+                    <a:bodyPr/>
+                    <a:lstStyle/>
+                    <a:p>
+                      <a:r>
+                        <a:rPr lang="en-US" altLang="zh-TW" dirty="0" err="1"/>
+                        <a:t>Filter_num</a:t>
+                      </a:r>
+                      <a:r>
+                        <a:rPr lang="en-US" altLang="zh-TW" dirty="0"/>
+                        <a:t>=256</a:t>
+                      </a:r>
+                      <a:endParaRPr lang="zh-TW" altLang="en-US" dirty="0"/>
+                    </a:p>
+                  </a:txBody>
+                  <a:tcPr/>
+                </a:tc>
+                <a:tc>
+                  <a:txBody>
+                    <a:bodyPr/>
+                    <a:lstStyle/>
+                    <a:p>
+                      <a:r>
+                        <a:rPr lang="en-US" altLang="zh-TW" dirty="0" err="1"/>
+                        <a:t>Kernel_size</a:t>
+                      </a:r>
+                      <a:r>
+                        <a:rPr lang="en-US" altLang="zh-TW" dirty="0"/>
+                        <a:t>=10</a:t>
+                      </a:r>
+                      <a:endParaRPr lang="zh-TW" altLang="en-US" dirty="0"/>
+                    </a:p>
+                  </a:txBody>
+                  <a:tcPr/>
+                </a:tc>
+                <a:tc>
+                  <a:txBody>
+                    <a:bodyPr/>
+                    <a:lstStyle/>
+                    <a:p>
+                      <a:r>
+                        <a:rPr lang="en-US" altLang="zh-TW" dirty="0" err="1"/>
+                        <a:t>Avtivation</a:t>
+                      </a:r>
+                      <a:r>
+                        <a:rPr lang="en-US" altLang="zh-TW" dirty="0"/>
+                        <a:t>=</a:t>
+                      </a:r>
+                      <a:r>
+                        <a:rPr lang="en-US" altLang="zh-TW" dirty="0" err="1"/>
+                        <a:t>relu</a:t>
+                      </a:r>
+                      <a:endParaRPr lang="zh-TW" altLang="en-US" dirty="0"/>
+                    </a:p>
+                  </a:txBody>
+                  <a:tcPr/>
+                </a:tc>
+                <a:tc>
+                  <a:txBody>
+                    <a:bodyPr/>
+                    <a:lstStyle/>
+                    <a:p>
+                      <a:r>
+                        <a:rPr lang="en-US" altLang="zh-TW" dirty="0"/>
+                        <a:t>Padding=same</a:t>
+                      </a:r>
+                      <a:endParaRPr lang="zh-TW" altLang="en-US" dirty="0"/>
+                    </a:p>
+                  </a:txBody>
+                  <a:tcPr/>
+                </a:tc>
+                <a:extLst>
+                  <a:ext uri="{0D108BD9-81ED-4DB2-BD59-A6C34878D82A}">
+                    <a16:rowId xmlns:a16="http://schemas.microsoft.com/office/drawing/2014/main" val="3072279760"/>
+                  </a:ext>
+                </a:extLst>
+              </a:tr>
+              <a:tr h="370840">
+                <a:tc>
+                  <a:txBody>
+                    <a:bodyPr/>
+                    <a:lstStyle/>
+                    <a:p>
+                      <a:r>
+                        <a:rPr lang="en-US" altLang="zh-TW" dirty="0" err="1"/>
+                        <a:t>Max_pooling</a:t>
+                      </a:r>
+                      <a:r>
+                        <a:rPr lang="en-US" altLang="zh-TW" dirty="0"/>
+                        <a:t> 1d</a:t>
+                      </a:r>
+                      <a:endParaRPr lang="zh-TW" altLang="en-US" dirty="0"/>
+                    </a:p>
+                  </a:txBody>
+                  <a:tcPr/>
+                </a:tc>
+                <a:tc gridSpan="4">
+                  <a:txBody>
+                    <a:bodyPr/>
+                    <a:lstStyle/>
+                    <a:p>
+                      <a:r>
+                        <a:rPr lang="en-US" altLang="zh-TW" dirty="0"/>
+                        <a:t>Padding=same</a:t>
+                      </a:r>
+                      <a:endParaRPr lang="zh-TW" altLang="en-US" dirty="0"/>
+                    </a:p>
+                  </a:txBody>
+                  <a:tcPr/>
+                </a:tc>
+                <a:tc hMerge="1">
+                  <a:txBody>
+                    <a:bodyPr/>
+                    <a:lstStyle/>
+                    <a:p>
+                      <a:endParaRPr lang="zh-TW" altLang="en-US" dirty="0"/>
+                    </a:p>
+                  </a:txBody>
+                  <a:tcPr/>
+                </a:tc>
+                <a:tc hMerge="1">
+                  <a:txBody>
+                    <a:bodyPr/>
+                    <a:lstStyle/>
+                    <a:p>
+                      <a:endParaRPr lang="zh-TW" altLang="en-US" dirty="0"/>
+                    </a:p>
+                  </a:txBody>
+                  <a:tcPr/>
+                </a:tc>
+                <a:tc hMerge="1">
+                  <a:txBody>
+                    <a:bodyPr/>
+                    <a:lstStyle/>
+                    <a:p>
+                      <a:endParaRPr lang="zh-TW" altLang="en-US" dirty="0"/>
+                    </a:p>
+                  </a:txBody>
+                  <a:tcPr/>
+                </a:tc>
+                <a:extLst>
+                  <a:ext uri="{0D108BD9-81ED-4DB2-BD59-A6C34878D82A}">
+                    <a16:rowId xmlns:a16="http://schemas.microsoft.com/office/drawing/2014/main" val="1800515255"/>
+                  </a:ext>
+                </a:extLst>
+              </a:tr>
+              <a:tr h="370840">
+                <a:tc>
+                  <a:txBody>
+                    <a:bodyPr/>
+                    <a:lstStyle/>
+                    <a:p>
+                      <a:r>
+                        <a:rPr lang="en-US" altLang="zh-TW" dirty="0" err="1"/>
+                        <a:t>Batch_normal</a:t>
+                      </a:r>
+                      <a:endParaRPr lang="zh-TW" altLang="en-US" dirty="0"/>
+                    </a:p>
+                  </a:txBody>
+                  <a:tcPr/>
+                </a:tc>
+                <a:tc gridSpan="4">
+                  <a:txBody>
+                    <a:bodyPr/>
+                    <a:lstStyle/>
+                    <a:p>
+                      <a:endParaRPr lang="zh-TW" altLang="en-US" dirty="0"/>
+                    </a:p>
+                  </a:txBody>
+                  <a:tcPr/>
+                </a:tc>
+                <a:tc hMerge="1">
+                  <a:txBody>
+                    <a:bodyPr/>
+                    <a:lstStyle/>
+                    <a:p>
+                      <a:endParaRPr lang="zh-TW" altLang="en-US" dirty="0"/>
+                    </a:p>
+                  </a:txBody>
+                  <a:tcPr/>
+                </a:tc>
+                <a:tc hMerge="1">
+                  <a:txBody>
+                    <a:bodyPr/>
+                    <a:lstStyle/>
+                    <a:p>
+                      <a:endParaRPr lang="zh-TW" altLang="en-US" dirty="0"/>
+                    </a:p>
+                  </a:txBody>
+                  <a:tcPr/>
+                </a:tc>
+                <a:tc hMerge="1">
+                  <a:txBody>
+                    <a:bodyPr/>
+                    <a:lstStyle/>
+                    <a:p>
+                      <a:endParaRPr lang="zh-TW" altLang="en-US" dirty="0"/>
+                    </a:p>
+                  </a:txBody>
+                  <a:tcPr/>
+                </a:tc>
+                <a:extLst>
+                  <a:ext uri="{0D108BD9-81ED-4DB2-BD59-A6C34878D82A}">
+                    <a16:rowId xmlns:a16="http://schemas.microsoft.com/office/drawing/2014/main" val="2881051904"/>
+                  </a:ext>
+                </a:extLst>
+              </a:tr>
+              <a:tr h="370840">
+                <a:tc>
+                  <a:txBody>
+                    <a:bodyPr/>
+                    <a:lstStyle/>
+                    <a:p>
+                      <a:r>
+                        <a:rPr lang="en-US" altLang="zh-TW" dirty="0"/>
+                        <a:t>Dropout</a:t>
+                      </a:r>
+                      <a:endParaRPr lang="zh-TW" altLang="en-US" dirty="0"/>
+                    </a:p>
+                  </a:txBody>
+                  <a:tcPr/>
+                </a:tc>
+                <a:tc>
+                  <a:txBody>
+                    <a:bodyPr/>
+                    <a:lstStyle/>
+                    <a:p>
+                      <a:r>
+                        <a:rPr lang="en-US" altLang="zh-TW" dirty="0"/>
+                        <a:t>Dropout=0.5</a:t>
+                      </a:r>
+                      <a:endParaRPr lang="zh-TW" altLang="en-US" dirty="0"/>
+                    </a:p>
+                  </a:txBody>
+                  <a:tcPr/>
+                </a:tc>
+                <a:tc>
+                  <a:txBody>
+                    <a:bodyPr/>
+                    <a:lstStyle/>
+                    <a:p>
+                      <a:endParaRPr lang="zh-TW" altLang="en-US"/>
+                    </a:p>
+                  </a:txBody>
+                  <a:tcPr/>
+                </a:tc>
+                <a:tc>
+                  <a:txBody>
+                    <a:bodyPr/>
+                    <a:lstStyle/>
+                    <a:p>
+                      <a:endParaRPr lang="zh-TW" altLang="en-US"/>
+                    </a:p>
+                  </a:txBody>
+                  <a:tcPr/>
+                </a:tc>
+                <a:tc>
+                  <a:txBody>
+                    <a:bodyPr/>
+                    <a:lstStyle/>
+                    <a:p>
+                      <a:endParaRPr lang="zh-TW" altLang="en-US"/>
+                    </a:p>
+                  </a:txBody>
+                  <a:tcPr/>
+                </a:tc>
+                <a:extLst>
+                  <a:ext uri="{0D108BD9-81ED-4DB2-BD59-A6C34878D82A}">
+                    <a16:rowId xmlns:a16="http://schemas.microsoft.com/office/drawing/2014/main" val="1928689377"/>
+                  </a:ext>
+                </a:extLst>
+              </a:tr>
+              <a:tr h="370840">
+                <a:tc>
+                  <a:txBody>
+                    <a:bodyPr/>
+                    <a:lstStyle/>
+                    <a:p>
+                      <a:r>
+                        <a:rPr lang="en-US" altLang="zh-TW" dirty="0"/>
+                        <a:t>BLSTM</a:t>
+                      </a:r>
+                      <a:endParaRPr lang="zh-TW" altLang="en-US" dirty="0"/>
+                    </a:p>
+                  </a:txBody>
+                  <a:tcPr/>
+                </a:tc>
+                <a:tc gridSpan="2">
+                  <a:txBody>
+                    <a:bodyPr/>
+                    <a:lstStyle/>
+                    <a:p>
+                      <a:r>
+                        <a:rPr lang="en-US" altLang="zh-TW" dirty="0"/>
+                        <a:t>Units=32</a:t>
+                      </a:r>
+                      <a:endParaRPr lang="zh-TW" altLang="en-US" dirty="0"/>
+                    </a:p>
+                  </a:txBody>
+                  <a:tcPr/>
+                </a:tc>
+                <a:tc hMerge="1">
+                  <a:txBody>
+                    <a:bodyPr/>
+                    <a:lstStyle/>
+                    <a:p>
+                      <a:endParaRPr lang="zh-TW" altLang="en-US" dirty="0"/>
+                    </a:p>
+                  </a:txBody>
+                  <a:tcPr/>
+                </a:tc>
+                <a:tc gridSpan="2">
+                  <a:txBody>
+                    <a:bodyPr/>
+                    <a:lstStyle/>
+                    <a:p>
+                      <a:pPr marL="0" marR="0" lvl="0" indent="0" algn="l" defTabSz="914400" rtl="0" eaLnBrk="1" fontAlgn="auto" latinLnBrk="0" hangingPunct="1">
+                        <a:lnSpc>
+                          <a:spcPct val="100000"/>
+                        </a:lnSpc>
+                        <a:spcBef>
+                          <a:spcPts val="0"/>
+                        </a:spcBef>
+                        <a:spcAft>
+                          <a:spcPts val="0"/>
+                        </a:spcAft>
+                        <a:buClrTx/>
+                        <a:buSzTx/>
+                        <a:buFontTx/>
+                        <a:buNone/>
+                        <a:tabLst/>
+                        <a:defRPr/>
+                      </a:pPr>
+                      <a:r>
+                        <a:rPr lang="en-US" altLang="zh-TW" dirty="0"/>
+                        <a:t>Activation=tanh</a:t>
+                      </a:r>
+                      <a:endParaRPr lang="zh-TW" altLang="en-US" dirty="0"/>
+                    </a:p>
+                  </a:txBody>
+                  <a:tcPr/>
+                </a:tc>
+                <a:tc hMerge="1">
+                  <a:txBody>
+                    <a:bodyPr/>
+                    <a:lstStyle/>
+                    <a:p>
+                      <a:endParaRPr lang="zh-TW" altLang="en-US" dirty="0"/>
+                    </a:p>
+                  </a:txBody>
+                  <a:tcPr/>
+                </a:tc>
+                <a:extLst>
+                  <a:ext uri="{0D108BD9-81ED-4DB2-BD59-A6C34878D82A}">
+                    <a16:rowId xmlns:a16="http://schemas.microsoft.com/office/drawing/2014/main" val="73076097"/>
+                  </a:ext>
+                </a:extLst>
+              </a:tr>
+              <a:tr h="370840">
+                <a:tc>
+                  <a:txBody>
+                    <a:bodyPr/>
+                    <a:lstStyle/>
+                    <a:p>
+                      <a:r>
+                        <a:rPr lang="en-US" altLang="zh-TW" dirty="0"/>
+                        <a:t>NN</a:t>
+                      </a:r>
+                      <a:endParaRPr lang="zh-TW" altLang="en-US" dirty="0"/>
+                    </a:p>
+                  </a:txBody>
+                  <a:tcPr/>
+                </a:tc>
+                <a:tc gridSpan="2">
+                  <a:txBody>
+                    <a:bodyPr/>
+                    <a:lstStyle/>
+                    <a:p>
+                      <a:pPr marL="0" marR="0" lvl="0" indent="0" algn="l" defTabSz="914400" rtl="0" eaLnBrk="1" fontAlgn="auto" latinLnBrk="0" hangingPunct="1">
+                        <a:lnSpc>
+                          <a:spcPct val="100000"/>
+                        </a:lnSpc>
+                        <a:spcBef>
+                          <a:spcPts val="0"/>
+                        </a:spcBef>
+                        <a:spcAft>
+                          <a:spcPts val="0"/>
+                        </a:spcAft>
+                        <a:buClrTx/>
+                        <a:buSzTx/>
+                        <a:buFontTx/>
+                        <a:buNone/>
+                        <a:tabLst/>
+                        <a:defRPr/>
+                      </a:pPr>
+                      <a:r>
+                        <a:rPr lang="en-US" altLang="zh-TW" dirty="0"/>
+                        <a:t>Units=32</a:t>
+                      </a:r>
+                      <a:endParaRPr lang="zh-TW" altLang="en-US" dirty="0"/>
+                    </a:p>
+                  </a:txBody>
+                  <a:tcPr/>
+                </a:tc>
+                <a:tc hMerge="1">
+                  <a:txBody>
+                    <a:bodyPr/>
+                    <a:lstStyle/>
+                    <a:p>
+                      <a:endParaRPr lang="zh-TW" altLang="en-US" dirty="0"/>
+                    </a:p>
+                  </a:txBody>
+                  <a:tcPr/>
+                </a:tc>
+                <a:tc gridSpan="2">
+                  <a:txBody>
+                    <a:bodyPr/>
+                    <a:lstStyle/>
+                    <a:p>
+                      <a:pPr marL="0" marR="0" lvl="0" indent="0" algn="l" defTabSz="914400" rtl="0" eaLnBrk="1" fontAlgn="auto" latinLnBrk="0" hangingPunct="1">
+                        <a:lnSpc>
+                          <a:spcPct val="100000"/>
+                        </a:lnSpc>
+                        <a:spcBef>
+                          <a:spcPts val="0"/>
+                        </a:spcBef>
+                        <a:spcAft>
+                          <a:spcPts val="0"/>
+                        </a:spcAft>
+                        <a:buClrTx/>
+                        <a:buSzTx/>
+                        <a:buFontTx/>
+                        <a:buNone/>
+                        <a:tabLst/>
+                        <a:defRPr/>
+                      </a:pPr>
+                      <a:r>
+                        <a:rPr lang="en-US" altLang="zh-TW" dirty="0"/>
+                        <a:t>Activation=</a:t>
+                      </a:r>
+                      <a:r>
+                        <a:rPr lang="en-US" altLang="zh-TW" dirty="0" err="1"/>
+                        <a:t>relu</a:t>
+                      </a:r>
+                      <a:endParaRPr lang="zh-TW" altLang="en-US" dirty="0"/>
+                    </a:p>
+                  </a:txBody>
+                  <a:tcPr/>
+                </a:tc>
+                <a:tc hMerge="1">
+                  <a:txBody>
+                    <a:bodyPr/>
+                    <a:lstStyle/>
+                    <a:p>
+                      <a:endParaRPr lang="zh-TW" altLang="en-US" dirty="0"/>
+                    </a:p>
+                  </a:txBody>
+                  <a:tcPr/>
+                </a:tc>
+                <a:extLst>
+                  <a:ext uri="{0D108BD9-81ED-4DB2-BD59-A6C34878D82A}">
+                    <a16:rowId xmlns:a16="http://schemas.microsoft.com/office/drawing/2014/main" val="741086011"/>
+                  </a:ext>
+                </a:extLst>
+              </a:tr>
+              <a:tr h="370840">
+                <a:tc>
+                  <a:txBody>
+                    <a:bodyPr/>
+                    <a:lstStyle/>
+                    <a:p>
+                      <a:r>
+                        <a:rPr lang="en-US" altLang="zh-TW" dirty="0"/>
+                        <a:t>NN(output)</a:t>
+                      </a:r>
+                      <a:endParaRPr lang="zh-TW" altLang="en-US" dirty="0"/>
+                    </a:p>
+                  </a:txBody>
+                  <a:tcPr/>
+                </a:tc>
+                <a:tc gridSpan="2">
+                  <a:txBody>
+                    <a:bodyPr/>
+                    <a:lstStyle/>
+                    <a:p>
+                      <a:pPr marL="0" marR="0" lvl="0" indent="0" algn="l" defTabSz="914400" rtl="0" eaLnBrk="1" fontAlgn="auto" latinLnBrk="0" hangingPunct="1">
+                        <a:lnSpc>
+                          <a:spcPct val="100000"/>
+                        </a:lnSpc>
+                        <a:spcBef>
+                          <a:spcPts val="0"/>
+                        </a:spcBef>
+                        <a:spcAft>
+                          <a:spcPts val="0"/>
+                        </a:spcAft>
+                        <a:buClrTx/>
+                        <a:buSzTx/>
+                        <a:buFontTx/>
+                        <a:buNone/>
+                        <a:tabLst/>
+                        <a:defRPr/>
+                      </a:pPr>
+                      <a:r>
+                        <a:rPr lang="en-US" altLang="zh-TW" dirty="0"/>
+                        <a:t>Units=1</a:t>
+                      </a:r>
+                      <a:endParaRPr lang="zh-TW" altLang="en-US" dirty="0"/>
+                    </a:p>
+                  </a:txBody>
+                  <a:tcPr/>
+                </a:tc>
+                <a:tc hMerge="1">
+                  <a:txBody>
+                    <a:bodyPr/>
+                    <a:lstStyle/>
+                    <a:p>
+                      <a:endParaRPr lang="zh-TW" altLang="en-US" dirty="0"/>
+                    </a:p>
+                  </a:txBody>
+                  <a:tcPr/>
+                </a:tc>
+                <a:tc gridSpan="2">
+                  <a:txBody>
+                    <a:bodyPr/>
+                    <a:lstStyle/>
+                    <a:p>
+                      <a:pPr marL="0" marR="0" lvl="0" indent="0" algn="l" defTabSz="914400" rtl="0" eaLnBrk="1" fontAlgn="auto" latinLnBrk="0" hangingPunct="1">
+                        <a:lnSpc>
+                          <a:spcPct val="100000"/>
+                        </a:lnSpc>
+                        <a:spcBef>
+                          <a:spcPts val="0"/>
+                        </a:spcBef>
+                        <a:spcAft>
+                          <a:spcPts val="0"/>
+                        </a:spcAft>
+                        <a:buClrTx/>
+                        <a:buSzTx/>
+                        <a:buFontTx/>
+                        <a:buNone/>
+                        <a:tabLst/>
+                        <a:defRPr/>
+                      </a:pPr>
+                      <a:r>
+                        <a:rPr lang="en-US" altLang="zh-TW" dirty="0"/>
+                        <a:t>Activation=sigmoid</a:t>
+                      </a:r>
+                      <a:endParaRPr lang="zh-TW" altLang="en-US" dirty="0"/>
+                    </a:p>
+                  </a:txBody>
+                  <a:tcPr/>
+                </a:tc>
+                <a:tc hMerge="1">
+                  <a:txBody>
+                    <a:bodyPr/>
+                    <a:lstStyle/>
+                    <a:p>
+                      <a:endParaRPr lang="zh-TW" altLang="en-US" dirty="0"/>
+                    </a:p>
+                  </a:txBody>
+                  <a:tcPr/>
+                </a:tc>
+                <a:extLst>
+                  <a:ext uri="{0D108BD9-81ED-4DB2-BD59-A6C34878D82A}">
+                    <a16:rowId xmlns:a16="http://schemas.microsoft.com/office/drawing/2014/main" val="2882844287"/>
+                  </a:ext>
+                </a:extLst>
+              </a:tr>
+            </a:tbl>
+          </a:graphicData>
+        </a:graphic>
+      </p:graphicFrame>
+      <p:graphicFrame>
+        <p:nvGraphicFramePr>
+          <p:cNvPr id="5" name="表格 5">
+            <a:extLst>
+              <a:ext uri="{FF2B5EF4-FFF2-40B4-BE49-F238E27FC236}">
+                <a16:creationId xmlns:a16="http://schemas.microsoft.com/office/drawing/2014/main" id="{E8FA28F6-6F5C-8C19-0657-5E02DFFB8CC2}"/>
+              </a:ext>
+            </a:extLst>
+          </p:cNvPr>
+          <p:cNvGraphicFramePr>
+            <a:graphicFrameLocks noGrp="1"/>
+          </p:cNvGraphicFramePr>
+          <p:nvPr>
+            <p:extLst>
+              <p:ext uri="{D42A27DB-BD31-4B8C-83A1-F6EECF244321}">
+                <p14:modId xmlns:p14="http://schemas.microsoft.com/office/powerpoint/2010/main" val="4082456833"/>
+              </p:ext>
+            </p:extLst>
+          </p:nvPr>
+        </p:nvGraphicFramePr>
+        <p:xfrm>
+          <a:off x="905068" y="3429000"/>
+          <a:ext cx="10683552" cy="1854200"/>
+        </p:xfrm>
+        <a:graphic>
+          <a:graphicData uri="http://schemas.openxmlformats.org/drawingml/2006/table">
+            <a:tbl>
+              <a:tblPr firstRow="1" bandRow="1">
+                <a:tableStyleId>{5C22544A-7EE6-4342-B048-85BDC9FD1C3A}</a:tableStyleId>
+              </a:tblPr>
+              <a:tblGrid>
+                <a:gridCol w="2670888">
+                  <a:extLst>
+                    <a:ext uri="{9D8B030D-6E8A-4147-A177-3AD203B41FA5}">
+                      <a16:colId xmlns:a16="http://schemas.microsoft.com/office/drawing/2014/main" val="2499632981"/>
+                    </a:ext>
+                  </a:extLst>
+                </a:gridCol>
+                <a:gridCol w="2670888">
+                  <a:extLst>
+                    <a:ext uri="{9D8B030D-6E8A-4147-A177-3AD203B41FA5}">
+                      <a16:colId xmlns:a16="http://schemas.microsoft.com/office/drawing/2014/main" val="4106339976"/>
+                    </a:ext>
+                  </a:extLst>
+                </a:gridCol>
+                <a:gridCol w="1335444">
+                  <a:extLst>
+                    <a:ext uri="{9D8B030D-6E8A-4147-A177-3AD203B41FA5}">
+                      <a16:colId xmlns:a16="http://schemas.microsoft.com/office/drawing/2014/main" val="1729740350"/>
+                    </a:ext>
+                  </a:extLst>
+                </a:gridCol>
+                <a:gridCol w="1335444">
+                  <a:extLst>
+                    <a:ext uri="{9D8B030D-6E8A-4147-A177-3AD203B41FA5}">
+                      <a16:colId xmlns:a16="http://schemas.microsoft.com/office/drawing/2014/main" val="92583017"/>
+                    </a:ext>
+                  </a:extLst>
+                </a:gridCol>
+                <a:gridCol w="2670888">
+                  <a:extLst>
+                    <a:ext uri="{9D8B030D-6E8A-4147-A177-3AD203B41FA5}">
+                      <a16:colId xmlns:a16="http://schemas.microsoft.com/office/drawing/2014/main" val="2141561457"/>
+                    </a:ext>
+                  </a:extLst>
+                </a:gridCol>
+              </a:tblGrid>
+              <a:tr h="370840">
+                <a:tc>
+                  <a:txBody>
+                    <a:bodyPr/>
+                    <a:lstStyle/>
+                    <a:p>
+                      <a:r>
+                        <a:rPr lang="en-US" altLang="zh-TW" dirty="0" err="1"/>
+                        <a:t>Opt:adam</a:t>
+                      </a:r>
+                      <a:endParaRPr lang="zh-TW" altLang="en-US" dirty="0"/>
+                    </a:p>
+                  </a:txBody>
+                  <a:tcPr/>
+                </a:tc>
+                <a:tc gridSpan="4">
+                  <a:txBody>
+                    <a:bodyPr/>
+                    <a:lstStyle/>
+                    <a:p>
+                      <a:r>
+                        <a:rPr lang="en-US" altLang="zh-TW" dirty="0" err="1"/>
+                        <a:t>Learning_rate</a:t>
+                      </a:r>
+                      <a:r>
+                        <a:rPr lang="en-US" altLang="zh-TW" dirty="0"/>
+                        <a:t>=0.01</a:t>
+                      </a:r>
+                      <a:endParaRPr lang="zh-TW" altLang="en-US" dirty="0"/>
+                    </a:p>
+                  </a:txBody>
+                  <a:tcPr/>
+                </a:tc>
+                <a:tc hMerge="1">
+                  <a:txBody>
+                    <a:bodyPr/>
+                    <a:lstStyle/>
+                    <a:p>
+                      <a:endParaRPr lang="zh-TW" altLang="en-US" dirty="0"/>
+                    </a:p>
+                  </a:txBody>
+                  <a:tcPr/>
+                </a:tc>
+                <a:tc hMerge="1">
+                  <a:txBody>
+                    <a:bodyPr/>
+                    <a:lstStyle/>
+                    <a:p>
+                      <a:endParaRPr lang="zh-TW" altLang="en-US"/>
+                    </a:p>
+                  </a:txBody>
+                  <a:tcPr/>
+                </a:tc>
+                <a:tc hMerge="1">
+                  <a:txBody>
+                    <a:bodyPr/>
+                    <a:lstStyle/>
+                    <a:p>
+                      <a:endParaRPr lang="zh-TW" altLang="en-US" dirty="0"/>
+                    </a:p>
+                  </a:txBody>
+                  <a:tcPr/>
+                </a:tc>
+                <a:extLst>
+                  <a:ext uri="{0D108BD9-81ED-4DB2-BD59-A6C34878D82A}">
+                    <a16:rowId xmlns:a16="http://schemas.microsoft.com/office/drawing/2014/main" val="3602804410"/>
+                  </a:ext>
+                </a:extLst>
+              </a:tr>
+              <a:tr h="370840">
+                <a:tc gridSpan="5">
+                  <a:txBody>
+                    <a:bodyPr/>
+                    <a:lstStyle/>
+                    <a:p>
+                      <a:r>
+                        <a:rPr lang="en-US" altLang="zh-TW" dirty="0"/>
+                        <a:t>Epoch=50</a:t>
+                      </a:r>
+                      <a:endParaRPr lang="zh-TW" altLang="en-US" dirty="0"/>
+                    </a:p>
+                  </a:txBody>
+                  <a:tcPr/>
+                </a:tc>
+                <a:tc hMerge="1">
+                  <a:txBody>
+                    <a:bodyPr/>
+                    <a:lstStyle/>
+                    <a:p>
+                      <a:endParaRPr lang="zh-TW" altLang="en-US" dirty="0"/>
+                    </a:p>
+                  </a:txBody>
+                  <a:tcPr/>
+                </a:tc>
+                <a:tc hMerge="1">
+                  <a:txBody>
+                    <a:bodyPr/>
+                    <a:lstStyle/>
+                    <a:p>
+                      <a:endParaRPr lang="zh-TW" altLang="en-US"/>
+                    </a:p>
+                  </a:txBody>
+                  <a:tcPr/>
+                </a:tc>
+                <a:tc hMerge="1">
+                  <a:txBody>
+                    <a:bodyPr/>
+                    <a:lstStyle/>
+                    <a:p>
+                      <a:endParaRPr lang="zh-TW" altLang="en-US" dirty="0"/>
+                    </a:p>
+                  </a:txBody>
+                  <a:tcPr/>
+                </a:tc>
+                <a:tc hMerge="1">
+                  <a:txBody>
+                    <a:bodyPr/>
+                    <a:lstStyle/>
+                    <a:p>
+                      <a:endParaRPr lang="zh-TW" altLang="en-US"/>
+                    </a:p>
+                  </a:txBody>
+                  <a:tcPr/>
+                </a:tc>
+                <a:extLst>
+                  <a:ext uri="{0D108BD9-81ED-4DB2-BD59-A6C34878D82A}">
+                    <a16:rowId xmlns:a16="http://schemas.microsoft.com/office/drawing/2014/main" val="3062443277"/>
+                  </a:ext>
+                </a:extLst>
+              </a:tr>
+              <a:tr h="370840">
+                <a:tc>
+                  <a:txBody>
+                    <a:bodyPr/>
+                    <a:lstStyle/>
+                    <a:p>
+                      <a:pPr marL="0" marR="0" lvl="0" indent="0" algn="l" defTabSz="914400" rtl="0" eaLnBrk="1" fontAlgn="auto" latinLnBrk="0" hangingPunct="1">
+                        <a:lnSpc>
+                          <a:spcPct val="100000"/>
+                        </a:lnSpc>
+                        <a:spcBef>
+                          <a:spcPts val="0"/>
+                        </a:spcBef>
+                        <a:spcAft>
+                          <a:spcPts val="0"/>
+                        </a:spcAft>
+                        <a:buClrTx/>
+                        <a:buSzTx/>
+                        <a:buFontTx/>
+                        <a:buNone/>
+                        <a:tabLst/>
+                        <a:defRPr/>
+                      </a:pPr>
+                      <a:r>
+                        <a:rPr lang="en-US" altLang="zh-TW" dirty="0" err="1"/>
+                        <a:t>Batch_size</a:t>
+                      </a:r>
+                      <a:r>
+                        <a:rPr lang="en-US" altLang="zh-TW" dirty="0"/>
+                        <a:t>=256</a:t>
+                      </a:r>
+                      <a:endParaRPr lang="zh-TW" altLang="en-US" dirty="0"/>
+                    </a:p>
+                  </a:txBody>
+                  <a:tcPr/>
+                </a:tc>
+                <a:tc gridSpan="2">
+                  <a:txBody>
+                    <a:bodyPr/>
+                    <a:lstStyle/>
+                    <a:p>
+                      <a:endParaRPr lang="zh-TW" altLang="en-US" dirty="0"/>
+                    </a:p>
+                  </a:txBody>
+                  <a:tcPr/>
+                </a:tc>
+                <a:tc hMerge="1">
+                  <a:txBody>
+                    <a:bodyPr/>
+                    <a:lstStyle/>
+                    <a:p>
+                      <a:endParaRPr lang="zh-TW" altLang="en-US"/>
+                    </a:p>
+                  </a:txBody>
+                  <a:tcPr/>
+                </a:tc>
+                <a:tc gridSpan="2">
+                  <a:txBody>
+                    <a:bodyPr/>
+                    <a:lstStyle/>
+                    <a:p>
+                      <a:endParaRPr lang="zh-TW" altLang="en-US" dirty="0"/>
+                    </a:p>
+                  </a:txBody>
+                  <a:tcPr/>
+                </a:tc>
+                <a:tc hMerge="1">
+                  <a:txBody>
+                    <a:bodyPr/>
+                    <a:lstStyle/>
+                    <a:p>
+                      <a:endParaRPr lang="zh-TW" altLang="en-US"/>
+                    </a:p>
+                  </a:txBody>
+                  <a:tcPr/>
+                </a:tc>
+                <a:extLst>
+                  <a:ext uri="{0D108BD9-81ED-4DB2-BD59-A6C34878D82A}">
+                    <a16:rowId xmlns:a16="http://schemas.microsoft.com/office/drawing/2014/main" val="385279215"/>
+                  </a:ext>
+                </a:extLst>
+              </a:tr>
+              <a:tr h="370840">
+                <a:tc>
+                  <a:txBody>
+                    <a:bodyPr/>
+                    <a:lstStyle/>
+                    <a:p>
+                      <a:r>
+                        <a:rPr lang="en-US" altLang="zh-TW" dirty="0" err="1"/>
+                        <a:t>Earlystopping</a:t>
+                      </a:r>
+                      <a:endParaRPr lang="zh-TW" altLang="en-US" dirty="0"/>
+                    </a:p>
+                  </a:txBody>
+                  <a:tcPr/>
+                </a:tc>
+                <a:tc>
+                  <a:txBody>
+                    <a:bodyPr/>
+                    <a:lstStyle/>
+                    <a:p>
+                      <a:r>
+                        <a:rPr lang="en-US" altLang="zh-TW" dirty="0"/>
+                        <a:t>Monitor=</a:t>
+                      </a:r>
+                      <a:r>
+                        <a:rPr lang="en-US" altLang="zh-TW" dirty="0" err="1"/>
+                        <a:t>val_loss</a:t>
+                      </a:r>
+                      <a:endParaRPr lang="zh-TW" altLang="en-US" dirty="0"/>
+                    </a:p>
+                  </a:txBody>
+                  <a:tcPr/>
+                </a:tc>
+                <a:tc gridSpan="2">
+                  <a:txBody>
+                    <a:bodyPr/>
+                    <a:lstStyle/>
+                    <a:p>
+                      <a:r>
+                        <a:rPr lang="en-US" altLang="zh-TW" dirty="0"/>
+                        <a:t>Patience=5</a:t>
+                      </a:r>
+                      <a:endParaRPr lang="zh-TW" altLang="en-US" dirty="0"/>
+                    </a:p>
+                  </a:txBody>
+                  <a:tcPr/>
+                </a:tc>
+                <a:tc hMerge="1">
+                  <a:txBody>
+                    <a:bodyPr/>
+                    <a:lstStyle/>
+                    <a:p>
+                      <a:endParaRPr lang="zh-TW" altLang="en-US"/>
+                    </a:p>
+                  </a:txBody>
+                  <a:tcPr/>
+                </a:tc>
+                <a:tc>
+                  <a:txBody>
+                    <a:bodyPr/>
+                    <a:lstStyle/>
+                    <a:p>
+                      <a:endParaRPr lang="zh-TW" altLang="en-US"/>
+                    </a:p>
+                  </a:txBody>
+                  <a:tcPr/>
+                </a:tc>
+                <a:extLst>
+                  <a:ext uri="{0D108BD9-81ED-4DB2-BD59-A6C34878D82A}">
+                    <a16:rowId xmlns:a16="http://schemas.microsoft.com/office/drawing/2014/main" val="3081816264"/>
+                  </a:ext>
+                </a:extLst>
+              </a:tr>
+              <a:tr h="370840">
+                <a:tc>
+                  <a:txBody>
+                    <a:bodyPr/>
+                    <a:lstStyle/>
+                    <a:p>
+                      <a:r>
+                        <a:rPr lang="en-US" altLang="zh-TW" dirty="0" err="1"/>
+                        <a:t>Loss_func</a:t>
+                      </a:r>
+                      <a:endParaRPr lang="zh-TW" altLang="en-US" dirty="0"/>
+                    </a:p>
+                  </a:txBody>
+                  <a:tcPr/>
+                </a:tc>
+                <a:tc gridSpan="4">
+                  <a:txBody>
+                    <a:bodyPr/>
+                    <a:lstStyle/>
+                    <a:p>
+                      <a:pPr marL="0" marR="0" lvl="0" indent="0" algn="l" defTabSz="914400" rtl="0" eaLnBrk="1" fontAlgn="auto" latinLnBrk="0" hangingPunct="1">
+                        <a:lnSpc>
+                          <a:spcPct val="100000"/>
+                        </a:lnSpc>
+                        <a:spcBef>
+                          <a:spcPts val="0"/>
+                        </a:spcBef>
+                        <a:spcAft>
+                          <a:spcPts val="0"/>
+                        </a:spcAft>
+                        <a:buClrTx/>
+                        <a:buSzTx/>
+                        <a:buFontTx/>
+                        <a:buNone/>
+                        <a:tabLst/>
+                        <a:defRPr/>
+                      </a:pPr>
+                      <a:r>
+                        <a:rPr lang="en-US" altLang="zh-TW" sz="1800" b="0" kern="1200" dirty="0" err="1">
+                          <a:solidFill>
+                            <a:schemeClr val="dk1"/>
+                          </a:solidFill>
+                          <a:effectLst/>
+                          <a:latin typeface="+mn-lt"/>
+                          <a:ea typeface="+mn-ea"/>
+                          <a:cs typeface="+mn-cs"/>
+                        </a:rPr>
+                        <a:t>binary_crossentropy</a:t>
+                      </a:r>
+                      <a:endParaRPr lang="en-US" altLang="zh-TW" sz="1800" b="0" kern="1200" dirty="0">
+                        <a:solidFill>
+                          <a:schemeClr val="dk1"/>
+                        </a:solidFill>
+                        <a:effectLst/>
+                        <a:latin typeface="+mn-lt"/>
+                        <a:ea typeface="+mn-ea"/>
+                        <a:cs typeface="+mn-cs"/>
+                      </a:endParaRPr>
+                    </a:p>
+                  </a:txBody>
+                  <a:tcPr/>
+                </a:tc>
+                <a:tc hMerge="1">
+                  <a:txBody>
+                    <a:bodyPr/>
+                    <a:lstStyle/>
+                    <a:p>
+                      <a:endParaRPr lang="zh-TW" altLang="en-US" dirty="0"/>
+                    </a:p>
+                  </a:txBody>
+                  <a:tcPr/>
+                </a:tc>
+                <a:tc hMerge="1">
+                  <a:txBody>
+                    <a:bodyPr/>
+                    <a:lstStyle/>
+                    <a:p>
+                      <a:endParaRPr lang="zh-TW" altLang="en-US"/>
+                    </a:p>
+                  </a:txBody>
+                  <a:tcPr/>
+                </a:tc>
+                <a:tc hMerge="1">
+                  <a:txBody>
+                    <a:bodyPr/>
+                    <a:lstStyle/>
+                    <a:p>
+                      <a:endParaRPr lang="zh-TW" altLang="en-US" dirty="0"/>
+                    </a:p>
+                  </a:txBody>
+                  <a:tcPr/>
+                </a:tc>
+                <a:extLst>
+                  <a:ext uri="{0D108BD9-81ED-4DB2-BD59-A6C34878D82A}">
+                    <a16:rowId xmlns:a16="http://schemas.microsoft.com/office/drawing/2014/main" val="1901673963"/>
+                  </a:ext>
+                </a:extLst>
+              </a:tr>
+            </a:tbl>
+          </a:graphicData>
+        </a:graphic>
+      </p:graphicFrame>
+      <p:sp>
+        <p:nvSpPr>
+          <p:cNvPr id="6" name="文字方塊 5">
+            <a:extLst>
+              <a:ext uri="{FF2B5EF4-FFF2-40B4-BE49-F238E27FC236}">
+                <a16:creationId xmlns:a16="http://schemas.microsoft.com/office/drawing/2014/main" id="{02062B03-18AB-7CA6-D784-C0100A7F5642}"/>
+              </a:ext>
+            </a:extLst>
+          </p:cNvPr>
+          <p:cNvSpPr txBox="1"/>
+          <p:nvPr/>
+        </p:nvSpPr>
+        <p:spPr>
+          <a:xfrm>
+            <a:off x="905068" y="5439747"/>
+            <a:ext cx="10683551" cy="923330"/>
+          </a:xfrm>
+          <a:prstGeom prst="rect">
+            <a:avLst/>
+          </a:prstGeom>
+          <a:noFill/>
+        </p:spPr>
+        <p:txBody>
+          <a:bodyPr wrap="square" rtlCol="0">
+            <a:spAutoFit/>
+          </a:bodyPr>
+          <a:lstStyle/>
+          <a:p>
+            <a:r>
+              <a:rPr lang="en-US" altLang="zh-TW" dirty="0"/>
+              <a:t>Evaluate: 5-fold</a:t>
+            </a:r>
+          </a:p>
+          <a:p>
+            <a:r>
+              <a:rPr lang="en-US" altLang="zh-TW" dirty="0"/>
+              <a:t>Validation data = 1/8 of training data</a:t>
+            </a:r>
+          </a:p>
+          <a:p>
+            <a:r>
+              <a:rPr lang="en-US" altLang="zh-TW" dirty="0"/>
+              <a:t>Training : Validation : Test = 7 : 1 : 2</a:t>
+            </a:r>
+            <a:endParaRPr lang="zh-TW" altLang="en-US" dirty="0"/>
+          </a:p>
+        </p:txBody>
+      </p:sp>
+    </p:spTree>
+    <p:extLst>
+      <p:ext uri="{BB962C8B-B14F-4D97-AF65-F5344CB8AC3E}">
+        <p14:creationId xmlns:p14="http://schemas.microsoft.com/office/powerpoint/2010/main" val="398495239"/>
+      </p:ext>
+    </p:extLst>
+  </p:cSld>
+  <p:clrMapOvr>
+    <a:masterClrMapping/>
+  </p:clrMapOvr>
+</p:sld>
+</file>
+
+<file path=ppt/slides/slide19.xml><?xml version="1.0" encoding="utf-8"?>
+<p:sld xmlns:a="http://schemas.openxmlformats.org/drawingml/2006/main" xmlns:r="http://schemas.openxmlformats.org/officeDocument/2006/relationships" xmlns:p="http://schemas.openxmlformats.org/presentationml/2006/main">
+  <p:cSld>
+    <p:spTree>
+      <p:nvGrpSpPr>
+        <p:cNvPr id="1" name=""/>
+        <p:cNvGrpSpPr/>
+        <p:nvPr/>
+      </p:nvGrpSpPr>
+      <p:grpSpPr>
+        <a:xfrm>
+          <a:off x="0" y="0"/>
+          <a:ext cx="0" cy="0"/>
+          <a:chOff x="0" y="0"/>
+          <a:chExt cx="0" cy="0"/>
+        </a:xfrm>
+      </p:grpSpPr>
+      <p:pic>
+        <p:nvPicPr>
+          <p:cNvPr id="9" name="圖片 8">
+            <a:extLst>
+              <a:ext uri="{FF2B5EF4-FFF2-40B4-BE49-F238E27FC236}">
+                <a16:creationId xmlns:a16="http://schemas.microsoft.com/office/drawing/2014/main" id="{B2592A0F-708E-4F19-81CF-9D804F97468C}"/>
+              </a:ext>
+            </a:extLst>
+          </p:cNvPr>
+          <p:cNvPicPr>
+            <a:picLocks noChangeAspect="1"/>
+          </p:cNvPicPr>
+          <p:nvPr/>
+        </p:nvPicPr>
+        <p:blipFill>
+          <a:blip r:embed="rId2"/>
+          <a:stretch>
+            <a:fillRect/>
+          </a:stretch>
+        </p:blipFill>
+        <p:spPr>
+          <a:xfrm>
+            <a:off x="1314061" y="0"/>
+            <a:ext cx="4114800" cy="6858000"/>
+          </a:xfrm>
+          <a:prstGeom prst="rect">
+            <a:avLst/>
+          </a:prstGeom>
+        </p:spPr>
+      </p:pic>
+      <p:pic>
+        <p:nvPicPr>
+          <p:cNvPr id="11" name="圖片 10">
+            <a:extLst>
+              <a:ext uri="{FF2B5EF4-FFF2-40B4-BE49-F238E27FC236}">
+                <a16:creationId xmlns:a16="http://schemas.microsoft.com/office/drawing/2014/main" id="{65AC37B8-EFB1-8037-743E-256D49C52AD8}"/>
+              </a:ext>
+            </a:extLst>
+          </p:cNvPr>
+          <p:cNvPicPr>
+            <a:picLocks noChangeAspect="1"/>
+          </p:cNvPicPr>
+          <p:nvPr/>
+        </p:nvPicPr>
+        <p:blipFill>
+          <a:blip r:embed="rId3"/>
+          <a:stretch>
+            <a:fillRect/>
+          </a:stretch>
+        </p:blipFill>
+        <p:spPr>
+          <a:xfrm>
+            <a:off x="5766221" y="1507283"/>
+            <a:ext cx="4429125" cy="3619500"/>
+          </a:xfrm>
+          <a:prstGeom prst="rect">
+            <a:avLst/>
+          </a:prstGeom>
+        </p:spPr>
+      </p:pic>
+    </p:spTree>
+    <p:extLst>
+      <p:ext uri="{BB962C8B-B14F-4D97-AF65-F5344CB8AC3E}">
+        <p14:creationId xmlns:p14="http://schemas.microsoft.com/office/powerpoint/2010/main" val="955097130"/>
+      </p:ext>
+    </p:extLst>
+  </p:cSld>
+  <p:clrMapOvr>
+    <a:masterClrMapping/>
+  </p:clrMapOvr>
+</p:sld>
+</file>
+
+<file path=ppt/slides/slide2.xml><?xml version="1.0" encoding="utf-8"?>
+<p:sld xmlns:a="http://schemas.openxmlformats.org/drawingml/2006/main" xmlns:r="http://schemas.openxmlformats.org/officeDocument/2006/relationships" xmlns:p="http://schemas.openxmlformats.org/presentationml/2006/main">
+  <p:cSld>
+    <p:spTree>
+      <p:nvGrpSpPr>
+        <p:cNvPr id="1" name=""/>
+        <p:cNvGrpSpPr/>
+        <p:nvPr/>
+      </p:nvGrpSpPr>
+      <p:grpSpPr>
+        <a:xfrm>
+          <a:off x="0" y="0"/>
+          <a:ext cx="0" cy="0"/>
+          <a:chOff x="0" y="0"/>
+          <a:chExt cx="0" cy="0"/>
+        </a:xfrm>
+      </p:grpSpPr>
+      <p:sp>
+        <p:nvSpPr>
+          <p:cNvPr id="2" name="標題 1">
+            <a:extLst>
+              <a:ext uri="{FF2B5EF4-FFF2-40B4-BE49-F238E27FC236}">
+                <a16:creationId xmlns:a16="http://schemas.microsoft.com/office/drawing/2014/main" id="{FDBF3A64-B9FD-70B8-C52F-660DE3382798}"/>
+              </a:ext>
+            </a:extLst>
+          </p:cNvPr>
+          <p:cNvSpPr>
+            <a:spLocks noGrp="1"/>
+          </p:cNvSpPr>
+          <p:nvPr>
+            <p:ph type="title"/>
+          </p:nvPr>
+        </p:nvSpPr>
+        <p:spPr/>
+        <p:txBody>
+          <a:bodyPr/>
+          <a:lstStyle/>
+          <a:p>
+            <a:r>
+              <a:rPr lang="en-US" altLang="zh-TW" dirty="0"/>
+              <a:t>Outline</a:t>
+            </a:r>
+            <a:endParaRPr lang="zh-TW" altLang="en-US" dirty="0"/>
+          </a:p>
+        </p:txBody>
+      </p:sp>
+      <p:sp>
+        <p:nvSpPr>
+          <p:cNvPr id="3" name="內容版面配置區 2">
+            <a:extLst>
+              <a:ext uri="{FF2B5EF4-FFF2-40B4-BE49-F238E27FC236}">
+                <a16:creationId xmlns:a16="http://schemas.microsoft.com/office/drawing/2014/main" id="{F0C0C5DF-8DDB-CB40-0D38-ECE943081B71}"/>
+              </a:ext>
+            </a:extLst>
+          </p:cNvPr>
+          <p:cNvSpPr>
+            <a:spLocks noGrp="1"/>
+          </p:cNvSpPr>
+          <p:nvPr>
+            <p:ph idx="1"/>
+          </p:nvPr>
+        </p:nvSpPr>
+        <p:spPr/>
+        <p:txBody>
+          <a:bodyPr/>
+          <a:lstStyle/>
+          <a:p>
+            <a:r>
+              <a:rPr lang="en-US" altLang="zh-TW" dirty="0"/>
+              <a:t>Abstract</a:t>
+            </a:r>
+          </a:p>
+          <a:p>
+            <a:r>
+              <a:rPr lang="en-US" altLang="zh-TW" dirty="0"/>
+              <a:t>Introduction</a:t>
+            </a:r>
+          </a:p>
+          <a:p>
+            <a:r>
+              <a:rPr lang="en-US" altLang="zh-TW" dirty="0"/>
+              <a:t>Results</a:t>
+            </a:r>
+          </a:p>
+          <a:p>
+            <a:r>
+              <a:rPr lang="en-US" altLang="zh-TW" dirty="0"/>
+              <a:t>Discussion</a:t>
+            </a:r>
+          </a:p>
+          <a:p>
+            <a:r>
+              <a:rPr lang="en-US" altLang="zh-TW" dirty="0"/>
+              <a:t>Materials and methods</a:t>
+            </a:r>
+            <a:endParaRPr lang="zh-TW" altLang="en-US" dirty="0"/>
+          </a:p>
+        </p:txBody>
+      </p:sp>
+    </p:spTree>
+    <p:extLst>
+      <p:ext uri="{BB962C8B-B14F-4D97-AF65-F5344CB8AC3E}">
+        <p14:creationId xmlns:p14="http://schemas.microsoft.com/office/powerpoint/2010/main" val="3312691438"/>
+      </p:ext>
+    </p:extLst>
+  </p:cSld>
+  <p:clrMapOvr>
+    <a:masterClrMapping/>
+  </p:clrMapOvr>
+</p:sld>
+</file>
+
+<file path=ppt/slides/slide20.xml><?xml version="1.0" encoding="utf-8"?>
+<p:sld xmlns:a="http://schemas.openxmlformats.org/drawingml/2006/main" xmlns:r="http://schemas.openxmlformats.org/officeDocument/2006/relationships" xmlns:p="http://schemas.openxmlformats.org/presentationml/2006/main">
+  <p:cSld>
+    <p:spTree>
+      <p:nvGrpSpPr>
+        <p:cNvPr id="1" name=""/>
+        <p:cNvGrpSpPr/>
+        <p:nvPr/>
+      </p:nvGrpSpPr>
+      <p:grpSpPr>
+        <a:xfrm>
+          <a:off x="0" y="0"/>
+          <a:ext cx="0" cy="0"/>
+          <a:chOff x="0" y="0"/>
+          <a:chExt cx="0" cy="0"/>
+        </a:xfrm>
+      </p:grpSpPr>
+      <p:sp>
+        <p:nvSpPr>
+          <p:cNvPr id="2" name="標題 1">
+            <a:extLst>
+              <a:ext uri="{FF2B5EF4-FFF2-40B4-BE49-F238E27FC236}">
+                <a16:creationId xmlns:a16="http://schemas.microsoft.com/office/drawing/2014/main" id="{C7B55EDB-6608-3CDF-F165-7F6B7E345F41}"/>
+              </a:ext>
+            </a:extLst>
+          </p:cNvPr>
+          <p:cNvSpPr>
+            <a:spLocks noGrp="1"/>
+          </p:cNvSpPr>
+          <p:nvPr>
+            <p:ph type="title"/>
+          </p:nvPr>
+        </p:nvSpPr>
+        <p:spPr>
+          <a:xfrm>
+            <a:off x="838200" y="139960"/>
+            <a:ext cx="10515600" cy="793102"/>
+          </a:xfrm>
+        </p:spPr>
+        <p:txBody>
+          <a:bodyPr/>
+          <a:lstStyle/>
+          <a:p>
+            <a:r>
+              <a:rPr lang="en-US" altLang="zh-TW" dirty="0"/>
+              <a:t>Materials and methods</a:t>
+            </a:r>
+            <a:endParaRPr lang="zh-TW" altLang="en-US" dirty="0"/>
+          </a:p>
+        </p:txBody>
+      </p:sp>
+      <p:sp>
+        <p:nvSpPr>
+          <p:cNvPr id="3" name="內容版面配置區 2">
+            <a:extLst>
+              <a:ext uri="{FF2B5EF4-FFF2-40B4-BE49-F238E27FC236}">
+                <a16:creationId xmlns:a16="http://schemas.microsoft.com/office/drawing/2014/main" id="{997FEF67-95B7-8F99-30AA-238E1F83ECAB}"/>
+              </a:ext>
+            </a:extLst>
+          </p:cNvPr>
+          <p:cNvSpPr>
+            <a:spLocks noGrp="1"/>
+          </p:cNvSpPr>
+          <p:nvPr>
+            <p:ph idx="1"/>
+          </p:nvPr>
+        </p:nvSpPr>
+        <p:spPr>
+          <a:xfrm>
+            <a:off x="838200" y="933062"/>
+            <a:ext cx="10515600" cy="5355771"/>
+          </a:xfrm>
+        </p:spPr>
+        <p:txBody>
+          <a:bodyPr>
+            <a:normAutofit/>
+          </a:bodyPr>
+          <a:lstStyle/>
+          <a:p>
+            <a:r>
+              <a:rPr lang="en-US" altLang="zh-TW" sz="2400" dirty="0"/>
+              <a:t>The Deep6mA model</a:t>
+            </a:r>
+          </a:p>
+          <a:p>
+            <a:pPr marL="0" indent="0">
+              <a:buNone/>
+            </a:pPr>
+            <a:r>
+              <a:rPr lang="zh-TW" altLang="en-US" sz="2400" dirty="0"/>
+              <a:t>    </a:t>
+            </a:r>
+            <a:r>
+              <a:rPr lang="en-US" altLang="zh-TW" sz="2000" dirty="0"/>
+              <a:t>Deep6mA is trained by using Adam [37]. Batch normalization and dropout [38] are applied after each convolutional procedure to accelerate training and avoid overfitting. The dropout rate is set as 0.5, the learning rate is set as 0.01, and the reduced factor is set as 0.5. In addition, the maximum training epoch and batch size is set as 50 and 256, respectively. We take 1/8 of training data, about 10% of the whole dataset, as validation data, and use an early stopping strategy with patience 5, which means the training process will stop when prediction performance did not improve on the validation set. The whole framework is implemented in </a:t>
+            </a:r>
+            <a:r>
+              <a:rPr lang="en-US" altLang="zh-TW" sz="2000" dirty="0" err="1"/>
+              <a:t>Pytorch</a:t>
+            </a:r>
+            <a:r>
+              <a:rPr lang="en-US" altLang="zh-TW" sz="2000" dirty="0"/>
+              <a:t> (https://pytorch.org)</a:t>
+            </a:r>
+          </a:p>
+        </p:txBody>
+      </p:sp>
+    </p:spTree>
+    <p:extLst>
+      <p:ext uri="{BB962C8B-B14F-4D97-AF65-F5344CB8AC3E}">
+        <p14:creationId xmlns:p14="http://schemas.microsoft.com/office/powerpoint/2010/main" val="3162071018"/>
+      </p:ext>
+    </p:extLst>
+  </p:cSld>
+  <p:clrMapOvr>
+    <a:masterClrMapping/>
+  </p:clrMapOvr>
+</p:sld>
+</file>
+
+<file path=ppt/slides/slide21.xml><?xml version="1.0" encoding="utf-8"?>
+<p:sld xmlns:a="http://schemas.openxmlformats.org/drawingml/2006/main" xmlns:r="http://schemas.openxmlformats.org/officeDocument/2006/relationships" xmlns:p="http://schemas.openxmlformats.org/presentationml/2006/main">
+  <p:cSld>
+    <p:spTree>
+      <p:nvGrpSpPr>
+        <p:cNvPr id="1" name=""/>
+        <p:cNvGrpSpPr/>
+        <p:nvPr/>
+      </p:nvGrpSpPr>
+      <p:grpSpPr>
+        <a:xfrm>
+          <a:off x="0" y="0"/>
+          <a:ext cx="0" cy="0"/>
+          <a:chOff x="0" y="0"/>
+          <a:chExt cx="0" cy="0"/>
+        </a:xfrm>
+      </p:grpSpPr>
+      <p:sp>
+        <p:nvSpPr>
+          <p:cNvPr id="2" name="標題 1">
+            <a:extLst>
+              <a:ext uri="{FF2B5EF4-FFF2-40B4-BE49-F238E27FC236}">
+                <a16:creationId xmlns:a16="http://schemas.microsoft.com/office/drawing/2014/main" id="{C7B55EDB-6608-3CDF-F165-7F6B7E345F41}"/>
+              </a:ext>
+            </a:extLst>
+          </p:cNvPr>
+          <p:cNvSpPr>
+            <a:spLocks noGrp="1"/>
+          </p:cNvSpPr>
+          <p:nvPr>
+            <p:ph type="title"/>
+          </p:nvPr>
+        </p:nvSpPr>
+        <p:spPr>
+          <a:xfrm>
+            <a:off x="838200" y="139960"/>
+            <a:ext cx="10515600" cy="793102"/>
+          </a:xfrm>
+        </p:spPr>
+        <p:txBody>
+          <a:bodyPr/>
+          <a:lstStyle/>
+          <a:p>
+            <a:r>
+              <a:rPr lang="en-US" altLang="zh-TW" dirty="0"/>
+              <a:t>Materials and methods</a:t>
+            </a:r>
+            <a:endParaRPr lang="zh-TW" altLang="en-US" dirty="0"/>
+          </a:p>
+        </p:txBody>
+      </p:sp>
+      <p:sp>
+        <p:nvSpPr>
+          <p:cNvPr id="3" name="內容版面配置區 2">
+            <a:extLst>
+              <a:ext uri="{FF2B5EF4-FFF2-40B4-BE49-F238E27FC236}">
+                <a16:creationId xmlns:a16="http://schemas.microsoft.com/office/drawing/2014/main" id="{997FEF67-95B7-8F99-30AA-238E1F83ECAB}"/>
+              </a:ext>
+            </a:extLst>
+          </p:cNvPr>
+          <p:cNvSpPr>
+            <a:spLocks noGrp="1"/>
+          </p:cNvSpPr>
+          <p:nvPr>
+            <p:ph idx="1"/>
+          </p:nvPr>
+        </p:nvSpPr>
+        <p:spPr>
+          <a:xfrm>
+            <a:off x="838200" y="933062"/>
+            <a:ext cx="10515600" cy="5355771"/>
+          </a:xfrm>
+        </p:spPr>
+        <p:txBody>
+          <a:bodyPr>
+            <a:normAutofit/>
+          </a:bodyPr>
+          <a:lstStyle/>
+          <a:p>
+            <a:r>
+              <a:rPr lang="en-US" altLang="zh-TW" sz="2400" dirty="0"/>
+              <a:t>Prediction accuracy assessment</a:t>
+            </a:r>
+          </a:p>
+          <a:p>
+            <a:pPr marL="0" indent="0">
+              <a:buNone/>
+            </a:pPr>
+            <a:r>
+              <a:rPr lang="zh-TW" altLang="en-US" sz="2400" dirty="0"/>
+              <a:t>    </a:t>
+            </a:r>
+            <a:r>
+              <a:rPr lang="en-US" altLang="zh-TW" sz="2000" dirty="0"/>
+              <a:t>In this work, the prediction accuracy (ACC), Matthews correlation coefficient (MCC), sensitivity (SN) and specificity (SP) are used to evaluate the performance of different methods. Their definitions are given below. The receiver operating characteristic curve (ROC), the area under the curve (AUC) and precision recall curves (PRC) are used to show the detailed performance of different methods. The X-axis of the ROC curve is false positive rate (FPR = 1-SP), and the Y-axis is true positive rate (TPR = SN). The X-axis of the PRC curve is recall (Recall = SN), and the Y-axis is precision. The evaluation and comparison of the models in this paper are based on 5-fold cross validation</a:t>
+            </a:r>
+          </a:p>
+        </p:txBody>
+      </p:sp>
+    </p:spTree>
+    <p:extLst>
+      <p:ext uri="{BB962C8B-B14F-4D97-AF65-F5344CB8AC3E}">
+        <p14:creationId xmlns:p14="http://schemas.microsoft.com/office/powerpoint/2010/main" val="526301575"/>
+      </p:ext>
+    </p:extLst>
+  </p:cSld>
+  <p:clrMapOvr>
+    <a:masterClrMapping/>
+  </p:clrMapOvr>
+</p:sld>
+</file>
+
+<file path=ppt/slides/slide22.xml><?xml version="1.0" encoding="utf-8"?>
+<p:sld xmlns:a="http://schemas.openxmlformats.org/drawingml/2006/main" xmlns:r="http://schemas.openxmlformats.org/officeDocument/2006/relationships" xmlns:p="http://schemas.openxmlformats.org/presentationml/2006/main">
+  <p:cSld>
+    <p:spTree>
+      <p:nvGrpSpPr>
+        <p:cNvPr id="1" name=""/>
+        <p:cNvGrpSpPr/>
+        <p:nvPr/>
+      </p:nvGrpSpPr>
+      <p:grpSpPr>
+        <a:xfrm>
+          <a:off x="0" y="0"/>
+          <a:ext cx="0" cy="0"/>
+          <a:chOff x="0" y="0"/>
+          <a:chExt cx="0" cy="0"/>
+        </a:xfrm>
+      </p:grpSpPr>
+      <p:sp>
+        <p:nvSpPr>
+          <p:cNvPr id="2" name="標題 1">
+            <a:extLst>
+              <a:ext uri="{FF2B5EF4-FFF2-40B4-BE49-F238E27FC236}">
+                <a16:creationId xmlns:a16="http://schemas.microsoft.com/office/drawing/2014/main" id="{C7B55EDB-6608-3CDF-F165-7F6B7E345F41}"/>
+              </a:ext>
+            </a:extLst>
+          </p:cNvPr>
+          <p:cNvSpPr>
+            <a:spLocks noGrp="1"/>
+          </p:cNvSpPr>
+          <p:nvPr>
+            <p:ph type="title"/>
+          </p:nvPr>
+        </p:nvSpPr>
+        <p:spPr>
+          <a:xfrm>
+            <a:off x="838200" y="139960"/>
+            <a:ext cx="10515600" cy="793102"/>
+          </a:xfrm>
+        </p:spPr>
+        <p:txBody>
+          <a:bodyPr/>
+          <a:lstStyle/>
+          <a:p>
+            <a:r>
+              <a:rPr lang="en-US" altLang="zh-TW" dirty="0"/>
+              <a:t>Materials and methods</a:t>
+            </a:r>
+            <a:endParaRPr lang="zh-TW" altLang="en-US" dirty="0"/>
+          </a:p>
+        </p:txBody>
+      </p:sp>
+      <p:sp>
+        <p:nvSpPr>
+          <p:cNvPr id="3" name="內容版面配置區 2">
+            <a:extLst>
+              <a:ext uri="{FF2B5EF4-FFF2-40B4-BE49-F238E27FC236}">
+                <a16:creationId xmlns:a16="http://schemas.microsoft.com/office/drawing/2014/main" id="{997FEF67-95B7-8F99-30AA-238E1F83ECAB}"/>
+              </a:ext>
+            </a:extLst>
+          </p:cNvPr>
+          <p:cNvSpPr>
+            <a:spLocks noGrp="1"/>
+          </p:cNvSpPr>
+          <p:nvPr>
+            <p:ph idx="1"/>
+          </p:nvPr>
+        </p:nvSpPr>
+        <p:spPr>
+          <a:xfrm>
+            <a:off x="838200" y="933062"/>
+            <a:ext cx="10515600" cy="5355771"/>
+          </a:xfrm>
+        </p:spPr>
+        <p:txBody>
+          <a:bodyPr>
+            <a:normAutofit/>
+          </a:bodyPr>
+          <a:lstStyle/>
+          <a:p>
+            <a:r>
+              <a:rPr lang="en-US" altLang="zh-TW" sz="2400" dirty="0"/>
+              <a:t>Prediction accuracy assessment</a:t>
+            </a:r>
+          </a:p>
+          <a:p>
+            <a:pPr marL="0" indent="0">
+              <a:buNone/>
+            </a:pPr>
+            <a:r>
+              <a:rPr lang="zh-TW" altLang="en-US" sz="2400" dirty="0"/>
+              <a:t>    </a:t>
+            </a:r>
+            <a:endParaRPr lang="en-US" altLang="zh-TW" sz="2000" dirty="0"/>
+          </a:p>
+        </p:txBody>
+      </p:sp>
+      <p:pic>
+        <p:nvPicPr>
+          <p:cNvPr id="5" name="圖片 4">
+            <a:extLst>
+              <a:ext uri="{FF2B5EF4-FFF2-40B4-BE49-F238E27FC236}">
+                <a16:creationId xmlns:a16="http://schemas.microsoft.com/office/drawing/2014/main" id="{81C7FC83-CE3C-4E10-CA8C-D7CD415DD12E}"/>
+              </a:ext>
+            </a:extLst>
+          </p:cNvPr>
+          <p:cNvPicPr>
+            <a:picLocks noChangeAspect="1"/>
+          </p:cNvPicPr>
+          <p:nvPr/>
+        </p:nvPicPr>
+        <p:blipFill>
+          <a:blip r:embed="rId2"/>
+          <a:stretch>
+            <a:fillRect/>
+          </a:stretch>
+        </p:blipFill>
+        <p:spPr>
+          <a:xfrm>
+            <a:off x="3304785" y="1509444"/>
+            <a:ext cx="5582429" cy="3839111"/>
+          </a:xfrm>
+          <a:prstGeom prst="rect">
+            <a:avLst/>
+          </a:prstGeom>
+        </p:spPr>
+      </p:pic>
+    </p:spTree>
+    <p:extLst>
+      <p:ext uri="{BB962C8B-B14F-4D97-AF65-F5344CB8AC3E}">
+        <p14:creationId xmlns:p14="http://schemas.microsoft.com/office/powerpoint/2010/main" val="2291340074"/>
+      </p:ext>
+    </p:extLst>
+  </p:cSld>
+  <p:clrMapOvr>
+    <a:masterClrMapping/>
+  </p:clrMapOvr>
+</p:sld>
+</file>
+
+<file path=ppt/slides/slide23.xml><?xml version="1.0" encoding="utf-8"?>
+<p:sld xmlns:a="http://schemas.openxmlformats.org/drawingml/2006/main" xmlns:r="http://schemas.openxmlformats.org/officeDocument/2006/relationships" xmlns:p="http://schemas.openxmlformats.org/presentationml/2006/main">
+  <p:cSld>
+    <p:spTree>
+      <p:nvGrpSpPr>
+        <p:cNvPr id="1" name=""/>
+        <p:cNvGrpSpPr/>
+        <p:nvPr/>
+      </p:nvGrpSpPr>
+      <p:grpSpPr>
+        <a:xfrm>
+          <a:off x="0" y="0"/>
+          <a:ext cx="0" cy="0"/>
+          <a:chOff x="0" y="0"/>
+          <a:chExt cx="0" cy="0"/>
+        </a:xfrm>
+      </p:grpSpPr>
+      <p:sp>
+        <p:nvSpPr>
+          <p:cNvPr id="2" name="標題 1">
+            <a:extLst>
+              <a:ext uri="{FF2B5EF4-FFF2-40B4-BE49-F238E27FC236}">
+                <a16:creationId xmlns:a16="http://schemas.microsoft.com/office/drawing/2014/main" id="{C7B55EDB-6608-3CDF-F165-7F6B7E345F41}"/>
+              </a:ext>
+            </a:extLst>
+          </p:cNvPr>
+          <p:cNvSpPr>
+            <a:spLocks noGrp="1"/>
+          </p:cNvSpPr>
+          <p:nvPr>
+            <p:ph type="title"/>
+          </p:nvPr>
+        </p:nvSpPr>
+        <p:spPr>
+          <a:xfrm>
+            <a:off x="838200" y="365126"/>
+            <a:ext cx="10515600" cy="894508"/>
+          </a:xfrm>
+        </p:spPr>
+        <p:txBody>
+          <a:bodyPr/>
+          <a:lstStyle/>
+          <a:p>
+            <a:r>
+              <a:rPr lang="en-US" altLang="zh-TW" dirty="0"/>
+              <a:t>Results</a:t>
+            </a:r>
+            <a:endParaRPr lang="zh-TW" altLang="en-US" dirty="0"/>
+          </a:p>
+        </p:txBody>
+      </p:sp>
+      <p:sp>
+        <p:nvSpPr>
+          <p:cNvPr id="3" name="內容版面配置區 2">
+            <a:extLst>
+              <a:ext uri="{FF2B5EF4-FFF2-40B4-BE49-F238E27FC236}">
+                <a16:creationId xmlns:a16="http://schemas.microsoft.com/office/drawing/2014/main" id="{997FEF67-95B7-8F99-30AA-238E1F83ECAB}"/>
+              </a:ext>
+            </a:extLst>
+          </p:cNvPr>
+          <p:cNvSpPr>
+            <a:spLocks noGrp="1"/>
+          </p:cNvSpPr>
+          <p:nvPr>
+            <p:ph idx="1"/>
+          </p:nvPr>
+        </p:nvSpPr>
+        <p:spPr>
+          <a:xfrm>
+            <a:off x="838200" y="1259633"/>
+            <a:ext cx="10515600" cy="5355771"/>
+          </a:xfrm>
+        </p:spPr>
+        <p:txBody>
+          <a:bodyPr>
+            <a:normAutofit/>
+          </a:bodyPr>
+          <a:lstStyle/>
+          <a:p>
+            <a:r>
+              <a:rPr lang="en-US" altLang="zh-TW" sz="2400" dirty="0"/>
+              <a:t>Comparing CNN with CNN+LSTM</a:t>
+            </a:r>
+          </a:p>
+          <a:p>
+            <a:pPr marL="0" indent="0">
+              <a:buNone/>
+            </a:pPr>
+            <a:r>
+              <a:rPr lang="en-US" altLang="zh-TW" sz="2000" dirty="0"/>
+              <a:t>    In this section, we compare the performance of CNN with CNN + LSTM based on the same training data under different settings of CNN. Note that we use the same structure of CNN to compare these two methods. The number of convolution layer in CNN and CNN+LSTM models is set as 1, 2, or 3, the corresponding convolution kernel size is set as 5, 8, 10, or 16 (discussion on selecting the number of CNN layers and kernel size is given in S2 Fig) and the number of convolution kernel is set as 256. Finally, the unit number of LSTM in CNN+LSTM models is set to 32. Table 1 shows the performance of these two methods under different convolution layers and kernel sizes. The result shows that the performance of CNN + LSTM is better than that of CNN, due to the ability of LSTM to learn the dependence structure underlying the sequence.</a:t>
+            </a:r>
+            <a:endParaRPr lang="zh-TW" altLang="en-US" sz="2000" dirty="0"/>
+          </a:p>
+        </p:txBody>
+      </p:sp>
+    </p:spTree>
+    <p:extLst>
+      <p:ext uri="{BB962C8B-B14F-4D97-AF65-F5344CB8AC3E}">
+        <p14:creationId xmlns:p14="http://schemas.microsoft.com/office/powerpoint/2010/main" val="1892782438"/>
+      </p:ext>
+    </p:extLst>
+  </p:cSld>
+  <p:clrMapOvr>
+    <a:masterClrMapping/>
+  </p:clrMapOvr>
+</p:sld>
+</file>
+
+<file path=ppt/slides/slide24.xml><?xml version="1.0" encoding="utf-8"?>
+<p:sld xmlns:a="http://schemas.openxmlformats.org/drawingml/2006/main" xmlns:r="http://schemas.openxmlformats.org/officeDocument/2006/relationships" xmlns:p="http://schemas.openxmlformats.org/presentationml/2006/main">
+  <p:cSld>
+    <p:spTree>
+      <p:nvGrpSpPr>
+        <p:cNvPr id="1" name=""/>
+        <p:cNvGrpSpPr/>
+        <p:nvPr/>
+      </p:nvGrpSpPr>
+      <p:grpSpPr>
+        <a:xfrm>
+          <a:off x="0" y="0"/>
+          <a:ext cx="0" cy="0"/>
+          <a:chOff x="0" y="0"/>
+          <a:chExt cx="0" cy="0"/>
+        </a:xfrm>
+      </p:grpSpPr>
+      <p:pic>
+        <p:nvPicPr>
+          <p:cNvPr id="5" name="圖片 4">
+            <a:extLst>
+              <a:ext uri="{FF2B5EF4-FFF2-40B4-BE49-F238E27FC236}">
+                <a16:creationId xmlns:a16="http://schemas.microsoft.com/office/drawing/2014/main" id="{82E55D65-9A0A-32F3-9EFB-83536F8F6485}"/>
               </a:ext>
             </a:extLst>
           </p:cNvPr>
@@ -3733,7 +7090,7 @@
 </p:sld>
 </file>
 
-<file path=ppt/slides/slide13.xml><?xml version="1.0" encoding="utf-8"?>
+<file path=ppt/slides/slide25.xml><?xml version="1.0" encoding="utf-8"?>
 <p:sld xmlns:a="http://schemas.openxmlformats.org/drawingml/2006/main" xmlns:r="http://schemas.openxmlformats.org/officeDocument/2006/relationships" xmlns:p="http://schemas.openxmlformats.org/presentationml/2006/main">
   <p:cSld>
     <p:spTree>
@@ -3755,7 +7112,7 @@
           <p:cNvPr id="2" name="標題 1">
             <a:extLst>
               <a:ext uri="{FF2B5EF4-FFF2-40B4-BE49-F238E27FC236}">
-                <a16:creationId xmlns:a16="http://schemas.microsoft.com/office/drawing/2014/main" xmlns="" id="{C7B55EDB-6608-3CDF-F165-7F6B7E345F41}"/>
+                <a16:creationId xmlns:a16="http://schemas.microsoft.com/office/drawing/2014/main" id="{C7B55EDB-6608-3CDF-F165-7F6B7E345F41}"/>
               </a:ext>
             </a:extLst>
           </p:cNvPr>
@@ -3789,7 +7146,7 @@
           <p:cNvPr id="3" name="內容版面配置區 2">
             <a:extLst>
               <a:ext uri="{FF2B5EF4-FFF2-40B4-BE49-F238E27FC236}">
-                <a16:creationId xmlns:a16="http://schemas.microsoft.com/office/drawing/2014/main" xmlns="" id="{997FEF67-95B7-8F99-30AA-238E1F83ECAB}"/>
+                <a16:creationId xmlns:a16="http://schemas.microsoft.com/office/drawing/2014/main" id="{997FEF67-95B7-8F99-30AA-238E1F83ECAB}"/>
               </a:ext>
             </a:extLst>
           </p:cNvPr>
@@ -3850,7 +7207,7 @@
 </p:sld>
 </file>
 
-<file path=ppt/slides/slide14.xml><?xml version="1.0" encoding="utf-8"?>
+<file path=ppt/slides/slide26.xml><?xml version="1.0" encoding="utf-8"?>
 <p:sld xmlns:a="http://schemas.openxmlformats.org/drawingml/2006/main" xmlns:r="http://schemas.openxmlformats.org/officeDocument/2006/relationships" xmlns:p="http://schemas.openxmlformats.org/presentationml/2006/main">
   <p:cSld>
     <p:spTree>
@@ -3872,7 +7229,7 @@
           <p:cNvPr id="7" name="圖片 6">
             <a:extLst>
               <a:ext uri="{FF2B5EF4-FFF2-40B4-BE49-F238E27FC236}">
-                <a16:creationId xmlns:a16="http://schemas.microsoft.com/office/drawing/2014/main" xmlns="" id="{32F3C686-041A-DAC1-A1DD-E7C7A9F31150}"/>
+                <a16:creationId xmlns:a16="http://schemas.microsoft.com/office/drawing/2014/main" id="{32F3C686-041A-DAC1-A1DD-E7C7A9F31150}"/>
               </a:ext>
             </a:extLst>
           </p:cNvPr>
@@ -3910,7 +7267,7 @@
 </p:sld>
 </file>
 
-<file path=ppt/slides/slide15.xml><?xml version="1.0" encoding="utf-8"?>
+<file path=ppt/slides/slide27.xml><?xml version="1.0" encoding="utf-8"?>
 <p:sld xmlns:a="http://schemas.openxmlformats.org/drawingml/2006/main" xmlns:r="http://schemas.openxmlformats.org/officeDocument/2006/relationships" xmlns:p="http://schemas.openxmlformats.org/presentationml/2006/main">
   <p:cSld>
     <p:spTree>
@@ -3932,7 +7289,7 @@
           <p:cNvPr id="5" name="圖片 4">
             <a:extLst>
               <a:ext uri="{FF2B5EF4-FFF2-40B4-BE49-F238E27FC236}">
-                <a16:creationId xmlns:a16="http://schemas.microsoft.com/office/drawing/2014/main" xmlns="" id="{1C601679-4623-48E2-AB67-3F6072464115}"/>
+                <a16:creationId xmlns:a16="http://schemas.microsoft.com/office/drawing/2014/main" id="{1C601679-4623-48E2-AB67-3F6072464115}"/>
               </a:ext>
             </a:extLst>
           </p:cNvPr>
@@ -3970,7 +7327,7 @@
 </p:sld>
 </file>
 
-<file path=ppt/slides/slide16.xml><?xml version="1.0" encoding="utf-8"?>
+<file path=ppt/slides/slide28.xml><?xml version="1.0" encoding="utf-8"?>
 <p:sld xmlns:a="http://schemas.openxmlformats.org/drawingml/2006/main" xmlns:r="http://schemas.openxmlformats.org/officeDocument/2006/relationships" xmlns:p="http://schemas.openxmlformats.org/presentationml/2006/main">
   <p:cSld>
     <p:spTree>
@@ -3992,7 +7349,7 @@
           <p:cNvPr id="2" name="標題 1">
             <a:extLst>
               <a:ext uri="{FF2B5EF4-FFF2-40B4-BE49-F238E27FC236}">
-                <a16:creationId xmlns:a16="http://schemas.microsoft.com/office/drawing/2014/main" xmlns="" id="{C7B55EDB-6608-3CDF-F165-7F6B7E345F41}"/>
+                <a16:creationId xmlns:a16="http://schemas.microsoft.com/office/drawing/2014/main" id="{C7B55EDB-6608-3CDF-F165-7F6B7E345F41}"/>
               </a:ext>
             </a:extLst>
           </p:cNvPr>
@@ -4026,7 +7383,7 @@
           <p:cNvPr id="3" name="內容版面配置區 2">
             <a:extLst>
               <a:ext uri="{FF2B5EF4-FFF2-40B4-BE49-F238E27FC236}">
-                <a16:creationId xmlns:a16="http://schemas.microsoft.com/office/drawing/2014/main" xmlns="" id="{997FEF67-95B7-8F99-30AA-238E1F83ECAB}"/>
+                <a16:creationId xmlns:a16="http://schemas.microsoft.com/office/drawing/2014/main" id="{997FEF67-95B7-8F99-30AA-238E1F83ECAB}"/>
               </a:ext>
             </a:extLst>
           </p:cNvPr>
@@ -4079,7 +7436,7 @@
 </p:sld>
 </file>
 
-<file path=ppt/slides/slide17.xml><?xml version="1.0" encoding="utf-8"?>
+<file path=ppt/slides/slide29.xml><?xml version="1.0" encoding="utf-8"?>
 <p:sld xmlns:a="http://schemas.openxmlformats.org/drawingml/2006/main" xmlns:r="http://schemas.openxmlformats.org/officeDocument/2006/relationships" xmlns:p="http://schemas.openxmlformats.org/presentationml/2006/main">
   <p:cSld>
     <p:spTree>
@@ -4101,7 +7458,7 @@
           <p:cNvPr id="9" name="圖片 8">
             <a:extLst>
               <a:ext uri="{FF2B5EF4-FFF2-40B4-BE49-F238E27FC236}">
-                <a16:creationId xmlns:a16="http://schemas.microsoft.com/office/drawing/2014/main" xmlns="" id="{CDF9758E-3DCA-9AC0-19D4-C5EEA7FEBA51}"/>
+                <a16:creationId xmlns:a16="http://schemas.microsoft.com/office/drawing/2014/main" id="{CDF9758E-3DCA-9AC0-19D4-C5EEA7FEBA51}"/>
               </a:ext>
             </a:extLst>
           </p:cNvPr>
@@ -4139,7 +7496,7 @@
 </p:sld>
 </file>
 
-<file path=ppt/slides/slide18.xml><?xml version="1.0" encoding="utf-8"?>
+<file path=ppt/slides/slide3.xml><?xml version="1.0" encoding="utf-8"?>
 <p:sld xmlns:a="http://schemas.openxmlformats.org/drawingml/2006/main" xmlns:r="http://schemas.openxmlformats.org/officeDocument/2006/relationships" xmlns:p="http://schemas.openxmlformats.org/presentationml/2006/main">
   <p:cSld>
     <p:spTree>
@@ -4161,7 +7518,7 @@
           <p:cNvPr id="2" name="標題 1">
             <a:extLst>
               <a:ext uri="{FF2B5EF4-FFF2-40B4-BE49-F238E27FC236}">
-                <a16:creationId xmlns:a16="http://schemas.microsoft.com/office/drawing/2014/main" xmlns="" id="{C7B55EDB-6608-3CDF-F165-7F6B7E345F41}"/>
+                <a16:creationId xmlns:a16="http://schemas.microsoft.com/office/drawing/2014/main" id="{C7B55EDB-6608-3CDF-F165-7F6B7E345F41}"/>
               </a:ext>
             </a:extLst>
           </p:cNvPr>
@@ -4184,6 +7541,118 @@
           <a:p>
             <a:r>
               <a:rPr lang="en-US" altLang="zh-TW" dirty="0"/>
+              <a:t>Abstract</a:t>
+            </a:r>
+            <a:endParaRPr lang="zh-TW" altLang="en-US" dirty="0"/>
+          </a:p>
+        </p:txBody>
+      </p:sp>
+      <p:sp>
+        <p:nvSpPr>
+          <p:cNvPr id="3" name="內容版面配置區 2">
+            <a:extLst>
+              <a:ext uri="{FF2B5EF4-FFF2-40B4-BE49-F238E27FC236}">
+                <a16:creationId xmlns:a16="http://schemas.microsoft.com/office/drawing/2014/main" id="{997FEF67-95B7-8F99-30AA-238E1F83ECAB}"/>
+              </a:ext>
+            </a:extLst>
+          </p:cNvPr>
+          <p:cNvSpPr>
+            <a:spLocks noGrp="1"/>
+          </p:cNvSpPr>
+          <p:nvPr>
+            <p:ph idx="1"/>
+          </p:nvPr>
+        </p:nvSpPr>
+        <p:spPr>
+          <a:xfrm>
+            <a:off x="838200" y="1259633"/>
+            <a:ext cx="10515600" cy="4917329"/>
+          </a:xfrm>
+        </p:spPr>
+        <p:txBody>
+          <a:bodyPr>
+            <a:normAutofit/>
+          </a:bodyPr>
+          <a:lstStyle/>
+          <a:p>
+            <a:pPr marL="0" indent="0">
+              <a:buNone/>
+            </a:pPr>
+            <a:r>
+              <a:rPr lang="en-US" altLang="zh-TW" sz="2000" dirty="0"/>
+              <a:t>    N6-methyladenine (6mA) is an important DNA modification form associated with a wide range of biological processes. Identifying accurately 6mA sites on a genomic scale is crucial for under-standing of 6mA’s biological functions. However, the existing experimental techniques for detecting 6mA sites are cost-ineffective, which implies the great need of developing new computational methods for this problem. </a:t>
+            </a:r>
+          </a:p>
+          <a:p>
+            <a:pPr marL="0" indent="0">
+              <a:buNone/>
+            </a:pPr>
+            <a:r>
+              <a:rPr lang="en-US" altLang="zh-TW" sz="2000" dirty="0"/>
+              <a:t>    In this paper, we developed, without requiring any prior knowledge of 6mA and manually crafted sequence features, a deep learning framework named Deep6mA to identify DNA 6mA sites, and its performance is superior to other DNA 6mA prediction tools. Specifically, the 5-fold cross-validation on a benchmark dataset of rice gives the sensitivity and specificity of Deep6mA as 92.96% and 95.06%, respectively, and the overall prediction accuracy is 94%. Importantly, we find that the sequences with 6mA sites share similar patterns across different species. </a:t>
+            </a:r>
+            <a:endParaRPr lang="zh-TW" altLang="en-US" sz="2000" dirty="0"/>
+          </a:p>
+        </p:txBody>
+      </p:sp>
+    </p:spTree>
+    <p:extLst>
+      <p:ext uri="{BB962C8B-B14F-4D97-AF65-F5344CB8AC3E}">
+        <p14:creationId xmlns:p14="http://schemas.microsoft.com/office/powerpoint/2010/main" val="4009696286"/>
+      </p:ext>
+    </p:extLst>
+  </p:cSld>
+  <p:clrMapOvr>
+    <a:masterClrMapping/>
+  </p:clrMapOvr>
+</p:sld>
+</file>
+
+<file path=ppt/slides/slide30.xml><?xml version="1.0" encoding="utf-8"?>
+<p:sld xmlns:a="http://schemas.openxmlformats.org/drawingml/2006/main" xmlns:r="http://schemas.openxmlformats.org/officeDocument/2006/relationships" xmlns:p="http://schemas.openxmlformats.org/presentationml/2006/main">
+  <p:cSld>
+    <p:spTree>
+      <p:nvGrpSpPr>
+        <p:cNvPr id="1" name=""/>
+        <p:cNvGrpSpPr/>
+        <p:nvPr/>
+      </p:nvGrpSpPr>
+      <p:grpSpPr>
+        <a:xfrm>
+          <a:off x="0" y="0"/>
+          <a:ext cx="0" cy="0"/>
+          <a:chOff x="0" y="0"/>
+          <a:chExt cx="0" cy="0"/>
+        </a:xfrm>
+      </p:grpSpPr>
+      <p:sp>
+        <p:nvSpPr>
+          <p:cNvPr id="2" name="標題 1">
+            <a:extLst>
+              <a:ext uri="{FF2B5EF4-FFF2-40B4-BE49-F238E27FC236}">
+                <a16:creationId xmlns:a16="http://schemas.microsoft.com/office/drawing/2014/main" id="{C7B55EDB-6608-3CDF-F165-7F6B7E345F41}"/>
+              </a:ext>
+            </a:extLst>
+          </p:cNvPr>
+          <p:cNvSpPr>
+            <a:spLocks noGrp="1"/>
+          </p:cNvSpPr>
+          <p:nvPr>
+            <p:ph type="title"/>
+          </p:nvPr>
+        </p:nvSpPr>
+        <p:spPr>
+          <a:xfrm>
+            <a:off x="838200" y="365126"/>
+            <a:ext cx="10515600" cy="894508"/>
+          </a:xfrm>
+        </p:spPr>
+        <p:txBody>
+          <a:bodyPr/>
+          <a:lstStyle/>
+          <a:p>
+            <a:r>
+              <a:rPr lang="en-US" altLang="zh-TW" dirty="0"/>
               <a:t>Results</a:t>
             </a:r>
             <a:endParaRPr lang="zh-TW" altLang="en-US" dirty="0"/>
@@ -4195,7 +7664,7 @@
           <p:cNvPr id="3" name="內容版面配置區 2">
             <a:extLst>
               <a:ext uri="{FF2B5EF4-FFF2-40B4-BE49-F238E27FC236}">
-                <a16:creationId xmlns:a16="http://schemas.microsoft.com/office/drawing/2014/main" xmlns="" id="{997FEF67-95B7-8F99-30AA-238E1F83ECAB}"/>
+                <a16:creationId xmlns:a16="http://schemas.microsoft.com/office/drawing/2014/main" id="{997FEF67-95B7-8F99-30AA-238E1F83ECAB}"/>
               </a:ext>
             </a:extLst>
           </p:cNvPr>
@@ -4279,7 +7748,7 @@
 </p:sld>
 </file>
 
-<file path=ppt/slides/slide19.xml><?xml version="1.0" encoding="utf-8"?>
+<file path=ppt/slides/slide31.xml><?xml version="1.0" encoding="utf-8"?>
 <p:sld xmlns:a="http://schemas.openxmlformats.org/drawingml/2006/main" xmlns:r="http://schemas.openxmlformats.org/officeDocument/2006/relationships" xmlns:p="http://schemas.openxmlformats.org/presentationml/2006/main">
   <p:cSld>
     <p:spTree>
@@ -4301,7 +7770,7 @@
           <p:cNvPr id="3" name="圖片 2">
             <a:extLst>
               <a:ext uri="{FF2B5EF4-FFF2-40B4-BE49-F238E27FC236}">
-                <a16:creationId xmlns:a16="http://schemas.microsoft.com/office/drawing/2014/main" xmlns="" id="{0B0863F7-04A7-16E2-6884-3C05EC0468C1}"/>
+                <a16:creationId xmlns:a16="http://schemas.microsoft.com/office/drawing/2014/main" id="{0B0863F7-04A7-16E2-6884-3C05EC0468C1}"/>
               </a:ext>
             </a:extLst>
           </p:cNvPr>
@@ -4339,7 +7808,7 @@
 </p:sld>
 </file>
 
-<file path=ppt/slides/slide2.xml><?xml version="1.0" encoding="utf-8"?>
+<file path=ppt/slides/slide32.xml><?xml version="1.0" encoding="utf-8"?>
 <p:sld xmlns:a="http://schemas.openxmlformats.org/drawingml/2006/main" xmlns:r="http://schemas.openxmlformats.org/officeDocument/2006/relationships" xmlns:p="http://schemas.openxmlformats.org/presentationml/2006/main">
   <p:cSld>
     <p:spTree>
@@ -4361,119 +7830,7 @@
           <p:cNvPr id="2" name="標題 1">
             <a:extLst>
               <a:ext uri="{FF2B5EF4-FFF2-40B4-BE49-F238E27FC236}">
-                <a16:creationId xmlns:a16="http://schemas.microsoft.com/office/drawing/2014/main" xmlns="" id="{FDBF3A64-B9FD-70B8-C52F-660DE3382798}"/>
-              </a:ext>
-            </a:extLst>
-          </p:cNvPr>
-          <p:cNvSpPr>
-            <a:spLocks noGrp="1"/>
-          </p:cNvSpPr>
-          <p:nvPr>
-            <p:ph type="title"/>
-          </p:nvPr>
-        </p:nvSpPr>
-        <p:spPr/>
-        <p:txBody>
-          <a:bodyPr/>
-          <a:lstStyle/>
-          <a:p>
-            <a:r>
-              <a:rPr lang="en-US" altLang="zh-TW" dirty="0"/>
-              <a:t>Outline</a:t>
-            </a:r>
-            <a:endParaRPr lang="zh-TW" altLang="en-US" dirty="0"/>
-          </a:p>
-        </p:txBody>
-      </p:sp>
-      <p:sp>
-        <p:nvSpPr>
-          <p:cNvPr id="3" name="內容版面配置區 2">
-            <a:extLst>
-              <a:ext uri="{FF2B5EF4-FFF2-40B4-BE49-F238E27FC236}">
-                <a16:creationId xmlns:a16="http://schemas.microsoft.com/office/drawing/2014/main" xmlns="" id="{F0C0C5DF-8DDB-CB40-0D38-ECE943081B71}"/>
-              </a:ext>
-            </a:extLst>
-          </p:cNvPr>
-          <p:cNvSpPr>
-            <a:spLocks noGrp="1"/>
-          </p:cNvSpPr>
-          <p:nvPr>
-            <p:ph idx="1"/>
-          </p:nvPr>
-        </p:nvSpPr>
-        <p:spPr/>
-        <p:txBody>
-          <a:bodyPr/>
-          <a:lstStyle/>
-          <a:p>
-            <a:r>
-              <a:rPr lang="en-US" altLang="zh-TW" dirty="0"/>
-              <a:t>Abstract</a:t>
-            </a:r>
-          </a:p>
-          <a:p>
-            <a:r>
-              <a:rPr lang="en-US" altLang="zh-TW" dirty="0"/>
-              <a:t>Introduction</a:t>
-            </a:r>
-          </a:p>
-          <a:p>
-            <a:r>
-              <a:rPr lang="en-US" altLang="zh-TW" dirty="0"/>
-              <a:t>Results</a:t>
-            </a:r>
-          </a:p>
-          <a:p>
-            <a:r>
-              <a:rPr lang="en-US" altLang="zh-TW" dirty="0"/>
-              <a:t>Discussion</a:t>
-            </a:r>
-          </a:p>
-          <a:p>
-            <a:r>
-              <a:rPr lang="en-US" altLang="zh-TW" dirty="0"/>
-              <a:t>Materials and methods</a:t>
-            </a:r>
-            <a:endParaRPr lang="zh-TW" altLang="en-US" dirty="0"/>
-          </a:p>
-        </p:txBody>
-      </p:sp>
-    </p:spTree>
-    <p:extLst>
-      <p:ext uri="{BB962C8B-B14F-4D97-AF65-F5344CB8AC3E}">
-        <p14:creationId xmlns:p14="http://schemas.microsoft.com/office/powerpoint/2010/main" val="3312691438"/>
-      </p:ext>
-    </p:extLst>
-  </p:cSld>
-  <p:clrMapOvr>
-    <a:masterClrMapping/>
-  </p:clrMapOvr>
-</p:sld>
-</file>
-
-<file path=ppt/slides/slide20.xml><?xml version="1.0" encoding="utf-8"?>
-<p:sld xmlns:a="http://schemas.openxmlformats.org/drawingml/2006/main" xmlns:r="http://schemas.openxmlformats.org/officeDocument/2006/relationships" xmlns:p="http://schemas.openxmlformats.org/presentationml/2006/main">
-  <p:cSld>
-    <p:spTree>
-      <p:nvGrpSpPr>
-        <p:cNvPr id="1" name=""/>
-        <p:cNvGrpSpPr/>
-        <p:nvPr/>
-      </p:nvGrpSpPr>
-      <p:grpSpPr>
-        <a:xfrm>
-          <a:off x="0" y="0"/>
-          <a:ext cx="0" cy="0"/>
-          <a:chOff x="0" y="0"/>
-          <a:chExt cx="0" cy="0"/>
-        </a:xfrm>
-      </p:grpSpPr>
-      <p:sp>
-        <p:nvSpPr>
-          <p:cNvPr id="2" name="標題 1">
-            <a:extLst>
-              <a:ext uri="{FF2B5EF4-FFF2-40B4-BE49-F238E27FC236}">
-                <a16:creationId xmlns:a16="http://schemas.microsoft.com/office/drawing/2014/main" xmlns="" id="{C7B55EDB-6608-3CDF-F165-7F6B7E345F41}"/>
+                <a16:creationId xmlns:a16="http://schemas.microsoft.com/office/drawing/2014/main" id="{C7B55EDB-6608-3CDF-F165-7F6B7E345F41}"/>
               </a:ext>
             </a:extLst>
           </p:cNvPr>
@@ -4507,7 +7864,7 @@
           <p:cNvPr id="3" name="內容版面配置區 2">
             <a:extLst>
               <a:ext uri="{FF2B5EF4-FFF2-40B4-BE49-F238E27FC236}">
-                <a16:creationId xmlns:a16="http://schemas.microsoft.com/office/drawing/2014/main" xmlns="" id="{997FEF67-95B7-8F99-30AA-238E1F83ECAB}"/>
+                <a16:creationId xmlns:a16="http://schemas.microsoft.com/office/drawing/2014/main" id="{997FEF67-95B7-8F99-30AA-238E1F83ECAB}"/>
               </a:ext>
             </a:extLst>
           </p:cNvPr>
@@ -4564,7 +7921,7 @@
           <p:cNvPr id="5" name="圖片 4">
             <a:extLst>
               <a:ext uri="{FF2B5EF4-FFF2-40B4-BE49-F238E27FC236}">
-                <a16:creationId xmlns:a16="http://schemas.microsoft.com/office/drawing/2014/main" xmlns="" id="{CAE7CD3C-7B0C-C03F-4F6D-0A74B97A7975}"/>
+                <a16:creationId xmlns:a16="http://schemas.microsoft.com/office/drawing/2014/main" id="{CAE7CD3C-7B0C-C03F-4F6D-0A74B97A7975}"/>
               </a:ext>
             </a:extLst>
           </p:cNvPr>
@@ -4602,7 +7959,7 @@
 </p:sld>
 </file>
 
-<file path=ppt/slides/slide21.xml><?xml version="1.0" encoding="utf-8"?>
+<file path=ppt/slides/slide33.xml><?xml version="1.0" encoding="utf-8"?>
 <p:sld xmlns:a="http://schemas.openxmlformats.org/drawingml/2006/main" xmlns:r="http://schemas.openxmlformats.org/officeDocument/2006/relationships" xmlns:p="http://schemas.openxmlformats.org/presentationml/2006/main">
   <p:cSld>
     <p:spTree>
@@ -4624,7 +7981,7 @@
           <p:cNvPr id="2" name="標題 1">
             <a:extLst>
               <a:ext uri="{FF2B5EF4-FFF2-40B4-BE49-F238E27FC236}">
-                <a16:creationId xmlns:a16="http://schemas.microsoft.com/office/drawing/2014/main" xmlns="" id="{C7B55EDB-6608-3CDF-F165-7F6B7E345F41}"/>
+                <a16:creationId xmlns:a16="http://schemas.microsoft.com/office/drawing/2014/main" id="{C7B55EDB-6608-3CDF-F165-7F6B7E345F41}"/>
               </a:ext>
             </a:extLst>
           </p:cNvPr>
@@ -4658,7 +8015,7 @@
           <p:cNvPr id="3" name="內容版面配置區 2">
             <a:extLst>
               <a:ext uri="{FF2B5EF4-FFF2-40B4-BE49-F238E27FC236}">
-                <a16:creationId xmlns:a16="http://schemas.microsoft.com/office/drawing/2014/main" xmlns="" id="{997FEF67-95B7-8F99-30AA-238E1F83ECAB}"/>
+                <a16:creationId xmlns:a16="http://schemas.microsoft.com/office/drawing/2014/main" id="{997FEF67-95B7-8F99-30AA-238E1F83ECAB}"/>
               </a:ext>
             </a:extLst>
           </p:cNvPr>
@@ -4707,7 +8064,7 @@
           <p:cNvPr id="5" name="圖片 4">
             <a:extLst>
               <a:ext uri="{FF2B5EF4-FFF2-40B4-BE49-F238E27FC236}">
-                <a16:creationId xmlns:a16="http://schemas.microsoft.com/office/drawing/2014/main" xmlns="" id="{CAE7CD3C-7B0C-C03F-4F6D-0A74B97A7975}"/>
+                <a16:creationId xmlns:a16="http://schemas.microsoft.com/office/drawing/2014/main" id="{CAE7CD3C-7B0C-C03F-4F6D-0A74B97A7975}"/>
               </a:ext>
             </a:extLst>
           </p:cNvPr>
@@ -4745,7 +8102,7 @@
 </p:sld>
 </file>
 
-<file path=ppt/slides/slide22.xml><?xml version="1.0" encoding="utf-8"?>
+<file path=ppt/slides/slide34.xml><?xml version="1.0" encoding="utf-8"?>
 <p:sld xmlns:a="http://schemas.openxmlformats.org/drawingml/2006/main" xmlns:r="http://schemas.openxmlformats.org/officeDocument/2006/relationships" xmlns:p="http://schemas.openxmlformats.org/presentationml/2006/main">
   <p:cSld>
     <p:spTree>
@@ -4767,7 +8124,7 @@
           <p:cNvPr id="2" name="標題 1">
             <a:extLst>
               <a:ext uri="{FF2B5EF4-FFF2-40B4-BE49-F238E27FC236}">
-                <a16:creationId xmlns:a16="http://schemas.microsoft.com/office/drawing/2014/main" xmlns="" id="{C7B55EDB-6608-3CDF-F165-7F6B7E345F41}"/>
+                <a16:creationId xmlns:a16="http://schemas.microsoft.com/office/drawing/2014/main" id="{C7B55EDB-6608-3CDF-F165-7F6B7E345F41}"/>
               </a:ext>
             </a:extLst>
           </p:cNvPr>
@@ -4801,7 +8158,7 @@
           <p:cNvPr id="3" name="內容版面配置區 2">
             <a:extLst>
               <a:ext uri="{FF2B5EF4-FFF2-40B4-BE49-F238E27FC236}">
-                <a16:creationId xmlns:a16="http://schemas.microsoft.com/office/drawing/2014/main" xmlns="" id="{997FEF67-95B7-8F99-30AA-238E1F83ECAB}"/>
+                <a16:creationId xmlns:a16="http://schemas.microsoft.com/office/drawing/2014/main" id="{997FEF67-95B7-8F99-30AA-238E1F83ECAB}"/>
               </a:ext>
             </a:extLst>
           </p:cNvPr>
@@ -4850,7 +8207,7 @@
           <p:cNvPr id="5" name="圖片 4">
             <a:extLst>
               <a:ext uri="{FF2B5EF4-FFF2-40B4-BE49-F238E27FC236}">
-                <a16:creationId xmlns:a16="http://schemas.microsoft.com/office/drawing/2014/main" xmlns="" id="{CAE7CD3C-7B0C-C03F-4F6D-0A74B97A7975}"/>
+                <a16:creationId xmlns:a16="http://schemas.microsoft.com/office/drawing/2014/main" id="{CAE7CD3C-7B0C-C03F-4F6D-0A74B97A7975}"/>
               </a:ext>
             </a:extLst>
           </p:cNvPr>
@@ -4875,6 +8232,266 @@
           </a:prstGeom>
         </p:spPr>
       </p:pic>
+      <p:graphicFrame>
+        <p:nvGraphicFramePr>
+          <p:cNvPr id="4" name="表格 5">
+            <a:extLst>
+              <a:ext uri="{FF2B5EF4-FFF2-40B4-BE49-F238E27FC236}">
+                <a16:creationId xmlns:a16="http://schemas.microsoft.com/office/drawing/2014/main" id="{DCF03E40-DF93-4842-FADB-C49945634CC1}"/>
+              </a:ext>
+            </a:extLst>
+          </p:cNvPr>
+          <p:cNvGraphicFramePr>
+            <a:graphicFrameLocks noGrp="1"/>
+          </p:cNvGraphicFramePr>
+          <p:nvPr>
+            <p:extLst>
+              <p:ext uri="{D42A27DB-BD31-4B8C-83A1-F6EECF244321}">
+                <p14:modId xmlns:p14="http://schemas.microsoft.com/office/powerpoint/2010/main" val="2765803110"/>
+              </p:ext>
+            </p:extLst>
+          </p:nvPr>
+        </p:nvGraphicFramePr>
+        <p:xfrm>
+          <a:off x="1761412" y="3566679"/>
+          <a:ext cx="8632890" cy="741680"/>
+        </p:xfrm>
+        <a:graphic>
+          <a:graphicData uri="http://schemas.openxmlformats.org/drawingml/2006/table">
+            <a:tbl>
+              <a:tblPr firstRow="1" bandRow="1">
+                <a:tableStyleId>{5C22544A-7EE6-4342-B048-85BDC9FD1C3A}</a:tableStyleId>
+              </a:tblPr>
+              <a:tblGrid>
+                <a:gridCol w="1438815">
+                  <a:extLst>
+                    <a:ext uri="{9D8B030D-6E8A-4147-A177-3AD203B41FA5}">
+                      <a16:colId xmlns:a16="http://schemas.microsoft.com/office/drawing/2014/main" val="953559343"/>
+                    </a:ext>
+                  </a:extLst>
+                </a:gridCol>
+                <a:gridCol w="1438815">
+                  <a:extLst>
+                    <a:ext uri="{9D8B030D-6E8A-4147-A177-3AD203B41FA5}">
+                      <a16:colId xmlns:a16="http://schemas.microsoft.com/office/drawing/2014/main" val="217266708"/>
+                    </a:ext>
+                  </a:extLst>
+                </a:gridCol>
+                <a:gridCol w="1438815">
+                  <a:extLst>
+                    <a:ext uri="{9D8B030D-6E8A-4147-A177-3AD203B41FA5}">
+                      <a16:colId xmlns:a16="http://schemas.microsoft.com/office/drawing/2014/main" val="2267688532"/>
+                    </a:ext>
+                  </a:extLst>
+                </a:gridCol>
+                <a:gridCol w="1438815">
+                  <a:extLst>
+                    <a:ext uri="{9D8B030D-6E8A-4147-A177-3AD203B41FA5}">
+                      <a16:colId xmlns:a16="http://schemas.microsoft.com/office/drawing/2014/main" val="1246786021"/>
+                    </a:ext>
+                  </a:extLst>
+                </a:gridCol>
+                <a:gridCol w="1438815">
+                  <a:extLst>
+                    <a:ext uri="{9D8B030D-6E8A-4147-A177-3AD203B41FA5}">
+                      <a16:colId xmlns:a16="http://schemas.microsoft.com/office/drawing/2014/main" val="2703899966"/>
+                    </a:ext>
+                  </a:extLst>
+                </a:gridCol>
+                <a:gridCol w="1438815">
+                  <a:extLst>
+                    <a:ext uri="{9D8B030D-6E8A-4147-A177-3AD203B41FA5}">
+                      <a16:colId xmlns:a16="http://schemas.microsoft.com/office/drawing/2014/main" val="412824192"/>
+                    </a:ext>
+                  </a:extLst>
+                </a:gridCol>
+              </a:tblGrid>
+              <a:tr h="370840">
+                <a:tc>
+                  <a:txBody>
+                    <a:bodyPr/>
+                    <a:lstStyle/>
+                    <a:p>
+                      <a:r>
+                        <a:rPr lang="en-US" altLang="zh-TW" dirty="0"/>
+                        <a:t>Method</a:t>
+                      </a:r>
+                      <a:endParaRPr lang="zh-TW" altLang="en-US" dirty="0"/>
+                    </a:p>
+                  </a:txBody>
+                  <a:tcPr/>
+                </a:tc>
+                <a:tc>
+                  <a:txBody>
+                    <a:bodyPr/>
+                    <a:lstStyle/>
+                    <a:p>
+                      <a:r>
+                        <a:rPr lang="en-US" altLang="zh-TW" dirty="0"/>
+                        <a:t>SN(%)</a:t>
+                      </a:r>
+                      <a:endParaRPr lang="zh-TW" altLang="en-US" dirty="0"/>
+                    </a:p>
+                  </a:txBody>
+                  <a:tcPr/>
+                </a:tc>
+                <a:tc>
+                  <a:txBody>
+                    <a:bodyPr/>
+                    <a:lstStyle/>
+                    <a:p>
+                      <a:r>
+                        <a:rPr lang="en-US" altLang="zh-TW" dirty="0"/>
+                        <a:t>SP(%)</a:t>
+                      </a:r>
+                      <a:endParaRPr lang="zh-TW" altLang="en-US" dirty="0"/>
+                    </a:p>
+                  </a:txBody>
+                  <a:tcPr/>
+                </a:tc>
+                <a:tc>
+                  <a:txBody>
+                    <a:bodyPr/>
+                    <a:lstStyle/>
+                    <a:p>
+                      <a:r>
+                        <a:rPr lang="en-US" altLang="zh-TW" dirty="0"/>
+                        <a:t>ACC(%)</a:t>
+                      </a:r>
+                      <a:endParaRPr lang="zh-TW" altLang="en-US" dirty="0"/>
+                    </a:p>
+                  </a:txBody>
+                  <a:tcPr/>
+                </a:tc>
+                <a:tc>
+                  <a:txBody>
+                    <a:bodyPr/>
+                    <a:lstStyle/>
+                    <a:p>
+                      <a:r>
+                        <a:rPr lang="en-US" altLang="zh-TW" dirty="0"/>
+                        <a:t>MCC</a:t>
+                      </a:r>
+                      <a:endParaRPr lang="zh-TW" altLang="en-US" dirty="0"/>
+                    </a:p>
+                  </a:txBody>
+                  <a:tcPr/>
+                </a:tc>
+                <a:tc>
+                  <a:txBody>
+                    <a:bodyPr/>
+                    <a:lstStyle/>
+                    <a:p>
+                      <a:r>
+                        <a:rPr lang="en-US" altLang="zh-TW" dirty="0"/>
+                        <a:t>AUC</a:t>
+                      </a:r>
+                      <a:endParaRPr lang="zh-TW" altLang="en-US" dirty="0"/>
+                    </a:p>
+                  </a:txBody>
+                  <a:tcPr/>
+                </a:tc>
+                <a:extLst>
+                  <a:ext uri="{0D108BD9-81ED-4DB2-BD59-A6C34878D82A}">
+                    <a16:rowId xmlns:a16="http://schemas.microsoft.com/office/drawing/2014/main" val="3959336412"/>
+                  </a:ext>
+                </a:extLst>
+              </a:tr>
+              <a:tr h="370840">
+                <a:tc>
+                  <a:txBody>
+                    <a:bodyPr/>
+                    <a:lstStyle/>
+                    <a:p>
+                      <a:r>
+                        <a:rPr lang="en-US" altLang="zh-TW" dirty="0"/>
+                        <a:t>Deep6mA</a:t>
+                      </a:r>
+                      <a:endParaRPr lang="zh-TW" altLang="en-US" dirty="0"/>
+                    </a:p>
+                  </a:txBody>
+                  <a:tcPr/>
+                </a:tc>
+                <a:tc>
+                  <a:txBody>
+                    <a:bodyPr/>
+                    <a:lstStyle/>
+                    <a:p>
+                      <a:r>
+                        <a:rPr lang="en-US" altLang="zh-TW" dirty="0"/>
+                        <a:t>96.30</a:t>
+                      </a:r>
+                      <a:endParaRPr lang="zh-TW" altLang="en-US" dirty="0"/>
+                    </a:p>
+                  </a:txBody>
+                  <a:tcPr/>
+                </a:tc>
+                <a:tc>
+                  <a:txBody>
+                    <a:bodyPr/>
+                    <a:lstStyle/>
+                    <a:p>
+                      <a:r>
+                        <a:rPr lang="en-US" altLang="zh-TW" dirty="0"/>
+                        <a:t>93.24</a:t>
+                      </a:r>
+                      <a:endParaRPr lang="zh-TW" altLang="en-US" dirty="0"/>
+                    </a:p>
+                  </a:txBody>
+                  <a:tcPr/>
+                </a:tc>
+                <a:tc>
+                  <a:txBody>
+                    <a:bodyPr/>
+                    <a:lstStyle/>
+                    <a:p>
+                      <a:r>
+                        <a:rPr lang="en-US" altLang="zh-TW" dirty="0"/>
+                        <a:t>94.77</a:t>
+                      </a:r>
+                      <a:endParaRPr lang="zh-TW" altLang="en-US" dirty="0"/>
+                    </a:p>
+                  </a:txBody>
+                  <a:tcPr/>
+                </a:tc>
+                <a:tc>
+                  <a:txBody>
+                    <a:bodyPr/>
+                    <a:lstStyle/>
+                    <a:p>
+                      <a:r>
+                        <a:rPr lang="en-US" altLang="zh-TW" dirty="0"/>
+                        <a:t>0.89</a:t>
+                      </a:r>
+                      <a:endParaRPr lang="zh-TW" altLang="en-US" dirty="0"/>
+                    </a:p>
+                  </a:txBody>
+                  <a:tcPr/>
+                </a:tc>
+                <a:tc>
+                  <a:txBody>
+                    <a:bodyPr/>
+                    <a:lstStyle/>
+                    <a:p>
+                      <a:r>
+                        <a:rPr lang="en-US" altLang="zh-TW" dirty="0"/>
+                        <a:t>0.98</a:t>
+                      </a:r>
+                      <a:endParaRPr lang="zh-TW" altLang="en-US" dirty="0"/>
+                    </a:p>
+                  </a:txBody>
+                  <a:tcPr/>
+                </a:tc>
+                <a:extLst>
+                  <a:ext uri="{0D108BD9-81ED-4DB2-BD59-A6C34878D82A}">
+                    <a16:rowId xmlns:a16="http://schemas.microsoft.com/office/drawing/2014/main" val="1924330836"/>
+                  </a:ext>
+                </a:extLst>
+              </a:tr>
+            </a:tbl>
+          </a:graphicData>
+        </a:graphic>
+      </p:graphicFrame>
     </p:spTree>
     <p:extLst>
       <p:ext uri="{BB962C8B-B14F-4D97-AF65-F5344CB8AC3E}">
@@ -4888,7 +8505,7 @@
 </p:sld>
 </file>
 
-<file path=ppt/slides/slide23.xml><?xml version="1.0" encoding="utf-8"?>
+<file path=ppt/slides/slide35.xml><?xml version="1.0" encoding="utf-8"?>
 <p:sld xmlns:a="http://schemas.openxmlformats.org/drawingml/2006/main" xmlns:r="http://schemas.openxmlformats.org/officeDocument/2006/relationships" xmlns:p="http://schemas.openxmlformats.org/presentationml/2006/main">
   <p:cSld>
     <p:spTree>
@@ -4910,7 +8527,7 @@
           <p:cNvPr id="2" name="標題 1">
             <a:extLst>
               <a:ext uri="{FF2B5EF4-FFF2-40B4-BE49-F238E27FC236}">
-                <a16:creationId xmlns:a16="http://schemas.microsoft.com/office/drawing/2014/main" xmlns="" id="{C7B55EDB-6608-3CDF-F165-7F6B7E345F41}"/>
+                <a16:creationId xmlns:a16="http://schemas.microsoft.com/office/drawing/2014/main" id="{C7B55EDB-6608-3CDF-F165-7F6B7E345F41}"/>
               </a:ext>
             </a:extLst>
           </p:cNvPr>
@@ -4944,7 +8561,7 @@
           <p:cNvPr id="3" name="內容版面配置區 2">
             <a:extLst>
               <a:ext uri="{FF2B5EF4-FFF2-40B4-BE49-F238E27FC236}">
-                <a16:creationId xmlns:a16="http://schemas.microsoft.com/office/drawing/2014/main" xmlns="" id="{997FEF67-95B7-8F99-30AA-238E1F83ECAB}"/>
+                <a16:creationId xmlns:a16="http://schemas.microsoft.com/office/drawing/2014/main" id="{997FEF67-95B7-8F99-30AA-238E1F83ECAB}"/>
               </a:ext>
             </a:extLst>
           </p:cNvPr>
@@ -4993,7 +8610,7 @@
           <p:cNvPr id="6" name="圖片 5">
             <a:extLst>
               <a:ext uri="{FF2B5EF4-FFF2-40B4-BE49-F238E27FC236}">
-                <a16:creationId xmlns:a16="http://schemas.microsoft.com/office/drawing/2014/main" xmlns="" id="{F8D24EAD-76D1-014D-FB63-27C5C0A8B4E1}"/>
+                <a16:creationId xmlns:a16="http://schemas.microsoft.com/office/drawing/2014/main" id="{F8D24EAD-76D1-014D-FB63-27C5C0A8B4E1}"/>
               </a:ext>
             </a:extLst>
           </p:cNvPr>
@@ -5031,7 +8648,7 @@
 </p:sld>
 </file>
 
-<file path=ppt/slides/slide24.xml><?xml version="1.0" encoding="utf-8"?>
+<file path=ppt/slides/slide36.xml><?xml version="1.0" encoding="utf-8"?>
 <p:sld xmlns:a="http://schemas.openxmlformats.org/drawingml/2006/main" xmlns:r="http://schemas.openxmlformats.org/officeDocument/2006/relationships" xmlns:p="http://schemas.openxmlformats.org/presentationml/2006/main">
   <p:cSld>
     <p:spTree>
@@ -5053,7 +8670,7 @@
           <p:cNvPr id="2" name="標題 1">
             <a:extLst>
               <a:ext uri="{FF2B5EF4-FFF2-40B4-BE49-F238E27FC236}">
-                <a16:creationId xmlns:a16="http://schemas.microsoft.com/office/drawing/2014/main" xmlns="" id="{C7B55EDB-6608-3CDF-F165-7F6B7E345F41}"/>
+                <a16:creationId xmlns:a16="http://schemas.microsoft.com/office/drawing/2014/main" id="{C7B55EDB-6608-3CDF-F165-7F6B7E345F41}"/>
               </a:ext>
             </a:extLst>
           </p:cNvPr>
@@ -5087,7 +8704,7 @@
           <p:cNvPr id="3" name="內容版面配置區 2">
             <a:extLst>
               <a:ext uri="{FF2B5EF4-FFF2-40B4-BE49-F238E27FC236}">
-                <a16:creationId xmlns:a16="http://schemas.microsoft.com/office/drawing/2014/main" xmlns="" id="{997FEF67-95B7-8F99-30AA-238E1F83ECAB}"/>
+                <a16:creationId xmlns:a16="http://schemas.microsoft.com/office/drawing/2014/main" id="{997FEF67-95B7-8F99-30AA-238E1F83ECAB}"/>
               </a:ext>
             </a:extLst>
           </p:cNvPr>
@@ -5143,7 +8760,7 @@
           <p:cNvPr id="5" name="圖片 4">
             <a:extLst>
               <a:ext uri="{FF2B5EF4-FFF2-40B4-BE49-F238E27FC236}">
-                <a16:creationId xmlns:a16="http://schemas.microsoft.com/office/drawing/2014/main" xmlns="" id="{06F0EC0A-1716-674B-368E-E9CA7A73655E}"/>
+                <a16:creationId xmlns:a16="http://schemas.microsoft.com/office/drawing/2014/main" id="{06F0EC0A-1716-674B-368E-E9CA7A73655E}"/>
               </a:ext>
             </a:extLst>
           </p:cNvPr>
@@ -5181,7 +8798,7 @@
 </p:sld>
 </file>
 
-<file path=ppt/slides/slide25.xml><?xml version="1.0" encoding="utf-8"?>
+<file path=ppt/slides/slide37.xml><?xml version="1.0" encoding="utf-8"?>
 <p:sld xmlns:a="http://schemas.openxmlformats.org/drawingml/2006/main" xmlns:r="http://schemas.openxmlformats.org/officeDocument/2006/relationships" xmlns:p="http://schemas.openxmlformats.org/presentationml/2006/main">
   <p:cSld>
     <p:spTree>
@@ -5203,7 +8820,7 @@
           <p:cNvPr id="2" name="標題 1">
             <a:extLst>
               <a:ext uri="{FF2B5EF4-FFF2-40B4-BE49-F238E27FC236}">
-                <a16:creationId xmlns:a16="http://schemas.microsoft.com/office/drawing/2014/main" xmlns="" id="{C7B55EDB-6608-3CDF-F165-7F6B7E345F41}"/>
+                <a16:creationId xmlns:a16="http://schemas.microsoft.com/office/drawing/2014/main" id="{C7B55EDB-6608-3CDF-F165-7F6B7E345F41}"/>
               </a:ext>
             </a:extLst>
           </p:cNvPr>
@@ -5237,7 +8854,7 @@
           <p:cNvPr id="3" name="內容版面配置區 2">
             <a:extLst>
               <a:ext uri="{FF2B5EF4-FFF2-40B4-BE49-F238E27FC236}">
-                <a16:creationId xmlns:a16="http://schemas.microsoft.com/office/drawing/2014/main" xmlns="" id="{997FEF67-95B7-8F99-30AA-238E1F83ECAB}"/>
+                <a16:creationId xmlns:a16="http://schemas.microsoft.com/office/drawing/2014/main" id="{997FEF67-95B7-8F99-30AA-238E1F83ECAB}"/>
               </a:ext>
             </a:extLst>
           </p:cNvPr>
@@ -5285,7 +8902,7 @@
           <p:cNvPr id="5" name="圖片 4">
             <a:extLst>
               <a:ext uri="{FF2B5EF4-FFF2-40B4-BE49-F238E27FC236}">
-                <a16:creationId xmlns:a16="http://schemas.microsoft.com/office/drawing/2014/main" xmlns="" id="{63EEBD5A-2729-BD08-4EA2-AAFA875431FC}"/>
+                <a16:creationId xmlns:a16="http://schemas.microsoft.com/office/drawing/2014/main" id="{63EEBD5A-2729-BD08-4EA2-AAFA875431FC}"/>
               </a:ext>
             </a:extLst>
           </p:cNvPr>
@@ -5323,7 +8940,7 @@
 </p:sld>
 </file>
 
-<file path=ppt/slides/slide26.xml><?xml version="1.0" encoding="utf-8"?>
+<file path=ppt/slides/slide38.xml><?xml version="1.0" encoding="utf-8"?>
 <p:sld xmlns:a="http://schemas.openxmlformats.org/drawingml/2006/main" xmlns:r="http://schemas.openxmlformats.org/officeDocument/2006/relationships" xmlns:p="http://schemas.openxmlformats.org/presentationml/2006/main">
   <p:cSld>
     <p:spTree>
@@ -5345,7 +8962,7 @@
           <p:cNvPr id="5" name="圖片 4">
             <a:extLst>
               <a:ext uri="{FF2B5EF4-FFF2-40B4-BE49-F238E27FC236}">
-                <a16:creationId xmlns:a16="http://schemas.microsoft.com/office/drawing/2014/main" xmlns="" id="{74030B0A-B63D-4D84-08CF-401A368F3503}"/>
+                <a16:creationId xmlns:a16="http://schemas.microsoft.com/office/drawing/2014/main" id="{74030B0A-B63D-4D84-08CF-401A368F3503}"/>
               </a:ext>
             </a:extLst>
           </p:cNvPr>
@@ -5383,7 +9000,7 @@
 </p:sld>
 </file>
 
-<file path=ppt/slides/slide27.xml><?xml version="1.0" encoding="utf-8"?>
+<file path=ppt/slides/slide39.xml><?xml version="1.0" encoding="utf-8"?>
 <p:sld xmlns:a="http://schemas.openxmlformats.org/drawingml/2006/main" xmlns:r="http://schemas.openxmlformats.org/officeDocument/2006/relationships" xmlns:p="http://schemas.openxmlformats.org/presentationml/2006/main">
   <p:cSld>
     <p:spTree>
@@ -5400,12 +9017,71 @@
           <a:chExt cx="0" cy="0"/>
         </a:xfrm>
       </p:grpSpPr>
+      <p:pic>
+        <p:nvPicPr>
+          <p:cNvPr id="5" name="內容版面配置區 4">
+            <a:extLst>
+              <a:ext uri="{FF2B5EF4-FFF2-40B4-BE49-F238E27FC236}">
+                <a16:creationId xmlns:a16="http://schemas.microsoft.com/office/drawing/2014/main" id="{69A219CF-B65A-CD44-A023-C0310CB04047}"/>
+              </a:ext>
+            </a:extLst>
+          </p:cNvPr>
+          <p:cNvPicPr>
+            <a:picLocks noGrp="1" noChangeAspect="1"/>
+          </p:cNvPicPr>
+          <p:nvPr>
+            <p:ph idx="1"/>
+          </p:nvPr>
+        </p:nvPicPr>
+        <p:blipFill>
+          <a:blip r:embed="rId2"/>
+          <a:stretch>
+            <a:fillRect/>
+          </a:stretch>
+        </p:blipFill>
+        <p:spPr>
+          <a:xfrm>
+            <a:off x="2984258" y="495339"/>
+            <a:ext cx="6223484" cy="5867322"/>
+          </a:xfrm>
+        </p:spPr>
+      </p:pic>
+    </p:spTree>
+    <p:extLst>
+      <p:ext uri="{BB962C8B-B14F-4D97-AF65-F5344CB8AC3E}">
+        <p14:creationId xmlns:p14="http://schemas.microsoft.com/office/powerpoint/2010/main" val="2700276393"/>
+      </p:ext>
+    </p:extLst>
+  </p:cSld>
+  <p:clrMapOvr>
+    <a:masterClrMapping/>
+  </p:clrMapOvr>
+</p:sld>
+</file>
+
+<file path=ppt/slides/slide4.xml><?xml version="1.0" encoding="utf-8"?>
+<p:sld xmlns:a="http://schemas.openxmlformats.org/drawingml/2006/main" xmlns:r="http://schemas.openxmlformats.org/officeDocument/2006/relationships" xmlns:p="http://schemas.openxmlformats.org/presentationml/2006/main">
+  <p:cSld>
+    <p:spTree>
+      <p:nvGrpSpPr>
+        <p:cNvPr id="1" name=""/>
+        <p:cNvGrpSpPr/>
+        <p:nvPr/>
+      </p:nvGrpSpPr>
+      <p:grpSpPr>
+        <a:xfrm>
+          <a:off x="0" y="0"/>
+          <a:ext cx="0" cy="0"/>
+          <a:chOff x="0" y="0"/>
+          <a:chExt cx="0" cy="0"/>
+        </a:xfrm>
+      </p:grpSpPr>
       <p:sp>
         <p:nvSpPr>
           <p:cNvPr id="2" name="標題 1">
             <a:extLst>
               <a:ext uri="{FF2B5EF4-FFF2-40B4-BE49-F238E27FC236}">
-                <a16:creationId xmlns:a16="http://schemas.microsoft.com/office/drawing/2014/main" xmlns="" id="{C7B55EDB-6608-3CDF-F165-7F6B7E345F41}"/>
+                <a16:creationId xmlns:a16="http://schemas.microsoft.com/office/drawing/2014/main" id="{C7B55EDB-6608-3CDF-F165-7F6B7E345F41}"/>
               </a:ext>
             </a:extLst>
           </p:cNvPr>
@@ -5428,6 +9104,162 @@
           <a:p>
             <a:r>
               <a:rPr lang="en-US" altLang="zh-TW" dirty="0"/>
+              <a:t>Abstract</a:t>
+            </a:r>
+            <a:endParaRPr lang="zh-TW" altLang="en-US" dirty="0"/>
+          </a:p>
+        </p:txBody>
+      </p:sp>
+      <p:sp>
+        <p:nvSpPr>
+          <p:cNvPr id="3" name="內容版面配置區 2">
+            <a:extLst>
+              <a:ext uri="{FF2B5EF4-FFF2-40B4-BE49-F238E27FC236}">
+                <a16:creationId xmlns:a16="http://schemas.microsoft.com/office/drawing/2014/main" id="{997FEF67-95B7-8F99-30AA-238E1F83ECAB}"/>
+              </a:ext>
+            </a:extLst>
+          </p:cNvPr>
+          <p:cNvSpPr>
+            <a:spLocks noGrp="1"/>
+          </p:cNvSpPr>
+          <p:nvPr>
+            <p:ph idx="1"/>
+          </p:nvPr>
+        </p:nvSpPr>
+        <p:spPr>
+          <a:xfrm>
+            <a:off x="838200" y="1259633"/>
+            <a:ext cx="10515600" cy="4917329"/>
+          </a:xfrm>
+        </p:spPr>
+        <p:txBody>
+          <a:bodyPr>
+            <a:normAutofit/>
+          </a:bodyPr>
+          <a:lstStyle/>
+          <a:p>
+            <a:pPr marL="0" indent="0">
+              <a:buNone/>
+            </a:pPr>
+            <a:r>
+              <a:rPr lang="en-US" altLang="zh-TW" sz="2000" dirty="0"/>
+              <a:t>    The model trained with rice data predicts well the 6mA sites of other three species: </a:t>
+            </a:r>
+          </a:p>
+          <a:p>
+            <a:r>
+              <a:rPr lang="en-US" altLang="zh-TW" sz="2000" dirty="0"/>
+              <a:t>Arabidopsis thaliana, </a:t>
+            </a:r>
+          </a:p>
+          <a:p>
+            <a:r>
+              <a:rPr lang="en-US" altLang="zh-TW" sz="2000" dirty="0"/>
+              <a:t>Fragaria </a:t>
+            </a:r>
+            <a:r>
+              <a:rPr lang="en-US" altLang="zh-TW" sz="2000" dirty="0" err="1"/>
+              <a:t>vesca</a:t>
+            </a:r>
+            <a:r>
+              <a:rPr lang="en-US" altLang="zh-TW" sz="2000" dirty="0"/>
+              <a:t> </a:t>
+            </a:r>
+          </a:p>
+          <a:p>
+            <a:r>
+              <a:rPr lang="en-US" altLang="zh-TW" sz="2000" dirty="0"/>
+              <a:t>Rosa chinensis </a:t>
+            </a:r>
+          </a:p>
+          <a:p>
+            <a:pPr marL="0" indent="0">
+              <a:buNone/>
+            </a:pPr>
+            <a:r>
+              <a:rPr lang="en-US" altLang="zh-TW" sz="2000" dirty="0"/>
+              <a:t>with a prediction accuracy over 90%. In addition, we find that: </a:t>
+            </a:r>
+          </a:p>
+          <a:p>
+            <a:pPr marL="0" indent="0">
+              <a:buNone/>
+            </a:pPr>
+            <a:r>
+              <a:rPr lang="en-US" altLang="zh-TW" sz="2000" dirty="0"/>
+              <a:t>(1) 6mA tends to occur at GAGG motifs, which means the sequence near the 6mA site may be    conservative;</a:t>
+            </a:r>
+          </a:p>
+          <a:p>
+            <a:pPr marL="0" indent="0">
+              <a:buNone/>
+            </a:pPr>
+            <a:r>
+              <a:rPr lang="en-US" altLang="zh-TW" sz="2000" dirty="0"/>
+              <a:t>(2) 6mA is enriched in the TATA box of the promoter, which may be the main source of its regulating downstream gene expression.</a:t>
+            </a:r>
+            <a:endParaRPr lang="zh-TW" altLang="en-US" sz="2000" dirty="0"/>
+          </a:p>
+        </p:txBody>
+      </p:sp>
+    </p:spTree>
+    <p:extLst>
+      <p:ext uri="{BB962C8B-B14F-4D97-AF65-F5344CB8AC3E}">
+        <p14:creationId xmlns:p14="http://schemas.microsoft.com/office/powerpoint/2010/main" val="4092016042"/>
+      </p:ext>
+    </p:extLst>
+  </p:cSld>
+  <p:clrMapOvr>
+    <a:masterClrMapping/>
+  </p:clrMapOvr>
+</p:sld>
+</file>
+
+<file path=ppt/slides/slide40.xml><?xml version="1.0" encoding="utf-8"?>
+<p:sld xmlns:a="http://schemas.openxmlformats.org/drawingml/2006/main" xmlns:r="http://schemas.openxmlformats.org/officeDocument/2006/relationships" xmlns:p="http://schemas.openxmlformats.org/presentationml/2006/main">
+  <p:cSld>
+    <p:spTree>
+      <p:nvGrpSpPr>
+        <p:cNvPr id="1" name=""/>
+        <p:cNvGrpSpPr/>
+        <p:nvPr/>
+      </p:nvGrpSpPr>
+      <p:grpSpPr>
+        <a:xfrm>
+          <a:off x="0" y="0"/>
+          <a:ext cx="0" cy="0"/>
+          <a:chOff x="0" y="0"/>
+          <a:chExt cx="0" cy="0"/>
+        </a:xfrm>
+      </p:grpSpPr>
+      <p:sp>
+        <p:nvSpPr>
+          <p:cNvPr id="2" name="標題 1">
+            <a:extLst>
+              <a:ext uri="{FF2B5EF4-FFF2-40B4-BE49-F238E27FC236}">
+                <a16:creationId xmlns:a16="http://schemas.microsoft.com/office/drawing/2014/main" id="{C7B55EDB-6608-3CDF-F165-7F6B7E345F41}"/>
+              </a:ext>
+            </a:extLst>
+          </p:cNvPr>
+          <p:cNvSpPr>
+            <a:spLocks noGrp="1"/>
+          </p:cNvSpPr>
+          <p:nvPr>
+            <p:ph type="title"/>
+          </p:nvPr>
+        </p:nvSpPr>
+        <p:spPr>
+          <a:xfrm>
+            <a:off x="838200" y="365126"/>
+            <a:ext cx="10515600" cy="894508"/>
+          </a:xfrm>
+        </p:spPr>
+        <p:txBody>
+          <a:bodyPr/>
+          <a:lstStyle/>
+          <a:p>
+            <a:r>
+              <a:rPr lang="en-US" altLang="zh-TW" dirty="0"/>
               <a:t>Results</a:t>
             </a:r>
             <a:endParaRPr lang="zh-TW" altLang="en-US" dirty="0"/>
@@ -5439,7 +9271,7 @@
           <p:cNvPr id="3" name="內容版面配置區 2">
             <a:extLst>
               <a:ext uri="{FF2B5EF4-FFF2-40B4-BE49-F238E27FC236}">
-                <a16:creationId xmlns:a16="http://schemas.microsoft.com/office/drawing/2014/main" xmlns="" id="{997FEF67-95B7-8F99-30AA-238E1F83ECAB}"/>
+                <a16:creationId xmlns:a16="http://schemas.microsoft.com/office/drawing/2014/main" id="{997FEF67-95B7-8F99-30AA-238E1F83ECAB}"/>
               </a:ext>
             </a:extLst>
           </p:cNvPr>
@@ -5504,7 +9336,7 @@
 </p:sld>
 </file>
 
-<file path=ppt/slides/slide28.xml><?xml version="1.0" encoding="utf-8"?>
+<file path=ppt/slides/slide41.xml><?xml version="1.0" encoding="utf-8"?>
 <p:sld xmlns:a="http://schemas.openxmlformats.org/drawingml/2006/main" xmlns:r="http://schemas.openxmlformats.org/officeDocument/2006/relationships" xmlns:p="http://schemas.openxmlformats.org/presentationml/2006/main">
   <p:cSld>
     <p:spTree>
@@ -5526,7 +9358,7 @@
           <p:cNvPr id="9" name="圖片 8">
             <a:extLst>
               <a:ext uri="{FF2B5EF4-FFF2-40B4-BE49-F238E27FC236}">
-                <a16:creationId xmlns:a16="http://schemas.microsoft.com/office/drawing/2014/main" xmlns="" id="{6D1E21C7-2A0C-A53F-DA67-FDB54C54A81E}"/>
+                <a16:creationId xmlns:a16="http://schemas.microsoft.com/office/drawing/2014/main" id="{6D1E21C7-2A0C-A53F-DA67-FDB54C54A81E}"/>
               </a:ext>
             </a:extLst>
           </p:cNvPr>
@@ -5564,7 +9396,7 @@
 </p:sld>
 </file>
 
-<file path=ppt/slides/slide29.xml><?xml version="1.0" encoding="utf-8"?>
+<file path=ppt/slides/slide42.xml><?xml version="1.0" encoding="utf-8"?>
 <p:sld xmlns:a="http://schemas.openxmlformats.org/drawingml/2006/main" xmlns:r="http://schemas.openxmlformats.org/officeDocument/2006/relationships" xmlns:p="http://schemas.openxmlformats.org/presentationml/2006/main">
   <p:cSld>
     <p:spTree>
@@ -5586,7 +9418,7 @@
           <p:cNvPr id="2" name="標題 1">
             <a:extLst>
               <a:ext uri="{FF2B5EF4-FFF2-40B4-BE49-F238E27FC236}">
-                <a16:creationId xmlns:a16="http://schemas.microsoft.com/office/drawing/2014/main" xmlns="" id="{C7B55EDB-6608-3CDF-F165-7F6B7E345F41}"/>
+                <a16:creationId xmlns:a16="http://schemas.microsoft.com/office/drawing/2014/main" id="{C7B55EDB-6608-3CDF-F165-7F6B7E345F41}"/>
               </a:ext>
             </a:extLst>
           </p:cNvPr>
@@ -5620,7 +9452,7 @@
           <p:cNvPr id="3" name="內容版面配置區 2">
             <a:extLst>
               <a:ext uri="{FF2B5EF4-FFF2-40B4-BE49-F238E27FC236}">
-                <a16:creationId xmlns:a16="http://schemas.microsoft.com/office/drawing/2014/main" xmlns="" id="{997FEF67-95B7-8F99-30AA-238E1F83ECAB}"/>
+                <a16:creationId xmlns:a16="http://schemas.microsoft.com/office/drawing/2014/main" id="{997FEF67-95B7-8F99-30AA-238E1F83ECAB}"/>
               </a:ext>
             </a:extLst>
           </p:cNvPr>
@@ -5677,119 +9509,7 @@
 </p:sld>
 </file>
 
-<file path=ppt/slides/slide3.xml><?xml version="1.0" encoding="utf-8"?>
-<p:sld xmlns:a="http://schemas.openxmlformats.org/drawingml/2006/main" xmlns:r="http://schemas.openxmlformats.org/officeDocument/2006/relationships" xmlns:p="http://schemas.openxmlformats.org/presentationml/2006/main">
-  <p:cSld>
-    <p:spTree>
-      <p:nvGrpSpPr>
-        <p:cNvPr id="1" name=""/>
-        <p:cNvGrpSpPr/>
-        <p:nvPr/>
-      </p:nvGrpSpPr>
-      <p:grpSpPr>
-        <a:xfrm>
-          <a:off x="0" y="0"/>
-          <a:ext cx="0" cy="0"/>
-          <a:chOff x="0" y="0"/>
-          <a:chExt cx="0" cy="0"/>
-        </a:xfrm>
-      </p:grpSpPr>
-      <p:sp>
-        <p:nvSpPr>
-          <p:cNvPr id="2" name="標題 1">
-            <a:extLst>
-              <a:ext uri="{FF2B5EF4-FFF2-40B4-BE49-F238E27FC236}">
-                <a16:creationId xmlns:a16="http://schemas.microsoft.com/office/drawing/2014/main" xmlns="" id="{C7B55EDB-6608-3CDF-F165-7F6B7E345F41}"/>
-              </a:ext>
-            </a:extLst>
-          </p:cNvPr>
-          <p:cNvSpPr>
-            <a:spLocks noGrp="1"/>
-          </p:cNvSpPr>
-          <p:nvPr>
-            <p:ph type="title"/>
-          </p:nvPr>
-        </p:nvSpPr>
-        <p:spPr>
-          <a:xfrm>
-            <a:off x="838200" y="365126"/>
-            <a:ext cx="10515600" cy="894508"/>
-          </a:xfrm>
-        </p:spPr>
-        <p:txBody>
-          <a:bodyPr/>
-          <a:lstStyle/>
-          <a:p>
-            <a:r>
-              <a:rPr lang="en-US" altLang="zh-TW" dirty="0"/>
-              <a:t>Abstract</a:t>
-            </a:r>
-            <a:endParaRPr lang="zh-TW" altLang="en-US" dirty="0"/>
-          </a:p>
-        </p:txBody>
-      </p:sp>
-      <p:sp>
-        <p:nvSpPr>
-          <p:cNvPr id="3" name="內容版面配置區 2">
-            <a:extLst>
-              <a:ext uri="{FF2B5EF4-FFF2-40B4-BE49-F238E27FC236}">
-                <a16:creationId xmlns:a16="http://schemas.microsoft.com/office/drawing/2014/main" xmlns="" id="{997FEF67-95B7-8F99-30AA-238E1F83ECAB}"/>
-              </a:ext>
-            </a:extLst>
-          </p:cNvPr>
-          <p:cNvSpPr>
-            <a:spLocks noGrp="1"/>
-          </p:cNvSpPr>
-          <p:nvPr>
-            <p:ph idx="1"/>
-          </p:nvPr>
-        </p:nvSpPr>
-        <p:spPr>
-          <a:xfrm>
-            <a:off x="838200" y="1259633"/>
-            <a:ext cx="10515600" cy="4917329"/>
-          </a:xfrm>
-        </p:spPr>
-        <p:txBody>
-          <a:bodyPr>
-            <a:normAutofit/>
-          </a:bodyPr>
-          <a:lstStyle/>
-          <a:p>
-            <a:pPr marL="0" indent="0">
-              <a:buNone/>
-            </a:pPr>
-            <a:r>
-              <a:rPr lang="en-US" altLang="zh-TW" sz="2000" dirty="0"/>
-              <a:t>    N6-methyladenine (6mA) is an important DNA modification form associated with a wide range of biological processes. Identifying accurately 6mA sites on a genomic scale is crucial for under-standing of 6mA’s biological functions. However, the existing experimental techniques for detecting 6mA sites are cost-ineffective, which implies the great need of developing new computational methods for this problem. </a:t>
-            </a:r>
-          </a:p>
-          <a:p>
-            <a:pPr marL="0" indent="0">
-              <a:buNone/>
-            </a:pPr>
-            <a:r>
-              <a:rPr lang="en-US" altLang="zh-TW" sz="2000" dirty="0"/>
-              <a:t>    In this paper, we developed, without requiring any prior knowledge of 6mA and manually crafted sequence features, a deep learning framework named Deep6mA to identify DNA 6mA sites, and its performance is superior to other DNA 6mA prediction tools. Specifically, the 5-fold cross-validation on a benchmark dataset of rice gives the sensitivity and specificity of Deep6mA as 92.96% and 95.06%, respectively, and the overall prediction accuracy is 94%. Importantly, we find that the sequences with 6mA sites share similar patterns across different species. </a:t>
-            </a:r>
-            <a:endParaRPr lang="zh-TW" altLang="en-US" sz="2000" dirty="0"/>
-          </a:p>
-        </p:txBody>
-      </p:sp>
-    </p:spTree>
-    <p:extLst>
-      <p:ext uri="{BB962C8B-B14F-4D97-AF65-F5344CB8AC3E}">
-        <p14:creationId xmlns:p14="http://schemas.microsoft.com/office/powerpoint/2010/main" val="4009696286"/>
-      </p:ext>
-    </p:extLst>
-  </p:cSld>
-  <p:clrMapOvr>
-    <a:masterClrMapping/>
-  </p:clrMapOvr>
-</p:sld>
-</file>
-
-<file path=ppt/slides/slide30.xml><?xml version="1.0" encoding="utf-8"?>
+<file path=ppt/slides/slide43.xml><?xml version="1.0" encoding="utf-8"?>
 <p:sld xmlns:a="http://schemas.openxmlformats.org/drawingml/2006/main" xmlns:r="http://schemas.openxmlformats.org/officeDocument/2006/relationships" xmlns:p="http://schemas.openxmlformats.org/presentationml/2006/main">
   <p:cSld>
     <p:spTree>
@@ -5811,7 +9531,7 @@
           <p:cNvPr id="5" name="圖片 4">
             <a:extLst>
               <a:ext uri="{FF2B5EF4-FFF2-40B4-BE49-F238E27FC236}">
-                <a16:creationId xmlns:a16="http://schemas.microsoft.com/office/drawing/2014/main" xmlns="" id="{DD0EEA86-A4FF-1CC8-FAE0-76A73839CF21}"/>
+                <a16:creationId xmlns:a16="http://schemas.microsoft.com/office/drawing/2014/main" id="{DD0EEA86-A4FF-1CC8-FAE0-76A73839CF21}"/>
               </a:ext>
             </a:extLst>
           </p:cNvPr>
@@ -5849,7 +9569,7 @@
 </p:sld>
 </file>
 
-<file path=ppt/slides/slide31.xml><?xml version="1.0" encoding="utf-8"?>
+<file path=ppt/slides/slide44.xml><?xml version="1.0" encoding="utf-8"?>
 <p:sld xmlns:a="http://schemas.openxmlformats.org/drawingml/2006/main" xmlns:r="http://schemas.openxmlformats.org/officeDocument/2006/relationships" xmlns:p="http://schemas.openxmlformats.org/presentationml/2006/main">
   <p:cSld>
     <p:spTree>
@@ -5871,7 +9591,7 @@
           <p:cNvPr id="3" name="圖片 2">
             <a:extLst>
               <a:ext uri="{FF2B5EF4-FFF2-40B4-BE49-F238E27FC236}">
-                <a16:creationId xmlns:a16="http://schemas.microsoft.com/office/drawing/2014/main" xmlns="" id="{DB94A8B7-2A40-6EA4-8739-E537514B1BA0}"/>
+                <a16:creationId xmlns:a16="http://schemas.microsoft.com/office/drawing/2014/main" id="{DB94A8B7-2A40-6EA4-8739-E537514B1BA0}"/>
               </a:ext>
             </a:extLst>
           </p:cNvPr>
@@ -5909,7 +9629,7 @@
 </p:sld>
 </file>
 
-<file path=ppt/slides/slide32.xml><?xml version="1.0" encoding="utf-8"?>
+<file path=ppt/slides/slide45.xml><?xml version="1.0" encoding="utf-8"?>
 <p:sld xmlns:a="http://schemas.openxmlformats.org/drawingml/2006/main" xmlns:r="http://schemas.openxmlformats.org/officeDocument/2006/relationships" xmlns:p="http://schemas.openxmlformats.org/presentationml/2006/main">
   <p:cSld>
     <p:spTree>
@@ -5931,7 +9651,7 @@
           <p:cNvPr id="2" name="標題 1">
             <a:extLst>
               <a:ext uri="{FF2B5EF4-FFF2-40B4-BE49-F238E27FC236}">
-                <a16:creationId xmlns:a16="http://schemas.microsoft.com/office/drawing/2014/main" xmlns="" id="{C7B55EDB-6608-3CDF-F165-7F6B7E345F41}"/>
+                <a16:creationId xmlns:a16="http://schemas.microsoft.com/office/drawing/2014/main" id="{C7B55EDB-6608-3CDF-F165-7F6B7E345F41}"/>
               </a:ext>
             </a:extLst>
           </p:cNvPr>
@@ -5965,7 +9685,7 @@
           <p:cNvPr id="3" name="內容版面配置區 2">
             <a:extLst>
               <a:ext uri="{FF2B5EF4-FFF2-40B4-BE49-F238E27FC236}">
-                <a16:creationId xmlns:a16="http://schemas.microsoft.com/office/drawing/2014/main" xmlns="" id="{997FEF67-95B7-8F99-30AA-238E1F83ECAB}"/>
+                <a16:creationId xmlns:a16="http://schemas.microsoft.com/office/drawing/2014/main" id="{997FEF67-95B7-8F99-30AA-238E1F83ECAB}"/>
               </a:ext>
             </a:extLst>
           </p:cNvPr>
@@ -6044,7 +9764,7 @@
 </p:sld>
 </file>
 
-<file path=ppt/slides/slide33.xml><?xml version="1.0" encoding="utf-8"?>
+<file path=ppt/slides/slide46.xml><?xml version="1.0" encoding="utf-8"?>
 <p:sld xmlns:a="http://schemas.openxmlformats.org/drawingml/2006/main" xmlns:r="http://schemas.openxmlformats.org/officeDocument/2006/relationships" xmlns:p="http://schemas.openxmlformats.org/presentationml/2006/main">
   <p:cSld>
     <p:spTree>
@@ -6066,7 +9786,7 @@
           <p:cNvPr id="2" name="標題 1">
             <a:extLst>
               <a:ext uri="{FF2B5EF4-FFF2-40B4-BE49-F238E27FC236}">
-                <a16:creationId xmlns:a16="http://schemas.microsoft.com/office/drawing/2014/main" xmlns="" id="{C7B55EDB-6608-3CDF-F165-7F6B7E345F41}"/>
+                <a16:creationId xmlns:a16="http://schemas.microsoft.com/office/drawing/2014/main" id="{C7B55EDB-6608-3CDF-F165-7F6B7E345F41}"/>
               </a:ext>
             </a:extLst>
           </p:cNvPr>
@@ -6100,7 +9820,7 @@
           <p:cNvPr id="3" name="內容版面配置區 2">
             <a:extLst>
               <a:ext uri="{FF2B5EF4-FFF2-40B4-BE49-F238E27FC236}">
-                <a16:creationId xmlns:a16="http://schemas.microsoft.com/office/drawing/2014/main" xmlns="" id="{997FEF67-95B7-8F99-30AA-238E1F83ECAB}"/>
+                <a16:creationId xmlns:a16="http://schemas.microsoft.com/office/drawing/2014/main" id="{997FEF67-95B7-8F99-30AA-238E1F83ECAB}"/>
               </a:ext>
             </a:extLst>
           </p:cNvPr>
@@ -6141,2074 +9861,6 @@
     <p:extLst>
       <p:ext uri="{BB962C8B-B14F-4D97-AF65-F5344CB8AC3E}">
         <p14:creationId xmlns:p14="http://schemas.microsoft.com/office/powerpoint/2010/main" val="495379276"/>
-      </p:ext>
-    </p:extLst>
-  </p:cSld>
-  <p:clrMapOvr>
-    <a:masterClrMapping/>
-  </p:clrMapOvr>
-</p:sld>
-</file>
-
-<file path=ppt/slides/slide34.xml><?xml version="1.0" encoding="utf-8"?>
-<p:sld xmlns:a="http://schemas.openxmlformats.org/drawingml/2006/main" xmlns:r="http://schemas.openxmlformats.org/officeDocument/2006/relationships" xmlns:p="http://schemas.openxmlformats.org/presentationml/2006/main">
-  <p:cSld>
-    <p:spTree>
-      <p:nvGrpSpPr>
-        <p:cNvPr id="1" name=""/>
-        <p:cNvGrpSpPr/>
-        <p:nvPr/>
-      </p:nvGrpSpPr>
-      <p:grpSpPr>
-        <a:xfrm>
-          <a:off x="0" y="0"/>
-          <a:ext cx="0" cy="0"/>
-          <a:chOff x="0" y="0"/>
-          <a:chExt cx="0" cy="0"/>
-        </a:xfrm>
-      </p:grpSpPr>
-      <p:sp>
-        <p:nvSpPr>
-          <p:cNvPr id="2" name="標題 1">
-            <a:extLst>
-              <a:ext uri="{FF2B5EF4-FFF2-40B4-BE49-F238E27FC236}">
-                <a16:creationId xmlns:a16="http://schemas.microsoft.com/office/drawing/2014/main" xmlns="" id="{C7B55EDB-6608-3CDF-F165-7F6B7E345F41}"/>
-              </a:ext>
-            </a:extLst>
-          </p:cNvPr>
-          <p:cNvSpPr>
-            <a:spLocks noGrp="1"/>
-          </p:cNvSpPr>
-          <p:nvPr>
-            <p:ph type="title"/>
-          </p:nvPr>
-        </p:nvSpPr>
-        <p:spPr>
-          <a:xfrm>
-            <a:off x="838200" y="365126"/>
-            <a:ext cx="10515600" cy="894508"/>
-          </a:xfrm>
-        </p:spPr>
-        <p:txBody>
-          <a:bodyPr/>
-          <a:lstStyle/>
-          <a:p>
-            <a:r>
-              <a:rPr lang="en-US" altLang="zh-TW" dirty="0"/>
-              <a:t>Materials and methods</a:t>
-            </a:r>
-            <a:endParaRPr lang="zh-TW" altLang="en-US" dirty="0"/>
-          </a:p>
-        </p:txBody>
-      </p:sp>
-      <p:sp>
-        <p:nvSpPr>
-          <p:cNvPr id="3" name="內容版面配置區 2">
-            <a:extLst>
-              <a:ext uri="{FF2B5EF4-FFF2-40B4-BE49-F238E27FC236}">
-                <a16:creationId xmlns:a16="http://schemas.microsoft.com/office/drawing/2014/main" xmlns="" id="{997FEF67-95B7-8F99-30AA-238E1F83ECAB}"/>
-              </a:ext>
-            </a:extLst>
-          </p:cNvPr>
-          <p:cNvSpPr>
-            <a:spLocks noGrp="1"/>
-          </p:cNvSpPr>
-          <p:nvPr>
-            <p:ph idx="1"/>
-          </p:nvPr>
-        </p:nvSpPr>
-        <p:spPr>
-          <a:xfrm>
-            <a:off x="838199" y="1259634"/>
-            <a:ext cx="10515600" cy="5355771"/>
-          </a:xfrm>
-        </p:spPr>
-        <p:txBody>
-          <a:bodyPr>
-            <a:normAutofit/>
-          </a:bodyPr>
-          <a:lstStyle/>
-          <a:p>
-            <a:r>
-              <a:rPr lang="en-US" altLang="zh-TW" sz="2400" dirty="0"/>
-              <a:t>Benchmark dataset</a:t>
-            </a:r>
-          </a:p>
-          <a:p>
-            <a:pPr marL="0" indent="0">
-              <a:buNone/>
-            </a:pPr>
-            <a:r>
-              <a:rPr lang="zh-TW" altLang="en-US" sz="1400" dirty="0"/>
-              <a:t>     </a:t>
-            </a:r>
-            <a:r>
-              <a:rPr lang="en-US" altLang="zh-TW" sz="2000" dirty="0"/>
-              <a:t>A benchmark dataset is important to build a reliable prediction model. In this study, for convenience, we use the 6mA-rice-Lv dataset [16,22], including 154,000 positive samples and 154,000 negative samples, to evaluate the proposed method and to compare it with other methods. For each positive sample obtained from GEO, the sequence is 41nt long with the 6mA site locating at the center. For each negative sample collected from NCBI, it’s also a sequence with length 41nt but contains no 6mA modification proved by experiments. </a:t>
-            </a:r>
-          </a:p>
-        </p:txBody>
-      </p:sp>
-      <p:graphicFrame>
-        <p:nvGraphicFramePr>
-          <p:cNvPr id="5" name="表格 7">
-            <a:extLst>
-              <a:ext uri="{FF2B5EF4-FFF2-40B4-BE49-F238E27FC236}">
-                <a16:creationId xmlns:a16="http://schemas.microsoft.com/office/drawing/2014/main" xmlns="" id="{0482D6B4-87FD-39B6-BB72-BB82A25D43D4}"/>
-              </a:ext>
-            </a:extLst>
-          </p:cNvPr>
-          <p:cNvGraphicFramePr>
-            <a:graphicFrameLocks noGrp="1"/>
-          </p:cNvGraphicFramePr>
-          <p:nvPr>
-            <p:extLst>
-              <p:ext uri="{D42A27DB-BD31-4B8C-83A1-F6EECF244321}">
-                <p14:modId xmlns:p14="http://schemas.microsoft.com/office/powerpoint/2010/main" val="2507868280"/>
-              </p:ext>
-            </p:extLst>
-          </p:nvPr>
-        </p:nvGraphicFramePr>
-        <p:xfrm>
-          <a:off x="2031999" y="4485846"/>
-          <a:ext cx="8128000" cy="1112520"/>
-        </p:xfrm>
-        <a:graphic>
-          <a:graphicData uri="http://schemas.openxmlformats.org/drawingml/2006/table">
-            <a:tbl>
-              <a:tblPr firstRow="1" bandRow="1">
-                <a:tableStyleId>{5C22544A-7EE6-4342-B048-85BDC9FD1C3A}</a:tableStyleId>
-              </a:tblPr>
-              <a:tblGrid>
-                <a:gridCol w="2032000">
-                  <a:extLst>
-                    <a:ext uri="{9D8B030D-6E8A-4147-A177-3AD203B41FA5}">
-                      <a16:colId xmlns:a16="http://schemas.microsoft.com/office/drawing/2014/main" xmlns="" val="2184589757"/>
-                    </a:ext>
-                  </a:extLst>
-                </a:gridCol>
-                <a:gridCol w="2032000">
-                  <a:extLst>
-                    <a:ext uri="{9D8B030D-6E8A-4147-A177-3AD203B41FA5}">
-                      <a16:colId xmlns:a16="http://schemas.microsoft.com/office/drawing/2014/main" xmlns="" val="1743072117"/>
-                    </a:ext>
-                  </a:extLst>
-                </a:gridCol>
-                <a:gridCol w="2032000">
-                  <a:extLst>
-                    <a:ext uri="{9D8B030D-6E8A-4147-A177-3AD203B41FA5}">
-                      <a16:colId xmlns:a16="http://schemas.microsoft.com/office/drawing/2014/main" xmlns="" val="544431890"/>
-                    </a:ext>
-                  </a:extLst>
-                </a:gridCol>
-                <a:gridCol w="2032000">
-                  <a:extLst>
-                    <a:ext uri="{9D8B030D-6E8A-4147-A177-3AD203B41FA5}">
-                      <a16:colId xmlns:a16="http://schemas.microsoft.com/office/drawing/2014/main" xmlns="" val="2010372138"/>
-                    </a:ext>
-                  </a:extLst>
-                </a:gridCol>
-              </a:tblGrid>
-              <a:tr h="370840">
-                <a:tc>
-                  <a:txBody>
-                    <a:bodyPr/>
-                    <a:lstStyle/>
-                    <a:p>
-                      <a:r>
-                        <a:rPr lang="en-US" altLang="zh-TW" dirty="0"/>
-                        <a:t>Species</a:t>
-                      </a:r>
-                      <a:endParaRPr lang="zh-TW" altLang="en-US" dirty="0"/>
-                    </a:p>
-                  </a:txBody>
-                  <a:tcPr/>
-                </a:tc>
-                <a:tc>
-                  <a:txBody>
-                    <a:bodyPr/>
-                    <a:lstStyle/>
-                    <a:p>
-                      <a:r>
-                        <a:rPr lang="en-US" altLang="zh-TW" dirty="0"/>
-                        <a:t>Sequence</a:t>
-                      </a:r>
-                      <a:endParaRPr lang="zh-TW" altLang="en-US" dirty="0"/>
-                    </a:p>
-                  </a:txBody>
-                  <a:tcPr/>
-                </a:tc>
-                <a:tc>
-                  <a:txBody>
-                    <a:bodyPr/>
-                    <a:lstStyle/>
-                    <a:p>
-                      <a:r>
-                        <a:rPr lang="en-US" altLang="zh-TW" dirty="0"/>
-                        <a:t>Samples</a:t>
-                      </a:r>
-                      <a:endParaRPr lang="zh-TW" altLang="en-US" dirty="0"/>
-                    </a:p>
-                  </a:txBody>
-                  <a:tcPr/>
-                </a:tc>
-                <a:tc>
-                  <a:txBody>
-                    <a:bodyPr/>
-                    <a:lstStyle/>
-                    <a:p>
-                      <a:r>
-                        <a:rPr lang="en-US" altLang="zh-TW" dirty="0"/>
-                        <a:t>Length</a:t>
-                      </a:r>
-                      <a:endParaRPr lang="zh-TW" altLang="en-US" dirty="0"/>
-                    </a:p>
-                  </a:txBody>
-                  <a:tcPr/>
-                </a:tc>
-                <a:extLst>
-                  <a:ext uri="{0D108BD9-81ED-4DB2-BD59-A6C34878D82A}">
-                    <a16:rowId xmlns:a16="http://schemas.microsoft.com/office/drawing/2014/main" xmlns="" val="2062556669"/>
-                  </a:ext>
-                </a:extLst>
-              </a:tr>
-              <a:tr h="370840">
-                <a:tc rowSpan="2">
-                  <a:txBody>
-                    <a:bodyPr/>
-                    <a:lstStyle/>
-                    <a:p>
-                      <a:pPr algn="ctr"/>
-                      <a:r>
-                        <a:rPr lang="en-US" altLang="zh-TW" dirty="0"/>
-                        <a:t>Rice</a:t>
-                      </a:r>
-                      <a:endParaRPr lang="zh-TW" altLang="en-US" dirty="0"/>
-                    </a:p>
-                  </a:txBody>
-                  <a:tcPr anchor="ctr"/>
-                </a:tc>
-                <a:tc>
-                  <a:txBody>
-                    <a:bodyPr/>
-                    <a:lstStyle/>
-                    <a:p>
-                      <a:r>
-                        <a:rPr lang="en-US" altLang="zh-TW" dirty="0"/>
-                        <a:t>Positive</a:t>
-                      </a:r>
-                      <a:endParaRPr lang="zh-TW" altLang="en-US" dirty="0"/>
-                    </a:p>
-                  </a:txBody>
-                  <a:tcPr/>
-                </a:tc>
-                <a:tc>
-                  <a:txBody>
-                    <a:bodyPr/>
-                    <a:lstStyle/>
-                    <a:p>
-                      <a:r>
-                        <a:rPr lang="en-US" altLang="zh-TW" dirty="0"/>
-                        <a:t>15400</a:t>
-                      </a:r>
-                      <a:endParaRPr lang="zh-TW" altLang="en-US" dirty="0"/>
-                    </a:p>
-                  </a:txBody>
-                  <a:tcPr/>
-                </a:tc>
-                <a:tc rowSpan="2">
-                  <a:txBody>
-                    <a:bodyPr/>
-                    <a:lstStyle/>
-                    <a:p>
-                      <a:pPr algn="ctr"/>
-                      <a:r>
-                        <a:rPr lang="en-US" altLang="zh-TW" dirty="0"/>
-                        <a:t>41nt</a:t>
-                      </a:r>
-                      <a:endParaRPr lang="zh-TW" altLang="en-US" dirty="0"/>
-                    </a:p>
-                  </a:txBody>
-                  <a:tcPr anchor="ctr"/>
-                </a:tc>
-                <a:extLst>
-                  <a:ext uri="{0D108BD9-81ED-4DB2-BD59-A6C34878D82A}">
-                    <a16:rowId xmlns:a16="http://schemas.microsoft.com/office/drawing/2014/main" xmlns="" val="1382988676"/>
-                  </a:ext>
-                </a:extLst>
-              </a:tr>
-              <a:tr h="370840">
-                <a:tc vMerge="1">
-                  <a:txBody>
-                    <a:bodyPr/>
-                    <a:lstStyle/>
-                    <a:p>
-                      <a:endParaRPr lang="zh-TW" altLang="en-US" dirty="0"/>
-                    </a:p>
-                  </a:txBody>
-                  <a:tcPr/>
-                </a:tc>
-                <a:tc>
-                  <a:txBody>
-                    <a:bodyPr/>
-                    <a:lstStyle/>
-                    <a:p>
-                      <a:r>
-                        <a:rPr lang="en-US" altLang="zh-TW" dirty="0"/>
-                        <a:t>Negative</a:t>
-                      </a:r>
-                      <a:endParaRPr lang="zh-TW" altLang="en-US" dirty="0"/>
-                    </a:p>
-                  </a:txBody>
-                  <a:tcPr/>
-                </a:tc>
-                <a:tc>
-                  <a:txBody>
-                    <a:bodyPr/>
-                    <a:lstStyle/>
-                    <a:p>
-                      <a:r>
-                        <a:rPr lang="en-US" altLang="zh-TW" dirty="0"/>
-                        <a:t>15400</a:t>
-                      </a:r>
-                      <a:endParaRPr lang="zh-TW" altLang="en-US" dirty="0"/>
-                    </a:p>
-                  </a:txBody>
-                  <a:tcPr/>
-                </a:tc>
-                <a:tc vMerge="1">
-                  <a:txBody>
-                    <a:bodyPr/>
-                    <a:lstStyle/>
-                    <a:p>
-                      <a:endParaRPr lang="zh-TW" altLang="en-US" dirty="0"/>
-                    </a:p>
-                  </a:txBody>
-                  <a:tcPr/>
-                </a:tc>
-                <a:extLst>
-                  <a:ext uri="{0D108BD9-81ED-4DB2-BD59-A6C34878D82A}">
-                    <a16:rowId xmlns:a16="http://schemas.microsoft.com/office/drawing/2014/main" xmlns="" val="272239700"/>
-                  </a:ext>
-                </a:extLst>
-              </a:tr>
-            </a:tbl>
-          </a:graphicData>
-        </a:graphic>
-      </p:graphicFrame>
-    </p:spTree>
-    <p:extLst>
-      <p:ext uri="{BB962C8B-B14F-4D97-AF65-F5344CB8AC3E}">
-        <p14:creationId xmlns:p14="http://schemas.microsoft.com/office/powerpoint/2010/main" val="1822815511"/>
-      </p:ext>
-    </p:extLst>
-  </p:cSld>
-  <p:clrMapOvr>
-    <a:masterClrMapping/>
-  </p:clrMapOvr>
-</p:sld>
-</file>
-
-<file path=ppt/slides/slide35.xml><?xml version="1.0" encoding="utf-8"?>
-<p:sld xmlns:a="http://schemas.openxmlformats.org/drawingml/2006/main" xmlns:r="http://schemas.openxmlformats.org/officeDocument/2006/relationships" xmlns:p="http://schemas.openxmlformats.org/presentationml/2006/main">
-  <p:cSld>
-    <p:spTree>
-      <p:nvGrpSpPr>
-        <p:cNvPr id="1" name=""/>
-        <p:cNvGrpSpPr/>
-        <p:nvPr/>
-      </p:nvGrpSpPr>
-      <p:grpSpPr>
-        <a:xfrm>
-          <a:off x="0" y="0"/>
-          <a:ext cx="0" cy="0"/>
-          <a:chOff x="0" y="0"/>
-          <a:chExt cx="0" cy="0"/>
-        </a:xfrm>
-      </p:grpSpPr>
-      <p:sp>
-        <p:nvSpPr>
-          <p:cNvPr id="2" name="標題 1">
-            <a:extLst>
-              <a:ext uri="{FF2B5EF4-FFF2-40B4-BE49-F238E27FC236}">
-                <a16:creationId xmlns:a16="http://schemas.microsoft.com/office/drawing/2014/main" xmlns="" id="{C7B55EDB-6608-3CDF-F165-7F6B7E345F41}"/>
-              </a:ext>
-            </a:extLst>
-          </p:cNvPr>
-          <p:cNvSpPr>
-            <a:spLocks noGrp="1"/>
-          </p:cNvSpPr>
-          <p:nvPr>
-            <p:ph type="title"/>
-          </p:nvPr>
-        </p:nvSpPr>
-        <p:spPr>
-          <a:xfrm>
-            <a:off x="838200" y="139960"/>
-            <a:ext cx="10515600" cy="793102"/>
-          </a:xfrm>
-        </p:spPr>
-        <p:txBody>
-          <a:bodyPr/>
-          <a:lstStyle/>
-          <a:p>
-            <a:r>
-              <a:rPr lang="en-US" altLang="zh-TW" dirty="0"/>
-              <a:t>Materials and methods</a:t>
-            </a:r>
-            <a:endParaRPr lang="zh-TW" altLang="en-US" dirty="0"/>
-          </a:p>
-        </p:txBody>
-      </p:sp>
-      <p:sp>
-        <p:nvSpPr>
-          <p:cNvPr id="3" name="內容版面配置區 2">
-            <a:extLst>
-              <a:ext uri="{FF2B5EF4-FFF2-40B4-BE49-F238E27FC236}">
-                <a16:creationId xmlns:a16="http://schemas.microsoft.com/office/drawing/2014/main" xmlns="" id="{997FEF67-95B7-8F99-30AA-238E1F83ECAB}"/>
-              </a:ext>
-            </a:extLst>
-          </p:cNvPr>
-          <p:cNvSpPr>
-            <a:spLocks noGrp="1"/>
-          </p:cNvSpPr>
-          <p:nvPr>
-            <p:ph idx="1"/>
-          </p:nvPr>
-        </p:nvSpPr>
-        <p:spPr>
-          <a:xfrm>
-            <a:off x="838200" y="933062"/>
-            <a:ext cx="10515600" cy="5355771"/>
-          </a:xfrm>
-        </p:spPr>
-        <p:txBody>
-          <a:bodyPr>
-            <a:normAutofit/>
-          </a:bodyPr>
-          <a:lstStyle/>
-          <a:p>
-            <a:r>
-              <a:rPr lang="en-US" altLang="zh-TW" sz="2400" dirty="0"/>
-              <a:t>Benchmark dataset</a:t>
-            </a:r>
-          </a:p>
-          <a:p>
-            <a:pPr marL="0" indent="0">
-              <a:buNone/>
-            </a:pPr>
-            <a:r>
-              <a:rPr lang="zh-TW" altLang="en-US" sz="1400" dirty="0"/>
-              <a:t>    </a:t>
-            </a:r>
-            <a:r>
-              <a:rPr lang="en-US" altLang="zh-TW" sz="2000" dirty="0"/>
-              <a:t>In order to demonstrate that 6mA shares the similar patterns across different species and our method can also be used to detect DNA 6mA sites of other plant species, we also collected DNA 6mA sequences of Arabidopsis thaliana, Fragaria </a:t>
-            </a:r>
-            <a:r>
-              <a:rPr lang="en-US" altLang="zh-TW" sz="2000" dirty="0" err="1"/>
-              <a:t>vesca</a:t>
-            </a:r>
-            <a:r>
-              <a:rPr lang="en-US" altLang="zh-TW" sz="2000" dirty="0"/>
-              <a:t> and Rosa chinensis to show the ability of the trained Deep6mA from rice data on predicting 6mA methylation in these species. The 98483 6mA data of Arabidopsis thaliana is obtained from NCBI Gene Expression Omnibus (GEO) with accession number GSE81597. Negative samples for Arabidopsis thaliana were also collected. These samples are 41nt long sequences with Adenine in the center and were proved to be unmethylated by experiments. The i6mA-Fuse dataset [34], extracted from MDR [35] database, consisting of 5733 positive and negative samples for R. chinensis, and 1417 positive and negative samples for F. </a:t>
-            </a:r>
-            <a:r>
-              <a:rPr lang="en-US" altLang="zh-TW" sz="2000" dirty="0" err="1"/>
-              <a:t>vesca</a:t>
-            </a:r>
-            <a:r>
-              <a:rPr lang="en-US" altLang="zh-TW" sz="2000" dirty="0"/>
-              <a:t>.</a:t>
-            </a:r>
-          </a:p>
-        </p:txBody>
-      </p:sp>
-      <p:graphicFrame>
-        <p:nvGraphicFramePr>
-          <p:cNvPr id="4" name="表格 7">
-            <a:extLst>
-              <a:ext uri="{FF2B5EF4-FFF2-40B4-BE49-F238E27FC236}">
-                <a16:creationId xmlns:a16="http://schemas.microsoft.com/office/drawing/2014/main" xmlns="" id="{8C4804DC-F89F-B47B-E96A-46A05CB7E871}"/>
-              </a:ext>
-            </a:extLst>
-          </p:cNvPr>
-          <p:cNvGraphicFramePr>
-            <a:graphicFrameLocks noGrp="1"/>
-          </p:cNvGraphicFramePr>
-          <p:nvPr>
-            <p:extLst>
-              <p:ext uri="{D42A27DB-BD31-4B8C-83A1-F6EECF244321}">
-                <p14:modId xmlns:p14="http://schemas.microsoft.com/office/powerpoint/2010/main" val="2774608713"/>
-              </p:ext>
-            </p:extLst>
-          </p:nvPr>
-        </p:nvGraphicFramePr>
-        <p:xfrm>
-          <a:off x="2032000" y="4029838"/>
-          <a:ext cx="8128000" cy="2595880"/>
-        </p:xfrm>
-        <a:graphic>
-          <a:graphicData uri="http://schemas.openxmlformats.org/drawingml/2006/table">
-            <a:tbl>
-              <a:tblPr firstRow="1" bandRow="1">
-                <a:tableStyleId>{5C22544A-7EE6-4342-B048-85BDC9FD1C3A}</a:tableStyleId>
-              </a:tblPr>
-              <a:tblGrid>
-                <a:gridCol w="2032000">
-                  <a:extLst>
-                    <a:ext uri="{9D8B030D-6E8A-4147-A177-3AD203B41FA5}">
-                      <a16:colId xmlns:a16="http://schemas.microsoft.com/office/drawing/2014/main" xmlns="" val="2184589757"/>
-                    </a:ext>
-                  </a:extLst>
-                </a:gridCol>
-                <a:gridCol w="2032000">
-                  <a:extLst>
-                    <a:ext uri="{9D8B030D-6E8A-4147-A177-3AD203B41FA5}">
-                      <a16:colId xmlns:a16="http://schemas.microsoft.com/office/drawing/2014/main" xmlns="" val="1743072117"/>
-                    </a:ext>
-                  </a:extLst>
-                </a:gridCol>
-                <a:gridCol w="2032000">
-                  <a:extLst>
-                    <a:ext uri="{9D8B030D-6E8A-4147-A177-3AD203B41FA5}">
-                      <a16:colId xmlns:a16="http://schemas.microsoft.com/office/drawing/2014/main" xmlns="" val="544431890"/>
-                    </a:ext>
-                  </a:extLst>
-                </a:gridCol>
-                <a:gridCol w="2032000">
-                  <a:extLst>
-                    <a:ext uri="{9D8B030D-6E8A-4147-A177-3AD203B41FA5}">
-                      <a16:colId xmlns:a16="http://schemas.microsoft.com/office/drawing/2014/main" xmlns="" val="2010372138"/>
-                    </a:ext>
-                  </a:extLst>
-                </a:gridCol>
-              </a:tblGrid>
-              <a:tr h="370840">
-                <a:tc>
-                  <a:txBody>
-                    <a:bodyPr/>
-                    <a:lstStyle/>
-                    <a:p>
-                      <a:r>
-                        <a:rPr lang="en-US" altLang="zh-TW" dirty="0"/>
-                        <a:t>Species</a:t>
-                      </a:r>
-                      <a:endParaRPr lang="zh-TW" altLang="en-US" dirty="0"/>
-                    </a:p>
-                  </a:txBody>
-                  <a:tcPr/>
-                </a:tc>
-                <a:tc>
-                  <a:txBody>
-                    <a:bodyPr/>
-                    <a:lstStyle/>
-                    <a:p>
-                      <a:r>
-                        <a:rPr lang="en-US" altLang="zh-TW" dirty="0"/>
-                        <a:t>Sequence</a:t>
-                      </a:r>
-                      <a:endParaRPr lang="zh-TW" altLang="en-US" dirty="0"/>
-                    </a:p>
-                  </a:txBody>
-                  <a:tcPr/>
-                </a:tc>
-                <a:tc>
-                  <a:txBody>
-                    <a:bodyPr/>
-                    <a:lstStyle/>
-                    <a:p>
-                      <a:r>
-                        <a:rPr lang="en-US" altLang="zh-TW" dirty="0"/>
-                        <a:t>Samples</a:t>
-                      </a:r>
-                      <a:endParaRPr lang="zh-TW" altLang="en-US" dirty="0"/>
-                    </a:p>
-                  </a:txBody>
-                  <a:tcPr/>
-                </a:tc>
-                <a:tc>
-                  <a:txBody>
-                    <a:bodyPr/>
-                    <a:lstStyle/>
-                    <a:p>
-                      <a:r>
-                        <a:rPr lang="en-US" altLang="zh-TW" dirty="0"/>
-                        <a:t>Length</a:t>
-                      </a:r>
-                      <a:endParaRPr lang="zh-TW" altLang="en-US" dirty="0"/>
-                    </a:p>
-                  </a:txBody>
-                  <a:tcPr/>
-                </a:tc>
-                <a:extLst>
-                  <a:ext uri="{0D108BD9-81ED-4DB2-BD59-A6C34878D82A}">
-                    <a16:rowId xmlns:a16="http://schemas.microsoft.com/office/drawing/2014/main" xmlns="" val="2062556669"/>
-                  </a:ext>
-                </a:extLst>
-              </a:tr>
-              <a:tr h="370840">
-                <a:tc rowSpan="2">
-                  <a:txBody>
-                    <a:bodyPr/>
-                    <a:lstStyle/>
-                    <a:p>
-                      <a:pPr algn="ctr"/>
-                      <a:r>
-                        <a:rPr lang="en-US" altLang="zh-TW" dirty="0"/>
-                        <a:t>A. thaliana</a:t>
-                      </a:r>
-                      <a:endParaRPr lang="zh-TW" altLang="en-US" dirty="0"/>
-                    </a:p>
-                  </a:txBody>
-                  <a:tcPr anchor="ctr"/>
-                </a:tc>
-                <a:tc>
-                  <a:txBody>
-                    <a:bodyPr/>
-                    <a:lstStyle/>
-                    <a:p>
-                      <a:r>
-                        <a:rPr lang="en-US" altLang="zh-TW" dirty="0"/>
-                        <a:t>Positive</a:t>
-                      </a:r>
-                      <a:endParaRPr lang="zh-TW" altLang="en-US" dirty="0"/>
-                    </a:p>
-                  </a:txBody>
-                  <a:tcPr/>
-                </a:tc>
-                <a:tc>
-                  <a:txBody>
-                    <a:bodyPr/>
-                    <a:lstStyle/>
-                    <a:p>
-                      <a:r>
-                        <a:rPr lang="en-US" altLang="zh-TW" dirty="0"/>
-                        <a:t>98483</a:t>
-                      </a:r>
-                      <a:endParaRPr lang="zh-TW" altLang="en-US" dirty="0"/>
-                    </a:p>
-                  </a:txBody>
-                  <a:tcPr/>
-                </a:tc>
-                <a:tc rowSpan="6">
-                  <a:txBody>
-                    <a:bodyPr/>
-                    <a:lstStyle/>
-                    <a:p>
-                      <a:pPr algn="ctr"/>
-                      <a:endParaRPr lang="en-US" altLang="zh-TW" dirty="0"/>
-                    </a:p>
-                    <a:p>
-                      <a:pPr algn="ctr"/>
-                      <a:r>
-                        <a:rPr lang="en-US" altLang="zh-TW" dirty="0"/>
-                        <a:t>41nt</a:t>
-                      </a:r>
-                    </a:p>
-                    <a:p>
-                      <a:pPr algn="ctr"/>
-                      <a:endParaRPr lang="zh-TW" altLang="en-US" dirty="0"/>
-                    </a:p>
-                  </a:txBody>
-                  <a:tcPr anchor="ctr"/>
-                </a:tc>
-                <a:extLst>
-                  <a:ext uri="{0D108BD9-81ED-4DB2-BD59-A6C34878D82A}">
-                    <a16:rowId xmlns:a16="http://schemas.microsoft.com/office/drawing/2014/main" xmlns="" val="1382988676"/>
-                  </a:ext>
-                </a:extLst>
-              </a:tr>
-              <a:tr h="370840">
-                <a:tc vMerge="1">
-                  <a:txBody>
-                    <a:bodyPr/>
-                    <a:lstStyle/>
-                    <a:p>
-                      <a:endParaRPr lang="zh-TW" altLang="en-US" dirty="0"/>
-                    </a:p>
-                  </a:txBody>
-                  <a:tcPr/>
-                </a:tc>
-                <a:tc>
-                  <a:txBody>
-                    <a:bodyPr/>
-                    <a:lstStyle/>
-                    <a:p>
-                      <a:r>
-                        <a:rPr lang="en-US" altLang="zh-TW" dirty="0"/>
-                        <a:t>Negative</a:t>
-                      </a:r>
-                      <a:endParaRPr lang="zh-TW" altLang="en-US" dirty="0"/>
-                    </a:p>
-                  </a:txBody>
-                  <a:tcPr/>
-                </a:tc>
-                <a:tc>
-                  <a:txBody>
-                    <a:bodyPr/>
-                    <a:lstStyle/>
-                    <a:p>
-                      <a:r>
-                        <a:rPr lang="en-US" altLang="zh-TW" dirty="0"/>
-                        <a:t>98483</a:t>
-                      </a:r>
-                      <a:endParaRPr lang="zh-TW" altLang="en-US" dirty="0"/>
-                    </a:p>
-                  </a:txBody>
-                  <a:tcPr/>
-                </a:tc>
-                <a:tc vMerge="1">
-                  <a:txBody>
-                    <a:bodyPr/>
-                    <a:lstStyle/>
-                    <a:p>
-                      <a:endParaRPr lang="zh-TW" altLang="en-US" dirty="0"/>
-                    </a:p>
-                  </a:txBody>
-                  <a:tcPr/>
-                </a:tc>
-                <a:extLst>
-                  <a:ext uri="{0D108BD9-81ED-4DB2-BD59-A6C34878D82A}">
-                    <a16:rowId xmlns:a16="http://schemas.microsoft.com/office/drawing/2014/main" xmlns="" val="272239700"/>
-                  </a:ext>
-                </a:extLst>
-              </a:tr>
-              <a:tr h="370840">
-                <a:tc rowSpan="2">
-                  <a:txBody>
-                    <a:bodyPr/>
-                    <a:lstStyle/>
-                    <a:p>
-                      <a:pPr algn="ctr"/>
-                      <a:r>
-                        <a:rPr lang="en-US" altLang="zh-TW" dirty="0"/>
-                        <a:t>R. chinensis</a:t>
-                      </a:r>
-                      <a:endParaRPr lang="zh-TW" altLang="en-US" dirty="0"/>
-                    </a:p>
-                  </a:txBody>
-                  <a:tcPr anchor="ctr"/>
-                </a:tc>
-                <a:tc>
-                  <a:txBody>
-                    <a:bodyPr/>
-                    <a:lstStyle/>
-                    <a:p>
-                      <a:r>
-                        <a:rPr lang="en-US" altLang="zh-TW" dirty="0"/>
-                        <a:t>Positive</a:t>
-                      </a:r>
-                      <a:endParaRPr lang="zh-TW" altLang="en-US" dirty="0"/>
-                    </a:p>
-                  </a:txBody>
-                  <a:tcPr/>
-                </a:tc>
-                <a:tc>
-                  <a:txBody>
-                    <a:bodyPr/>
-                    <a:lstStyle/>
-                    <a:p>
-                      <a:r>
-                        <a:rPr lang="en-US" altLang="zh-TW" dirty="0"/>
-                        <a:t>5733</a:t>
-                      </a:r>
-                      <a:endParaRPr lang="zh-TW" altLang="en-US" dirty="0"/>
-                    </a:p>
-                  </a:txBody>
-                  <a:tcPr/>
-                </a:tc>
-                <a:tc vMerge="1">
-                  <a:txBody>
-                    <a:bodyPr/>
-                    <a:lstStyle/>
-                    <a:p>
-                      <a:pPr algn="ctr"/>
-                      <a:r>
-                        <a:rPr lang="en-US" altLang="zh-TW" dirty="0"/>
-                        <a:t>41</a:t>
-                      </a:r>
-                      <a:endParaRPr lang="zh-TW" altLang="en-US" dirty="0"/>
-                    </a:p>
-                  </a:txBody>
-                  <a:tcPr anchor="ctr"/>
-                </a:tc>
-                <a:extLst>
-                  <a:ext uri="{0D108BD9-81ED-4DB2-BD59-A6C34878D82A}">
-                    <a16:rowId xmlns:a16="http://schemas.microsoft.com/office/drawing/2014/main" xmlns="" val="2665194563"/>
-                  </a:ext>
-                </a:extLst>
-              </a:tr>
-              <a:tr h="370840">
-                <a:tc vMerge="1">
-                  <a:txBody>
-                    <a:bodyPr/>
-                    <a:lstStyle/>
-                    <a:p>
-                      <a:endParaRPr lang="zh-TW" altLang="en-US" dirty="0"/>
-                    </a:p>
-                  </a:txBody>
-                  <a:tcPr/>
-                </a:tc>
-                <a:tc>
-                  <a:txBody>
-                    <a:bodyPr/>
-                    <a:lstStyle/>
-                    <a:p>
-                      <a:r>
-                        <a:rPr lang="en-US" altLang="zh-TW" dirty="0"/>
-                        <a:t>Negative</a:t>
-                      </a:r>
-                      <a:endParaRPr lang="zh-TW" altLang="en-US" dirty="0"/>
-                    </a:p>
-                  </a:txBody>
-                  <a:tcPr/>
-                </a:tc>
-                <a:tc>
-                  <a:txBody>
-                    <a:bodyPr/>
-                    <a:lstStyle/>
-                    <a:p>
-                      <a:r>
-                        <a:rPr lang="en-US" altLang="zh-TW" dirty="0"/>
-                        <a:t>5733</a:t>
-                      </a:r>
-                      <a:endParaRPr lang="zh-TW" altLang="en-US" dirty="0"/>
-                    </a:p>
-                  </a:txBody>
-                  <a:tcPr/>
-                </a:tc>
-                <a:tc vMerge="1">
-                  <a:txBody>
-                    <a:bodyPr/>
-                    <a:lstStyle/>
-                    <a:p>
-                      <a:endParaRPr lang="zh-TW" altLang="en-US" dirty="0"/>
-                    </a:p>
-                  </a:txBody>
-                  <a:tcPr/>
-                </a:tc>
-                <a:extLst>
-                  <a:ext uri="{0D108BD9-81ED-4DB2-BD59-A6C34878D82A}">
-                    <a16:rowId xmlns:a16="http://schemas.microsoft.com/office/drawing/2014/main" xmlns="" val="1445836510"/>
-                  </a:ext>
-                </a:extLst>
-              </a:tr>
-              <a:tr h="370840">
-                <a:tc rowSpan="2">
-                  <a:txBody>
-                    <a:bodyPr/>
-                    <a:lstStyle/>
-                    <a:p>
-                      <a:pPr algn="ctr"/>
-                      <a:r>
-                        <a:rPr lang="en-US" altLang="zh-TW" sz="1800" dirty="0"/>
-                        <a:t>F. </a:t>
-                      </a:r>
-                      <a:r>
-                        <a:rPr lang="en-US" altLang="zh-TW" sz="1800" dirty="0" err="1"/>
-                        <a:t>vesca</a:t>
-                      </a:r>
-                      <a:endParaRPr lang="zh-TW" altLang="en-US" dirty="0"/>
-                    </a:p>
-                  </a:txBody>
-                  <a:tcPr anchor="ctr"/>
-                </a:tc>
-                <a:tc>
-                  <a:txBody>
-                    <a:bodyPr/>
-                    <a:lstStyle/>
-                    <a:p>
-                      <a:r>
-                        <a:rPr lang="en-US" altLang="zh-TW" dirty="0"/>
-                        <a:t>Positive</a:t>
-                      </a:r>
-                      <a:endParaRPr lang="zh-TW" altLang="en-US" dirty="0"/>
-                    </a:p>
-                  </a:txBody>
-                  <a:tcPr/>
-                </a:tc>
-                <a:tc>
-                  <a:txBody>
-                    <a:bodyPr/>
-                    <a:lstStyle/>
-                    <a:p>
-                      <a:r>
-                        <a:rPr lang="en-US" altLang="zh-TW" dirty="0"/>
-                        <a:t>1417</a:t>
-                      </a:r>
-                      <a:endParaRPr lang="zh-TW" altLang="en-US" dirty="0"/>
-                    </a:p>
-                  </a:txBody>
-                  <a:tcPr/>
-                </a:tc>
-                <a:tc vMerge="1">
-                  <a:txBody>
-                    <a:bodyPr/>
-                    <a:lstStyle/>
-                    <a:p>
-                      <a:pPr algn="ctr"/>
-                      <a:r>
-                        <a:rPr lang="en-US" altLang="zh-TW" dirty="0"/>
-                        <a:t>41</a:t>
-                      </a:r>
-                      <a:endParaRPr lang="zh-TW" altLang="en-US" dirty="0"/>
-                    </a:p>
-                  </a:txBody>
-                  <a:tcPr anchor="ctr"/>
-                </a:tc>
-                <a:extLst>
-                  <a:ext uri="{0D108BD9-81ED-4DB2-BD59-A6C34878D82A}">
-                    <a16:rowId xmlns:a16="http://schemas.microsoft.com/office/drawing/2014/main" xmlns="" val="3553108362"/>
-                  </a:ext>
-                </a:extLst>
-              </a:tr>
-              <a:tr h="370840">
-                <a:tc vMerge="1">
-                  <a:txBody>
-                    <a:bodyPr/>
-                    <a:lstStyle/>
-                    <a:p>
-                      <a:endParaRPr lang="zh-TW" altLang="en-US" dirty="0"/>
-                    </a:p>
-                  </a:txBody>
-                  <a:tcPr/>
-                </a:tc>
-                <a:tc>
-                  <a:txBody>
-                    <a:bodyPr/>
-                    <a:lstStyle/>
-                    <a:p>
-                      <a:r>
-                        <a:rPr lang="en-US" altLang="zh-TW" dirty="0"/>
-                        <a:t>Negative</a:t>
-                      </a:r>
-                      <a:endParaRPr lang="zh-TW" altLang="en-US" dirty="0"/>
-                    </a:p>
-                  </a:txBody>
-                  <a:tcPr/>
-                </a:tc>
-                <a:tc>
-                  <a:txBody>
-                    <a:bodyPr/>
-                    <a:lstStyle/>
-                    <a:p>
-                      <a:r>
-                        <a:rPr lang="en-US" altLang="zh-TW" dirty="0"/>
-                        <a:t>1417</a:t>
-                      </a:r>
-                      <a:endParaRPr lang="zh-TW" altLang="en-US" dirty="0"/>
-                    </a:p>
-                  </a:txBody>
-                  <a:tcPr/>
-                </a:tc>
-                <a:tc vMerge="1">
-                  <a:txBody>
-                    <a:bodyPr/>
-                    <a:lstStyle/>
-                    <a:p>
-                      <a:endParaRPr lang="zh-TW" altLang="en-US" dirty="0"/>
-                    </a:p>
-                  </a:txBody>
-                  <a:tcPr/>
-                </a:tc>
-                <a:extLst>
-                  <a:ext uri="{0D108BD9-81ED-4DB2-BD59-A6C34878D82A}">
-                    <a16:rowId xmlns:a16="http://schemas.microsoft.com/office/drawing/2014/main" xmlns="" val="3376184939"/>
-                  </a:ext>
-                </a:extLst>
-              </a:tr>
-            </a:tbl>
-          </a:graphicData>
-        </a:graphic>
-      </p:graphicFrame>
-    </p:spTree>
-    <p:extLst>
-      <p:ext uri="{BB962C8B-B14F-4D97-AF65-F5344CB8AC3E}">
-        <p14:creationId xmlns:p14="http://schemas.microsoft.com/office/powerpoint/2010/main" val="3974221733"/>
-      </p:ext>
-    </p:extLst>
-  </p:cSld>
-  <p:clrMapOvr>
-    <a:masterClrMapping/>
-  </p:clrMapOvr>
-</p:sld>
-</file>
-
-<file path=ppt/slides/slide36.xml><?xml version="1.0" encoding="utf-8"?>
-<p:sld xmlns:a="http://schemas.openxmlformats.org/drawingml/2006/main" xmlns:r="http://schemas.openxmlformats.org/officeDocument/2006/relationships" xmlns:p="http://schemas.openxmlformats.org/presentationml/2006/main">
-  <p:cSld>
-    <p:spTree>
-      <p:nvGrpSpPr>
-        <p:cNvPr id="1" name=""/>
-        <p:cNvGrpSpPr/>
-        <p:nvPr/>
-      </p:nvGrpSpPr>
-      <p:grpSpPr>
-        <a:xfrm>
-          <a:off x="0" y="0"/>
-          <a:ext cx="0" cy="0"/>
-          <a:chOff x="0" y="0"/>
-          <a:chExt cx="0" cy="0"/>
-        </a:xfrm>
-      </p:grpSpPr>
-      <p:sp>
-        <p:nvSpPr>
-          <p:cNvPr id="2" name="標題 1">
-            <a:extLst>
-              <a:ext uri="{FF2B5EF4-FFF2-40B4-BE49-F238E27FC236}">
-                <a16:creationId xmlns:a16="http://schemas.microsoft.com/office/drawing/2014/main" xmlns="" id="{C7B55EDB-6608-3CDF-F165-7F6B7E345F41}"/>
-              </a:ext>
-            </a:extLst>
-          </p:cNvPr>
-          <p:cNvSpPr>
-            <a:spLocks noGrp="1"/>
-          </p:cNvSpPr>
-          <p:nvPr>
-            <p:ph type="title"/>
-          </p:nvPr>
-        </p:nvSpPr>
-        <p:spPr>
-          <a:xfrm>
-            <a:off x="838200" y="139960"/>
-            <a:ext cx="10515600" cy="793102"/>
-          </a:xfrm>
-        </p:spPr>
-        <p:txBody>
-          <a:bodyPr/>
-          <a:lstStyle/>
-          <a:p>
-            <a:r>
-              <a:rPr lang="en-US" altLang="zh-TW" dirty="0"/>
-              <a:t>Materials and methods</a:t>
-            </a:r>
-            <a:endParaRPr lang="zh-TW" altLang="en-US" dirty="0"/>
-          </a:p>
-        </p:txBody>
-      </p:sp>
-      <p:sp>
-        <p:nvSpPr>
-          <p:cNvPr id="3" name="內容版面配置區 2">
-            <a:extLst>
-              <a:ext uri="{FF2B5EF4-FFF2-40B4-BE49-F238E27FC236}">
-                <a16:creationId xmlns:a16="http://schemas.microsoft.com/office/drawing/2014/main" xmlns="" id="{997FEF67-95B7-8F99-30AA-238E1F83ECAB}"/>
-              </a:ext>
-            </a:extLst>
-          </p:cNvPr>
-          <p:cNvSpPr>
-            <a:spLocks noGrp="1"/>
-          </p:cNvSpPr>
-          <p:nvPr>
-            <p:ph idx="1"/>
-          </p:nvPr>
-        </p:nvSpPr>
-        <p:spPr>
-          <a:xfrm>
-            <a:off x="838200" y="933062"/>
-            <a:ext cx="10515600" cy="5355771"/>
-          </a:xfrm>
-        </p:spPr>
-        <p:txBody>
-          <a:bodyPr>
-            <a:normAutofit/>
-          </a:bodyPr>
-          <a:lstStyle/>
-          <a:p>
-            <a:r>
-              <a:rPr lang="en-US" altLang="zh-TW" sz="2400" dirty="0"/>
-              <a:t>Sequence representation</a:t>
-            </a:r>
-          </a:p>
-          <a:p>
-            <a:pPr marL="0" indent="0">
-              <a:buNone/>
-            </a:pPr>
-            <a:r>
-              <a:rPr lang="zh-TW" altLang="en-US" sz="2400" dirty="0"/>
-              <a:t>    </a:t>
-            </a:r>
-            <a:r>
-              <a:rPr lang="en-US" altLang="zh-TW" sz="2000" dirty="0"/>
-              <a:t>Instead of using manually crafted DNA sequences features, we use the one-hot encoding method to convert the sequence into encoding tensor. Specifically, A, C, G, T, and N are encoded as (1,0,0,0), (0,1,0,0), (0,0,1,0), (0,0,0,1), and (0,0,0,0) respectively. Here the letter ‘N’ represents a non-sequenced nucleotide. Thus, the input DNA sequence is represented as a 4 by 41 encoding matrix, and is viewed as an image which motivates our design of deep learning framework</a:t>
-            </a:r>
-          </a:p>
-        </p:txBody>
-      </p:sp>
-    </p:spTree>
-    <p:extLst>
-      <p:ext uri="{BB962C8B-B14F-4D97-AF65-F5344CB8AC3E}">
-        <p14:creationId xmlns:p14="http://schemas.microsoft.com/office/powerpoint/2010/main" val="4257741721"/>
-      </p:ext>
-    </p:extLst>
-  </p:cSld>
-  <p:clrMapOvr>
-    <a:masterClrMapping/>
-  </p:clrMapOvr>
-</p:sld>
-</file>
-
-<file path=ppt/slides/slide37.xml><?xml version="1.0" encoding="utf-8"?>
-<p:sld xmlns:a="http://schemas.openxmlformats.org/drawingml/2006/main" xmlns:r="http://schemas.openxmlformats.org/officeDocument/2006/relationships" xmlns:p="http://schemas.openxmlformats.org/presentationml/2006/main">
-  <p:cSld>
-    <p:spTree>
-      <p:nvGrpSpPr>
-        <p:cNvPr id="1" name=""/>
-        <p:cNvGrpSpPr/>
-        <p:nvPr/>
-      </p:nvGrpSpPr>
-      <p:grpSpPr>
-        <a:xfrm>
-          <a:off x="0" y="0"/>
-          <a:ext cx="0" cy="0"/>
-          <a:chOff x="0" y="0"/>
-          <a:chExt cx="0" cy="0"/>
-        </a:xfrm>
-      </p:grpSpPr>
-      <p:sp>
-        <p:nvSpPr>
-          <p:cNvPr id="2" name="標題 1">
-            <a:extLst>
-              <a:ext uri="{FF2B5EF4-FFF2-40B4-BE49-F238E27FC236}">
-                <a16:creationId xmlns:a16="http://schemas.microsoft.com/office/drawing/2014/main" xmlns="" id="{C7B55EDB-6608-3CDF-F165-7F6B7E345F41}"/>
-              </a:ext>
-            </a:extLst>
-          </p:cNvPr>
-          <p:cNvSpPr>
-            <a:spLocks noGrp="1"/>
-          </p:cNvSpPr>
-          <p:nvPr>
-            <p:ph type="title"/>
-          </p:nvPr>
-        </p:nvSpPr>
-        <p:spPr>
-          <a:xfrm>
-            <a:off x="838200" y="139960"/>
-            <a:ext cx="10515600" cy="793102"/>
-          </a:xfrm>
-        </p:spPr>
-        <p:txBody>
-          <a:bodyPr/>
-          <a:lstStyle/>
-          <a:p>
-            <a:r>
-              <a:rPr lang="en-US" altLang="zh-TW" dirty="0"/>
-              <a:t>Materials and methods</a:t>
-            </a:r>
-            <a:endParaRPr lang="zh-TW" altLang="en-US" dirty="0"/>
-          </a:p>
-        </p:txBody>
-      </p:sp>
-      <p:sp>
-        <p:nvSpPr>
-          <p:cNvPr id="3" name="內容版面配置區 2">
-            <a:extLst>
-              <a:ext uri="{FF2B5EF4-FFF2-40B4-BE49-F238E27FC236}">
-                <a16:creationId xmlns:a16="http://schemas.microsoft.com/office/drawing/2014/main" xmlns="" id="{997FEF67-95B7-8F99-30AA-238E1F83ECAB}"/>
-              </a:ext>
-            </a:extLst>
-          </p:cNvPr>
-          <p:cNvSpPr>
-            <a:spLocks noGrp="1"/>
-          </p:cNvSpPr>
-          <p:nvPr>
-            <p:ph idx="1"/>
-          </p:nvPr>
-        </p:nvSpPr>
-        <p:spPr>
-          <a:xfrm>
-            <a:off x="838200" y="933062"/>
-            <a:ext cx="10515600" cy="5355771"/>
-          </a:xfrm>
-        </p:spPr>
-        <p:txBody>
-          <a:bodyPr>
-            <a:normAutofit/>
-          </a:bodyPr>
-          <a:lstStyle/>
-          <a:p>
-            <a:r>
-              <a:rPr lang="en-US" altLang="zh-TW" sz="2400" dirty="0"/>
-              <a:t>Convolutional neural network and long short-term memory network</a:t>
-            </a:r>
-            <a:r>
-              <a:rPr lang="zh-TW" altLang="en-US" sz="2400" dirty="0"/>
-              <a:t> </a:t>
-            </a:r>
-            <a:endParaRPr lang="en-US" altLang="zh-TW" sz="2400" dirty="0"/>
-          </a:p>
-          <a:p>
-            <a:pPr marL="0" indent="0">
-              <a:buNone/>
-            </a:pPr>
-            <a:r>
-              <a:rPr lang="zh-TW" altLang="en-US" sz="2400" dirty="0"/>
-              <a:t>    </a:t>
-            </a:r>
-            <a:r>
-              <a:rPr lang="en-US" altLang="zh-TW" sz="2000" dirty="0"/>
-              <a:t>Convolutional Neural Network (CNN) is widely used in image processing and speech recognition due to its high learning efficiency. The architecture of CNN is similar to that of the connectivity pattern of neurons in the human brain and was inspired by the organization of the visual cortex. A CNN generally consists of three parts: convolution layers, pooling layers and fully connected layers, which enables it to successfully capture the spatial and temporal dependence in an image. </a:t>
-            </a:r>
-          </a:p>
-          <a:p>
-            <a:pPr marL="0" indent="0">
-              <a:buNone/>
-            </a:pPr>
-            <a:r>
-              <a:rPr lang="zh-TW" altLang="en-US" sz="2000" dirty="0"/>
-              <a:t>    </a:t>
-            </a:r>
-            <a:r>
-              <a:rPr lang="en-US" altLang="zh-TW" sz="2000" dirty="0"/>
-              <a:t>The convolution layer extracts the high-level features such as edges, color and gradient orientation through multiple feature mapping. The resolution of feature mapping is compressed further by a pooling layer to extract dominant features which are rotational and positional invariant, and to decrease the computational power required to process the data. After multiple convolution and pooling processes, the learned features are mapped to the sample label space by adding the full connection layer to achieve the purpose of classification and prediction.</a:t>
-            </a:r>
-          </a:p>
-        </p:txBody>
-      </p:sp>
-    </p:spTree>
-    <p:extLst>
-      <p:ext uri="{BB962C8B-B14F-4D97-AF65-F5344CB8AC3E}">
-        <p14:creationId xmlns:p14="http://schemas.microsoft.com/office/powerpoint/2010/main" val="2042058055"/>
-      </p:ext>
-    </p:extLst>
-  </p:cSld>
-  <p:clrMapOvr>
-    <a:masterClrMapping/>
-  </p:clrMapOvr>
-</p:sld>
-</file>
-
-<file path=ppt/slides/slide38.xml><?xml version="1.0" encoding="utf-8"?>
-<p:sld xmlns:a="http://schemas.openxmlformats.org/drawingml/2006/main" xmlns:r="http://schemas.openxmlformats.org/officeDocument/2006/relationships" xmlns:p="http://schemas.openxmlformats.org/presentationml/2006/main">
-  <p:cSld>
-    <p:spTree>
-      <p:nvGrpSpPr>
-        <p:cNvPr id="1" name=""/>
-        <p:cNvGrpSpPr/>
-        <p:nvPr/>
-      </p:nvGrpSpPr>
-      <p:grpSpPr>
-        <a:xfrm>
-          <a:off x="0" y="0"/>
-          <a:ext cx="0" cy="0"/>
-          <a:chOff x="0" y="0"/>
-          <a:chExt cx="0" cy="0"/>
-        </a:xfrm>
-      </p:grpSpPr>
-      <p:sp>
-        <p:nvSpPr>
-          <p:cNvPr id="2" name="標題 1">
-            <a:extLst>
-              <a:ext uri="{FF2B5EF4-FFF2-40B4-BE49-F238E27FC236}">
-                <a16:creationId xmlns:a16="http://schemas.microsoft.com/office/drawing/2014/main" xmlns="" id="{C7B55EDB-6608-3CDF-F165-7F6B7E345F41}"/>
-              </a:ext>
-            </a:extLst>
-          </p:cNvPr>
-          <p:cNvSpPr>
-            <a:spLocks noGrp="1"/>
-          </p:cNvSpPr>
-          <p:nvPr>
-            <p:ph type="title"/>
-          </p:nvPr>
-        </p:nvSpPr>
-        <p:spPr>
-          <a:xfrm>
-            <a:off x="838200" y="139960"/>
-            <a:ext cx="10515600" cy="793102"/>
-          </a:xfrm>
-        </p:spPr>
-        <p:txBody>
-          <a:bodyPr/>
-          <a:lstStyle/>
-          <a:p>
-            <a:r>
-              <a:rPr lang="en-US" altLang="zh-TW" dirty="0"/>
-              <a:t>Materials and methods</a:t>
-            </a:r>
-            <a:endParaRPr lang="zh-TW" altLang="en-US" dirty="0"/>
-          </a:p>
-        </p:txBody>
-      </p:sp>
-      <p:sp>
-        <p:nvSpPr>
-          <p:cNvPr id="3" name="內容版面配置區 2">
-            <a:extLst>
-              <a:ext uri="{FF2B5EF4-FFF2-40B4-BE49-F238E27FC236}">
-                <a16:creationId xmlns:a16="http://schemas.microsoft.com/office/drawing/2014/main" xmlns="" id="{997FEF67-95B7-8F99-30AA-238E1F83ECAB}"/>
-              </a:ext>
-            </a:extLst>
-          </p:cNvPr>
-          <p:cNvSpPr>
-            <a:spLocks noGrp="1"/>
-          </p:cNvSpPr>
-          <p:nvPr>
-            <p:ph idx="1"/>
-          </p:nvPr>
-        </p:nvSpPr>
-        <p:spPr>
-          <a:xfrm>
-            <a:off x="838200" y="933062"/>
-            <a:ext cx="10515600" cy="5355771"/>
-          </a:xfrm>
-        </p:spPr>
-        <p:txBody>
-          <a:bodyPr>
-            <a:normAutofit/>
-          </a:bodyPr>
-          <a:lstStyle/>
-          <a:p>
-            <a:r>
-              <a:rPr lang="en-US" altLang="zh-TW" sz="2400" dirty="0"/>
-              <a:t>Convolutional neural network and long short-term memory network</a:t>
-            </a:r>
-            <a:r>
-              <a:rPr lang="zh-TW" altLang="en-US" sz="2400" dirty="0"/>
-              <a:t> </a:t>
-            </a:r>
-            <a:endParaRPr lang="en-US" altLang="zh-TW" sz="2400" dirty="0"/>
-          </a:p>
-          <a:p>
-            <a:pPr marL="0" indent="0">
-              <a:buNone/>
-            </a:pPr>
-            <a:r>
-              <a:rPr lang="zh-TW" altLang="en-US" sz="2400" dirty="0"/>
-              <a:t>    </a:t>
-            </a:r>
-            <a:r>
-              <a:rPr lang="en-US" altLang="zh-TW" sz="2000" dirty="0"/>
-              <a:t>Although CNN is powerful in image processing, it does not consider the dependence between inputs, and has a low power in sequence analysis such as natural language processing. Recurrent Neural Network (RNN) is proposed to overcome this shortcoming. As a special type of RNN, Long Short Term Memory Network (LSTM) is not only designed to capture the long dependent information in sequence but also overcome the training difficult of RNN due to gradient explosion and disappearance [36], thus it is the most widely used RNN in real applications. In LSTM, a storage mechanism is used to replace the hidden function in traditional RNN, with a purpose to enhance the learning ability of LSTM for long-distance dependency. Bi-directional LSTM (BLSTM), compared with unidirectional LSTM, captures better the information of sequence context.</a:t>
-            </a:r>
-          </a:p>
-        </p:txBody>
-      </p:sp>
-    </p:spTree>
-    <p:extLst>
-      <p:ext uri="{BB962C8B-B14F-4D97-AF65-F5344CB8AC3E}">
-        <p14:creationId xmlns:p14="http://schemas.microsoft.com/office/powerpoint/2010/main" val="880407312"/>
-      </p:ext>
-    </p:extLst>
-  </p:cSld>
-  <p:clrMapOvr>
-    <a:masterClrMapping/>
-  </p:clrMapOvr>
-</p:sld>
-</file>
-
-<file path=ppt/slides/slide39.xml><?xml version="1.0" encoding="utf-8"?>
-<p:sld xmlns:a="http://schemas.openxmlformats.org/drawingml/2006/main" xmlns:r="http://schemas.openxmlformats.org/officeDocument/2006/relationships" xmlns:p="http://schemas.openxmlformats.org/presentationml/2006/main">
-  <p:cSld>
-    <p:spTree>
-      <p:nvGrpSpPr>
-        <p:cNvPr id="1" name=""/>
-        <p:cNvGrpSpPr/>
-        <p:nvPr/>
-      </p:nvGrpSpPr>
-      <p:grpSpPr>
-        <a:xfrm>
-          <a:off x="0" y="0"/>
-          <a:ext cx="0" cy="0"/>
-          <a:chOff x="0" y="0"/>
-          <a:chExt cx="0" cy="0"/>
-        </a:xfrm>
-      </p:grpSpPr>
-      <p:sp>
-        <p:nvSpPr>
-          <p:cNvPr id="2" name="標題 1">
-            <a:extLst>
-              <a:ext uri="{FF2B5EF4-FFF2-40B4-BE49-F238E27FC236}">
-                <a16:creationId xmlns:a16="http://schemas.microsoft.com/office/drawing/2014/main" xmlns="" id="{C7B55EDB-6608-3CDF-F165-7F6B7E345F41}"/>
-              </a:ext>
-            </a:extLst>
-          </p:cNvPr>
-          <p:cNvSpPr>
-            <a:spLocks noGrp="1"/>
-          </p:cNvSpPr>
-          <p:nvPr>
-            <p:ph type="title"/>
-          </p:nvPr>
-        </p:nvSpPr>
-        <p:spPr>
-          <a:xfrm>
-            <a:off x="838200" y="139960"/>
-            <a:ext cx="10515600" cy="793102"/>
-          </a:xfrm>
-        </p:spPr>
-        <p:txBody>
-          <a:bodyPr/>
-          <a:lstStyle/>
-          <a:p>
-            <a:r>
-              <a:rPr lang="en-US" altLang="zh-TW" dirty="0"/>
-              <a:t>Materials and methods</a:t>
-            </a:r>
-            <a:endParaRPr lang="zh-TW" altLang="en-US" dirty="0"/>
-          </a:p>
-        </p:txBody>
-      </p:sp>
-      <p:sp>
-        <p:nvSpPr>
-          <p:cNvPr id="3" name="內容版面配置區 2">
-            <a:extLst>
-              <a:ext uri="{FF2B5EF4-FFF2-40B4-BE49-F238E27FC236}">
-                <a16:creationId xmlns:a16="http://schemas.microsoft.com/office/drawing/2014/main" xmlns="" id="{997FEF67-95B7-8F99-30AA-238E1F83ECAB}"/>
-              </a:ext>
-            </a:extLst>
-          </p:cNvPr>
-          <p:cNvSpPr>
-            <a:spLocks noGrp="1"/>
-          </p:cNvSpPr>
-          <p:nvPr>
-            <p:ph idx="1"/>
-          </p:nvPr>
-        </p:nvSpPr>
-        <p:spPr>
-          <a:xfrm>
-            <a:off x="838200" y="933062"/>
-            <a:ext cx="10515600" cy="5355771"/>
-          </a:xfrm>
-        </p:spPr>
-        <p:txBody>
-          <a:bodyPr>
-            <a:normAutofit/>
-          </a:bodyPr>
-          <a:lstStyle/>
-          <a:p>
-            <a:r>
-              <a:rPr lang="en-US" altLang="zh-TW" sz="2400" dirty="0"/>
-              <a:t>The Deep6mA model</a:t>
-            </a:r>
-          </a:p>
-          <a:p>
-            <a:pPr marL="0" indent="0">
-              <a:buNone/>
-            </a:pPr>
-            <a:r>
-              <a:rPr lang="zh-TW" altLang="en-US" sz="2400" dirty="0"/>
-              <a:t>    </a:t>
-            </a:r>
-            <a:r>
-              <a:rPr lang="en-US" altLang="zh-TW" sz="2000" dirty="0"/>
-              <a:t>The loci in DNA sequence are known to have a strong linkage disequilibrium, however, it is difficult to take into consider the dependence structure in traditional modeling for predicting 6mA sites. In this section, to fully capture the information in the sequence, we introduce a deep learning network, Deep6mA, which has a CNN to extract high-level features in the sequence and a BLSTM to learn dependence structure along the sequence. Specifically, Deep6mA is consist of five layers of CNN, one BLSTM layer and one fully connected layer. The convolution layer in CNN collocates 256 filters, and each filter size is 10. The exponential linear unit (</a:t>
-            </a:r>
-            <a:r>
-              <a:rPr lang="en-US" altLang="zh-TW" sz="2000" dirty="0" err="1"/>
-              <a:t>ReLU</a:t>
-            </a:r>
-            <a:r>
-              <a:rPr lang="en-US" altLang="zh-TW" sz="2000" dirty="0"/>
-              <a:t>) was used in CNN layers as activation function.</a:t>
-            </a:r>
-            <a:r>
-              <a:rPr lang="en-US" altLang="zh-TW" sz="1400" dirty="0"/>
-              <a:t> </a:t>
-            </a:r>
-          </a:p>
-          <a:p>
-            <a:pPr marL="0" indent="0">
-              <a:buNone/>
-            </a:pPr>
-            <a:r>
-              <a:rPr lang="en-US" altLang="zh-TW" sz="1400" dirty="0"/>
-              <a:t>    </a:t>
-            </a:r>
-            <a:r>
-              <a:rPr lang="en-US" altLang="zh-TW" sz="2000" dirty="0"/>
-              <a:t>After each convolution layer, a pooling layer with Max Pooling is added to optimize the redundancy of the features and prevent overfitting. Then, one BLSTM layer with size 32 is added after CNN to learn the dependence structure in the sequence. The activation function used in this layer is the tanh activation function. In addition, a Fully Connected (FC) layer with 32 hidden units was used in this model. Finally, a sigmoid activation function is used to combine the outputs from the FC layer to make the final decision. Fig 7 shows the flowchart of Deep6mA.</a:t>
-            </a:r>
-          </a:p>
-        </p:txBody>
-      </p:sp>
-    </p:spTree>
-    <p:extLst>
-      <p:ext uri="{BB962C8B-B14F-4D97-AF65-F5344CB8AC3E}">
-        <p14:creationId xmlns:p14="http://schemas.microsoft.com/office/powerpoint/2010/main" val="646780208"/>
-      </p:ext>
-    </p:extLst>
-  </p:cSld>
-  <p:clrMapOvr>
-    <a:masterClrMapping/>
-  </p:clrMapOvr>
-</p:sld>
-</file>
-
-<file path=ppt/slides/slide4.xml><?xml version="1.0" encoding="utf-8"?>
-<p:sld xmlns:a="http://schemas.openxmlformats.org/drawingml/2006/main" xmlns:r="http://schemas.openxmlformats.org/officeDocument/2006/relationships" xmlns:p="http://schemas.openxmlformats.org/presentationml/2006/main">
-  <p:cSld>
-    <p:spTree>
-      <p:nvGrpSpPr>
-        <p:cNvPr id="1" name=""/>
-        <p:cNvGrpSpPr/>
-        <p:nvPr/>
-      </p:nvGrpSpPr>
-      <p:grpSpPr>
-        <a:xfrm>
-          <a:off x="0" y="0"/>
-          <a:ext cx="0" cy="0"/>
-          <a:chOff x="0" y="0"/>
-          <a:chExt cx="0" cy="0"/>
-        </a:xfrm>
-      </p:grpSpPr>
-      <p:sp>
-        <p:nvSpPr>
-          <p:cNvPr id="2" name="標題 1">
-            <a:extLst>
-              <a:ext uri="{FF2B5EF4-FFF2-40B4-BE49-F238E27FC236}">
-                <a16:creationId xmlns:a16="http://schemas.microsoft.com/office/drawing/2014/main" xmlns="" id="{C7B55EDB-6608-3CDF-F165-7F6B7E345F41}"/>
-              </a:ext>
-            </a:extLst>
-          </p:cNvPr>
-          <p:cNvSpPr>
-            <a:spLocks noGrp="1"/>
-          </p:cNvSpPr>
-          <p:nvPr>
-            <p:ph type="title"/>
-          </p:nvPr>
-        </p:nvSpPr>
-        <p:spPr>
-          <a:xfrm>
-            <a:off x="838200" y="365126"/>
-            <a:ext cx="10515600" cy="894508"/>
-          </a:xfrm>
-        </p:spPr>
-        <p:txBody>
-          <a:bodyPr/>
-          <a:lstStyle/>
-          <a:p>
-            <a:r>
-              <a:rPr lang="en-US" altLang="zh-TW" dirty="0"/>
-              <a:t>Abstract</a:t>
-            </a:r>
-            <a:endParaRPr lang="zh-TW" altLang="en-US" dirty="0"/>
-          </a:p>
-        </p:txBody>
-      </p:sp>
-      <p:sp>
-        <p:nvSpPr>
-          <p:cNvPr id="3" name="內容版面配置區 2">
-            <a:extLst>
-              <a:ext uri="{FF2B5EF4-FFF2-40B4-BE49-F238E27FC236}">
-                <a16:creationId xmlns:a16="http://schemas.microsoft.com/office/drawing/2014/main" xmlns="" id="{997FEF67-95B7-8F99-30AA-238E1F83ECAB}"/>
-              </a:ext>
-            </a:extLst>
-          </p:cNvPr>
-          <p:cNvSpPr>
-            <a:spLocks noGrp="1"/>
-          </p:cNvSpPr>
-          <p:nvPr>
-            <p:ph idx="1"/>
-          </p:nvPr>
-        </p:nvSpPr>
-        <p:spPr>
-          <a:xfrm>
-            <a:off x="838200" y="1259633"/>
-            <a:ext cx="10515600" cy="4917329"/>
-          </a:xfrm>
-        </p:spPr>
-        <p:txBody>
-          <a:bodyPr>
-            <a:normAutofit/>
-          </a:bodyPr>
-          <a:lstStyle/>
-          <a:p>
-            <a:pPr marL="0" indent="0">
-              <a:buNone/>
-            </a:pPr>
-            <a:r>
-              <a:rPr lang="en-US" altLang="zh-TW" sz="2000" dirty="0"/>
-              <a:t>    The model trained with rice data predicts well the 6mA sites of other three species: </a:t>
-            </a:r>
-          </a:p>
-          <a:p>
-            <a:r>
-              <a:rPr lang="en-US" altLang="zh-TW" sz="2000" dirty="0"/>
-              <a:t>Arabidopsis thaliana, </a:t>
-            </a:r>
-          </a:p>
-          <a:p>
-            <a:r>
-              <a:rPr lang="en-US" altLang="zh-TW" sz="2000" dirty="0"/>
-              <a:t>Fragaria </a:t>
-            </a:r>
-            <a:r>
-              <a:rPr lang="en-US" altLang="zh-TW" sz="2000" dirty="0" err="1"/>
-              <a:t>vesca</a:t>
-            </a:r>
-            <a:r>
-              <a:rPr lang="en-US" altLang="zh-TW" sz="2000" dirty="0"/>
-              <a:t> </a:t>
-            </a:r>
-          </a:p>
-          <a:p>
-            <a:r>
-              <a:rPr lang="en-US" altLang="zh-TW" sz="2000" dirty="0"/>
-              <a:t>Rosa chinensis </a:t>
-            </a:r>
-          </a:p>
-          <a:p>
-            <a:pPr marL="0" indent="0">
-              <a:buNone/>
-            </a:pPr>
-            <a:r>
-              <a:rPr lang="en-US" altLang="zh-TW" sz="2000" dirty="0"/>
-              <a:t>with a prediction accuracy over 90%. In addition, we find that: </a:t>
-            </a:r>
-          </a:p>
-          <a:p>
-            <a:pPr marL="0" indent="0">
-              <a:buNone/>
-            </a:pPr>
-            <a:r>
-              <a:rPr lang="en-US" altLang="zh-TW" sz="2000" dirty="0"/>
-              <a:t>(1) 6mA tends to occur at GAGG motifs, which means the sequence near the 6mA site may be    conservative;</a:t>
-            </a:r>
-          </a:p>
-          <a:p>
-            <a:pPr marL="0" indent="0">
-              <a:buNone/>
-            </a:pPr>
-            <a:r>
-              <a:rPr lang="en-US" altLang="zh-TW" sz="2000" dirty="0"/>
-              <a:t>(2) 6mA is enriched in the TATA box of the promoter, which may be the main source of its regulating downstream gene expression.</a:t>
-            </a:r>
-            <a:endParaRPr lang="zh-TW" altLang="en-US" sz="2000" dirty="0"/>
-          </a:p>
-        </p:txBody>
-      </p:sp>
-    </p:spTree>
-    <p:extLst>
-      <p:ext uri="{BB962C8B-B14F-4D97-AF65-F5344CB8AC3E}">
-        <p14:creationId xmlns:p14="http://schemas.microsoft.com/office/powerpoint/2010/main" val="4092016042"/>
-      </p:ext>
-    </p:extLst>
-  </p:cSld>
-  <p:clrMapOvr>
-    <a:masterClrMapping/>
-  </p:clrMapOvr>
-</p:sld>
-</file>
-
-<file path=ppt/slides/slide40.xml><?xml version="1.0" encoding="utf-8"?>
-<p:sld xmlns:a="http://schemas.openxmlformats.org/drawingml/2006/main" xmlns:r="http://schemas.openxmlformats.org/officeDocument/2006/relationships" xmlns:p="http://schemas.openxmlformats.org/presentationml/2006/main">
-  <p:cSld>
-    <p:spTree>
-      <p:nvGrpSpPr>
-        <p:cNvPr id="1" name=""/>
-        <p:cNvGrpSpPr/>
-        <p:nvPr/>
-      </p:nvGrpSpPr>
-      <p:grpSpPr>
-        <a:xfrm>
-          <a:off x="0" y="0"/>
-          <a:ext cx="0" cy="0"/>
-          <a:chOff x="0" y="0"/>
-          <a:chExt cx="0" cy="0"/>
-        </a:xfrm>
-      </p:grpSpPr>
-      <p:pic>
-        <p:nvPicPr>
-          <p:cNvPr id="5" name="圖片 4">
-            <a:extLst>
-              <a:ext uri="{FF2B5EF4-FFF2-40B4-BE49-F238E27FC236}">
-                <a16:creationId xmlns:a16="http://schemas.microsoft.com/office/drawing/2014/main" xmlns="" id="{75C6499E-C485-2635-4E8A-BBA0B51540F9}"/>
-              </a:ext>
-            </a:extLst>
-          </p:cNvPr>
-          <p:cNvPicPr>
-            <a:picLocks noChangeAspect="1"/>
-          </p:cNvPicPr>
-          <p:nvPr/>
-        </p:nvPicPr>
-        <p:blipFill>
-          <a:blip r:embed="rId2"/>
-          <a:stretch>
-            <a:fillRect/>
-          </a:stretch>
-        </p:blipFill>
-        <p:spPr>
-          <a:xfrm>
-            <a:off x="3294748" y="0"/>
-            <a:ext cx="7617915" cy="6858000"/>
-          </a:xfrm>
-          <a:prstGeom prst="rect">
-            <a:avLst/>
-          </a:prstGeom>
-        </p:spPr>
-      </p:pic>
-    </p:spTree>
-    <p:extLst>
-      <p:ext uri="{BB962C8B-B14F-4D97-AF65-F5344CB8AC3E}">
-        <p14:creationId xmlns:p14="http://schemas.microsoft.com/office/powerpoint/2010/main" val="3027506776"/>
-      </p:ext>
-    </p:extLst>
-  </p:cSld>
-  <p:clrMapOvr>
-    <a:masterClrMapping/>
-  </p:clrMapOvr>
-</p:sld>
-</file>
-
-<file path=ppt/slides/slide41.xml><?xml version="1.0" encoding="utf-8"?>
-<p:sld xmlns:a="http://schemas.openxmlformats.org/drawingml/2006/main" xmlns:r="http://schemas.openxmlformats.org/officeDocument/2006/relationships" xmlns:p="http://schemas.openxmlformats.org/presentationml/2006/main">
-  <p:cSld>
-    <p:spTree>
-      <p:nvGrpSpPr>
-        <p:cNvPr id="1" name=""/>
-        <p:cNvGrpSpPr/>
-        <p:nvPr/>
-      </p:nvGrpSpPr>
-      <p:grpSpPr>
-        <a:xfrm>
-          <a:off x="0" y="0"/>
-          <a:ext cx="0" cy="0"/>
-          <a:chOff x="0" y="0"/>
-          <a:chExt cx="0" cy="0"/>
-        </a:xfrm>
-      </p:grpSpPr>
-      <p:sp>
-        <p:nvSpPr>
-          <p:cNvPr id="2" name="標題 1">
-            <a:extLst>
-              <a:ext uri="{FF2B5EF4-FFF2-40B4-BE49-F238E27FC236}">
-                <a16:creationId xmlns:a16="http://schemas.microsoft.com/office/drawing/2014/main" xmlns="" id="{C7B55EDB-6608-3CDF-F165-7F6B7E345F41}"/>
-              </a:ext>
-            </a:extLst>
-          </p:cNvPr>
-          <p:cNvSpPr>
-            <a:spLocks noGrp="1"/>
-          </p:cNvSpPr>
-          <p:nvPr>
-            <p:ph type="title"/>
-          </p:nvPr>
-        </p:nvSpPr>
-        <p:spPr>
-          <a:xfrm>
-            <a:off x="838200" y="139960"/>
-            <a:ext cx="10515600" cy="793102"/>
-          </a:xfrm>
-        </p:spPr>
-        <p:txBody>
-          <a:bodyPr/>
-          <a:lstStyle/>
-          <a:p>
-            <a:r>
-              <a:rPr lang="en-US" altLang="zh-TW" dirty="0"/>
-              <a:t>Materials and methods</a:t>
-            </a:r>
-            <a:endParaRPr lang="zh-TW" altLang="en-US" dirty="0"/>
-          </a:p>
-        </p:txBody>
-      </p:sp>
-      <p:sp>
-        <p:nvSpPr>
-          <p:cNvPr id="3" name="內容版面配置區 2">
-            <a:extLst>
-              <a:ext uri="{FF2B5EF4-FFF2-40B4-BE49-F238E27FC236}">
-                <a16:creationId xmlns:a16="http://schemas.microsoft.com/office/drawing/2014/main" xmlns="" id="{997FEF67-95B7-8F99-30AA-238E1F83ECAB}"/>
-              </a:ext>
-            </a:extLst>
-          </p:cNvPr>
-          <p:cNvSpPr>
-            <a:spLocks noGrp="1"/>
-          </p:cNvSpPr>
-          <p:nvPr>
-            <p:ph idx="1"/>
-          </p:nvPr>
-        </p:nvSpPr>
-        <p:spPr>
-          <a:xfrm>
-            <a:off x="838200" y="933062"/>
-            <a:ext cx="10515600" cy="5355771"/>
-          </a:xfrm>
-        </p:spPr>
-        <p:txBody>
-          <a:bodyPr>
-            <a:normAutofit/>
-          </a:bodyPr>
-          <a:lstStyle/>
-          <a:p>
-            <a:r>
-              <a:rPr lang="en-US" altLang="zh-TW" sz="2400" dirty="0"/>
-              <a:t>The Deep6mA model</a:t>
-            </a:r>
-          </a:p>
-          <a:p>
-            <a:pPr marL="0" indent="0">
-              <a:buNone/>
-            </a:pPr>
-            <a:r>
-              <a:rPr lang="zh-TW" altLang="en-US" sz="2400" dirty="0"/>
-              <a:t>    </a:t>
-            </a:r>
-            <a:r>
-              <a:rPr lang="en-US" altLang="zh-TW" sz="2000" dirty="0"/>
-              <a:t>Deep6mA is trained by using Adam [37]. Batch normalization and dropout [38] are applied after each convolutional procedure to accelerate training and avoid overfitting. The dropout rate is set as 0.5, the learning rate is set as 0.01, and the reduced factor is set as 0.5. In addition, the maximum training epoch and batch size is set as 50 and 256, respectively. We take 1/8 of training data, about 10% of the whole dataset, as validation data, and use an early stopping strategy with patience 5, which means the training process will stop when prediction performance did not improve on the validation set. The whole framework is implemented in </a:t>
-            </a:r>
-            <a:r>
-              <a:rPr lang="en-US" altLang="zh-TW" sz="2000" dirty="0" err="1"/>
-              <a:t>Pytorch</a:t>
-            </a:r>
-            <a:r>
-              <a:rPr lang="en-US" altLang="zh-TW" sz="2000" dirty="0"/>
-              <a:t> (https://pytorch.org)</a:t>
-            </a:r>
-          </a:p>
-        </p:txBody>
-      </p:sp>
-    </p:spTree>
-    <p:extLst>
-      <p:ext uri="{BB962C8B-B14F-4D97-AF65-F5344CB8AC3E}">
-        <p14:creationId xmlns:p14="http://schemas.microsoft.com/office/powerpoint/2010/main" val="2873019847"/>
-      </p:ext>
-    </p:extLst>
-  </p:cSld>
-  <p:clrMapOvr>
-    <a:masterClrMapping/>
-  </p:clrMapOvr>
-</p:sld>
-</file>
-
-<file path=ppt/slides/slide42.xml><?xml version="1.0" encoding="utf-8"?>
-<p:sld xmlns:a="http://schemas.openxmlformats.org/drawingml/2006/main" xmlns:r="http://schemas.openxmlformats.org/officeDocument/2006/relationships" xmlns:p="http://schemas.openxmlformats.org/presentationml/2006/main">
-  <p:cSld>
-    <p:spTree>
-      <p:nvGrpSpPr>
-        <p:cNvPr id="1" name=""/>
-        <p:cNvGrpSpPr/>
-        <p:nvPr/>
-      </p:nvGrpSpPr>
-      <p:grpSpPr>
-        <a:xfrm>
-          <a:off x="0" y="0"/>
-          <a:ext cx="0" cy="0"/>
-          <a:chOff x="0" y="0"/>
-          <a:chExt cx="0" cy="0"/>
-        </a:xfrm>
-      </p:grpSpPr>
-      <p:sp>
-        <p:nvSpPr>
-          <p:cNvPr id="2" name="標題 1">
-            <a:extLst>
-              <a:ext uri="{FF2B5EF4-FFF2-40B4-BE49-F238E27FC236}">
-                <a16:creationId xmlns:a16="http://schemas.microsoft.com/office/drawing/2014/main" xmlns="" id="{C7B55EDB-6608-3CDF-F165-7F6B7E345F41}"/>
-              </a:ext>
-            </a:extLst>
-          </p:cNvPr>
-          <p:cNvSpPr>
-            <a:spLocks noGrp="1"/>
-          </p:cNvSpPr>
-          <p:nvPr>
-            <p:ph type="title"/>
-          </p:nvPr>
-        </p:nvSpPr>
-        <p:spPr>
-          <a:xfrm>
-            <a:off x="838200" y="139960"/>
-            <a:ext cx="10515600" cy="793102"/>
-          </a:xfrm>
-        </p:spPr>
-        <p:txBody>
-          <a:bodyPr/>
-          <a:lstStyle/>
-          <a:p>
-            <a:r>
-              <a:rPr lang="en-US" altLang="zh-TW" dirty="0"/>
-              <a:t>Materials and methods</a:t>
-            </a:r>
-            <a:endParaRPr lang="zh-TW" altLang="en-US" dirty="0"/>
-          </a:p>
-        </p:txBody>
-      </p:sp>
-      <p:sp>
-        <p:nvSpPr>
-          <p:cNvPr id="3" name="內容版面配置區 2">
-            <a:extLst>
-              <a:ext uri="{FF2B5EF4-FFF2-40B4-BE49-F238E27FC236}">
-                <a16:creationId xmlns:a16="http://schemas.microsoft.com/office/drawing/2014/main" xmlns="" id="{997FEF67-95B7-8F99-30AA-238E1F83ECAB}"/>
-              </a:ext>
-            </a:extLst>
-          </p:cNvPr>
-          <p:cNvSpPr>
-            <a:spLocks noGrp="1"/>
-          </p:cNvSpPr>
-          <p:nvPr>
-            <p:ph idx="1"/>
-          </p:nvPr>
-        </p:nvSpPr>
-        <p:spPr>
-          <a:xfrm>
-            <a:off x="838200" y="933062"/>
-            <a:ext cx="10515600" cy="5355771"/>
-          </a:xfrm>
-        </p:spPr>
-        <p:txBody>
-          <a:bodyPr>
-            <a:normAutofit/>
-          </a:bodyPr>
-          <a:lstStyle/>
-          <a:p>
-            <a:r>
-              <a:rPr lang="en-US" altLang="zh-TW" sz="2400" dirty="0"/>
-              <a:t>Prediction accuracy assessment</a:t>
-            </a:r>
-          </a:p>
-          <a:p>
-            <a:pPr marL="0" indent="0">
-              <a:buNone/>
-            </a:pPr>
-            <a:r>
-              <a:rPr lang="zh-TW" altLang="en-US" sz="2400" dirty="0"/>
-              <a:t>    </a:t>
-            </a:r>
-            <a:r>
-              <a:rPr lang="en-US" altLang="zh-TW" sz="2000" dirty="0"/>
-              <a:t>In this work, the prediction accuracy (ACC), Matthews correlation coefficient (MCC), sensitivity (SN) and specificity (SP) are used to evaluate the performance of different methods. Their definitions are given below. The receiver operating characteristic curve (ROC), the area under the curve (AUC) and precision recall curves (PRC) are used to show the detailed performance of different methods. The X-axis of the ROC curve is false positive rate (FPR = 1-SP), and the Y-axis is true positive rate (TPR = SN). The X-axis of the PRC curve is recall (Recall = SN), and the Y-axis is precision. The evaluation and comparison of the models in this paper are based on 5-fold cross validation</a:t>
-            </a:r>
-          </a:p>
-        </p:txBody>
-      </p:sp>
-    </p:spTree>
-    <p:extLst>
-      <p:ext uri="{BB962C8B-B14F-4D97-AF65-F5344CB8AC3E}">
-        <p14:creationId xmlns:p14="http://schemas.microsoft.com/office/powerpoint/2010/main" val="3046703179"/>
-      </p:ext>
-    </p:extLst>
-  </p:cSld>
-  <p:clrMapOvr>
-    <a:masterClrMapping/>
-  </p:clrMapOvr>
-</p:sld>
-</file>
-
-<file path=ppt/slides/slide43.xml><?xml version="1.0" encoding="utf-8"?>
-<p:sld xmlns:a="http://schemas.openxmlformats.org/drawingml/2006/main" xmlns:r="http://schemas.openxmlformats.org/officeDocument/2006/relationships" xmlns:p="http://schemas.openxmlformats.org/presentationml/2006/main">
-  <p:cSld>
-    <p:spTree>
-      <p:nvGrpSpPr>
-        <p:cNvPr id="1" name=""/>
-        <p:cNvGrpSpPr/>
-        <p:nvPr/>
-      </p:nvGrpSpPr>
-      <p:grpSpPr>
-        <a:xfrm>
-          <a:off x="0" y="0"/>
-          <a:ext cx="0" cy="0"/>
-          <a:chOff x="0" y="0"/>
-          <a:chExt cx="0" cy="0"/>
-        </a:xfrm>
-      </p:grpSpPr>
-      <p:sp>
-        <p:nvSpPr>
-          <p:cNvPr id="2" name="標題 1">
-            <a:extLst>
-              <a:ext uri="{FF2B5EF4-FFF2-40B4-BE49-F238E27FC236}">
-                <a16:creationId xmlns:a16="http://schemas.microsoft.com/office/drawing/2014/main" xmlns="" id="{C7B55EDB-6608-3CDF-F165-7F6B7E345F41}"/>
-              </a:ext>
-            </a:extLst>
-          </p:cNvPr>
-          <p:cNvSpPr>
-            <a:spLocks noGrp="1"/>
-          </p:cNvSpPr>
-          <p:nvPr>
-            <p:ph type="title"/>
-          </p:nvPr>
-        </p:nvSpPr>
-        <p:spPr>
-          <a:xfrm>
-            <a:off x="838200" y="139960"/>
-            <a:ext cx="10515600" cy="793102"/>
-          </a:xfrm>
-        </p:spPr>
-        <p:txBody>
-          <a:bodyPr/>
-          <a:lstStyle/>
-          <a:p>
-            <a:r>
-              <a:rPr lang="en-US" altLang="zh-TW" dirty="0"/>
-              <a:t>Materials and methods</a:t>
-            </a:r>
-            <a:endParaRPr lang="zh-TW" altLang="en-US" dirty="0"/>
-          </a:p>
-        </p:txBody>
-      </p:sp>
-      <p:sp>
-        <p:nvSpPr>
-          <p:cNvPr id="3" name="內容版面配置區 2">
-            <a:extLst>
-              <a:ext uri="{FF2B5EF4-FFF2-40B4-BE49-F238E27FC236}">
-                <a16:creationId xmlns:a16="http://schemas.microsoft.com/office/drawing/2014/main" xmlns="" id="{997FEF67-95B7-8F99-30AA-238E1F83ECAB}"/>
-              </a:ext>
-            </a:extLst>
-          </p:cNvPr>
-          <p:cNvSpPr>
-            <a:spLocks noGrp="1"/>
-          </p:cNvSpPr>
-          <p:nvPr>
-            <p:ph idx="1"/>
-          </p:nvPr>
-        </p:nvSpPr>
-        <p:spPr>
-          <a:xfrm>
-            <a:off x="838200" y="933062"/>
-            <a:ext cx="10515600" cy="5355771"/>
-          </a:xfrm>
-        </p:spPr>
-        <p:txBody>
-          <a:bodyPr>
-            <a:normAutofit/>
-          </a:bodyPr>
-          <a:lstStyle/>
-          <a:p>
-            <a:r>
-              <a:rPr lang="en-US" altLang="zh-TW" sz="2400" dirty="0"/>
-              <a:t>Prediction accuracy assessment</a:t>
-            </a:r>
-          </a:p>
-          <a:p>
-            <a:pPr marL="0" indent="0">
-              <a:buNone/>
-            </a:pPr>
-            <a:r>
-              <a:rPr lang="zh-TW" altLang="en-US" sz="2400" dirty="0"/>
-              <a:t>    </a:t>
-            </a:r>
-            <a:endParaRPr lang="en-US" altLang="zh-TW" sz="2000" dirty="0"/>
-          </a:p>
-        </p:txBody>
-      </p:sp>
-      <p:pic>
-        <p:nvPicPr>
-          <p:cNvPr id="5" name="圖片 4">
-            <a:extLst>
-              <a:ext uri="{FF2B5EF4-FFF2-40B4-BE49-F238E27FC236}">
-                <a16:creationId xmlns:a16="http://schemas.microsoft.com/office/drawing/2014/main" xmlns="" id="{81C7FC83-CE3C-4E10-CA8C-D7CD415DD12E}"/>
-              </a:ext>
-            </a:extLst>
-          </p:cNvPr>
-          <p:cNvPicPr>
-            <a:picLocks noChangeAspect="1"/>
-          </p:cNvPicPr>
-          <p:nvPr/>
-        </p:nvPicPr>
-        <p:blipFill>
-          <a:blip r:embed="rId2"/>
-          <a:stretch>
-            <a:fillRect/>
-          </a:stretch>
-        </p:blipFill>
-        <p:spPr>
-          <a:xfrm>
-            <a:off x="3304785" y="1509444"/>
-            <a:ext cx="5582429" cy="3839111"/>
-          </a:xfrm>
-          <a:prstGeom prst="rect">
-            <a:avLst/>
-          </a:prstGeom>
-        </p:spPr>
-      </p:pic>
-    </p:spTree>
-    <p:extLst>
-      <p:ext uri="{BB962C8B-B14F-4D97-AF65-F5344CB8AC3E}">
-        <p14:creationId xmlns:p14="http://schemas.microsoft.com/office/powerpoint/2010/main" val="3198434626"/>
       </p:ext>
     </p:extLst>
   </p:cSld>
@@ -8240,7 +9892,7 @@
           <p:cNvPr id="2" name="標題 1">
             <a:extLst>
               <a:ext uri="{FF2B5EF4-FFF2-40B4-BE49-F238E27FC236}">
-                <a16:creationId xmlns:a16="http://schemas.microsoft.com/office/drawing/2014/main" xmlns="" id="{C7B55EDB-6608-3CDF-F165-7F6B7E345F41}"/>
+                <a16:creationId xmlns:a16="http://schemas.microsoft.com/office/drawing/2014/main" id="{C7B55EDB-6608-3CDF-F165-7F6B7E345F41}"/>
               </a:ext>
             </a:extLst>
           </p:cNvPr>
@@ -8274,7 +9926,7 @@
           <p:cNvPr id="3" name="內容版面配置區 2">
             <a:extLst>
               <a:ext uri="{FF2B5EF4-FFF2-40B4-BE49-F238E27FC236}">
-                <a16:creationId xmlns:a16="http://schemas.microsoft.com/office/drawing/2014/main" xmlns="" id="{997FEF67-95B7-8F99-30AA-238E1F83ECAB}"/>
+                <a16:creationId xmlns:a16="http://schemas.microsoft.com/office/drawing/2014/main" id="{997FEF67-95B7-8F99-30AA-238E1F83ECAB}"/>
               </a:ext>
             </a:extLst>
           </p:cNvPr>
@@ -8352,7 +10004,7 @@
           <p:cNvPr id="2" name="標題 1">
             <a:extLst>
               <a:ext uri="{FF2B5EF4-FFF2-40B4-BE49-F238E27FC236}">
-                <a16:creationId xmlns:a16="http://schemas.microsoft.com/office/drawing/2014/main" xmlns="" id="{C7B55EDB-6608-3CDF-F165-7F6B7E345F41}"/>
+                <a16:creationId xmlns:a16="http://schemas.microsoft.com/office/drawing/2014/main" id="{C7B55EDB-6608-3CDF-F165-7F6B7E345F41}"/>
               </a:ext>
             </a:extLst>
           </p:cNvPr>
@@ -8386,7 +10038,7 @@
           <p:cNvPr id="3" name="內容版面配置區 2">
             <a:extLst>
               <a:ext uri="{FF2B5EF4-FFF2-40B4-BE49-F238E27FC236}">
-                <a16:creationId xmlns:a16="http://schemas.microsoft.com/office/drawing/2014/main" xmlns="" id="{997FEF67-95B7-8F99-30AA-238E1F83ECAB}"/>
+                <a16:creationId xmlns:a16="http://schemas.microsoft.com/office/drawing/2014/main" id="{997FEF67-95B7-8F99-30AA-238E1F83ECAB}"/>
               </a:ext>
             </a:extLst>
           </p:cNvPr>
@@ -8513,7 +10165,7 @@
           <p:cNvPr id="2" name="標題 1">
             <a:extLst>
               <a:ext uri="{FF2B5EF4-FFF2-40B4-BE49-F238E27FC236}">
-                <a16:creationId xmlns:a16="http://schemas.microsoft.com/office/drawing/2014/main" xmlns="" id="{C7B55EDB-6608-3CDF-F165-7F6B7E345F41}"/>
+                <a16:creationId xmlns:a16="http://schemas.microsoft.com/office/drawing/2014/main" id="{C7B55EDB-6608-3CDF-F165-7F6B7E345F41}"/>
               </a:ext>
             </a:extLst>
           </p:cNvPr>
@@ -8547,7 +10199,7 @@
           <p:cNvPr id="3" name="內容版面配置區 2">
             <a:extLst>
               <a:ext uri="{FF2B5EF4-FFF2-40B4-BE49-F238E27FC236}">
-                <a16:creationId xmlns:a16="http://schemas.microsoft.com/office/drawing/2014/main" xmlns="" id="{997FEF67-95B7-8F99-30AA-238E1F83ECAB}"/>
+                <a16:creationId xmlns:a16="http://schemas.microsoft.com/office/drawing/2014/main" id="{997FEF67-95B7-8F99-30AA-238E1F83ECAB}"/>
               </a:ext>
             </a:extLst>
           </p:cNvPr>
@@ -8649,7 +10301,7 @@
           <p:cNvPr id="2" name="標題 1">
             <a:extLst>
               <a:ext uri="{FF2B5EF4-FFF2-40B4-BE49-F238E27FC236}">
-                <a16:creationId xmlns:a16="http://schemas.microsoft.com/office/drawing/2014/main" xmlns="" id="{C7B55EDB-6608-3CDF-F165-7F6B7E345F41}"/>
+                <a16:creationId xmlns:a16="http://schemas.microsoft.com/office/drawing/2014/main" id="{C7B55EDB-6608-3CDF-F165-7F6B7E345F41}"/>
               </a:ext>
             </a:extLst>
           </p:cNvPr>
@@ -8683,7 +10335,7 @@
           <p:cNvPr id="3" name="內容版面配置區 2">
             <a:extLst>
               <a:ext uri="{FF2B5EF4-FFF2-40B4-BE49-F238E27FC236}">
-                <a16:creationId xmlns:a16="http://schemas.microsoft.com/office/drawing/2014/main" xmlns="" id="{997FEF67-95B7-8F99-30AA-238E1F83ECAB}"/>
+                <a16:creationId xmlns:a16="http://schemas.microsoft.com/office/drawing/2014/main" id="{997FEF67-95B7-8F99-30AA-238E1F83ECAB}"/>
               </a:ext>
             </a:extLst>
           </p:cNvPr>
@@ -8777,7 +10429,7 @@
           <p:cNvPr id="2" name="標題 1">
             <a:extLst>
               <a:ext uri="{FF2B5EF4-FFF2-40B4-BE49-F238E27FC236}">
-                <a16:creationId xmlns:a16="http://schemas.microsoft.com/office/drawing/2014/main" xmlns="" id="{C7B55EDB-6608-3CDF-F165-7F6B7E345F41}"/>
+                <a16:creationId xmlns:a16="http://schemas.microsoft.com/office/drawing/2014/main" id="{C7B55EDB-6608-3CDF-F165-7F6B7E345F41}"/>
               </a:ext>
             </a:extLst>
           </p:cNvPr>
@@ -8811,7 +10463,7 @@
           <p:cNvPr id="3" name="內容版面配置區 2">
             <a:extLst>
               <a:ext uri="{FF2B5EF4-FFF2-40B4-BE49-F238E27FC236}">
-                <a16:creationId xmlns:a16="http://schemas.microsoft.com/office/drawing/2014/main" xmlns="" id="{997FEF67-95B7-8F99-30AA-238E1F83ECAB}"/>
+                <a16:creationId xmlns:a16="http://schemas.microsoft.com/office/drawing/2014/main" id="{997FEF67-95B7-8F99-30AA-238E1F83ECAB}"/>
               </a:ext>
             </a:extLst>
           </p:cNvPr>

--- a/Deep6mA/Presentation/deep6mA.pptx
+++ b/Deep6mA/Presentation/deep6mA.pptx
@@ -179,7 +179,7 @@
           <p:cNvPr id="2" name="標題 1">
             <a:extLst>
               <a:ext uri="{FF2B5EF4-FFF2-40B4-BE49-F238E27FC236}">
-                <a16:creationId xmlns:a16="http://schemas.microsoft.com/office/drawing/2014/main" id="{86B15F38-23E1-E03F-7D2B-BB40EB209950}"/>
+                <a16:creationId xmlns:a16="http://schemas.microsoft.com/office/drawing/2014/main" xmlns="" id="{86B15F38-23E1-E03F-7D2B-BB40EB209950}"/>
               </a:ext>
             </a:extLst>
           </p:cNvPr>
@@ -216,7 +216,7 @@
           <p:cNvPr id="3" name="副標題 2">
             <a:extLst>
               <a:ext uri="{FF2B5EF4-FFF2-40B4-BE49-F238E27FC236}">
-                <a16:creationId xmlns:a16="http://schemas.microsoft.com/office/drawing/2014/main" id="{202417E0-8087-AB81-9278-DB40E5DA5BA4}"/>
+                <a16:creationId xmlns:a16="http://schemas.microsoft.com/office/drawing/2014/main" xmlns="" id="{202417E0-8087-AB81-9278-DB40E5DA5BA4}"/>
               </a:ext>
             </a:extLst>
           </p:cNvPr>
@@ -286,7 +286,7 @@
           <p:cNvPr id="4" name="日期版面配置區 3">
             <a:extLst>
               <a:ext uri="{FF2B5EF4-FFF2-40B4-BE49-F238E27FC236}">
-                <a16:creationId xmlns:a16="http://schemas.microsoft.com/office/drawing/2014/main" id="{68E22E96-F70C-DA0D-F27A-F83720F86139}"/>
+                <a16:creationId xmlns:a16="http://schemas.microsoft.com/office/drawing/2014/main" xmlns="" id="{68E22E96-F70C-DA0D-F27A-F83720F86139}"/>
               </a:ext>
             </a:extLst>
           </p:cNvPr>
@@ -315,7 +315,7 @@
           <p:cNvPr id="5" name="頁尾版面配置區 4">
             <a:extLst>
               <a:ext uri="{FF2B5EF4-FFF2-40B4-BE49-F238E27FC236}">
-                <a16:creationId xmlns:a16="http://schemas.microsoft.com/office/drawing/2014/main" id="{07917629-1848-6B81-62AD-9F2655F54C30}"/>
+                <a16:creationId xmlns:a16="http://schemas.microsoft.com/office/drawing/2014/main" xmlns="" id="{07917629-1848-6B81-62AD-9F2655F54C30}"/>
               </a:ext>
             </a:extLst>
           </p:cNvPr>
@@ -340,7 +340,7 @@
           <p:cNvPr id="6" name="投影片編號版面配置區 5">
             <a:extLst>
               <a:ext uri="{FF2B5EF4-FFF2-40B4-BE49-F238E27FC236}">
-                <a16:creationId xmlns:a16="http://schemas.microsoft.com/office/drawing/2014/main" id="{760D25AB-1F77-D55B-CE66-015A4CA983B8}"/>
+                <a16:creationId xmlns:a16="http://schemas.microsoft.com/office/drawing/2014/main" xmlns="" id="{760D25AB-1F77-D55B-CE66-015A4CA983B8}"/>
               </a:ext>
             </a:extLst>
           </p:cNvPr>
@@ -399,7 +399,7 @@
           <p:cNvPr id="2" name="標題 1">
             <a:extLst>
               <a:ext uri="{FF2B5EF4-FFF2-40B4-BE49-F238E27FC236}">
-                <a16:creationId xmlns:a16="http://schemas.microsoft.com/office/drawing/2014/main" id="{3D3C0E28-E1FF-B10E-D6F9-CC099612EB17}"/>
+                <a16:creationId xmlns:a16="http://schemas.microsoft.com/office/drawing/2014/main" xmlns="" id="{3D3C0E28-E1FF-B10E-D6F9-CC099612EB17}"/>
               </a:ext>
             </a:extLst>
           </p:cNvPr>
@@ -427,7 +427,7 @@
           <p:cNvPr id="3" name="直排文字版面配置區 2">
             <a:extLst>
               <a:ext uri="{FF2B5EF4-FFF2-40B4-BE49-F238E27FC236}">
-                <a16:creationId xmlns:a16="http://schemas.microsoft.com/office/drawing/2014/main" id="{3C1918DF-DCBD-3B18-C3CC-102CE04A4C8D}"/>
+                <a16:creationId xmlns:a16="http://schemas.microsoft.com/office/drawing/2014/main" xmlns="" id="{3C1918DF-DCBD-3B18-C3CC-102CE04A4C8D}"/>
               </a:ext>
             </a:extLst>
           </p:cNvPr>
@@ -484,7 +484,7 @@
           <p:cNvPr id="4" name="日期版面配置區 3">
             <a:extLst>
               <a:ext uri="{FF2B5EF4-FFF2-40B4-BE49-F238E27FC236}">
-                <a16:creationId xmlns:a16="http://schemas.microsoft.com/office/drawing/2014/main" id="{C96F34A9-905D-E102-5434-EB430AD00D54}"/>
+                <a16:creationId xmlns:a16="http://schemas.microsoft.com/office/drawing/2014/main" xmlns="" id="{C96F34A9-905D-E102-5434-EB430AD00D54}"/>
               </a:ext>
             </a:extLst>
           </p:cNvPr>
@@ -513,7 +513,7 @@
           <p:cNvPr id="5" name="頁尾版面配置區 4">
             <a:extLst>
               <a:ext uri="{FF2B5EF4-FFF2-40B4-BE49-F238E27FC236}">
-                <a16:creationId xmlns:a16="http://schemas.microsoft.com/office/drawing/2014/main" id="{60473F65-112C-D45E-C942-011A563859DA}"/>
+                <a16:creationId xmlns:a16="http://schemas.microsoft.com/office/drawing/2014/main" xmlns="" id="{60473F65-112C-D45E-C942-011A563859DA}"/>
               </a:ext>
             </a:extLst>
           </p:cNvPr>
@@ -538,7 +538,7 @@
           <p:cNvPr id="6" name="投影片編號版面配置區 5">
             <a:extLst>
               <a:ext uri="{FF2B5EF4-FFF2-40B4-BE49-F238E27FC236}">
-                <a16:creationId xmlns:a16="http://schemas.microsoft.com/office/drawing/2014/main" id="{36AE4B86-1229-0A97-2CC5-70134CC2FC28}"/>
+                <a16:creationId xmlns:a16="http://schemas.microsoft.com/office/drawing/2014/main" xmlns="" id="{36AE4B86-1229-0A97-2CC5-70134CC2FC28}"/>
               </a:ext>
             </a:extLst>
           </p:cNvPr>
@@ -597,7 +597,7 @@
           <p:cNvPr id="2" name="直排標題 1">
             <a:extLst>
               <a:ext uri="{FF2B5EF4-FFF2-40B4-BE49-F238E27FC236}">
-                <a16:creationId xmlns:a16="http://schemas.microsoft.com/office/drawing/2014/main" id="{27E8239C-6906-6C3E-481E-FFF96C109348}"/>
+                <a16:creationId xmlns:a16="http://schemas.microsoft.com/office/drawing/2014/main" xmlns="" id="{27E8239C-6906-6C3E-481E-FFF96C109348}"/>
               </a:ext>
             </a:extLst>
           </p:cNvPr>
@@ -630,7 +630,7 @@
           <p:cNvPr id="3" name="直排文字版面配置區 2">
             <a:extLst>
               <a:ext uri="{FF2B5EF4-FFF2-40B4-BE49-F238E27FC236}">
-                <a16:creationId xmlns:a16="http://schemas.microsoft.com/office/drawing/2014/main" id="{A1F6C910-975C-9C0C-B4D3-B628AC097593}"/>
+                <a16:creationId xmlns:a16="http://schemas.microsoft.com/office/drawing/2014/main" xmlns="" id="{A1F6C910-975C-9C0C-B4D3-B628AC097593}"/>
               </a:ext>
             </a:extLst>
           </p:cNvPr>
@@ -692,7 +692,7 @@
           <p:cNvPr id="4" name="日期版面配置區 3">
             <a:extLst>
               <a:ext uri="{FF2B5EF4-FFF2-40B4-BE49-F238E27FC236}">
-                <a16:creationId xmlns:a16="http://schemas.microsoft.com/office/drawing/2014/main" id="{7242ED0B-3BF0-77D8-1528-883F77E1A1D4}"/>
+                <a16:creationId xmlns:a16="http://schemas.microsoft.com/office/drawing/2014/main" xmlns="" id="{7242ED0B-3BF0-77D8-1528-883F77E1A1D4}"/>
               </a:ext>
             </a:extLst>
           </p:cNvPr>
@@ -721,7 +721,7 @@
           <p:cNvPr id="5" name="頁尾版面配置區 4">
             <a:extLst>
               <a:ext uri="{FF2B5EF4-FFF2-40B4-BE49-F238E27FC236}">
-                <a16:creationId xmlns:a16="http://schemas.microsoft.com/office/drawing/2014/main" id="{76D7A044-A857-7852-360F-7382DEADD48F}"/>
+                <a16:creationId xmlns:a16="http://schemas.microsoft.com/office/drawing/2014/main" xmlns="" id="{76D7A044-A857-7852-360F-7382DEADD48F}"/>
               </a:ext>
             </a:extLst>
           </p:cNvPr>
@@ -746,7 +746,7 @@
           <p:cNvPr id="6" name="投影片編號版面配置區 5">
             <a:extLst>
               <a:ext uri="{FF2B5EF4-FFF2-40B4-BE49-F238E27FC236}">
-                <a16:creationId xmlns:a16="http://schemas.microsoft.com/office/drawing/2014/main" id="{6586E427-5EB5-FB55-D91E-DA8BC228A537}"/>
+                <a16:creationId xmlns:a16="http://schemas.microsoft.com/office/drawing/2014/main" xmlns="" id="{6586E427-5EB5-FB55-D91E-DA8BC228A537}"/>
               </a:ext>
             </a:extLst>
           </p:cNvPr>
@@ -805,7 +805,7 @@
           <p:cNvPr id="2" name="標題 1">
             <a:extLst>
               <a:ext uri="{FF2B5EF4-FFF2-40B4-BE49-F238E27FC236}">
-                <a16:creationId xmlns:a16="http://schemas.microsoft.com/office/drawing/2014/main" id="{ED1EDAFA-DD69-31C4-3705-6244F5DB529B}"/>
+                <a16:creationId xmlns:a16="http://schemas.microsoft.com/office/drawing/2014/main" xmlns="" id="{ED1EDAFA-DD69-31C4-3705-6244F5DB529B}"/>
               </a:ext>
             </a:extLst>
           </p:cNvPr>
@@ -833,7 +833,7 @@
           <p:cNvPr id="3" name="內容版面配置區 2">
             <a:extLst>
               <a:ext uri="{FF2B5EF4-FFF2-40B4-BE49-F238E27FC236}">
-                <a16:creationId xmlns:a16="http://schemas.microsoft.com/office/drawing/2014/main" id="{CECA515E-AD10-AB9B-F5DD-5345CAA5FD10}"/>
+                <a16:creationId xmlns:a16="http://schemas.microsoft.com/office/drawing/2014/main" xmlns="" id="{CECA515E-AD10-AB9B-F5DD-5345CAA5FD10}"/>
               </a:ext>
             </a:extLst>
           </p:cNvPr>
@@ -890,7 +890,7 @@
           <p:cNvPr id="4" name="日期版面配置區 3">
             <a:extLst>
               <a:ext uri="{FF2B5EF4-FFF2-40B4-BE49-F238E27FC236}">
-                <a16:creationId xmlns:a16="http://schemas.microsoft.com/office/drawing/2014/main" id="{878A1A5F-EA0C-8109-C052-B99265FD6F38}"/>
+                <a16:creationId xmlns:a16="http://schemas.microsoft.com/office/drawing/2014/main" xmlns="" id="{878A1A5F-EA0C-8109-C052-B99265FD6F38}"/>
               </a:ext>
             </a:extLst>
           </p:cNvPr>
@@ -919,7 +919,7 @@
           <p:cNvPr id="5" name="頁尾版面配置區 4">
             <a:extLst>
               <a:ext uri="{FF2B5EF4-FFF2-40B4-BE49-F238E27FC236}">
-                <a16:creationId xmlns:a16="http://schemas.microsoft.com/office/drawing/2014/main" id="{7E38BD82-0A44-621E-1383-92D13F8F44F9}"/>
+                <a16:creationId xmlns:a16="http://schemas.microsoft.com/office/drawing/2014/main" xmlns="" id="{7E38BD82-0A44-621E-1383-92D13F8F44F9}"/>
               </a:ext>
             </a:extLst>
           </p:cNvPr>
@@ -944,7 +944,7 @@
           <p:cNvPr id="6" name="投影片編號版面配置區 5">
             <a:extLst>
               <a:ext uri="{FF2B5EF4-FFF2-40B4-BE49-F238E27FC236}">
-                <a16:creationId xmlns:a16="http://schemas.microsoft.com/office/drawing/2014/main" id="{6C7B029E-82CB-AB41-1D7C-E221F23ABB38}"/>
+                <a16:creationId xmlns:a16="http://schemas.microsoft.com/office/drawing/2014/main" xmlns="" id="{6C7B029E-82CB-AB41-1D7C-E221F23ABB38}"/>
               </a:ext>
             </a:extLst>
           </p:cNvPr>
@@ -1003,7 +1003,7 @@
           <p:cNvPr id="2" name="標題 1">
             <a:extLst>
               <a:ext uri="{FF2B5EF4-FFF2-40B4-BE49-F238E27FC236}">
-                <a16:creationId xmlns:a16="http://schemas.microsoft.com/office/drawing/2014/main" id="{F6885628-464C-3C88-2989-DC4B76663C76}"/>
+                <a16:creationId xmlns:a16="http://schemas.microsoft.com/office/drawing/2014/main" xmlns="" id="{F6885628-464C-3C88-2989-DC4B76663C76}"/>
               </a:ext>
             </a:extLst>
           </p:cNvPr>
@@ -1040,7 +1040,7 @@
           <p:cNvPr id="3" name="文字版面配置區 2">
             <a:extLst>
               <a:ext uri="{FF2B5EF4-FFF2-40B4-BE49-F238E27FC236}">
-                <a16:creationId xmlns:a16="http://schemas.microsoft.com/office/drawing/2014/main" id="{1BC029DF-431E-BD6C-4DAB-1F8D8841581A}"/>
+                <a16:creationId xmlns:a16="http://schemas.microsoft.com/office/drawing/2014/main" xmlns="" id="{1BC029DF-431E-BD6C-4DAB-1F8D8841581A}"/>
               </a:ext>
             </a:extLst>
           </p:cNvPr>
@@ -1165,7 +1165,7 @@
           <p:cNvPr id="4" name="日期版面配置區 3">
             <a:extLst>
               <a:ext uri="{FF2B5EF4-FFF2-40B4-BE49-F238E27FC236}">
-                <a16:creationId xmlns:a16="http://schemas.microsoft.com/office/drawing/2014/main" id="{EE599DC7-E8A2-87C2-8E9F-308D59F69BB0}"/>
+                <a16:creationId xmlns:a16="http://schemas.microsoft.com/office/drawing/2014/main" xmlns="" id="{EE599DC7-E8A2-87C2-8E9F-308D59F69BB0}"/>
               </a:ext>
             </a:extLst>
           </p:cNvPr>
@@ -1194,7 +1194,7 @@
           <p:cNvPr id="5" name="頁尾版面配置區 4">
             <a:extLst>
               <a:ext uri="{FF2B5EF4-FFF2-40B4-BE49-F238E27FC236}">
-                <a16:creationId xmlns:a16="http://schemas.microsoft.com/office/drawing/2014/main" id="{2AF46647-BD87-3298-14E2-B925F84B518A}"/>
+                <a16:creationId xmlns:a16="http://schemas.microsoft.com/office/drawing/2014/main" xmlns="" id="{2AF46647-BD87-3298-14E2-B925F84B518A}"/>
               </a:ext>
             </a:extLst>
           </p:cNvPr>
@@ -1219,7 +1219,7 @@
           <p:cNvPr id="6" name="投影片編號版面配置區 5">
             <a:extLst>
               <a:ext uri="{FF2B5EF4-FFF2-40B4-BE49-F238E27FC236}">
-                <a16:creationId xmlns:a16="http://schemas.microsoft.com/office/drawing/2014/main" id="{4B6096A2-AA20-4C38-463F-F2042AE2B066}"/>
+                <a16:creationId xmlns:a16="http://schemas.microsoft.com/office/drawing/2014/main" xmlns="" id="{4B6096A2-AA20-4C38-463F-F2042AE2B066}"/>
               </a:ext>
             </a:extLst>
           </p:cNvPr>
@@ -1278,7 +1278,7 @@
           <p:cNvPr id="2" name="標題 1">
             <a:extLst>
               <a:ext uri="{FF2B5EF4-FFF2-40B4-BE49-F238E27FC236}">
-                <a16:creationId xmlns:a16="http://schemas.microsoft.com/office/drawing/2014/main" id="{1E8CF7ED-7526-99E5-8D48-C201760A850D}"/>
+                <a16:creationId xmlns:a16="http://schemas.microsoft.com/office/drawing/2014/main" xmlns="" id="{1E8CF7ED-7526-99E5-8D48-C201760A850D}"/>
               </a:ext>
             </a:extLst>
           </p:cNvPr>
@@ -1306,7 +1306,7 @@
           <p:cNvPr id="3" name="內容版面配置區 2">
             <a:extLst>
               <a:ext uri="{FF2B5EF4-FFF2-40B4-BE49-F238E27FC236}">
-                <a16:creationId xmlns:a16="http://schemas.microsoft.com/office/drawing/2014/main" id="{86E637C8-7BBC-2AED-E9D9-31FD12D6C03F}"/>
+                <a16:creationId xmlns:a16="http://schemas.microsoft.com/office/drawing/2014/main" xmlns="" id="{86E637C8-7BBC-2AED-E9D9-31FD12D6C03F}"/>
               </a:ext>
             </a:extLst>
           </p:cNvPr>
@@ -1368,7 +1368,7 @@
           <p:cNvPr id="4" name="內容版面配置區 3">
             <a:extLst>
               <a:ext uri="{FF2B5EF4-FFF2-40B4-BE49-F238E27FC236}">
-                <a16:creationId xmlns:a16="http://schemas.microsoft.com/office/drawing/2014/main" id="{A3E494BC-2569-A181-6001-C98CAEE4082A}"/>
+                <a16:creationId xmlns:a16="http://schemas.microsoft.com/office/drawing/2014/main" xmlns="" id="{A3E494BC-2569-A181-6001-C98CAEE4082A}"/>
               </a:ext>
             </a:extLst>
           </p:cNvPr>
@@ -1430,7 +1430,7 @@
           <p:cNvPr id="5" name="日期版面配置區 4">
             <a:extLst>
               <a:ext uri="{FF2B5EF4-FFF2-40B4-BE49-F238E27FC236}">
-                <a16:creationId xmlns:a16="http://schemas.microsoft.com/office/drawing/2014/main" id="{D5B9B5FD-ACCB-E4EB-C00F-F299D63596C8}"/>
+                <a16:creationId xmlns:a16="http://schemas.microsoft.com/office/drawing/2014/main" xmlns="" id="{D5B9B5FD-ACCB-E4EB-C00F-F299D63596C8}"/>
               </a:ext>
             </a:extLst>
           </p:cNvPr>
@@ -1459,7 +1459,7 @@
           <p:cNvPr id="6" name="頁尾版面配置區 5">
             <a:extLst>
               <a:ext uri="{FF2B5EF4-FFF2-40B4-BE49-F238E27FC236}">
-                <a16:creationId xmlns:a16="http://schemas.microsoft.com/office/drawing/2014/main" id="{96982B0C-85D0-88B8-2D92-1C79E2EC2C32}"/>
+                <a16:creationId xmlns:a16="http://schemas.microsoft.com/office/drawing/2014/main" xmlns="" id="{96982B0C-85D0-88B8-2D92-1C79E2EC2C32}"/>
               </a:ext>
             </a:extLst>
           </p:cNvPr>
@@ -1484,7 +1484,7 @@
           <p:cNvPr id="7" name="投影片編號版面配置區 6">
             <a:extLst>
               <a:ext uri="{FF2B5EF4-FFF2-40B4-BE49-F238E27FC236}">
-                <a16:creationId xmlns:a16="http://schemas.microsoft.com/office/drawing/2014/main" id="{512DAB22-5F65-BB13-B865-F46FBAFA7227}"/>
+                <a16:creationId xmlns:a16="http://schemas.microsoft.com/office/drawing/2014/main" xmlns="" id="{512DAB22-5F65-BB13-B865-F46FBAFA7227}"/>
               </a:ext>
             </a:extLst>
           </p:cNvPr>
@@ -1543,7 +1543,7 @@
           <p:cNvPr id="2" name="標題 1">
             <a:extLst>
               <a:ext uri="{FF2B5EF4-FFF2-40B4-BE49-F238E27FC236}">
-                <a16:creationId xmlns:a16="http://schemas.microsoft.com/office/drawing/2014/main" id="{B234F037-4793-43A4-2BD3-51CFE572497B}"/>
+                <a16:creationId xmlns:a16="http://schemas.microsoft.com/office/drawing/2014/main" xmlns="" id="{B234F037-4793-43A4-2BD3-51CFE572497B}"/>
               </a:ext>
             </a:extLst>
           </p:cNvPr>
@@ -1576,7 +1576,7 @@
           <p:cNvPr id="3" name="文字版面配置區 2">
             <a:extLst>
               <a:ext uri="{FF2B5EF4-FFF2-40B4-BE49-F238E27FC236}">
-                <a16:creationId xmlns:a16="http://schemas.microsoft.com/office/drawing/2014/main" id="{BBB2AC6D-8604-22A0-9258-E2544A5E6342}"/>
+                <a16:creationId xmlns:a16="http://schemas.microsoft.com/office/drawing/2014/main" xmlns="" id="{BBB2AC6D-8604-22A0-9258-E2544A5E6342}"/>
               </a:ext>
             </a:extLst>
           </p:cNvPr>
@@ -1647,7 +1647,7 @@
           <p:cNvPr id="4" name="內容版面配置區 3">
             <a:extLst>
               <a:ext uri="{FF2B5EF4-FFF2-40B4-BE49-F238E27FC236}">
-                <a16:creationId xmlns:a16="http://schemas.microsoft.com/office/drawing/2014/main" id="{C9F0AA72-D167-979C-6168-BABB201CA55F}"/>
+                <a16:creationId xmlns:a16="http://schemas.microsoft.com/office/drawing/2014/main" xmlns="" id="{C9F0AA72-D167-979C-6168-BABB201CA55F}"/>
               </a:ext>
             </a:extLst>
           </p:cNvPr>
@@ -1709,7 +1709,7 @@
           <p:cNvPr id="5" name="文字版面配置區 4">
             <a:extLst>
               <a:ext uri="{FF2B5EF4-FFF2-40B4-BE49-F238E27FC236}">
-                <a16:creationId xmlns:a16="http://schemas.microsoft.com/office/drawing/2014/main" id="{3E1E2448-190F-E3ED-28A2-C407857939C7}"/>
+                <a16:creationId xmlns:a16="http://schemas.microsoft.com/office/drawing/2014/main" xmlns="" id="{3E1E2448-190F-E3ED-28A2-C407857939C7}"/>
               </a:ext>
             </a:extLst>
           </p:cNvPr>
@@ -1780,7 +1780,7 @@
           <p:cNvPr id="6" name="內容版面配置區 5">
             <a:extLst>
               <a:ext uri="{FF2B5EF4-FFF2-40B4-BE49-F238E27FC236}">
-                <a16:creationId xmlns:a16="http://schemas.microsoft.com/office/drawing/2014/main" id="{37E232E8-5D39-2DC2-78FC-00C5C53174E2}"/>
+                <a16:creationId xmlns:a16="http://schemas.microsoft.com/office/drawing/2014/main" xmlns="" id="{37E232E8-5D39-2DC2-78FC-00C5C53174E2}"/>
               </a:ext>
             </a:extLst>
           </p:cNvPr>
@@ -1842,7 +1842,7 @@
           <p:cNvPr id="7" name="日期版面配置區 6">
             <a:extLst>
               <a:ext uri="{FF2B5EF4-FFF2-40B4-BE49-F238E27FC236}">
-                <a16:creationId xmlns:a16="http://schemas.microsoft.com/office/drawing/2014/main" id="{35D3971A-988A-1E45-AB5A-B0A214534730}"/>
+                <a16:creationId xmlns:a16="http://schemas.microsoft.com/office/drawing/2014/main" xmlns="" id="{35D3971A-988A-1E45-AB5A-B0A214534730}"/>
               </a:ext>
             </a:extLst>
           </p:cNvPr>
@@ -1871,7 +1871,7 @@
           <p:cNvPr id="8" name="頁尾版面配置區 7">
             <a:extLst>
               <a:ext uri="{FF2B5EF4-FFF2-40B4-BE49-F238E27FC236}">
-                <a16:creationId xmlns:a16="http://schemas.microsoft.com/office/drawing/2014/main" id="{0A47037A-EAC0-0E50-36F5-75C20A1EE3A4}"/>
+                <a16:creationId xmlns:a16="http://schemas.microsoft.com/office/drawing/2014/main" xmlns="" id="{0A47037A-EAC0-0E50-36F5-75C20A1EE3A4}"/>
               </a:ext>
             </a:extLst>
           </p:cNvPr>
@@ -1896,7 +1896,7 @@
           <p:cNvPr id="9" name="投影片編號版面配置區 8">
             <a:extLst>
               <a:ext uri="{FF2B5EF4-FFF2-40B4-BE49-F238E27FC236}">
-                <a16:creationId xmlns:a16="http://schemas.microsoft.com/office/drawing/2014/main" id="{A023D6EB-6BAC-1819-B59D-D3FC736B8EF2}"/>
+                <a16:creationId xmlns:a16="http://schemas.microsoft.com/office/drawing/2014/main" xmlns="" id="{A023D6EB-6BAC-1819-B59D-D3FC736B8EF2}"/>
               </a:ext>
             </a:extLst>
           </p:cNvPr>
@@ -1955,7 +1955,7 @@
           <p:cNvPr id="2" name="標題 1">
             <a:extLst>
               <a:ext uri="{FF2B5EF4-FFF2-40B4-BE49-F238E27FC236}">
-                <a16:creationId xmlns:a16="http://schemas.microsoft.com/office/drawing/2014/main" id="{BC684036-C610-5CD3-09F4-42371E5F6E4C}"/>
+                <a16:creationId xmlns:a16="http://schemas.microsoft.com/office/drawing/2014/main" xmlns="" id="{BC684036-C610-5CD3-09F4-42371E5F6E4C}"/>
               </a:ext>
             </a:extLst>
           </p:cNvPr>
@@ -1983,7 +1983,7 @@
           <p:cNvPr id="3" name="日期版面配置區 2">
             <a:extLst>
               <a:ext uri="{FF2B5EF4-FFF2-40B4-BE49-F238E27FC236}">
-                <a16:creationId xmlns:a16="http://schemas.microsoft.com/office/drawing/2014/main" id="{DE1389D7-6214-4DCB-8010-12CAB9D4A961}"/>
+                <a16:creationId xmlns:a16="http://schemas.microsoft.com/office/drawing/2014/main" xmlns="" id="{DE1389D7-6214-4DCB-8010-12CAB9D4A961}"/>
               </a:ext>
             </a:extLst>
           </p:cNvPr>
@@ -2012,7 +2012,7 @@
           <p:cNvPr id="4" name="頁尾版面配置區 3">
             <a:extLst>
               <a:ext uri="{FF2B5EF4-FFF2-40B4-BE49-F238E27FC236}">
-                <a16:creationId xmlns:a16="http://schemas.microsoft.com/office/drawing/2014/main" id="{C12536E6-85D4-E5BA-0DB7-BF56DCCB2421}"/>
+                <a16:creationId xmlns:a16="http://schemas.microsoft.com/office/drawing/2014/main" xmlns="" id="{C12536E6-85D4-E5BA-0DB7-BF56DCCB2421}"/>
               </a:ext>
             </a:extLst>
           </p:cNvPr>
@@ -2037,7 +2037,7 @@
           <p:cNvPr id="5" name="投影片編號版面配置區 4">
             <a:extLst>
               <a:ext uri="{FF2B5EF4-FFF2-40B4-BE49-F238E27FC236}">
-                <a16:creationId xmlns:a16="http://schemas.microsoft.com/office/drawing/2014/main" id="{4BA42EFC-801B-001C-65E8-32BBEF9FBC7E}"/>
+                <a16:creationId xmlns:a16="http://schemas.microsoft.com/office/drawing/2014/main" xmlns="" id="{4BA42EFC-801B-001C-65E8-32BBEF9FBC7E}"/>
               </a:ext>
             </a:extLst>
           </p:cNvPr>
@@ -2096,7 +2096,7 @@
           <p:cNvPr id="2" name="日期版面配置區 1">
             <a:extLst>
               <a:ext uri="{FF2B5EF4-FFF2-40B4-BE49-F238E27FC236}">
-                <a16:creationId xmlns:a16="http://schemas.microsoft.com/office/drawing/2014/main" id="{75D37063-9FAD-E7D4-B809-7C371D26F55D}"/>
+                <a16:creationId xmlns:a16="http://schemas.microsoft.com/office/drawing/2014/main" xmlns="" id="{75D37063-9FAD-E7D4-B809-7C371D26F55D}"/>
               </a:ext>
             </a:extLst>
           </p:cNvPr>
@@ -2125,7 +2125,7 @@
           <p:cNvPr id="3" name="頁尾版面配置區 2">
             <a:extLst>
               <a:ext uri="{FF2B5EF4-FFF2-40B4-BE49-F238E27FC236}">
-                <a16:creationId xmlns:a16="http://schemas.microsoft.com/office/drawing/2014/main" id="{5F8A1D9B-541B-F865-5AE7-1A48B307673D}"/>
+                <a16:creationId xmlns:a16="http://schemas.microsoft.com/office/drawing/2014/main" xmlns="" id="{5F8A1D9B-541B-F865-5AE7-1A48B307673D}"/>
               </a:ext>
             </a:extLst>
           </p:cNvPr>
@@ -2150,7 +2150,7 @@
           <p:cNvPr id="4" name="投影片編號版面配置區 3">
             <a:extLst>
               <a:ext uri="{FF2B5EF4-FFF2-40B4-BE49-F238E27FC236}">
-                <a16:creationId xmlns:a16="http://schemas.microsoft.com/office/drawing/2014/main" id="{9B26399A-F6BD-1EA5-460F-DD4F26F64501}"/>
+                <a16:creationId xmlns:a16="http://schemas.microsoft.com/office/drawing/2014/main" xmlns="" id="{9B26399A-F6BD-1EA5-460F-DD4F26F64501}"/>
               </a:ext>
             </a:extLst>
           </p:cNvPr>
@@ -2209,7 +2209,7 @@
           <p:cNvPr id="2" name="標題 1">
             <a:extLst>
               <a:ext uri="{FF2B5EF4-FFF2-40B4-BE49-F238E27FC236}">
-                <a16:creationId xmlns:a16="http://schemas.microsoft.com/office/drawing/2014/main" id="{E921DCDB-6AB3-3BEB-3B73-0FEDD7FCCA5E}"/>
+                <a16:creationId xmlns:a16="http://schemas.microsoft.com/office/drawing/2014/main" xmlns="" id="{E921DCDB-6AB3-3BEB-3B73-0FEDD7FCCA5E}"/>
               </a:ext>
             </a:extLst>
           </p:cNvPr>
@@ -2246,7 +2246,7 @@
           <p:cNvPr id="3" name="內容版面配置區 2">
             <a:extLst>
               <a:ext uri="{FF2B5EF4-FFF2-40B4-BE49-F238E27FC236}">
-                <a16:creationId xmlns:a16="http://schemas.microsoft.com/office/drawing/2014/main" id="{9C87BA1A-4C20-218A-FF2C-E8D3DB547F05}"/>
+                <a16:creationId xmlns:a16="http://schemas.microsoft.com/office/drawing/2014/main" xmlns="" id="{9C87BA1A-4C20-218A-FF2C-E8D3DB547F05}"/>
               </a:ext>
             </a:extLst>
           </p:cNvPr>
@@ -2336,7 +2336,7 @@
           <p:cNvPr id="4" name="文字版面配置區 3">
             <a:extLst>
               <a:ext uri="{FF2B5EF4-FFF2-40B4-BE49-F238E27FC236}">
-                <a16:creationId xmlns:a16="http://schemas.microsoft.com/office/drawing/2014/main" id="{FE3C19FB-1F2F-BB69-4745-B30476BFEC46}"/>
+                <a16:creationId xmlns:a16="http://schemas.microsoft.com/office/drawing/2014/main" xmlns="" id="{FE3C19FB-1F2F-BB69-4745-B30476BFEC46}"/>
               </a:ext>
             </a:extLst>
           </p:cNvPr>
@@ -2407,7 +2407,7 @@
           <p:cNvPr id="5" name="日期版面配置區 4">
             <a:extLst>
               <a:ext uri="{FF2B5EF4-FFF2-40B4-BE49-F238E27FC236}">
-                <a16:creationId xmlns:a16="http://schemas.microsoft.com/office/drawing/2014/main" id="{36C93762-579C-686E-B778-F2E3967DFF2E}"/>
+                <a16:creationId xmlns:a16="http://schemas.microsoft.com/office/drawing/2014/main" xmlns="" id="{36C93762-579C-686E-B778-F2E3967DFF2E}"/>
               </a:ext>
             </a:extLst>
           </p:cNvPr>
@@ -2436,7 +2436,7 @@
           <p:cNvPr id="6" name="頁尾版面配置區 5">
             <a:extLst>
               <a:ext uri="{FF2B5EF4-FFF2-40B4-BE49-F238E27FC236}">
-                <a16:creationId xmlns:a16="http://schemas.microsoft.com/office/drawing/2014/main" id="{115B4736-D2F4-07F8-3D46-CA8D574A56AC}"/>
+                <a16:creationId xmlns:a16="http://schemas.microsoft.com/office/drawing/2014/main" xmlns="" id="{115B4736-D2F4-07F8-3D46-CA8D574A56AC}"/>
               </a:ext>
             </a:extLst>
           </p:cNvPr>
@@ -2461,7 +2461,7 @@
           <p:cNvPr id="7" name="投影片編號版面配置區 6">
             <a:extLst>
               <a:ext uri="{FF2B5EF4-FFF2-40B4-BE49-F238E27FC236}">
-                <a16:creationId xmlns:a16="http://schemas.microsoft.com/office/drawing/2014/main" id="{EA5F231D-A79C-C471-8712-0CA55A23D9CD}"/>
+                <a16:creationId xmlns:a16="http://schemas.microsoft.com/office/drawing/2014/main" xmlns="" id="{EA5F231D-A79C-C471-8712-0CA55A23D9CD}"/>
               </a:ext>
             </a:extLst>
           </p:cNvPr>
@@ -2520,7 +2520,7 @@
           <p:cNvPr id="2" name="標題 1">
             <a:extLst>
               <a:ext uri="{FF2B5EF4-FFF2-40B4-BE49-F238E27FC236}">
-                <a16:creationId xmlns:a16="http://schemas.microsoft.com/office/drawing/2014/main" id="{8ECE226D-271A-E71B-A8FE-879417287CE5}"/>
+                <a16:creationId xmlns:a16="http://schemas.microsoft.com/office/drawing/2014/main" xmlns="" id="{8ECE226D-271A-E71B-A8FE-879417287CE5}"/>
               </a:ext>
             </a:extLst>
           </p:cNvPr>
@@ -2557,7 +2557,7 @@
           <p:cNvPr id="3" name="圖片版面配置區 2">
             <a:extLst>
               <a:ext uri="{FF2B5EF4-FFF2-40B4-BE49-F238E27FC236}">
-                <a16:creationId xmlns:a16="http://schemas.microsoft.com/office/drawing/2014/main" id="{9581A0DF-2724-29DF-D52C-2646543F3F4F}"/>
+                <a16:creationId xmlns:a16="http://schemas.microsoft.com/office/drawing/2014/main" xmlns="" id="{9581A0DF-2724-29DF-D52C-2646543F3F4F}"/>
               </a:ext>
             </a:extLst>
           </p:cNvPr>
@@ -2624,7 +2624,7 @@
           <p:cNvPr id="4" name="文字版面配置區 3">
             <a:extLst>
               <a:ext uri="{FF2B5EF4-FFF2-40B4-BE49-F238E27FC236}">
-                <a16:creationId xmlns:a16="http://schemas.microsoft.com/office/drawing/2014/main" id="{22CBBBAD-F143-E8C0-92A8-703F62B1CCC6}"/>
+                <a16:creationId xmlns:a16="http://schemas.microsoft.com/office/drawing/2014/main" xmlns="" id="{22CBBBAD-F143-E8C0-92A8-703F62B1CCC6}"/>
               </a:ext>
             </a:extLst>
           </p:cNvPr>
@@ -2695,7 +2695,7 @@
           <p:cNvPr id="5" name="日期版面配置區 4">
             <a:extLst>
               <a:ext uri="{FF2B5EF4-FFF2-40B4-BE49-F238E27FC236}">
-                <a16:creationId xmlns:a16="http://schemas.microsoft.com/office/drawing/2014/main" id="{B4A80B05-D11C-FA42-000D-7F5BED3DB13C}"/>
+                <a16:creationId xmlns:a16="http://schemas.microsoft.com/office/drawing/2014/main" xmlns="" id="{B4A80B05-D11C-FA42-000D-7F5BED3DB13C}"/>
               </a:ext>
             </a:extLst>
           </p:cNvPr>
@@ -2724,7 +2724,7 @@
           <p:cNvPr id="6" name="頁尾版面配置區 5">
             <a:extLst>
               <a:ext uri="{FF2B5EF4-FFF2-40B4-BE49-F238E27FC236}">
-                <a16:creationId xmlns:a16="http://schemas.microsoft.com/office/drawing/2014/main" id="{1D6B9A49-521D-2640-2BC2-0FCE7AF12AF3}"/>
+                <a16:creationId xmlns:a16="http://schemas.microsoft.com/office/drawing/2014/main" xmlns="" id="{1D6B9A49-521D-2640-2BC2-0FCE7AF12AF3}"/>
               </a:ext>
             </a:extLst>
           </p:cNvPr>
@@ -2749,7 +2749,7 @@
           <p:cNvPr id="7" name="投影片編號版面配置區 6">
             <a:extLst>
               <a:ext uri="{FF2B5EF4-FFF2-40B4-BE49-F238E27FC236}">
-                <a16:creationId xmlns:a16="http://schemas.microsoft.com/office/drawing/2014/main" id="{2498865B-4A24-FBE6-E739-842964D02660}"/>
+                <a16:creationId xmlns:a16="http://schemas.microsoft.com/office/drawing/2014/main" xmlns="" id="{2498865B-4A24-FBE6-E739-842964D02660}"/>
               </a:ext>
             </a:extLst>
           </p:cNvPr>
@@ -2813,7 +2813,7 @@
           <p:cNvPr id="2" name="標題版面配置區 1">
             <a:extLst>
               <a:ext uri="{FF2B5EF4-FFF2-40B4-BE49-F238E27FC236}">
-                <a16:creationId xmlns:a16="http://schemas.microsoft.com/office/drawing/2014/main" id="{A6D939D4-A922-F140-AE48-223151B7B0E0}"/>
+                <a16:creationId xmlns:a16="http://schemas.microsoft.com/office/drawing/2014/main" xmlns="" id="{A6D939D4-A922-F140-AE48-223151B7B0E0}"/>
               </a:ext>
             </a:extLst>
           </p:cNvPr>
@@ -2851,7 +2851,7 @@
           <p:cNvPr id="3" name="文字版面配置區 2">
             <a:extLst>
               <a:ext uri="{FF2B5EF4-FFF2-40B4-BE49-F238E27FC236}">
-                <a16:creationId xmlns:a16="http://schemas.microsoft.com/office/drawing/2014/main" id="{F1E763FE-DBD2-52C4-5A43-9AE59AA8F55D}"/>
+                <a16:creationId xmlns:a16="http://schemas.microsoft.com/office/drawing/2014/main" xmlns="" id="{F1E763FE-DBD2-52C4-5A43-9AE59AA8F55D}"/>
               </a:ext>
             </a:extLst>
           </p:cNvPr>
@@ -2918,7 +2918,7 @@
           <p:cNvPr id="4" name="日期版面配置區 3">
             <a:extLst>
               <a:ext uri="{FF2B5EF4-FFF2-40B4-BE49-F238E27FC236}">
-                <a16:creationId xmlns:a16="http://schemas.microsoft.com/office/drawing/2014/main" id="{D7F9E68E-0E1A-D667-8CE9-35B0E90C220E}"/>
+                <a16:creationId xmlns:a16="http://schemas.microsoft.com/office/drawing/2014/main" xmlns="" id="{D7F9E68E-0E1A-D667-8CE9-35B0E90C220E}"/>
               </a:ext>
             </a:extLst>
           </p:cNvPr>
@@ -2965,7 +2965,7 @@
           <p:cNvPr id="5" name="頁尾版面配置區 4">
             <a:extLst>
               <a:ext uri="{FF2B5EF4-FFF2-40B4-BE49-F238E27FC236}">
-                <a16:creationId xmlns:a16="http://schemas.microsoft.com/office/drawing/2014/main" id="{569AEDAA-C9B3-026B-ADBB-3A86B2076CFE}"/>
+                <a16:creationId xmlns:a16="http://schemas.microsoft.com/office/drawing/2014/main" xmlns="" id="{569AEDAA-C9B3-026B-ADBB-3A86B2076CFE}"/>
               </a:ext>
             </a:extLst>
           </p:cNvPr>
@@ -3008,7 +3008,7 @@
           <p:cNvPr id="6" name="投影片編號版面配置區 5">
             <a:extLst>
               <a:ext uri="{FF2B5EF4-FFF2-40B4-BE49-F238E27FC236}">
-                <a16:creationId xmlns:a16="http://schemas.microsoft.com/office/drawing/2014/main" id="{D25C0CE7-F492-4EFC-2FD2-D07066642947}"/>
+                <a16:creationId xmlns:a16="http://schemas.microsoft.com/office/drawing/2014/main" xmlns="" id="{D25C0CE7-F492-4EFC-2FD2-D07066642947}"/>
               </a:ext>
             </a:extLst>
           </p:cNvPr>
@@ -3376,7 +3376,7 @@
           <p:cNvPr id="2" name="標題 1">
             <a:extLst>
               <a:ext uri="{FF2B5EF4-FFF2-40B4-BE49-F238E27FC236}">
-                <a16:creationId xmlns:a16="http://schemas.microsoft.com/office/drawing/2014/main" id="{AD43F4D4-5BB2-212B-D2BB-71EBADCA5A55}"/>
+                <a16:creationId xmlns:a16="http://schemas.microsoft.com/office/drawing/2014/main" xmlns="" id="{AD43F4D4-5BB2-212B-D2BB-71EBADCA5A55}"/>
               </a:ext>
             </a:extLst>
           </p:cNvPr>
@@ -3405,7 +3405,7 @@
           <p:cNvPr id="3" name="副標題 2">
             <a:extLst>
               <a:ext uri="{FF2B5EF4-FFF2-40B4-BE49-F238E27FC236}">
-                <a16:creationId xmlns:a16="http://schemas.microsoft.com/office/drawing/2014/main" id="{21A8CDE8-0E1B-A7F8-7692-AD381465922E}"/>
+                <a16:creationId xmlns:a16="http://schemas.microsoft.com/office/drawing/2014/main" xmlns="" id="{21A8CDE8-0E1B-A7F8-7692-AD381465922E}"/>
               </a:ext>
             </a:extLst>
           </p:cNvPr>
@@ -3469,7 +3469,7 @@
           <p:cNvPr id="2" name="標題 1">
             <a:extLst>
               <a:ext uri="{FF2B5EF4-FFF2-40B4-BE49-F238E27FC236}">
-                <a16:creationId xmlns:a16="http://schemas.microsoft.com/office/drawing/2014/main" id="{C7B55EDB-6608-3CDF-F165-7F6B7E345F41}"/>
+                <a16:creationId xmlns:a16="http://schemas.microsoft.com/office/drawing/2014/main" xmlns="" id="{C7B55EDB-6608-3CDF-F165-7F6B7E345F41}"/>
               </a:ext>
             </a:extLst>
           </p:cNvPr>
@@ -3503,7 +3503,7 @@
           <p:cNvPr id="3" name="內容版面配置區 2">
             <a:extLst>
               <a:ext uri="{FF2B5EF4-FFF2-40B4-BE49-F238E27FC236}">
-                <a16:creationId xmlns:a16="http://schemas.microsoft.com/office/drawing/2014/main" id="{997FEF67-95B7-8F99-30AA-238E1F83ECAB}"/>
+                <a16:creationId xmlns:a16="http://schemas.microsoft.com/office/drawing/2014/main" xmlns="" id="{997FEF67-95B7-8F99-30AA-238E1F83ECAB}"/>
               </a:ext>
             </a:extLst>
           </p:cNvPr>
@@ -3589,7 +3589,7 @@
           <p:cNvPr id="2" name="標題 1">
             <a:extLst>
               <a:ext uri="{FF2B5EF4-FFF2-40B4-BE49-F238E27FC236}">
-                <a16:creationId xmlns:a16="http://schemas.microsoft.com/office/drawing/2014/main" id="{C7B55EDB-6608-3CDF-F165-7F6B7E345F41}"/>
+                <a16:creationId xmlns:a16="http://schemas.microsoft.com/office/drawing/2014/main" xmlns="" id="{C7B55EDB-6608-3CDF-F165-7F6B7E345F41}"/>
               </a:ext>
             </a:extLst>
           </p:cNvPr>
@@ -3623,7 +3623,7 @@
           <p:cNvPr id="3" name="內容版面配置區 2">
             <a:extLst>
               <a:ext uri="{FF2B5EF4-FFF2-40B4-BE49-F238E27FC236}">
-                <a16:creationId xmlns:a16="http://schemas.microsoft.com/office/drawing/2014/main" id="{997FEF67-95B7-8F99-30AA-238E1F83ECAB}"/>
+                <a16:creationId xmlns:a16="http://schemas.microsoft.com/office/drawing/2014/main" xmlns="" id="{997FEF67-95B7-8F99-30AA-238E1F83ECAB}"/>
               </a:ext>
             </a:extLst>
           </p:cNvPr>
@@ -3671,7 +3671,7 @@
           <p:cNvPr id="5" name="表格 7">
             <a:extLst>
               <a:ext uri="{FF2B5EF4-FFF2-40B4-BE49-F238E27FC236}">
-                <a16:creationId xmlns:a16="http://schemas.microsoft.com/office/drawing/2014/main" id="{0482D6B4-87FD-39B6-BB72-BB82A25D43D4}"/>
+                <a16:creationId xmlns:a16="http://schemas.microsoft.com/office/drawing/2014/main" xmlns="" id="{0482D6B4-87FD-39B6-BB72-BB82A25D43D4}"/>
               </a:ext>
             </a:extLst>
           </p:cNvPr>
@@ -3694,28 +3694,28 @@
                 <a:gridCol w="2032000">
                   <a:extLst>
                     <a:ext uri="{9D8B030D-6E8A-4147-A177-3AD203B41FA5}">
-                      <a16:colId xmlns:a16="http://schemas.microsoft.com/office/drawing/2014/main" val="2184589757"/>
+                      <a16:colId xmlns:a16="http://schemas.microsoft.com/office/drawing/2014/main" xmlns="" val="2184589757"/>
                     </a:ext>
                   </a:extLst>
                 </a:gridCol>
                 <a:gridCol w="2032000">
                   <a:extLst>
                     <a:ext uri="{9D8B030D-6E8A-4147-A177-3AD203B41FA5}">
-                      <a16:colId xmlns:a16="http://schemas.microsoft.com/office/drawing/2014/main" val="1743072117"/>
+                      <a16:colId xmlns:a16="http://schemas.microsoft.com/office/drawing/2014/main" xmlns="" val="1743072117"/>
                     </a:ext>
                   </a:extLst>
                 </a:gridCol>
                 <a:gridCol w="2032000">
                   <a:extLst>
                     <a:ext uri="{9D8B030D-6E8A-4147-A177-3AD203B41FA5}">
-                      <a16:colId xmlns:a16="http://schemas.microsoft.com/office/drawing/2014/main" val="544431890"/>
+                      <a16:colId xmlns:a16="http://schemas.microsoft.com/office/drawing/2014/main" xmlns="" val="544431890"/>
                     </a:ext>
                   </a:extLst>
                 </a:gridCol>
                 <a:gridCol w="2032000">
                   <a:extLst>
                     <a:ext uri="{9D8B030D-6E8A-4147-A177-3AD203B41FA5}">
-                      <a16:colId xmlns:a16="http://schemas.microsoft.com/office/drawing/2014/main" val="2010372138"/>
+                      <a16:colId xmlns:a16="http://schemas.microsoft.com/office/drawing/2014/main" xmlns="" val="2010372138"/>
                     </a:ext>
                   </a:extLst>
                 </a:gridCol>
@@ -3779,7 +3779,7 @@
                 </a:tc>
                 <a:extLst>
                   <a:ext uri="{0D108BD9-81ED-4DB2-BD59-A6C34878D82A}">
-                    <a16:rowId xmlns:a16="http://schemas.microsoft.com/office/drawing/2014/main" val="2062556669"/>
+                    <a16:rowId xmlns:a16="http://schemas.microsoft.com/office/drawing/2014/main" xmlns="" val="2062556669"/>
                   </a:ext>
                 </a:extLst>
               </a:tr>
@@ -3844,7 +3844,7 @@
                 </a:tc>
                 <a:extLst>
                   <a:ext uri="{0D108BD9-81ED-4DB2-BD59-A6C34878D82A}">
-                    <a16:rowId xmlns:a16="http://schemas.microsoft.com/office/drawing/2014/main" val="1382988676"/>
+                    <a16:rowId xmlns:a16="http://schemas.microsoft.com/office/drawing/2014/main" xmlns="" val="1382988676"/>
                   </a:ext>
                 </a:extLst>
               </a:tr>
@@ -3899,7 +3899,7 @@
                 </a:tc>
                 <a:extLst>
                   <a:ext uri="{0D108BD9-81ED-4DB2-BD59-A6C34878D82A}">
-                    <a16:rowId xmlns:a16="http://schemas.microsoft.com/office/drawing/2014/main" val="272239700"/>
+                    <a16:rowId xmlns:a16="http://schemas.microsoft.com/office/drawing/2014/main" xmlns="" val="272239700"/>
                   </a:ext>
                 </a:extLst>
               </a:tr>
@@ -3942,7 +3942,7 @@
           <p:cNvPr id="2" name="標題 1">
             <a:extLst>
               <a:ext uri="{FF2B5EF4-FFF2-40B4-BE49-F238E27FC236}">
-                <a16:creationId xmlns:a16="http://schemas.microsoft.com/office/drawing/2014/main" id="{C7B55EDB-6608-3CDF-F165-7F6B7E345F41}"/>
+                <a16:creationId xmlns:a16="http://schemas.microsoft.com/office/drawing/2014/main" xmlns="" id="{C7B55EDB-6608-3CDF-F165-7F6B7E345F41}"/>
               </a:ext>
             </a:extLst>
           </p:cNvPr>
@@ -3976,7 +3976,7 @@
           <p:cNvPr id="3" name="內容版面配置區 2">
             <a:extLst>
               <a:ext uri="{FF2B5EF4-FFF2-40B4-BE49-F238E27FC236}">
-                <a16:creationId xmlns:a16="http://schemas.microsoft.com/office/drawing/2014/main" id="{997FEF67-95B7-8F99-30AA-238E1F83ECAB}"/>
+                <a16:creationId xmlns:a16="http://schemas.microsoft.com/office/drawing/2014/main" xmlns="" id="{997FEF67-95B7-8F99-30AA-238E1F83ECAB}"/>
               </a:ext>
             </a:extLst>
           </p:cNvPr>
@@ -4040,7 +4040,7 @@
           <p:cNvPr id="4" name="表格 7">
             <a:extLst>
               <a:ext uri="{FF2B5EF4-FFF2-40B4-BE49-F238E27FC236}">
-                <a16:creationId xmlns:a16="http://schemas.microsoft.com/office/drawing/2014/main" id="{8C4804DC-F89F-B47B-E96A-46A05CB7E871}"/>
+                <a16:creationId xmlns:a16="http://schemas.microsoft.com/office/drawing/2014/main" xmlns="" id="{8C4804DC-F89F-B47B-E96A-46A05CB7E871}"/>
               </a:ext>
             </a:extLst>
           </p:cNvPr>
@@ -4063,28 +4063,28 @@
                 <a:gridCol w="2032000">
                   <a:extLst>
                     <a:ext uri="{9D8B030D-6E8A-4147-A177-3AD203B41FA5}">
-                      <a16:colId xmlns:a16="http://schemas.microsoft.com/office/drawing/2014/main" val="2184589757"/>
+                      <a16:colId xmlns:a16="http://schemas.microsoft.com/office/drawing/2014/main" xmlns="" val="2184589757"/>
                     </a:ext>
                   </a:extLst>
                 </a:gridCol>
                 <a:gridCol w="2032000">
                   <a:extLst>
                     <a:ext uri="{9D8B030D-6E8A-4147-A177-3AD203B41FA5}">
-                      <a16:colId xmlns:a16="http://schemas.microsoft.com/office/drawing/2014/main" val="1743072117"/>
+                      <a16:colId xmlns:a16="http://schemas.microsoft.com/office/drawing/2014/main" xmlns="" val="1743072117"/>
                     </a:ext>
                   </a:extLst>
                 </a:gridCol>
                 <a:gridCol w="2032000">
                   <a:extLst>
                     <a:ext uri="{9D8B030D-6E8A-4147-A177-3AD203B41FA5}">
-                      <a16:colId xmlns:a16="http://schemas.microsoft.com/office/drawing/2014/main" val="544431890"/>
+                      <a16:colId xmlns:a16="http://schemas.microsoft.com/office/drawing/2014/main" xmlns="" val="544431890"/>
                     </a:ext>
                   </a:extLst>
                 </a:gridCol>
                 <a:gridCol w="2032000">
                   <a:extLst>
                     <a:ext uri="{9D8B030D-6E8A-4147-A177-3AD203B41FA5}">
-                      <a16:colId xmlns:a16="http://schemas.microsoft.com/office/drawing/2014/main" val="2010372138"/>
+                      <a16:colId xmlns:a16="http://schemas.microsoft.com/office/drawing/2014/main" xmlns="" val="2010372138"/>
                     </a:ext>
                   </a:extLst>
                 </a:gridCol>
@@ -4148,7 +4148,7 @@
                 </a:tc>
                 <a:extLst>
                   <a:ext uri="{0D108BD9-81ED-4DB2-BD59-A6C34878D82A}">
-                    <a16:rowId xmlns:a16="http://schemas.microsoft.com/office/drawing/2014/main" val="2062556669"/>
+                    <a16:rowId xmlns:a16="http://schemas.microsoft.com/office/drawing/2014/main" xmlns="" val="2062556669"/>
                   </a:ext>
                 </a:extLst>
               </a:tr>
@@ -4220,7 +4220,7 @@
                 </a:tc>
                 <a:extLst>
                   <a:ext uri="{0D108BD9-81ED-4DB2-BD59-A6C34878D82A}">
-                    <a16:rowId xmlns:a16="http://schemas.microsoft.com/office/drawing/2014/main" val="1382988676"/>
+                    <a16:rowId xmlns:a16="http://schemas.microsoft.com/office/drawing/2014/main" xmlns="" val="1382988676"/>
                   </a:ext>
                 </a:extLst>
               </a:tr>
@@ -4275,7 +4275,7 @@
                 </a:tc>
                 <a:extLst>
                   <a:ext uri="{0D108BD9-81ED-4DB2-BD59-A6C34878D82A}">
-                    <a16:rowId xmlns:a16="http://schemas.microsoft.com/office/drawing/2014/main" val="272239700"/>
+                    <a16:rowId xmlns:a16="http://schemas.microsoft.com/office/drawing/2014/main" xmlns="" val="272239700"/>
                   </a:ext>
                 </a:extLst>
               </a:tr>
@@ -4340,7 +4340,7 @@
                 </a:tc>
                 <a:extLst>
                   <a:ext uri="{0D108BD9-81ED-4DB2-BD59-A6C34878D82A}">
-                    <a16:rowId xmlns:a16="http://schemas.microsoft.com/office/drawing/2014/main" val="2665194563"/>
+                    <a16:rowId xmlns:a16="http://schemas.microsoft.com/office/drawing/2014/main" xmlns="" val="2665194563"/>
                   </a:ext>
                 </a:extLst>
               </a:tr>
@@ -4395,7 +4395,7 @@
                 </a:tc>
                 <a:extLst>
                   <a:ext uri="{0D108BD9-81ED-4DB2-BD59-A6C34878D82A}">
-                    <a16:rowId xmlns:a16="http://schemas.microsoft.com/office/drawing/2014/main" val="1445836510"/>
+                    <a16:rowId xmlns:a16="http://schemas.microsoft.com/office/drawing/2014/main" xmlns="" val="1445836510"/>
                   </a:ext>
                 </a:extLst>
               </a:tr>
@@ -4464,7 +4464,7 @@
                 </a:tc>
                 <a:extLst>
                   <a:ext uri="{0D108BD9-81ED-4DB2-BD59-A6C34878D82A}">
-                    <a16:rowId xmlns:a16="http://schemas.microsoft.com/office/drawing/2014/main" val="3553108362"/>
+                    <a16:rowId xmlns:a16="http://schemas.microsoft.com/office/drawing/2014/main" xmlns="" val="3553108362"/>
                   </a:ext>
                 </a:extLst>
               </a:tr>
@@ -4519,7 +4519,7 @@
                 </a:tc>
                 <a:extLst>
                   <a:ext uri="{0D108BD9-81ED-4DB2-BD59-A6C34878D82A}">
-                    <a16:rowId xmlns:a16="http://schemas.microsoft.com/office/drawing/2014/main" val="3376184939"/>
+                    <a16:rowId xmlns:a16="http://schemas.microsoft.com/office/drawing/2014/main" xmlns="" val="3376184939"/>
                   </a:ext>
                 </a:extLst>
               </a:tr>
@@ -4562,7 +4562,7 @@
           <p:cNvPr id="2" name="標題 1">
             <a:extLst>
               <a:ext uri="{FF2B5EF4-FFF2-40B4-BE49-F238E27FC236}">
-                <a16:creationId xmlns:a16="http://schemas.microsoft.com/office/drawing/2014/main" id="{C7B55EDB-6608-3CDF-F165-7F6B7E345F41}"/>
+                <a16:creationId xmlns:a16="http://schemas.microsoft.com/office/drawing/2014/main" xmlns="" id="{C7B55EDB-6608-3CDF-F165-7F6B7E345F41}"/>
               </a:ext>
             </a:extLst>
           </p:cNvPr>
@@ -4596,7 +4596,7 @@
           <p:cNvPr id="3" name="內容版面配置區 2">
             <a:extLst>
               <a:ext uri="{FF2B5EF4-FFF2-40B4-BE49-F238E27FC236}">
-                <a16:creationId xmlns:a16="http://schemas.microsoft.com/office/drawing/2014/main" id="{997FEF67-95B7-8F99-30AA-238E1F83ECAB}"/>
+                <a16:creationId xmlns:a16="http://schemas.microsoft.com/office/drawing/2014/main" xmlns="" id="{997FEF67-95B7-8F99-30AA-238E1F83ECAB}"/>
               </a:ext>
             </a:extLst>
           </p:cNvPr>
@@ -4674,7 +4674,7 @@
           <p:cNvPr id="2" name="標題 1">
             <a:extLst>
               <a:ext uri="{FF2B5EF4-FFF2-40B4-BE49-F238E27FC236}">
-                <a16:creationId xmlns:a16="http://schemas.microsoft.com/office/drawing/2014/main" id="{C7B55EDB-6608-3CDF-F165-7F6B7E345F41}"/>
+                <a16:creationId xmlns:a16="http://schemas.microsoft.com/office/drawing/2014/main" xmlns="" id="{C7B55EDB-6608-3CDF-F165-7F6B7E345F41}"/>
               </a:ext>
             </a:extLst>
           </p:cNvPr>
@@ -4708,7 +4708,7 @@
           <p:cNvPr id="3" name="內容版面配置區 2">
             <a:extLst>
               <a:ext uri="{FF2B5EF4-FFF2-40B4-BE49-F238E27FC236}">
-                <a16:creationId xmlns:a16="http://schemas.microsoft.com/office/drawing/2014/main" id="{997FEF67-95B7-8F99-30AA-238E1F83ECAB}"/>
+                <a16:creationId xmlns:a16="http://schemas.microsoft.com/office/drawing/2014/main" xmlns="" id="{997FEF67-95B7-8F99-30AA-238E1F83ECAB}"/>
               </a:ext>
             </a:extLst>
           </p:cNvPr>
@@ -4804,7 +4804,7 @@
           <p:cNvPr id="2" name="標題 1">
             <a:extLst>
               <a:ext uri="{FF2B5EF4-FFF2-40B4-BE49-F238E27FC236}">
-                <a16:creationId xmlns:a16="http://schemas.microsoft.com/office/drawing/2014/main" id="{C7B55EDB-6608-3CDF-F165-7F6B7E345F41}"/>
+                <a16:creationId xmlns:a16="http://schemas.microsoft.com/office/drawing/2014/main" xmlns="" id="{C7B55EDB-6608-3CDF-F165-7F6B7E345F41}"/>
               </a:ext>
             </a:extLst>
           </p:cNvPr>
@@ -4838,7 +4838,7 @@
           <p:cNvPr id="3" name="內容版面配置區 2">
             <a:extLst>
               <a:ext uri="{FF2B5EF4-FFF2-40B4-BE49-F238E27FC236}">
-                <a16:creationId xmlns:a16="http://schemas.microsoft.com/office/drawing/2014/main" id="{997FEF67-95B7-8F99-30AA-238E1F83ECAB}"/>
+                <a16:creationId xmlns:a16="http://schemas.microsoft.com/office/drawing/2014/main" xmlns="" id="{997FEF67-95B7-8F99-30AA-238E1F83ECAB}"/>
               </a:ext>
             </a:extLst>
           </p:cNvPr>
@@ -4921,7 +4921,7 @@
           <p:cNvPr id="2" name="標題 1">
             <a:extLst>
               <a:ext uri="{FF2B5EF4-FFF2-40B4-BE49-F238E27FC236}">
-                <a16:creationId xmlns:a16="http://schemas.microsoft.com/office/drawing/2014/main" id="{C7B55EDB-6608-3CDF-F165-7F6B7E345F41}"/>
+                <a16:creationId xmlns:a16="http://schemas.microsoft.com/office/drawing/2014/main" xmlns="" id="{C7B55EDB-6608-3CDF-F165-7F6B7E345F41}"/>
               </a:ext>
             </a:extLst>
           </p:cNvPr>
@@ -4955,7 +4955,7 @@
           <p:cNvPr id="3" name="內容版面配置區 2">
             <a:extLst>
               <a:ext uri="{FF2B5EF4-FFF2-40B4-BE49-F238E27FC236}">
-                <a16:creationId xmlns:a16="http://schemas.microsoft.com/office/drawing/2014/main" id="{997FEF67-95B7-8F99-30AA-238E1F83ECAB}"/>
+                <a16:creationId xmlns:a16="http://schemas.microsoft.com/office/drawing/2014/main" xmlns="" id="{997FEF67-95B7-8F99-30AA-238E1F83ECAB}"/>
               </a:ext>
             </a:extLst>
           </p:cNvPr>
@@ -5058,7 +5058,7 @@
           <p:cNvPr id="5" name="圖片 4">
             <a:extLst>
               <a:ext uri="{FF2B5EF4-FFF2-40B4-BE49-F238E27FC236}">
-                <a16:creationId xmlns:a16="http://schemas.microsoft.com/office/drawing/2014/main" id="{75C6499E-C485-2635-4E8A-BBA0B51540F9}"/>
+                <a16:creationId xmlns:a16="http://schemas.microsoft.com/office/drawing/2014/main" xmlns="" id="{75C6499E-C485-2635-4E8A-BBA0B51540F9}"/>
               </a:ext>
             </a:extLst>
           </p:cNvPr>
@@ -5118,7 +5118,7 @@
           <p:cNvPr id="4" name="表格 4">
             <a:extLst>
               <a:ext uri="{FF2B5EF4-FFF2-40B4-BE49-F238E27FC236}">
-                <a16:creationId xmlns:a16="http://schemas.microsoft.com/office/drawing/2014/main" id="{E76D4B81-C87D-B192-F4F8-CAE48754FDAE}"/>
+                <a16:creationId xmlns:a16="http://schemas.microsoft.com/office/drawing/2014/main" xmlns="" id="{E76D4B81-C87D-B192-F4F8-CAE48754FDAE}"/>
               </a:ext>
             </a:extLst>
           </p:cNvPr>
@@ -5147,35 +5147,35 @@
                 <a:gridCol w="2222560">
                   <a:extLst>
                     <a:ext uri="{9D8B030D-6E8A-4147-A177-3AD203B41FA5}">
-                      <a16:colId xmlns:a16="http://schemas.microsoft.com/office/drawing/2014/main" val="290575324"/>
+                      <a16:colId xmlns:a16="http://schemas.microsoft.com/office/drawing/2014/main" xmlns="" val="290575324"/>
                     </a:ext>
                   </a:extLst>
                 </a:gridCol>
                 <a:gridCol w="2050861">
                   <a:extLst>
                     <a:ext uri="{9D8B030D-6E8A-4147-A177-3AD203B41FA5}">
-                      <a16:colId xmlns:a16="http://schemas.microsoft.com/office/drawing/2014/main" val="541486619"/>
+                      <a16:colId xmlns:a16="http://schemas.microsoft.com/office/drawing/2014/main" xmlns="" val="541486619"/>
                     </a:ext>
                   </a:extLst>
                 </a:gridCol>
                 <a:gridCol w="2136710">
                   <a:extLst>
                     <a:ext uri="{9D8B030D-6E8A-4147-A177-3AD203B41FA5}">
-                      <a16:colId xmlns:a16="http://schemas.microsoft.com/office/drawing/2014/main" val="340506542"/>
+                      <a16:colId xmlns:a16="http://schemas.microsoft.com/office/drawing/2014/main" xmlns="" val="340506542"/>
                     </a:ext>
                   </a:extLst>
                 </a:gridCol>
                 <a:gridCol w="2136710">
                   <a:extLst>
                     <a:ext uri="{9D8B030D-6E8A-4147-A177-3AD203B41FA5}">
-                      <a16:colId xmlns:a16="http://schemas.microsoft.com/office/drawing/2014/main" val="3542439632"/>
+                      <a16:colId xmlns:a16="http://schemas.microsoft.com/office/drawing/2014/main" xmlns="" val="3542439632"/>
                     </a:ext>
                   </a:extLst>
                 </a:gridCol>
                 <a:gridCol w="2136710">
                   <a:extLst>
                     <a:ext uri="{9D8B030D-6E8A-4147-A177-3AD203B41FA5}">
-                      <a16:colId xmlns:a16="http://schemas.microsoft.com/office/drawing/2014/main" val="3818296224"/>
+                      <a16:colId xmlns:a16="http://schemas.microsoft.com/office/drawing/2014/main" xmlns="" val="3818296224"/>
                     </a:ext>
                   </a:extLst>
                 </a:gridCol>
@@ -5241,7 +5241,7 @@
                 </a:tc>
                 <a:extLst>
                   <a:ext uri="{0D108BD9-81ED-4DB2-BD59-A6C34878D82A}">
-                    <a16:rowId xmlns:a16="http://schemas.microsoft.com/office/drawing/2014/main" val="4157477086"/>
+                    <a16:rowId xmlns:a16="http://schemas.microsoft.com/office/drawing/2014/main" xmlns="" val="4157477086"/>
                   </a:ext>
                 </a:extLst>
               </a:tr>
@@ -5334,7 +5334,7 @@
                 </a:tc>
                 <a:extLst>
                   <a:ext uri="{0D108BD9-81ED-4DB2-BD59-A6C34878D82A}">
-                    <a16:rowId xmlns:a16="http://schemas.microsoft.com/office/drawing/2014/main" val="3072279760"/>
+                    <a16:rowId xmlns:a16="http://schemas.microsoft.com/office/drawing/2014/main" xmlns="" val="3072279760"/>
                   </a:ext>
                 </a:extLst>
               </a:tr>
@@ -5403,7 +5403,7 @@
                 </a:tc>
                 <a:extLst>
                   <a:ext uri="{0D108BD9-81ED-4DB2-BD59-A6C34878D82A}">
-                    <a16:rowId xmlns:a16="http://schemas.microsoft.com/office/drawing/2014/main" val="1800515255"/>
+                    <a16:rowId xmlns:a16="http://schemas.microsoft.com/office/drawing/2014/main" xmlns="" val="1800515255"/>
                   </a:ext>
                 </a:extLst>
               </a:tr>
@@ -5464,7 +5464,7 @@
                 </a:tc>
                 <a:extLst>
                   <a:ext uri="{0D108BD9-81ED-4DB2-BD59-A6C34878D82A}">
-                    <a16:rowId xmlns:a16="http://schemas.microsoft.com/office/drawing/2014/main" val="2881051904"/>
+                    <a16:rowId xmlns:a16="http://schemas.microsoft.com/office/drawing/2014/main" xmlns="" val="2881051904"/>
                   </a:ext>
                 </a:extLst>
               </a:tr>
@@ -5529,7 +5529,7 @@
                 </a:tc>
                 <a:extLst>
                   <a:ext uri="{0D108BD9-81ED-4DB2-BD59-A6C34878D82A}">
-                    <a16:rowId xmlns:a16="http://schemas.microsoft.com/office/drawing/2014/main" val="1928689377"/>
+                    <a16:rowId xmlns:a16="http://schemas.microsoft.com/office/drawing/2014/main" xmlns="" val="1928689377"/>
                   </a:ext>
                 </a:extLst>
               </a:tr>
@@ -5615,7 +5615,7 @@
                 </a:tc>
                 <a:extLst>
                   <a:ext uri="{0D108BD9-81ED-4DB2-BD59-A6C34878D82A}">
-                    <a16:rowId xmlns:a16="http://schemas.microsoft.com/office/drawing/2014/main" val="73076097"/>
+                    <a16:rowId xmlns:a16="http://schemas.microsoft.com/office/drawing/2014/main" xmlns="" val="73076097"/>
                   </a:ext>
                 </a:extLst>
               </a:tr>
@@ -5722,7 +5722,7 @@
                 </a:tc>
                 <a:extLst>
                   <a:ext uri="{0D108BD9-81ED-4DB2-BD59-A6C34878D82A}">
-                    <a16:rowId xmlns:a16="http://schemas.microsoft.com/office/drawing/2014/main" val="741086011"/>
+                    <a16:rowId xmlns:a16="http://schemas.microsoft.com/office/drawing/2014/main" xmlns="" val="741086011"/>
                   </a:ext>
                 </a:extLst>
               </a:tr>
@@ -5825,7 +5825,7 @@
                 </a:tc>
                 <a:extLst>
                   <a:ext uri="{0D108BD9-81ED-4DB2-BD59-A6C34878D82A}">
-                    <a16:rowId xmlns:a16="http://schemas.microsoft.com/office/drawing/2014/main" val="2882844287"/>
+                    <a16:rowId xmlns:a16="http://schemas.microsoft.com/office/drawing/2014/main" xmlns="" val="2882844287"/>
                   </a:ext>
                 </a:extLst>
               </a:tr>
@@ -5838,7 +5838,7 @@
           <p:cNvPr id="5" name="表格 5">
             <a:extLst>
               <a:ext uri="{FF2B5EF4-FFF2-40B4-BE49-F238E27FC236}">
-                <a16:creationId xmlns:a16="http://schemas.microsoft.com/office/drawing/2014/main" id="{E8FA28F6-6F5C-8C19-0657-5E02DFFB8CC2}"/>
+                <a16:creationId xmlns:a16="http://schemas.microsoft.com/office/drawing/2014/main" xmlns="" id="{E8FA28F6-6F5C-8C19-0657-5E02DFFB8CC2}"/>
               </a:ext>
             </a:extLst>
           </p:cNvPr>
@@ -5867,35 +5867,35 @@
                 <a:gridCol w="2670888">
                   <a:extLst>
                     <a:ext uri="{9D8B030D-6E8A-4147-A177-3AD203B41FA5}">
-                      <a16:colId xmlns:a16="http://schemas.microsoft.com/office/drawing/2014/main" val="2499632981"/>
+                      <a16:colId xmlns:a16="http://schemas.microsoft.com/office/drawing/2014/main" xmlns="" val="2499632981"/>
                     </a:ext>
                   </a:extLst>
                 </a:gridCol>
                 <a:gridCol w="2670888">
                   <a:extLst>
                     <a:ext uri="{9D8B030D-6E8A-4147-A177-3AD203B41FA5}">
-                      <a16:colId xmlns:a16="http://schemas.microsoft.com/office/drawing/2014/main" val="4106339976"/>
+                      <a16:colId xmlns:a16="http://schemas.microsoft.com/office/drawing/2014/main" xmlns="" val="4106339976"/>
                     </a:ext>
                   </a:extLst>
                 </a:gridCol>
                 <a:gridCol w="1335444">
                   <a:extLst>
                     <a:ext uri="{9D8B030D-6E8A-4147-A177-3AD203B41FA5}">
-                      <a16:colId xmlns:a16="http://schemas.microsoft.com/office/drawing/2014/main" val="1729740350"/>
+                      <a16:colId xmlns:a16="http://schemas.microsoft.com/office/drawing/2014/main" xmlns="" val="1729740350"/>
                     </a:ext>
                   </a:extLst>
                 </a:gridCol>
                 <a:gridCol w="1335444">
                   <a:extLst>
                     <a:ext uri="{9D8B030D-6E8A-4147-A177-3AD203B41FA5}">
-                      <a16:colId xmlns:a16="http://schemas.microsoft.com/office/drawing/2014/main" val="92583017"/>
+                      <a16:colId xmlns:a16="http://schemas.microsoft.com/office/drawing/2014/main" xmlns="" val="92583017"/>
                     </a:ext>
                   </a:extLst>
                 </a:gridCol>
                 <a:gridCol w="2670888">
                   <a:extLst>
                     <a:ext uri="{9D8B030D-6E8A-4147-A177-3AD203B41FA5}">
-                      <a16:colId xmlns:a16="http://schemas.microsoft.com/office/drawing/2014/main" val="2141561457"/>
+                      <a16:colId xmlns:a16="http://schemas.microsoft.com/office/drawing/2014/main" xmlns="" val="2141561457"/>
                     </a:ext>
                   </a:extLst>
                 </a:gridCol>
@@ -5965,7 +5965,7 @@
                 </a:tc>
                 <a:extLst>
                   <a:ext uri="{0D108BD9-81ED-4DB2-BD59-A6C34878D82A}">
-                    <a16:rowId xmlns:a16="http://schemas.microsoft.com/office/drawing/2014/main" val="3602804410"/>
+                    <a16:rowId xmlns:a16="http://schemas.microsoft.com/office/drawing/2014/main" xmlns="" val="3602804410"/>
                   </a:ext>
                 </a:extLst>
               </a:tr>
@@ -6026,7 +6026,7 @@
                 </a:tc>
                 <a:extLst>
                   <a:ext uri="{0D108BD9-81ED-4DB2-BD59-A6C34878D82A}">
-                    <a16:rowId xmlns:a16="http://schemas.microsoft.com/office/drawing/2014/main" val="3062443277"/>
+                    <a16:rowId xmlns:a16="http://schemas.microsoft.com/office/drawing/2014/main" xmlns="" val="3062443277"/>
                   </a:ext>
                 </a:extLst>
               </a:tr>
@@ -6108,7 +6108,7 @@
                 </a:tc>
                 <a:extLst>
                   <a:ext uri="{0D108BD9-81ED-4DB2-BD59-A6C34878D82A}">
-                    <a16:rowId xmlns:a16="http://schemas.microsoft.com/office/drawing/2014/main" val="385279215"/>
+                    <a16:rowId xmlns:a16="http://schemas.microsoft.com/office/drawing/2014/main" xmlns="" val="385279215"/>
                   </a:ext>
                 </a:extLst>
               </a:tr>
@@ -6181,7 +6181,7 @@
                 </a:tc>
                 <a:extLst>
                   <a:ext uri="{0D108BD9-81ED-4DB2-BD59-A6C34878D82A}">
-                    <a16:rowId xmlns:a16="http://schemas.microsoft.com/office/drawing/2014/main" val="3081816264"/>
+                    <a16:rowId xmlns:a16="http://schemas.microsoft.com/office/drawing/2014/main" xmlns="" val="3081816264"/>
                   </a:ext>
                 </a:extLst>
               </a:tr>
@@ -6279,7 +6279,7 @@
                 </a:tc>
                 <a:extLst>
                   <a:ext uri="{0D108BD9-81ED-4DB2-BD59-A6C34878D82A}">
-                    <a16:rowId xmlns:a16="http://schemas.microsoft.com/office/drawing/2014/main" val="1901673963"/>
+                    <a16:rowId xmlns:a16="http://schemas.microsoft.com/office/drawing/2014/main" xmlns="" val="1901673963"/>
                   </a:ext>
                 </a:extLst>
               </a:tr>
@@ -6292,7 +6292,7 @@
           <p:cNvPr id="6" name="文字方塊 5">
             <a:extLst>
               <a:ext uri="{FF2B5EF4-FFF2-40B4-BE49-F238E27FC236}">
-                <a16:creationId xmlns:a16="http://schemas.microsoft.com/office/drawing/2014/main" id="{02062B03-18AB-7CA6-D784-C0100A7F5642}"/>
+                <a16:creationId xmlns:a16="http://schemas.microsoft.com/office/drawing/2014/main" xmlns="" id="{02062B03-18AB-7CA6-D784-C0100A7F5642}"/>
               </a:ext>
             </a:extLst>
           </p:cNvPr>
@@ -6370,7 +6370,7 @@
           <p:cNvPr id="9" name="圖片 8">
             <a:extLst>
               <a:ext uri="{FF2B5EF4-FFF2-40B4-BE49-F238E27FC236}">
-                <a16:creationId xmlns:a16="http://schemas.microsoft.com/office/drawing/2014/main" id="{B2592A0F-708E-4F19-81CF-9D804F97468C}"/>
+                <a16:creationId xmlns:a16="http://schemas.microsoft.com/office/drawing/2014/main" xmlns="" id="{B2592A0F-708E-4F19-81CF-9D804F97468C}"/>
               </a:ext>
             </a:extLst>
           </p:cNvPr>
@@ -6400,7 +6400,7 @@
           <p:cNvPr id="11" name="圖片 10">
             <a:extLst>
               <a:ext uri="{FF2B5EF4-FFF2-40B4-BE49-F238E27FC236}">
-                <a16:creationId xmlns:a16="http://schemas.microsoft.com/office/drawing/2014/main" id="{65AC37B8-EFB1-8037-743E-256D49C52AD8}"/>
+                <a16:creationId xmlns:a16="http://schemas.microsoft.com/office/drawing/2014/main" xmlns="" id="{65AC37B8-EFB1-8037-743E-256D49C52AD8}"/>
               </a:ext>
             </a:extLst>
           </p:cNvPr>
@@ -6460,7 +6460,7 @@
           <p:cNvPr id="2" name="標題 1">
             <a:extLst>
               <a:ext uri="{FF2B5EF4-FFF2-40B4-BE49-F238E27FC236}">
-                <a16:creationId xmlns:a16="http://schemas.microsoft.com/office/drawing/2014/main" id="{FDBF3A64-B9FD-70B8-C52F-660DE3382798}"/>
+                <a16:creationId xmlns:a16="http://schemas.microsoft.com/office/drawing/2014/main" xmlns="" id="{FDBF3A64-B9FD-70B8-C52F-660DE3382798}"/>
               </a:ext>
             </a:extLst>
           </p:cNvPr>
@@ -6489,7 +6489,7 @@
           <p:cNvPr id="3" name="內容版面配置區 2">
             <a:extLst>
               <a:ext uri="{FF2B5EF4-FFF2-40B4-BE49-F238E27FC236}">
-                <a16:creationId xmlns:a16="http://schemas.microsoft.com/office/drawing/2014/main" id="{F0C0C5DF-8DDB-CB40-0D38-ECE943081B71}"/>
+                <a16:creationId xmlns:a16="http://schemas.microsoft.com/office/drawing/2014/main" xmlns="" id="{F0C0C5DF-8DDB-CB40-0D38-ECE943081B71}"/>
               </a:ext>
             </a:extLst>
           </p:cNvPr>
@@ -6572,7 +6572,7 @@
           <p:cNvPr id="2" name="標題 1">
             <a:extLst>
               <a:ext uri="{FF2B5EF4-FFF2-40B4-BE49-F238E27FC236}">
-                <a16:creationId xmlns:a16="http://schemas.microsoft.com/office/drawing/2014/main" id="{C7B55EDB-6608-3CDF-F165-7F6B7E345F41}"/>
+                <a16:creationId xmlns:a16="http://schemas.microsoft.com/office/drawing/2014/main" xmlns="" id="{C7B55EDB-6608-3CDF-F165-7F6B7E345F41}"/>
               </a:ext>
             </a:extLst>
           </p:cNvPr>
@@ -6606,7 +6606,7 @@
           <p:cNvPr id="3" name="內容版面配置區 2">
             <a:extLst>
               <a:ext uri="{FF2B5EF4-FFF2-40B4-BE49-F238E27FC236}">
-                <a16:creationId xmlns:a16="http://schemas.microsoft.com/office/drawing/2014/main" id="{997FEF67-95B7-8F99-30AA-238E1F83ECAB}"/>
+                <a16:creationId xmlns:a16="http://schemas.microsoft.com/office/drawing/2014/main" xmlns="" id="{997FEF67-95B7-8F99-30AA-238E1F83ECAB}"/>
               </a:ext>
             </a:extLst>
           </p:cNvPr>
@@ -6692,7 +6692,7 @@
           <p:cNvPr id="2" name="標題 1">
             <a:extLst>
               <a:ext uri="{FF2B5EF4-FFF2-40B4-BE49-F238E27FC236}">
-                <a16:creationId xmlns:a16="http://schemas.microsoft.com/office/drawing/2014/main" id="{C7B55EDB-6608-3CDF-F165-7F6B7E345F41}"/>
+                <a16:creationId xmlns:a16="http://schemas.microsoft.com/office/drawing/2014/main" xmlns="" id="{C7B55EDB-6608-3CDF-F165-7F6B7E345F41}"/>
               </a:ext>
             </a:extLst>
           </p:cNvPr>
@@ -6726,7 +6726,7 @@
           <p:cNvPr id="3" name="內容版面配置區 2">
             <a:extLst>
               <a:ext uri="{FF2B5EF4-FFF2-40B4-BE49-F238E27FC236}">
-                <a16:creationId xmlns:a16="http://schemas.microsoft.com/office/drawing/2014/main" id="{997FEF67-95B7-8F99-30AA-238E1F83ECAB}"/>
+                <a16:creationId xmlns:a16="http://schemas.microsoft.com/office/drawing/2014/main" xmlns="" id="{997FEF67-95B7-8F99-30AA-238E1F83ECAB}"/>
               </a:ext>
             </a:extLst>
           </p:cNvPr>
@@ -6804,7 +6804,7 @@
           <p:cNvPr id="2" name="標題 1">
             <a:extLst>
               <a:ext uri="{FF2B5EF4-FFF2-40B4-BE49-F238E27FC236}">
-                <a16:creationId xmlns:a16="http://schemas.microsoft.com/office/drawing/2014/main" id="{C7B55EDB-6608-3CDF-F165-7F6B7E345F41}"/>
+                <a16:creationId xmlns:a16="http://schemas.microsoft.com/office/drawing/2014/main" xmlns="" id="{C7B55EDB-6608-3CDF-F165-7F6B7E345F41}"/>
               </a:ext>
             </a:extLst>
           </p:cNvPr>
@@ -6838,7 +6838,7 @@
           <p:cNvPr id="3" name="內容版面配置區 2">
             <a:extLst>
               <a:ext uri="{FF2B5EF4-FFF2-40B4-BE49-F238E27FC236}">
-                <a16:creationId xmlns:a16="http://schemas.microsoft.com/office/drawing/2014/main" id="{997FEF67-95B7-8F99-30AA-238E1F83ECAB}"/>
+                <a16:creationId xmlns:a16="http://schemas.microsoft.com/office/drawing/2014/main" xmlns="" id="{997FEF67-95B7-8F99-30AA-238E1F83ECAB}"/>
               </a:ext>
             </a:extLst>
           </p:cNvPr>
@@ -6883,7 +6883,7 @@
           <p:cNvPr id="5" name="圖片 4">
             <a:extLst>
               <a:ext uri="{FF2B5EF4-FFF2-40B4-BE49-F238E27FC236}">
-                <a16:creationId xmlns:a16="http://schemas.microsoft.com/office/drawing/2014/main" id="{81C7FC83-CE3C-4E10-CA8C-D7CD415DD12E}"/>
+                <a16:creationId xmlns:a16="http://schemas.microsoft.com/office/drawing/2014/main" xmlns="" id="{81C7FC83-CE3C-4E10-CA8C-D7CD415DD12E}"/>
               </a:ext>
             </a:extLst>
           </p:cNvPr>
@@ -6943,7 +6943,7 @@
           <p:cNvPr id="2" name="標題 1">
             <a:extLst>
               <a:ext uri="{FF2B5EF4-FFF2-40B4-BE49-F238E27FC236}">
-                <a16:creationId xmlns:a16="http://schemas.microsoft.com/office/drawing/2014/main" id="{C7B55EDB-6608-3CDF-F165-7F6B7E345F41}"/>
+                <a16:creationId xmlns:a16="http://schemas.microsoft.com/office/drawing/2014/main" xmlns="" id="{C7B55EDB-6608-3CDF-F165-7F6B7E345F41}"/>
               </a:ext>
             </a:extLst>
           </p:cNvPr>
@@ -6977,7 +6977,7 @@
           <p:cNvPr id="3" name="內容版面配置區 2">
             <a:extLst>
               <a:ext uri="{FF2B5EF4-FFF2-40B4-BE49-F238E27FC236}">
-                <a16:creationId xmlns:a16="http://schemas.microsoft.com/office/drawing/2014/main" id="{997FEF67-95B7-8F99-30AA-238E1F83ECAB}"/>
+                <a16:creationId xmlns:a16="http://schemas.microsoft.com/office/drawing/2014/main" xmlns="" id="{997FEF67-95B7-8F99-30AA-238E1F83ECAB}"/>
               </a:ext>
             </a:extLst>
           </p:cNvPr>
@@ -7052,7 +7052,7 @@
           <p:cNvPr id="5" name="圖片 4">
             <a:extLst>
               <a:ext uri="{FF2B5EF4-FFF2-40B4-BE49-F238E27FC236}">
-                <a16:creationId xmlns:a16="http://schemas.microsoft.com/office/drawing/2014/main" id="{82E55D65-9A0A-32F3-9EFB-83536F8F6485}"/>
+                <a16:creationId xmlns:a16="http://schemas.microsoft.com/office/drawing/2014/main" xmlns="" id="{82E55D65-9A0A-32F3-9EFB-83536F8F6485}"/>
               </a:ext>
             </a:extLst>
           </p:cNvPr>
@@ -7112,7 +7112,7 @@
           <p:cNvPr id="2" name="標題 1">
             <a:extLst>
               <a:ext uri="{FF2B5EF4-FFF2-40B4-BE49-F238E27FC236}">
-                <a16:creationId xmlns:a16="http://schemas.microsoft.com/office/drawing/2014/main" id="{C7B55EDB-6608-3CDF-F165-7F6B7E345F41}"/>
+                <a16:creationId xmlns:a16="http://schemas.microsoft.com/office/drawing/2014/main" xmlns="" id="{C7B55EDB-6608-3CDF-F165-7F6B7E345F41}"/>
               </a:ext>
             </a:extLst>
           </p:cNvPr>
@@ -7146,7 +7146,7 @@
           <p:cNvPr id="3" name="內容版面配置區 2">
             <a:extLst>
               <a:ext uri="{FF2B5EF4-FFF2-40B4-BE49-F238E27FC236}">
-                <a16:creationId xmlns:a16="http://schemas.microsoft.com/office/drawing/2014/main" id="{997FEF67-95B7-8F99-30AA-238E1F83ECAB}"/>
+                <a16:creationId xmlns:a16="http://schemas.microsoft.com/office/drawing/2014/main" xmlns="" id="{997FEF67-95B7-8F99-30AA-238E1F83ECAB}"/>
               </a:ext>
             </a:extLst>
           </p:cNvPr>
@@ -7229,7 +7229,7 @@
           <p:cNvPr id="7" name="圖片 6">
             <a:extLst>
               <a:ext uri="{FF2B5EF4-FFF2-40B4-BE49-F238E27FC236}">
-                <a16:creationId xmlns:a16="http://schemas.microsoft.com/office/drawing/2014/main" id="{32F3C686-041A-DAC1-A1DD-E7C7A9F31150}"/>
+                <a16:creationId xmlns:a16="http://schemas.microsoft.com/office/drawing/2014/main" xmlns="" id="{32F3C686-041A-DAC1-A1DD-E7C7A9F31150}"/>
               </a:ext>
             </a:extLst>
           </p:cNvPr>
@@ -7289,7 +7289,7 @@
           <p:cNvPr id="5" name="圖片 4">
             <a:extLst>
               <a:ext uri="{FF2B5EF4-FFF2-40B4-BE49-F238E27FC236}">
-                <a16:creationId xmlns:a16="http://schemas.microsoft.com/office/drawing/2014/main" id="{1C601679-4623-48E2-AB67-3F6072464115}"/>
+                <a16:creationId xmlns:a16="http://schemas.microsoft.com/office/drawing/2014/main" xmlns="" id="{1C601679-4623-48E2-AB67-3F6072464115}"/>
               </a:ext>
             </a:extLst>
           </p:cNvPr>
@@ -7349,7 +7349,7 @@
           <p:cNvPr id="2" name="標題 1">
             <a:extLst>
               <a:ext uri="{FF2B5EF4-FFF2-40B4-BE49-F238E27FC236}">
-                <a16:creationId xmlns:a16="http://schemas.microsoft.com/office/drawing/2014/main" id="{C7B55EDB-6608-3CDF-F165-7F6B7E345F41}"/>
+                <a16:creationId xmlns:a16="http://schemas.microsoft.com/office/drawing/2014/main" xmlns="" id="{C7B55EDB-6608-3CDF-F165-7F6B7E345F41}"/>
               </a:ext>
             </a:extLst>
           </p:cNvPr>
@@ -7383,7 +7383,7 @@
           <p:cNvPr id="3" name="內容版面配置區 2">
             <a:extLst>
               <a:ext uri="{FF2B5EF4-FFF2-40B4-BE49-F238E27FC236}">
-                <a16:creationId xmlns:a16="http://schemas.microsoft.com/office/drawing/2014/main" id="{997FEF67-95B7-8F99-30AA-238E1F83ECAB}"/>
+                <a16:creationId xmlns:a16="http://schemas.microsoft.com/office/drawing/2014/main" xmlns="" id="{997FEF67-95B7-8F99-30AA-238E1F83ECAB}"/>
               </a:ext>
             </a:extLst>
           </p:cNvPr>
@@ -7458,7 +7458,7 @@
           <p:cNvPr id="9" name="圖片 8">
             <a:extLst>
               <a:ext uri="{FF2B5EF4-FFF2-40B4-BE49-F238E27FC236}">
-                <a16:creationId xmlns:a16="http://schemas.microsoft.com/office/drawing/2014/main" id="{CDF9758E-3DCA-9AC0-19D4-C5EEA7FEBA51}"/>
+                <a16:creationId xmlns:a16="http://schemas.microsoft.com/office/drawing/2014/main" xmlns="" id="{CDF9758E-3DCA-9AC0-19D4-C5EEA7FEBA51}"/>
               </a:ext>
             </a:extLst>
           </p:cNvPr>
@@ -7518,7 +7518,7 @@
           <p:cNvPr id="2" name="標題 1">
             <a:extLst>
               <a:ext uri="{FF2B5EF4-FFF2-40B4-BE49-F238E27FC236}">
-                <a16:creationId xmlns:a16="http://schemas.microsoft.com/office/drawing/2014/main" id="{C7B55EDB-6608-3CDF-F165-7F6B7E345F41}"/>
+                <a16:creationId xmlns:a16="http://schemas.microsoft.com/office/drawing/2014/main" xmlns="" id="{C7B55EDB-6608-3CDF-F165-7F6B7E345F41}"/>
               </a:ext>
             </a:extLst>
           </p:cNvPr>
@@ -7552,7 +7552,7 @@
           <p:cNvPr id="3" name="內容版面配置區 2">
             <a:extLst>
               <a:ext uri="{FF2B5EF4-FFF2-40B4-BE49-F238E27FC236}">
-                <a16:creationId xmlns:a16="http://schemas.microsoft.com/office/drawing/2014/main" id="{997FEF67-95B7-8F99-30AA-238E1F83ECAB}"/>
+                <a16:creationId xmlns:a16="http://schemas.microsoft.com/office/drawing/2014/main" xmlns="" id="{997FEF67-95B7-8F99-30AA-238E1F83ECAB}"/>
               </a:ext>
             </a:extLst>
           </p:cNvPr>
@@ -7630,7 +7630,7 @@
           <p:cNvPr id="2" name="標題 1">
             <a:extLst>
               <a:ext uri="{FF2B5EF4-FFF2-40B4-BE49-F238E27FC236}">
-                <a16:creationId xmlns:a16="http://schemas.microsoft.com/office/drawing/2014/main" id="{C7B55EDB-6608-3CDF-F165-7F6B7E345F41}"/>
+                <a16:creationId xmlns:a16="http://schemas.microsoft.com/office/drawing/2014/main" xmlns="" id="{C7B55EDB-6608-3CDF-F165-7F6B7E345F41}"/>
               </a:ext>
             </a:extLst>
           </p:cNvPr>
@@ -7664,7 +7664,7 @@
           <p:cNvPr id="3" name="內容版面配置區 2">
             <a:extLst>
               <a:ext uri="{FF2B5EF4-FFF2-40B4-BE49-F238E27FC236}">
-                <a16:creationId xmlns:a16="http://schemas.microsoft.com/office/drawing/2014/main" id="{997FEF67-95B7-8F99-30AA-238E1F83ECAB}"/>
+                <a16:creationId xmlns:a16="http://schemas.microsoft.com/office/drawing/2014/main" xmlns="" id="{997FEF67-95B7-8F99-30AA-238E1F83ECAB}"/>
               </a:ext>
             </a:extLst>
           </p:cNvPr>
@@ -7770,7 +7770,7 @@
           <p:cNvPr id="3" name="圖片 2">
             <a:extLst>
               <a:ext uri="{FF2B5EF4-FFF2-40B4-BE49-F238E27FC236}">
-                <a16:creationId xmlns:a16="http://schemas.microsoft.com/office/drawing/2014/main" id="{0B0863F7-04A7-16E2-6884-3C05EC0468C1}"/>
+                <a16:creationId xmlns:a16="http://schemas.microsoft.com/office/drawing/2014/main" xmlns="" id="{0B0863F7-04A7-16E2-6884-3C05EC0468C1}"/>
               </a:ext>
             </a:extLst>
           </p:cNvPr>
@@ -7830,7 +7830,7 @@
           <p:cNvPr id="2" name="標題 1">
             <a:extLst>
               <a:ext uri="{FF2B5EF4-FFF2-40B4-BE49-F238E27FC236}">
-                <a16:creationId xmlns:a16="http://schemas.microsoft.com/office/drawing/2014/main" id="{C7B55EDB-6608-3CDF-F165-7F6B7E345F41}"/>
+                <a16:creationId xmlns:a16="http://schemas.microsoft.com/office/drawing/2014/main" xmlns="" id="{C7B55EDB-6608-3CDF-F165-7F6B7E345F41}"/>
               </a:ext>
             </a:extLst>
           </p:cNvPr>
@@ -7864,7 +7864,7 @@
           <p:cNvPr id="3" name="內容版面配置區 2">
             <a:extLst>
               <a:ext uri="{FF2B5EF4-FFF2-40B4-BE49-F238E27FC236}">
-                <a16:creationId xmlns:a16="http://schemas.microsoft.com/office/drawing/2014/main" id="{997FEF67-95B7-8F99-30AA-238E1F83ECAB}"/>
+                <a16:creationId xmlns:a16="http://schemas.microsoft.com/office/drawing/2014/main" xmlns="" id="{997FEF67-95B7-8F99-30AA-238E1F83ECAB}"/>
               </a:ext>
             </a:extLst>
           </p:cNvPr>
@@ -7921,7 +7921,7 @@
           <p:cNvPr id="5" name="圖片 4">
             <a:extLst>
               <a:ext uri="{FF2B5EF4-FFF2-40B4-BE49-F238E27FC236}">
-                <a16:creationId xmlns:a16="http://schemas.microsoft.com/office/drawing/2014/main" id="{CAE7CD3C-7B0C-C03F-4F6D-0A74B97A7975}"/>
+                <a16:creationId xmlns:a16="http://schemas.microsoft.com/office/drawing/2014/main" xmlns="" id="{CAE7CD3C-7B0C-C03F-4F6D-0A74B97A7975}"/>
               </a:ext>
             </a:extLst>
           </p:cNvPr>
@@ -7981,7 +7981,7 @@
           <p:cNvPr id="2" name="標題 1">
             <a:extLst>
               <a:ext uri="{FF2B5EF4-FFF2-40B4-BE49-F238E27FC236}">
-                <a16:creationId xmlns:a16="http://schemas.microsoft.com/office/drawing/2014/main" id="{C7B55EDB-6608-3CDF-F165-7F6B7E345F41}"/>
+                <a16:creationId xmlns:a16="http://schemas.microsoft.com/office/drawing/2014/main" xmlns="" id="{C7B55EDB-6608-3CDF-F165-7F6B7E345F41}"/>
               </a:ext>
             </a:extLst>
           </p:cNvPr>
@@ -8015,7 +8015,7 @@
           <p:cNvPr id="3" name="內容版面配置區 2">
             <a:extLst>
               <a:ext uri="{FF2B5EF4-FFF2-40B4-BE49-F238E27FC236}">
-                <a16:creationId xmlns:a16="http://schemas.microsoft.com/office/drawing/2014/main" id="{997FEF67-95B7-8F99-30AA-238E1F83ECAB}"/>
+                <a16:creationId xmlns:a16="http://schemas.microsoft.com/office/drawing/2014/main" xmlns="" id="{997FEF67-95B7-8F99-30AA-238E1F83ECAB}"/>
               </a:ext>
             </a:extLst>
           </p:cNvPr>
@@ -8064,7 +8064,7 @@
           <p:cNvPr id="5" name="圖片 4">
             <a:extLst>
               <a:ext uri="{FF2B5EF4-FFF2-40B4-BE49-F238E27FC236}">
-                <a16:creationId xmlns:a16="http://schemas.microsoft.com/office/drawing/2014/main" id="{CAE7CD3C-7B0C-C03F-4F6D-0A74B97A7975}"/>
+                <a16:creationId xmlns:a16="http://schemas.microsoft.com/office/drawing/2014/main" xmlns="" id="{CAE7CD3C-7B0C-C03F-4F6D-0A74B97A7975}"/>
               </a:ext>
             </a:extLst>
           </p:cNvPr>
@@ -8124,7 +8124,7 @@
           <p:cNvPr id="2" name="標題 1">
             <a:extLst>
               <a:ext uri="{FF2B5EF4-FFF2-40B4-BE49-F238E27FC236}">
-                <a16:creationId xmlns:a16="http://schemas.microsoft.com/office/drawing/2014/main" id="{C7B55EDB-6608-3CDF-F165-7F6B7E345F41}"/>
+                <a16:creationId xmlns:a16="http://schemas.microsoft.com/office/drawing/2014/main" xmlns="" id="{C7B55EDB-6608-3CDF-F165-7F6B7E345F41}"/>
               </a:ext>
             </a:extLst>
           </p:cNvPr>
@@ -8158,7 +8158,7 @@
           <p:cNvPr id="3" name="內容版面配置區 2">
             <a:extLst>
               <a:ext uri="{FF2B5EF4-FFF2-40B4-BE49-F238E27FC236}">
-                <a16:creationId xmlns:a16="http://schemas.microsoft.com/office/drawing/2014/main" id="{997FEF67-95B7-8F99-30AA-238E1F83ECAB}"/>
+                <a16:creationId xmlns:a16="http://schemas.microsoft.com/office/drawing/2014/main" xmlns="" id="{997FEF67-95B7-8F99-30AA-238E1F83ECAB}"/>
               </a:ext>
             </a:extLst>
           </p:cNvPr>
@@ -8207,7 +8207,7 @@
           <p:cNvPr id="5" name="圖片 4">
             <a:extLst>
               <a:ext uri="{FF2B5EF4-FFF2-40B4-BE49-F238E27FC236}">
-                <a16:creationId xmlns:a16="http://schemas.microsoft.com/office/drawing/2014/main" id="{CAE7CD3C-7B0C-C03F-4F6D-0A74B97A7975}"/>
+                <a16:creationId xmlns:a16="http://schemas.microsoft.com/office/drawing/2014/main" xmlns="" id="{CAE7CD3C-7B0C-C03F-4F6D-0A74B97A7975}"/>
               </a:ext>
             </a:extLst>
           </p:cNvPr>
@@ -8237,7 +8237,7 @@
           <p:cNvPr id="4" name="表格 5">
             <a:extLst>
               <a:ext uri="{FF2B5EF4-FFF2-40B4-BE49-F238E27FC236}">
-                <a16:creationId xmlns:a16="http://schemas.microsoft.com/office/drawing/2014/main" id="{DCF03E40-DF93-4842-FADB-C49945634CC1}"/>
+                <a16:creationId xmlns:a16="http://schemas.microsoft.com/office/drawing/2014/main" xmlns="" id="{DCF03E40-DF93-4842-FADB-C49945634CC1}"/>
               </a:ext>
             </a:extLst>
           </p:cNvPr>
@@ -8266,42 +8266,42 @@
                 <a:gridCol w="1438815">
                   <a:extLst>
                     <a:ext uri="{9D8B030D-6E8A-4147-A177-3AD203B41FA5}">
-                      <a16:colId xmlns:a16="http://schemas.microsoft.com/office/drawing/2014/main" val="953559343"/>
+                      <a16:colId xmlns:a16="http://schemas.microsoft.com/office/drawing/2014/main" xmlns="" val="953559343"/>
                     </a:ext>
                   </a:extLst>
                 </a:gridCol>
                 <a:gridCol w="1438815">
                   <a:extLst>
                     <a:ext uri="{9D8B030D-6E8A-4147-A177-3AD203B41FA5}">
-                      <a16:colId xmlns:a16="http://schemas.microsoft.com/office/drawing/2014/main" val="217266708"/>
+                      <a16:colId xmlns:a16="http://schemas.microsoft.com/office/drawing/2014/main" xmlns="" val="217266708"/>
                     </a:ext>
                   </a:extLst>
                 </a:gridCol>
                 <a:gridCol w="1438815">
                   <a:extLst>
                     <a:ext uri="{9D8B030D-6E8A-4147-A177-3AD203B41FA5}">
-                      <a16:colId xmlns:a16="http://schemas.microsoft.com/office/drawing/2014/main" val="2267688532"/>
+                      <a16:colId xmlns:a16="http://schemas.microsoft.com/office/drawing/2014/main" xmlns="" val="2267688532"/>
                     </a:ext>
                   </a:extLst>
                 </a:gridCol>
                 <a:gridCol w="1438815">
                   <a:extLst>
                     <a:ext uri="{9D8B030D-6E8A-4147-A177-3AD203B41FA5}">
-                      <a16:colId xmlns:a16="http://schemas.microsoft.com/office/drawing/2014/main" val="1246786021"/>
+                      <a16:colId xmlns:a16="http://schemas.microsoft.com/office/drawing/2014/main" xmlns="" val="1246786021"/>
                     </a:ext>
                   </a:extLst>
                 </a:gridCol>
                 <a:gridCol w="1438815">
                   <a:extLst>
                     <a:ext uri="{9D8B030D-6E8A-4147-A177-3AD203B41FA5}">
-                      <a16:colId xmlns:a16="http://schemas.microsoft.com/office/drawing/2014/main" val="2703899966"/>
+                      <a16:colId xmlns:a16="http://schemas.microsoft.com/office/drawing/2014/main" xmlns="" val="2703899966"/>
                     </a:ext>
                   </a:extLst>
                 </a:gridCol>
                 <a:gridCol w="1438815">
                   <a:extLst>
                     <a:ext uri="{9D8B030D-6E8A-4147-A177-3AD203B41FA5}">
-                      <a16:colId xmlns:a16="http://schemas.microsoft.com/office/drawing/2014/main" val="412824192"/>
+                      <a16:colId xmlns:a16="http://schemas.microsoft.com/office/drawing/2014/main" xmlns="" val="412824192"/>
                     </a:ext>
                   </a:extLst>
                 </a:gridCol>
@@ -8393,7 +8393,7 @@
                 </a:tc>
                 <a:extLst>
                   <a:ext uri="{0D108BD9-81ED-4DB2-BD59-A6C34878D82A}">
-                    <a16:rowId xmlns:a16="http://schemas.microsoft.com/office/drawing/2014/main" val="3959336412"/>
+                    <a16:rowId xmlns:a16="http://schemas.microsoft.com/office/drawing/2014/main" xmlns="" val="3959336412"/>
                   </a:ext>
                 </a:extLst>
               </a:tr>
@@ -8484,7 +8484,7 @@
                 </a:tc>
                 <a:extLst>
                   <a:ext uri="{0D108BD9-81ED-4DB2-BD59-A6C34878D82A}">
-                    <a16:rowId xmlns:a16="http://schemas.microsoft.com/office/drawing/2014/main" val="1924330836"/>
+                    <a16:rowId xmlns:a16="http://schemas.microsoft.com/office/drawing/2014/main" xmlns="" val="1924330836"/>
                   </a:ext>
                 </a:extLst>
               </a:tr>
@@ -8527,7 +8527,7 @@
           <p:cNvPr id="2" name="標題 1">
             <a:extLst>
               <a:ext uri="{FF2B5EF4-FFF2-40B4-BE49-F238E27FC236}">
-                <a16:creationId xmlns:a16="http://schemas.microsoft.com/office/drawing/2014/main" id="{C7B55EDB-6608-3CDF-F165-7F6B7E345F41}"/>
+                <a16:creationId xmlns:a16="http://schemas.microsoft.com/office/drawing/2014/main" xmlns="" id="{C7B55EDB-6608-3CDF-F165-7F6B7E345F41}"/>
               </a:ext>
             </a:extLst>
           </p:cNvPr>
@@ -8561,7 +8561,7 @@
           <p:cNvPr id="3" name="內容版面配置區 2">
             <a:extLst>
               <a:ext uri="{FF2B5EF4-FFF2-40B4-BE49-F238E27FC236}">
-                <a16:creationId xmlns:a16="http://schemas.microsoft.com/office/drawing/2014/main" id="{997FEF67-95B7-8F99-30AA-238E1F83ECAB}"/>
+                <a16:creationId xmlns:a16="http://schemas.microsoft.com/office/drawing/2014/main" xmlns="" id="{997FEF67-95B7-8F99-30AA-238E1F83ECAB}"/>
               </a:ext>
             </a:extLst>
           </p:cNvPr>
@@ -8610,7 +8610,7 @@
           <p:cNvPr id="6" name="圖片 5">
             <a:extLst>
               <a:ext uri="{FF2B5EF4-FFF2-40B4-BE49-F238E27FC236}">
-                <a16:creationId xmlns:a16="http://schemas.microsoft.com/office/drawing/2014/main" id="{F8D24EAD-76D1-014D-FB63-27C5C0A8B4E1}"/>
+                <a16:creationId xmlns:a16="http://schemas.microsoft.com/office/drawing/2014/main" xmlns="" id="{F8D24EAD-76D1-014D-FB63-27C5C0A8B4E1}"/>
               </a:ext>
             </a:extLst>
           </p:cNvPr>
@@ -8670,7 +8670,7 @@
           <p:cNvPr id="2" name="標題 1">
             <a:extLst>
               <a:ext uri="{FF2B5EF4-FFF2-40B4-BE49-F238E27FC236}">
-                <a16:creationId xmlns:a16="http://schemas.microsoft.com/office/drawing/2014/main" id="{C7B55EDB-6608-3CDF-F165-7F6B7E345F41}"/>
+                <a16:creationId xmlns:a16="http://schemas.microsoft.com/office/drawing/2014/main" xmlns="" id="{C7B55EDB-6608-3CDF-F165-7F6B7E345F41}"/>
               </a:ext>
             </a:extLst>
           </p:cNvPr>
@@ -8704,7 +8704,7 @@
           <p:cNvPr id="3" name="內容版面配置區 2">
             <a:extLst>
               <a:ext uri="{FF2B5EF4-FFF2-40B4-BE49-F238E27FC236}">
-                <a16:creationId xmlns:a16="http://schemas.microsoft.com/office/drawing/2014/main" id="{997FEF67-95B7-8F99-30AA-238E1F83ECAB}"/>
+                <a16:creationId xmlns:a16="http://schemas.microsoft.com/office/drawing/2014/main" xmlns="" id="{997FEF67-95B7-8F99-30AA-238E1F83ECAB}"/>
               </a:ext>
             </a:extLst>
           </p:cNvPr>
@@ -8760,7 +8760,7 @@
           <p:cNvPr id="5" name="圖片 4">
             <a:extLst>
               <a:ext uri="{FF2B5EF4-FFF2-40B4-BE49-F238E27FC236}">
-                <a16:creationId xmlns:a16="http://schemas.microsoft.com/office/drawing/2014/main" id="{06F0EC0A-1716-674B-368E-E9CA7A73655E}"/>
+                <a16:creationId xmlns:a16="http://schemas.microsoft.com/office/drawing/2014/main" xmlns="" id="{06F0EC0A-1716-674B-368E-E9CA7A73655E}"/>
               </a:ext>
             </a:extLst>
           </p:cNvPr>
@@ -8820,7 +8820,7 @@
           <p:cNvPr id="2" name="標題 1">
             <a:extLst>
               <a:ext uri="{FF2B5EF4-FFF2-40B4-BE49-F238E27FC236}">
-                <a16:creationId xmlns:a16="http://schemas.microsoft.com/office/drawing/2014/main" id="{C7B55EDB-6608-3CDF-F165-7F6B7E345F41}"/>
+                <a16:creationId xmlns:a16="http://schemas.microsoft.com/office/drawing/2014/main" xmlns="" id="{C7B55EDB-6608-3CDF-F165-7F6B7E345F41}"/>
               </a:ext>
             </a:extLst>
           </p:cNvPr>
@@ -8854,7 +8854,7 @@
           <p:cNvPr id="3" name="內容版面配置區 2">
             <a:extLst>
               <a:ext uri="{FF2B5EF4-FFF2-40B4-BE49-F238E27FC236}">
-                <a16:creationId xmlns:a16="http://schemas.microsoft.com/office/drawing/2014/main" id="{997FEF67-95B7-8F99-30AA-238E1F83ECAB}"/>
+                <a16:creationId xmlns:a16="http://schemas.microsoft.com/office/drawing/2014/main" xmlns="" id="{997FEF67-95B7-8F99-30AA-238E1F83ECAB}"/>
               </a:ext>
             </a:extLst>
           </p:cNvPr>
@@ -8902,7 +8902,7 @@
           <p:cNvPr id="5" name="圖片 4">
             <a:extLst>
               <a:ext uri="{FF2B5EF4-FFF2-40B4-BE49-F238E27FC236}">
-                <a16:creationId xmlns:a16="http://schemas.microsoft.com/office/drawing/2014/main" id="{63EEBD5A-2729-BD08-4EA2-AAFA875431FC}"/>
+                <a16:creationId xmlns:a16="http://schemas.microsoft.com/office/drawing/2014/main" xmlns="" id="{63EEBD5A-2729-BD08-4EA2-AAFA875431FC}"/>
               </a:ext>
             </a:extLst>
           </p:cNvPr>
@@ -8962,7 +8962,7 @@
           <p:cNvPr id="5" name="圖片 4">
             <a:extLst>
               <a:ext uri="{FF2B5EF4-FFF2-40B4-BE49-F238E27FC236}">
-                <a16:creationId xmlns:a16="http://schemas.microsoft.com/office/drawing/2014/main" id="{74030B0A-B63D-4D84-08CF-401A368F3503}"/>
+                <a16:creationId xmlns:a16="http://schemas.microsoft.com/office/drawing/2014/main" xmlns="" id="{74030B0A-B63D-4D84-08CF-401A368F3503}"/>
               </a:ext>
             </a:extLst>
           </p:cNvPr>
@@ -9022,7 +9022,7 @@
           <p:cNvPr id="5" name="內容版面配置區 4">
             <a:extLst>
               <a:ext uri="{FF2B5EF4-FFF2-40B4-BE49-F238E27FC236}">
-                <a16:creationId xmlns:a16="http://schemas.microsoft.com/office/drawing/2014/main" id="{69A219CF-B65A-CD44-A023-C0310CB04047}"/>
+                <a16:creationId xmlns:a16="http://schemas.microsoft.com/office/drawing/2014/main" xmlns="" id="{69A219CF-B65A-CD44-A023-C0310CB04047}"/>
               </a:ext>
             </a:extLst>
           </p:cNvPr>
@@ -9081,7 +9081,7 @@
           <p:cNvPr id="2" name="標題 1">
             <a:extLst>
               <a:ext uri="{FF2B5EF4-FFF2-40B4-BE49-F238E27FC236}">
-                <a16:creationId xmlns:a16="http://schemas.microsoft.com/office/drawing/2014/main" id="{C7B55EDB-6608-3CDF-F165-7F6B7E345F41}"/>
+                <a16:creationId xmlns:a16="http://schemas.microsoft.com/office/drawing/2014/main" xmlns="" id="{C7B55EDB-6608-3CDF-F165-7F6B7E345F41}"/>
               </a:ext>
             </a:extLst>
           </p:cNvPr>
@@ -9115,7 +9115,7 @@
           <p:cNvPr id="3" name="內容版面配置區 2">
             <a:extLst>
               <a:ext uri="{FF2B5EF4-FFF2-40B4-BE49-F238E27FC236}">
-                <a16:creationId xmlns:a16="http://schemas.microsoft.com/office/drawing/2014/main" id="{997FEF67-95B7-8F99-30AA-238E1F83ECAB}"/>
+                <a16:creationId xmlns:a16="http://schemas.microsoft.com/office/drawing/2014/main" xmlns="" id="{997FEF67-95B7-8F99-30AA-238E1F83ECAB}"/>
               </a:ext>
             </a:extLst>
           </p:cNvPr>
@@ -9237,7 +9237,7 @@
           <p:cNvPr id="2" name="標題 1">
             <a:extLst>
               <a:ext uri="{FF2B5EF4-FFF2-40B4-BE49-F238E27FC236}">
-                <a16:creationId xmlns:a16="http://schemas.microsoft.com/office/drawing/2014/main" id="{C7B55EDB-6608-3CDF-F165-7F6B7E345F41}"/>
+                <a16:creationId xmlns:a16="http://schemas.microsoft.com/office/drawing/2014/main" xmlns="" id="{C7B55EDB-6608-3CDF-F165-7F6B7E345F41}"/>
               </a:ext>
             </a:extLst>
           </p:cNvPr>
@@ -9271,7 +9271,7 @@
           <p:cNvPr id="3" name="內容版面配置區 2">
             <a:extLst>
               <a:ext uri="{FF2B5EF4-FFF2-40B4-BE49-F238E27FC236}">
-                <a16:creationId xmlns:a16="http://schemas.microsoft.com/office/drawing/2014/main" id="{997FEF67-95B7-8F99-30AA-238E1F83ECAB}"/>
+                <a16:creationId xmlns:a16="http://schemas.microsoft.com/office/drawing/2014/main" xmlns="" id="{997FEF67-95B7-8F99-30AA-238E1F83ECAB}"/>
               </a:ext>
             </a:extLst>
           </p:cNvPr>
@@ -9358,7 +9358,7 @@
           <p:cNvPr id="9" name="圖片 8">
             <a:extLst>
               <a:ext uri="{FF2B5EF4-FFF2-40B4-BE49-F238E27FC236}">
-                <a16:creationId xmlns:a16="http://schemas.microsoft.com/office/drawing/2014/main" id="{6D1E21C7-2A0C-A53F-DA67-FDB54C54A81E}"/>
+                <a16:creationId xmlns:a16="http://schemas.microsoft.com/office/drawing/2014/main" xmlns="" id="{6D1E21C7-2A0C-A53F-DA67-FDB54C54A81E}"/>
               </a:ext>
             </a:extLst>
           </p:cNvPr>
@@ -9418,7 +9418,7 @@
           <p:cNvPr id="2" name="標題 1">
             <a:extLst>
               <a:ext uri="{FF2B5EF4-FFF2-40B4-BE49-F238E27FC236}">
-                <a16:creationId xmlns:a16="http://schemas.microsoft.com/office/drawing/2014/main" id="{C7B55EDB-6608-3CDF-F165-7F6B7E345F41}"/>
+                <a16:creationId xmlns:a16="http://schemas.microsoft.com/office/drawing/2014/main" xmlns="" id="{C7B55EDB-6608-3CDF-F165-7F6B7E345F41}"/>
               </a:ext>
             </a:extLst>
           </p:cNvPr>
@@ -9452,7 +9452,7 @@
           <p:cNvPr id="3" name="內容版面配置區 2">
             <a:extLst>
               <a:ext uri="{FF2B5EF4-FFF2-40B4-BE49-F238E27FC236}">
-                <a16:creationId xmlns:a16="http://schemas.microsoft.com/office/drawing/2014/main" id="{997FEF67-95B7-8F99-30AA-238E1F83ECAB}"/>
+                <a16:creationId xmlns:a16="http://schemas.microsoft.com/office/drawing/2014/main" xmlns="" id="{997FEF67-95B7-8F99-30AA-238E1F83ECAB}"/>
               </a:ext>
             </a:extLst>
           </p:cNvPr>
@@ -9531,7 +9531,7 @@
           <p:cNvPr id="5" name="圖片 4">
             <a:extLst>
               <a:ext uri="{FF2B5EF4-FFF2-40B4-BE49-F238E27FC236}">
-                <a16:creationId xmlns:a16="http://schemas.microsoft.com/office/drawing/2014/main" id="{DD0EEA86-A4FF-1CC8-FAE0-76A73839CF21}"/>
+                <a16:creationId xmlns:a16="http://schemas.microsoft.com/office/drawing/2014/main" xmlns="" id="{DD0EEA86-A4FF-1CC8-FAE0-76A73839CF21}"/>
               </a:ext>
             </a:extLst>
           </p:cNvPr>
@@ -9591,7 +9591,7 @@
           <p:cNvPr id="3" name="圖片 2">
             <a:extLst>
               <a:ext uri="{FF2B5EF4-FFF2-40B4-BE49-F238E27FC236}">
-                <a16:creationId xmlns:a16="http://schemas.microsoft.com/office/drawing/2014/main" id="{DB94A8B7-2A40-6EA4-8739-E537514B1BA0}"/>
+                <a16:creationId xmlns:a16="http://schemas.microsoft.com/office/drawing/2014/main" xmlns="" id="{DB94A8B7-2A40-6EA4-8739-E537514B1BA0}"/>
               </a:ext>
             </a:extLst>
           </p:cNvPr>
@@ -9651,7 +9651,7 @@
           <p:cNvPr id="2" name="標題 1">
             <a:extLst>
               <a:ext uri="{FF2B5EF4-FFF2-40B4-BE49-F238E27FC236}">
-                <a16:creationId xmlns:a16="http://schemas.microsoft.com/office/drawing/2014/main" id="{C7B55EDB-6608-3CDF-F165-7F6B7E345F41}"/>
+                <a16:creationId xmlns:a16="http://schemas.microsoft.com/office/drawing/2014/main" xmlns="" id="{C7B55EDB-6608-3CDF-F165-7F6B7E345F41}"/>
               </a:ext>
             </a:extLst>
           </p:cNvPr>
@@ -9685,7 +9685,7 @@
           <p:cNvPr id="3" name="內容版面配置區 2">
             <a:extLst>
               <a:ext uri="{FF2B5EF4-FFF2-40B4-BE49-F238E27FC236}">
-                <a16:creationId xmlns:a16="http://schemas.microsoft.com/office/drawing/2014/main" id="{997FEF67-95B7-8F99-30AA-238E1F83ECAB}"/>
+                <a16:creationId xmlns:a16="http://schemas.microsoft.com/office/drawing/2014/main" xmlns="" id="{997FEF67-95B7-8F99-30AA-238E1F83ECAB}"/>
               </a:ext>
             </a:extLst>
           </p:cNvPr>
@@ -9786,7 +9786,7 @@
           <p:cNvPr id="2" name="標題 1">
             <a:extLst>
               <a:ext uri="{FF2B5EF4-FFF2-40B4-BE49-F238E27FC236}">
-                <a16:creationId xmlns:a16="http://schemas.microsoft.com/office/drawing/2014/main" id="{C7B55EDB-6608-3CDF-F165-7F6B7E345F41}"/>
+                <a16:creationId xmlns:a16="http://schemas.microsoft.com/office/drawing/2014/main" xmlns="" id="{C7B55EDB-6608-3CDF-F165-7F6B7E345F41}"/>
               </a:ext>
             </a:extLst>
           </p:cNvPr>
@@ -9820,7 +9820,7 @@
           <p:cNvPr id="3" name="內容版面配置區 2">
             <a:extLst>
               <a:ext uri="{FF2B5EF4-FFF2-40B4-BE49-F238E27FC236}">
-                <a16:creationId xmlns:a16="http://schemas.microsoft.com/office/drawing/2014/main" id="{997FEF67-95B7-8F99-30AA-238E1F83ECAB}"/>
+                <a16:creationId xmlns:a16="http://schemas.microsoft.com/office/drawing/2014/main" xmlns="" id="{997FEF67-95B7-8F99-30AA-238E1F83ECAB}"/>
               </a:ext>
             </a:extLst>
           </p:cNvPr>
@@ -9892,7 +9892,7 @@
           <p:cNvPr id="2" name="標題 1">
             <a:extLst>
               <a:ext uri="{FF2B5EF4-FFF2-40B4-BE49-F238E27FC236}">
-                <a16:creationId xmlns:a16="http://schemas.microsoft.com/office/drawing/2014/main" id="{C7B55EDB-6608-3CDF-F165-7F6B7E345F41}"/>
+                <a16:creationId xmlns:a16="http://schemas.microsoft.com/office/drawing/2014/main" xmlns="" id="{C7B55EDB-6608-3CDF-F165-7F6B7E345F41}"/>
               </a:ext>
             </a:extLst>
           </p:cNvPr>
@@ -9926,7 +9926,7 @@
           <p:cNvPr id="3" name="內容版面配置區 2">
             <a:extLst>
               <a:ext uri="{FF2B5EF4-FFF2-40B4-BE49-F238E27FC236}">
-                <a16:creationId xmlns:a16="http://schemas.microsoft.com/office/drawing/2014/main" id="{997FEF67-95B7-8F99-30AA-238E1F83ECAB}"/>
+                <a16:creationId xmlns:a16="http://schemas.microsoft.com/office/drawing/2014/main" xmlns="" id="{997FEF67-95B7-8F99-30AA-238E1F83ECAB}"/>
               </a:ext>
             </a:extLst>
           </p:cNvPr>
@@ -10004,7 +10004,7 @@
           <p:cNvPr id="2" name="標題 1">
             <a:extLst>
               <a:ext uri="{FF2B5EF4-FFF2-40B4-BE49-F238E27FC236}">
-                <a16:creationId xmlns:a16="http://schemas.microsoft.com/office/drawing/2014/main" id="{C7B55EDB-6608-3CDF-F165-7F6B7E345F41}"/>
+                <a16:creationId xmlns:a16="http://schemas.microsoft.com/office/drawing/2014/main" xmlns="" id="{C7B55EDB-6608-3CDF-F165-7F6B7E345F41}"/>
               </a:ext>
             </a:extLst>
           </p:cNvPr>
@@ -10038,7 +10038,7 @@
           <p:cNvPr id="3" name="內容版面配置區 2">
             <a:extLst>
               <a:ext uri="{FF2B5EF4-FFF2-40B4-BE49-F238E27FC236}">
-                <a16:creationId xmlns:a16="http://schemas.microsoft.com/office/drawing/2014/main" id="{997FEF67-95B7-8F99-30AA-238E1F83ECAB}"/>
+                <a16:creationId xmlns:a16="http://schemas.microsoft.com/office/drawing/2014/main" xmlns="" id="{997FEF67-95B7-8F99-30AA-238E1F83ECAB}"/>
               </a:ext>
             </a:extLst>
           </p:cNvPr>
@@ -10165,7 +10165,7 @@
           <p:cNvPr id="2" name="標題 1">
             <a:extLst>
               <a:ext uri="{FF2B5EF4-FFF2-40B4-BE49-F238E27FC236}">
-                <a16:creationId xmlns:a16="http://schemas.microsoft.com/office/drawing/2014/main" id="{C7B55EDB-6608-3CDF-F165-7F6B7E345F41}"/>
+                <a16:creationId xmlns:a16="http://schemas.microsoft.com/office/drawing/2014/main" xmlns="" id="{C7B55EDB-6608-3CDF-F165-7F6B7E345F41}"/>
               </a:ext>
             </a:extLst>
           </p:cNvPr>
@@ -10199,7 +10199,7 @@
           <p:cNvPr id="3" name="內容版面配置區 2">
             <a:extLst>
               <a:ext uri="{FF2B5EF4-FFF2-40B4-BE49-F238E27FC236}">
-                <a16:creationId xmlns:a16="http://schemas.microsoft.com/office/drawing/2014/main" id="{997FEF67-95B7-8F99-30AA-238E1F83ECAB}"/>
+                <a16:creationId xmlns:a16="http://schemas.microsoft.com/office/drawing/2014/main" xmlns="" id="{997FEF67-95B7-8F99-30AA-238E1F83ECAB}"/>
               </a:ext>
             </a:extLst>
           </p:cNvPr>
@@ -10301,7 +10301,7 @@
           <p:cNvPr id="2" name="標題 1">
             <a:extLst>
               <a:ext uri="{FF2B5EF4-FFF2-40B4-BE49-F238E27FC236}">
-                <a16:creationId xmlns:a16="http://schemas.microsoft.com/office/drawing/2014/main" id="{C7B55EDB-6608-3CDF-F165-7F6B7E345F41}"/>
+                <a16:creationId xmlns:a16="http://schemas.microsoft.com/office/drawing/2014/main" xmlns="" id="{C7B55EDB-6608-3CDF-F165-7F6B7E345F41}"/>
               </a:ext>
             </a:extLst>
           </p:cNvPr>
@@ -10335,7 +10335,7 @@
           <p:cNvPr id="3" name="內容版面配置區 2">
             <a:extLst>
               <a:ext uri="{FF2B5EF4-FFF2-40B4-BE49-F238E27FC236}">
-                <a16:creationId xmlns:a16="http://schemas.microsoft.com/office/drawing/2014/main" id="{997FEF67-95B7-8F99-30AA-238E1F83ECAB}"/>
+                <a16:creationId xmlns:a16="http://schemas.microsoft.com/office/drawing/2014/main" xmlns="" id="{997FEF67-95B7-8F99-30AA-238E1F83ECAB}"/>
               </a:ext>
             </a:extLst>
           </p:cNvPr>
@@ -10429,7 +10429,7 @@
           <p:cNvPr id="2" name="標題 1">
             <a:extLst>
               <a:ext uri="{FF2B5EF4-FFF2-40B4-BE49-F238E27FC236}">
-                <a16:creationId xmlns:a16="http://schemas.microsoft.com/office/drawing/2014/main" id="{C7B55EDB-6608-3CDF-F165-7F6B7E345F41}"/>
+                <a16:creationId xmlns:a16="http://schemas.microsoft.com/office/drawing/2014/main" xmlns="" id="{C7B55EDB-6608-3CDF-F165-7F6B7E345F41}"/>
               </a:ext>
             </a:extLst>
           </p:cNvPr>
@@ -10463,7 +10463,7 @@
           <p:cNvPr id="3" name="內容版面配置區 2">
             <a:extLst>
               <a:ext uri="{FF2B5EF4-FFF2-40B4-BE49-F238E27FC236}">
-                <a16:creationId xmlns:a16="http://schemas.microsoft.com/office/drawing/2014/main" id="{997FEF67-95B7-8F99-30AA-238E1F83ECAB}"/>
+                <a16:creationId xmlns:a16="http://schemas.microsoft.com/office/drawing/2014/main" xmlns="" id="{997FEF67-95B7-8F99-30AA-238E1F83ECAB}"/>
               </a:ext>
             </a:extLst>
           </p:cNvPr>
